--- a/Apresentacao_3NA1.pptx
+++ b/Apresentacao_3NA1.pptx
@@ -7,16 +7,24 @@
   <p:sldIdLst>
     <p:sldId id="257" r:id="rId2"/>
     <p:sldId id="267" r:id="rId3"/>
-    <p:sldId id="258" r:id="rId4"/>
-    <p:sldId id="270" r:id="rId5"/>
-    <p:sldId id="271" r:id="rId6"/>
-    <p:sldId id="272" r:id="rId7"/>
-    <p:sldId id="273" r:id="rId8"/>
-    <p:sldId id="259" r:id="rId9"/>
-    <p:sldId id="275" r:id="rId10"/>
-    <p:sldId id="274" r:id="rId11"/>
-    <p:sldId id="276" r:id="rId12"/>
-    <p:sldId id="277" r:id="rId13"/>
+    <p:sldId id="278" r:id="rId4"/>
+    <p:sldId id="281" r:id="rId5"/>
+    <p:sldId id="284" r:id="rId6"/>
+    <p:sldId id="279" r:id="rId7"/>
+    <p:sldId id="282" r:id="rId8"/>
+    <p:sldId id="283" r:id="rId9"/>
+    <p:sldId id="280" r:id="rId10"/>
+    <p:sldId id="258" r:id="rId11"/>
+    <p:sldId id="270" r:id="rId12"/>
+    <p:sldId id="271" r:id="rId13"/>
+    <p:sldId id="272" r:id="rId14"/>
+    <p:sldId id="273" r:id="rId15"/>
+    <p:sldId id="259" r:id="rId16"/>
+    <p:sldId id="275" r:id="rId17"/>
+    <p:sldId id="285" r:id="rId18"/>
+    <p:sldId id="274" r:id="rId19"/>
+    <p:sldId id="276" r:id="rId20"/>
+    <p:sldId id="277" r:id="rId21"/>
   </p:sldIdLst>
   <p:sldSz cx="12192000" cy="6858000"/>
   <p:notesSz cx="6858000" cy="9144000"/>
@@ -115,6 +123,11 @@
       </a:defRPr>
     </a:lvl9pPr>
   </p:defaultTextStyle>
+  <p:extLst>
+    <p:ext uri="{EFAFB233-063F-42B5-8137-9DF3F51BA10A}">
+      <p15:sldGuideLst xmlns:p15="http://schemas.microsoft.com/office/powerpoint/2012/main"/>
+    </p:ext>
+  </p:extLst>
 </p:presentation>
 </file>
 
@@ -304,7 +317,7 @@
           <a:p>
             <a:fld id="{93C1D2B3-B8E5-4A56-B537-93DD19940350}" type="datetimeFigureOut">
               <a:rPr lang="en-US" smtClean="0"/>
-              <a:t>1/4/2020</a:t>
+              <a:t>1/6/2020</a:t>
             </a:fld>
             <a:endParaRPr lang="en-US"/>
           </a:p>
@@ -579,7 +592,7 @@
           <a:p>
             <a:fld id="{93C1D2B3-B8E5-4A56-B537-93DD19940350}" type="datetimeFigureOut">
               <a:rPr lang="en-US" smtClean="0"/>
-              <a:t>1/4/2020</a:t>
+              <a:t>1/6/2020</a:t>
             </a:fld>
             <a:endParaRPr lang="en-US"/>
           </a:p>
@@ -773,7 +786,7 @@
           <a:p>
             <a:fld id="{93C1D2B3-B8E5-4A56-B537-93DD19940350}" type="datetimeFigureOut">
               <a:rPr lang="en-US" smtClean="0"/>
-              <a:t>1/4/2020</a:t>
+              <a:t>1/6/2020</a:t>
             </a:fld>
             <a:endParaRPr lang="en-US"/>
           </a:p>
@@ -1046,7 +1059,7 @@
           <a:p>
             <a:fld id="{93C1D2B3-B8E5-4A56-B537-93DD19940350}" type="datetimeFigureOut">
               <a:rPr lang="en-US" smtClean="0"/>
-              <a:t>1/4/2020</a:t>
+              <a:t>1/6/2020</a:t>
             </a:fld>
             <a:endParaRPr lang="en-US"/>
           </a:p>
@@ -1387,7 +1400,7 @@
           <a:p>
             <a:fld id="{93C1D2B3-B8E5-4A56-B537-93DD19940350}" type="datetimeFigureOut">
               <a:rPr lang="en-US" smtClean="0"/>
-              <a:t>1/4/2020</a:t>
+              <a:t>1/6/2020</a:t>
             </a:fld>
             <a:endParaRPr lang="en-US"/>
           </a:p>
@@ -2010,7 +2023,7 @@
           <a:p>
             <a:fld id="{93C1D2B3-B8E5-4A56-B537-93DD19940350}" type="datetimeFigureOut">
               <a:rPr lang="en-US" smtClean="0"/>
-              <a:t>1/4/2020</a:t>
+              <a:t>1/6/2020</a:t>
             </a:fld>
             <a:endParaRPr lang="en-US"/>
           </a:p>
@@ -2870,7 +2883,7 @@
           <a:p>
             <a:fld id="{93C1D2B3-B8E5-4A56-B537-93DD19940350}" type="datetimeFigureOut">
               <a:rPr lang="en-US" smtClean="0"/>
-              <a:t>1/4/2020</a:t>
+              <a:t>1/6/2020</a:t>
             </a:fld>
             <a:endParaRPr lang="en-US"/>
           </a:p>
@@ -3040,7 +3053,7 @@
           <a:p>
             <a:fld id="{93C1D2B3-B8E5-4A56-B537-93DD19940350}" type="datetimeFigureOut">
               <a:rPr lang="en-US" smtClean="0"/>
-              <a:t>1/4/2020</a:t>
+              <a:t>1/6/2020</a:t>
             </a:fld>
             <a:endParaRPr lang="en-US"/>
           </a:p>
@@ -3220,7 +3233,7 @@
           <a:p>
             <a:fld id="{93C1D2B3-B8E5-4A56-B537-93DD19940350}" type="datetimeFigureOut">
               <a:rPr lang="en-US" smtClean="0"/>
-              <a:t>1/4/2020</a:t>
+              <a:t>1/6/2020</a:t>
             </a:fld>
             <a:endParaRPr lang="en-US"/>
           </a:p>
@@ -3390,7 +3403,7 @@
           <a:p>
             <a:fld id="{93C1D2B3-B8E5-4A56-B537-93DD19940350}" type="datetimeFigureOut">
               <a:rPr lang="en-US" smtClean="0"/>
-              <a:t>1/4/2020</a:t>
+              <a:t>1/6/2020</a:t>
             </a:fld>
             <a:endParaRPr lang="en-US"/>
           </a:p>
@@ -3637,7 +3650,7 @@
           <a:p>
             <a:fld id="{93C1D2B3-B8E5-4A56-B537-93DD19940350}" type="datetimeFigureOut">
               <a:rPr lang="en-US" smtClean="0"/>
-              <a:t>1/4/2020</a:t>
+              <a:t>1/6/2020</a:t>
             </a:fld>
             <a:endParaRPr lang="en-US"/>
           </a:p>
@@ -3929,7 +3942,7 @@
           <a:p>
             <a:fld id="{93C1D2B3-B8E5-4A56-B537-93DD19940350}" type="datetimeFigureOut">
               <a:rPr lang="en-US" smtClean="0"/>
-              <a:t>1/4/2020</a:t>
+              <a:t>1/6/2020</a:t>
             </a:fld>
             <a:endParaRPr lang="en-US"/>
           </a:p>
@@ -4373,7 +4386,7 @@
           <a:p>
             <a:fld id="{93C1D2B3-B8E5-4A56-B537-93DD19940350}" type="datetimeFigureOut">
               <a:rPr lang="en-US" smtClean="0"/>
-              <a:t>1/4/2020</a:t>
+              <a:t>1/6/2020</a:t>
             </a:fld>
             <a:endParaRPr lang="en-US"/>
           </a:p>
@@ -4491,7 +4504,7 @@
           <a:p>
             <a:fld id="{93C1D2B3-B8E5-4A56-B537-93DD19940350}" type="datetimeFigureOut">
               <a:rPr lang="en-US" smtClean="0"/>
-              <a:t>1/4/2020</a:t>
+              <a:t>1/6/2020</a:t>
             </a:fld>
             <a:endParaRPr lang="en-US"/>
           </a:p>
@@ -4586,7 +4599,7 @@
           <a:p>
             <a:fld id="{93C1D2B3-B8E5-4A56-B537-93DD19940350}" type="datetimeFigureOut">
               <a:rPr lang="en-US" smtClean="0"/>
-              <a:t>1/4/2020</a:t>
+              <a:t>1/6/2020</a:t>
             </a:fld>
             <a:endParaRPr lang="en-US"/>
           </a:p>
@@ -4865,7 +4878,7 @@
           <a:p>
             <a:fld id="{93C1D2B3-B8E5-4A56-B537-93DD19940350}" type="datetimeFigureOut">
               <a:rPr lang="en-US" smtClean="0"/>
-              <a:t>1/4/2020</a:t>
+              <a:t>1/6/2020</a:t>
             </a:fld>
             <a:endParaRPr lang="en-US"/>
           </a:p>
@@ -5140,7 +5153,7 @@
           <a:p>
             <a:fld id="{93C1D2B3-B8E5-4A56-B537-93DD19940350}" type="datetimeFigureOut">
               <a:rPr lang="en-US" smtClean="0"/>
-              <a:t>1/4/2020</a:t>
+              <a:t>1/6/2020</a:t>
             </a:fld>
             <a:endParaRPr lang="en-US"/>
           </a:p>
@@ -5569,7 +5582,7 @@
           <a:p>
             <a:fld id="{93C1D2B3-B8E5-4A56-B537-93DD19940350}" type="datetimeFigureOut">
               <a:rPr lang="en-US" smtClean="0"/>
-              <a:t>1/4/2020</a:t>
+              <a:t>1/6/2020</a:t>
             </a:fld>
             <a:endParaRPr lang="en-US"/>
           </a:p>
@@ -6107,12 +6120,22 @@
             <p:ph type="title"/>
           </p:nvPr>
         </p:nvSpPr>
-        <p:spPr/>
-        <p:txBody>
-          <a:bodyPr/>
+        <p:spPr>
+          <a:xfrm>
+            <a:off x="1393639" y="452718"/>
+            <a:ext cx="9404723" cy="1400530"/>
+          </a:xfrm>
+        </p:spPr>
+        <p:txBody>
+          <a:bodyPr anchor="ctr"/>
           <a:lstStyle/>
           <a:p>
-            <a:endParaRPr lang="en-US" dirty="0"/>
+            <a:pPr algn="ctr"/>
+            <a:r>
+              <a:rPr lang="en-US" sz="6000" dirty="0" smtClean="0"/>
+              <a:t>My Own Cutlery App</a:t>
+            </a:r>
+            <a:endParaRPr lang="en-US" sz="6000" dirty="0"/>
           </a:p>
         </p:txBody>
       </p:sp>
@@ -6126,13 +6149,40 @@
             <p:ph idx="1"/>
           </p:nvPr>
         </p:nvSpPr>
-        <p:spPr/>
+        <p:spPr>
+          <a:xfrm>
+            <a:off x="646111" y="4152175"/>
+            <a:ext cx="4215663" cy="2171352"/>
+          </a:xfrm>
+        </p:spPr>
         <p:txBody>
           <a:bodyPr>
             <a:normAutofit/>
           </a:bodyPr>
           <a:lstStyle/>
           <a:p>
+            <a:r>
+              <a:rPr lang="pt-BR" dirty="0" smtClean="0"/>
+              <a:t>Carlos Moreira 1161882</a:t>
+            </a:r>
+          </a:p>
+          <a:p>
+            <a:r>
+              <a:rPr lang="pt-BR" dirty="0" smtClean="0"/>
+              <a:t>Marco Pinheiro 1170483</a:t>
+            </a:r>
+          </a:p>
+          <a:p>
+            <a:r>
+              <a:rPr lang="pt-BR" dirty="0" smtClean="0"/>
+              <a:t>Pedro Barbosa 1150486</a:t>
+            </a:r>
+          </a:p>
+          <a:p>
+            <a:r>
+              <a:rPr lang="pt-BR" dirty="0" smtClean="0"/>
+              <a:t>Pedro Mendes 1161871</a:t>
+            </a:r>
             <a:endParaRPr lang="pt-BR" dirty="0"/>
           </a:p>
         </p:txBody>
@@ -6176,7 +6226,59 @@
       </p:grpSpPr>
       <p:sp>
         <p:nvSpPr>
-          <p:cNvPr id="2" name="Title 1"/>
+          <p:cNvPr id="3" name="Content Placeholder 2"/>
+          <p:cNvSpPr>
+            <a:spLocks noGrp="1"/>
+          </p:cNvSpPr>
+          <p:nvPr>
+            <p:ph idx="1"/>
+          </p:nvPr>
+        </p:nvSpPr>
+        <p:spPr>
+          <a:xfrm>
+            <a:off x="1865920" y="5628066"/>
+            <a:ext cx="8457912" cy="798491"/>
+          </a:xfrm>
+        </p:spPr>
+        <p:txBody>
+          <a:bodyPr/>
+          <a:lstStyle/>
+          <a:p>
+            <a:r>
+              <a:rPr lang="en-US" dirty="0" err="1" smtClean="0"/>
+              <a:t>Configuração</a:t>
+            </a:r>
+            <a:r>
+              <a:rPr lang="en-US" dirty="0" smtClean="0"/>
+              <a:t> e </a:t>
+            </a:r>
+            <a:r>
+              <a:rPr lang="en-US" dirty="0" err="1" smtClean="0"/>
+              <a:t>consulta</a:t>
+            </a:r>
+            <a:r>
+              <a:rPr lang="en-US" dirty="0" smtClean="0"/>
+              <a:t> de </a:t>
+            </a:r>
+            <a:r>
+              <a:rPr lang="en-US" dirty="0" err="1" smtClean="0"/>
+              <a:t>informação</a:t>
+            </a:r>
+            <a:r>
+              <a:rPr lang="en-US" dirty="0" smtClean="0"/>
+              <a:t> de </a:t>
+            </a:r>
+            <a:r>
+              <a:rPr lang="en-US" dirty="0" err="1" smtClean="0"/>
+              <a:t>máquinas</a:t>
+            </a:r>
+            <a:endParaRPr lang="en-US" dirty="0" smtClean="0"/>
+          </a:p>
+        </p:txBody>
+      </p:sp>
+      <p:sp>
+        <p:nvSpPr>
+          <p:cNvPr id="5" name="Title 1"/>
           <p:cNvSpPr>
             <a:spLocks noGrp="1"/>
           </p:cNvSpPr>
@@ -6186,8 +6288,8 @@
         </p:nvSpPr>
         <p:spPr>
           <a:xfrm>
-            <a:off x="874220" y="0"/>
-            <a:ext cx="9404723" cy="1400530"/>
+            <a:off x="643915" y="0"/>
+            <a:ext cx="9405938" cy="1400175"/>
           </a:xfrm>
         </p:spPr>
         <p:txBody>
@@ -6196,137 +6298,8 @@
           <a:p>
             <a:pPr algn="ctr"/>
             <a:r>
-              <a:rPr lang="en-US" dirty="0" err="1"/>
-              <a:t>Á</a:t>
-            </a:r>
-            <a:r>
-              <a:rPr lang="en-US" dirty="0" err="1" smtClean="0"/>
-              <a:t>rea</a:t>
-            </a:r>
-            <a:r>
-              <a:rPr lang="en-US" dirty="0" smtClean="0"/>
-              <a:t> </a:t>
-            </a:r>
-            <a:r>
-              <a:rPr lang="en-US" dirty="0" err="1" smtClean="0"/>
-              <a:t>encomendas</a:t>
-            </a:r>
-            <a:endParaRPr lang="en-US" dirty="0"/>
-          </a:p>
-        </p:txBody>
-      </p:sp>
-      <p:sp>
-        <p:nvSpPr>
-          <p:cNvPr id="3" name="Content Placeholder 2"/>
-          <p:cNvSpPr>
-            <a:spLocks noGrp="1"/>
-          </p:cNvSpPr>
-          <p:nvPr>
-            <p:ph idx="1"/>
-          </p:nvPr>
-        </p:nvSpPr>
-        <p:spPr>
-          <a:xfrm>
-            <a:off x="1622729" y="5448725"/>
-            <a:ext cx="8946541" cy="1096849"/>
-          </a:xfrm>
-        </p:spPr>
-        <p:txBody>
-          <a:bodyPr>
-            <a:normAutofit lnSpcReduction="10000"/>
-          </a:bodyPr>
-          <a:lstStyle/>
-          <a:p>
-            <a:r>
-              <a:rPr lang="en-US" dirty="0" err="1" smtClean="0"/>
-              <a:t>Criação</a:t>
-            </a:r>
-            <a:r>
-              <a:rPr lang="en-US" dirty="0" smtClean="0"/>
-              <a:t>, </a:t>
-            </a:r>
-            <a:r>
-              <a:rPr lang="en-US" dirty="0" err="1" smtClean="0"/>
-              <a:t>edição</a:t>
-            </a:r>
-            <a:r>
-              <a:rPr lang="en-US" dirty="0" smtClean="0"/>
-              <a:t>, </a:t>
-            </a:r>
-            <a:r>
-              <a:rPr lang="en-US" dirty="0" err="1" smtClean="0"/>
-              <a:t>consulta</a:t>
-            </a:r>
-            <a:r>
-              <a:rPr lang="en-US" dirty="0" smtClean="0"/>
-              <a:t> e </a:t>
-            </a:r>
-            <a:r>
-              <a:rPr lang="en-US" dirty="0" err="1" smtClean="0"/>
-              <a:t>cancelamento</a:t>
-            </a:r>
-            <a:r>
-              <a:rPr lang="en-US" dirty="0" smtClean="0"/>
-              <a:t> de </a:t>
-            </a:r>
-            <a:r>
-              <a:rPr lang="en-US" dirty="0" err="1" smtClean="0"/>
-              <a:t>encomendas</a:t>
-            </a:r>
-            <a:endParaRPr lang="en-US" dirty="0" smtClean="0"/>
-          </a:p>
-          <a:p>
-            <a:r>
-              <a:rPr lang="en-US" dirty="0" err="1" smtClean="0"/>
-              <a:t>Configurador</a:t>
-            </a:r>
-            <a:r>
-              <a:rPr lang="en-US" dirty="0" smtClean="0"/>
-              <a:t> </a:t>
-            </a:r>
-            <a:r>
-              <a:rPr lang="en-US" dirty="0" err="1" smtClean="0"/>
-              <a:t>consulta</a:t>
-            </a:r>
-            <a:r>
-              <a:rPr lang="en-US" dirty="0" smtClean="0"/>
-              <a:t>, </a:t>
-            </a:r>
-            <a:r>
-              <a:rPr lang="en-US" dirty="0" err="1" smtClean="0"/>
-              <a:t>edita</a:t>
-            </a:r>
-            <a:r>
-              <a:rPr lang="en-US" dirty="0" smtClean="0"/>
-              <a:t> e </a:t>
-            </a:r>
-            <a:r>
-              <a:rPr lang="en-US" dirty="0" err="1" smtClean="0"/>
-              <a:t>cancela</a:t>
-            </a:r>
-            <a:r>
-              <a:rPr lang="en-US" dirty="0" smtClean="0"/>
-              <a:t> </a:t>
-            </a:r>
-            <a:r>
-              <a:rPr lang="en-US" dirty="0" err="1" smtClean="0"/>
-              <a:t>encomendas</a:t>
-            </a:r>
-            <a:r>
-              <a:rPr lang="en-US" dirty="0" smtClean="0"/>
-              <a:t> de </a:t>
-            </a:r>
-            <a:r>
-              <a:rPr lang="en-US" dirty="0" err="1" smtClean="0"/>
-              <a:t>qualquer</a:t>
-            </a:r>
-            <a:r>
-              <a:rPr lang="en-US" dirty="0" smtClean="0"/>
-              <a:t> </a:t>
-            </a:r>
-            <a:r>
-              <a:rPr lang="en-US" dirty="0" err="1" smtClean="0"/>
-              <a:t>cliente</a:t>
+              <a:rPr lang="en-US" dirty="0" smtClean="0"/>
+              <a:t>Master data configuration </a:t>
             </a:r>
             <a:endParaRPr lang="en-US" dirty="0"/>
           </a:p>
@@ -6334,7 +6307,7 @@
       </p:sp>
       <p:pic>
         <p:nvPicPr>
-          <p:cNvPr id="5" name="Picture 4"/>
+          <p:cNvPr id="7" name="Picture 6"/>
           <p:cNvPicPr>
             <a:picLocks noChangeAspect="1"/>
           </p:cNvPicPr>
@@ -6348,8 +6321,8 @@
         </p:blipFill>
         <p:spPr>
           <a:xfrm>
-            <a:off x="1037584" y="1232046"/>
-            <a:ext cx="10116832" cy="3945261"/>
+            <a:off x="1865920" y="1184856"/>
+            <a:ext cx="8460160" cy="4056845"/>
           </a:xfrm>
           <a:prstGeom prst="rect">
             <a:avLst/>
@@ -6359,7 +6332,7 @@
     </p:spTree>
     <p:extLst>
       <p:ext uri="{BB962C8B-B14F-4D97-AF65-F5344CB8AC3E}">
-        <p14:creationId xmlns:p14="http://schemas.microsoft.com/office/powerpoint/2010/main" val="153547601"/>
+        <p14:creationId xmlns:p14="http://schemas.microsoft.com/office/powerpoint/2010/main" val="2419301133"/>
       </p:ext>
     </p:extLst>
   </p:cSld>
@@ -6395,86 +6368,51 @@
       </p:grpSpPr>
       <p:sp>
         <p:nvSpPr>
-          <p:cNvPr id="2" name="Title 1"/>
-          <p:cNvSpPr>
-            <a:spLocks noGrp="1"/>
-          </p:cNvSpPr>
-          <p:nvPr>
-            <p:ph type="title"/>
-          </p:nvPr>
-        </p:nvSpPr>
-        <p:spPr>
-          <a:xfrm>
-            <a:off x="1393639" y="0"/>
-            <a:ext cx="9404723" cy="1400530"/>
-          </a:xfrm>
-        </p:spPr>
-        <p:txBody>
-          <a:bodyPr anchor="ctr"/>
+          <p:cNvPr id="3" name="Content Placeholder 2"/>
+          <p:cNvSpPr>
+            <a:spLocks noGrp="1"/>
+          </p:cNvSpPr>
+          <p:nvPr>
+            <p:ph idx="1"/>
+          </p:nvPr>
+        </p:nvSpPr>
+        <p:spPr>
+          <a:xfrm>
+            <a:off x="1868168" y="5241701"/>
+            <a:ext cx="8455664" cy="1316247"/>
+          </a:xfrm>
+        </p:spPr>
+        <p:txBody>
+          <a:bodyPr/>
           <a:lstStyle/>
           <a:p>
-            <a:pPr algn="ctr"/>
-            <a:r>
-              <a:rPr lang="en-US" sz="3600" dirty="0" err="1" smtClean="0"/>
-              <a:t>Área</a:t>
-            </a:r>
-            <a:r>
-              <a:rPr lang="en-US" sz="3600" dirty="0" smtClean="0"/>
+            <a:r>
+              <a:rPr lang="en-US" dirty="0" err="1" smtClean="0"/>
+              <a:t>Configuração</a:t>
+            </a:r>
+            <a:r>
+              <a:rPr lang="en-US" dirty="0" smtClean="0"/>
+              <a:t> e </a:t>
+            </a:r>
+            <a:r>
+              <a:rPr lang="en-US" dirty="0" err="1" smtClean="0"/>
+              <a:t>consulta</a:t>
+            </a:r>
+            <a:r>
+              <a:rPr lang="en-US" dirty="0" smtClean="0"/>
               <a:t> de </a:t>
             </a:r>
             <a:r>
-              <a:rPr lang="en-US" sz="3600" dirty="0" err="1" smtClean="0"/>
-              <a:t>planeamento</a:t>
-            </a:r>
-            <a:r>
-              <a:rPr lang="en-US" sz="3600" dirty="0" smtClean="0"/>
+              <a:rPr lang="en-US" dirty="0" err="1" smtClean="0"/>
+              <a:t>informação</a:t>
+            </a:r>
+            <a:r>
+              <a:rPr lang="en-US" dirty="0" smtClean="0"/>
               <a:t> de </a:t>
             </a:r>
             <a:r>
-              <a:rPr lang="en-US" sz="3600" dirty="0" err="1" smtClean="0"/>
-              <a:t>produção</a:t>
-            </a:r>
-            <a:endParaRPr lang="en-US" sz="3600" dirty="0"/>
-          </a:p>
-        </p:txBody>
-      </p:sp>
-      <p:sp>
-        <p:nvSpPr>
-          <p:cNvPr id="3" name="Content Placeholder 2"/>
-          <p:cNvSpPr>
-            <a:spLocks noGrp="1"/>
-          </p:cNvSpPr>
-          <p:nvPr>
-            <p:ph idx="1"/>
-          </p:nvPr>
-        </p:nvSpPr>
-        <p:spPr>
-          <a:xfrm>
-            <a:off x="1851821" y="5269385"/>
-            <a:ext cx="8946541" cy="1096849"/>
-          </a:xfrm>
-        </p:spPr>
-        <p:txBody>
-          <a:bodyPr>
-            <a:normAutofit/>
-          </a:bodyPr>
-          <a:lstStyle/>
-          <a:p>
-            <a:r>
-              <a:rPr lang="en-US" dirty="0" smtClean="0"/>
-              <a:t>Production Manager </a:t>
-            </a:r>
-            <a:r>
-              <a:rPr lang="en-US" dirty="0" err="1" smtClean="0"/>
-              <a:t>inicia</a:t>
-            </a:r>
-            <a:r>
-              <a:rPr lang="en-US" dirty="0" smtClean="0"/>
-              <a:t> </a:t>
-            </a:r>
-            <a:r>
-              <a:rPr lang="en-US" dirty="0" err="1" smtClean="0"/>
-              <a:t>planeamento</a:t>
+              <a:rPr lang="en-US" dirty="0" err="1" smtClean="0"/>
+              <a:t>tipos</a:t>
             </a:r>
             <a:r>
               <a:rPr lang="en-US" dirty="0" smtClean="0"/>
@@ -6482,26 +6420,38 @@
             </a:r>
             <a:r>
               <a:rPr lang="en-US" dirty="0" err="1" smtClean="0"/>
-              <a:t>produção</a:t>
-            </a:r>
-            <a:r>
-              <a:rPr lang="en-US" dirty="0" smtClean="0"/>
-              <a:t> para um </a:t>
-            </a:r>
-            <a:r>
-              <a:rPr lang="en-US" dirty="0" err="1" smtClean="0"/>
-              <a:t>período</a:t>
-            </a:r>
-            <a:r>
-              <a:rPr lang="en-US" dirty="0" smtClean="0"/>
-              <a:t> de tempo</a:t>
-            </a:r>
+              <a:t>máquina</a:t>
+            </a:r>
+            <a:endParaRPr lang="en-US" dirty="0" smtClean="0"/>
+          </a:p>
+          <a:p>
+            <a:r>
+              <a:rPr lang="en-US" dirty="0" err="1" smtClean="0"/>
+              <a:t>Consulta</a:t>
+            </a:r>
+            <a:r>
+              <a:rPr lang="en-US" dirty="0" smtClean="0"/>
+              <a:t> de </a:t>
+            </a:r>
+            <a:r>
+              <a:rPr lang="en-US" dirty="0" err="1" smtClean="0"/>
+              <a:t>máquinas</a:t>
+            </a:r>
+            <a:r>
+              <a:rPr lang="en-US" dirty="0" smtClean="0"/>
+              <a:t> de um </a:t>
+            </a:r>
+            <a:r>
+              <a:rPr lang="en-US" dirty="0" err="1" smtClean="0"/>
+              <a:t>tipo</a:t>
+            </a:r>
+            <a:endParaRPr lang="en-US" dirty="0" smtClean="0"/>
           </a:p>
         </p:txBody>
       </p:sp>
       <p:pic>
         <p:nvPicPr>
-          <p:cNvPr id="6" name="Picture 5"/>
+          <p:cNvPr id="4" name="Picture 3"/>
           <p:cNvPicPr>
             <a:picLocks noChangeAspect="1"/>
           </p:cNvPicPr>
@@ -6515,18 +6465,47 @@
         </p:blipFill>
         <p:spPr>
           <a:xfrm>
-            <a:off x="2053552" y="1275010"/>
-            <a:ext cx="8084897" cy="3816214"/>
+            <a:off x="1868168" y="1078202"/>
+            <a:ext cx="8455664" cy="4047588"/>
           </a:xfrm>
           <a:prstGeom prst="rect">
             <a:avLst/>
           </a:prstGeom>
         </p:spPr>
       </p:pic>
+      <p:sp>
+        <p:nvSpPr>
+          <p:cNvPr id="5" name="Title 1"/>
+          <p:cNvSpPr>
+            <a:spLocks noGrp="1"/>
+          </p:cNvSpPr>
+          <p:nvPr>
+            <p:ph type="title"/>
+          </p:nvPr>
+        </p:nvSpPr>
+        <p:spPr>
+          <a:xfrm>
+            <a:off x="643915" y="0"/>
+            <a:ext cx="9405938" cy="1400175"/>
+          </a:xfrm>
+        </p:spPr>
+        <p:txBody>
+          <a:bodyPr anchor="ctr"/>
+          <a:lstStyle/>
+          <a:p>
+            <a:pPr algn="ctr"/>
+            <a:r>
+              <a:rPr lang="en-US" dirty="0" smtClean="0"/>
+              <a:t>Master data configuration </a:t>
+            </a:r>
+            <a:endParaRPr lang="en-US" dirty="0"/>
+          </a:p>
+        </p:txBody>
+      </p:sp>
     </p:spTree>
     <p:extLst>
       <p:ext uri="{BB962C8B-B14F-4D97-AF65-F5344CB8AC3E}">
-        <p14:creationId xmlns:p14="http://schemas.microsoft.com/office/powerpoint/2010/main" val="285335538"/>
+        <p14:creationId xmlns:p14="http://schemas.microsoft.com/office/powerpoint/2010/main" val="1196441716"/>
       </p:ext>
     </p:extLst>
   </p:cSld>
@@ -6562,7 +6541,59 @@
       </p:grpSpPr>
       <p:sp>
         <p:nvSpPr>
-          <p:cNvPr id="2" name="Title 1"/>
+          <p:cNvPr id="3" name="Content Placeholder 2"/>
+          <p:cNvSpPr>
+            <a:spLocks noGrp="1"/>
+          </p:cNvSpPr>
+          <p:nvPr>
+            <p:ph idx="1"/>
+          </p:nvPr>
+        </p:nvSpPr>
+        <p:spPr>
+          <a:xfrm>
+            <a:off x="1868168" y="5624422"/>
+            <a:ext cx="8455664" cy="734096"/>
+          </a:xfrm>
+        </p:spPr>
+        <p:txBody>
+          <a:bodyPr/>
+          <a:lstStyle/>
+          <a:p>
+            <a:r>
+              <a:rPr lang="en-US" dirty="0" err="1" smtClean="0"/>
+              <a:t>Configuração</a:t>
+            </a:r>
+            <a:r>
+              <a:rPr lang="en-US" dirty="0" smtClean="0"/>
+              <a:t> e </a:t>
+            </a:r>
+            <a:r>
+              <a:rPr lang="en-US" dirty="0" err="1" smtClean="0"/>
+              <a:t>consulta</a:t>
+            </a:r>
+            <a:r>
+              <a:rPr lang="en-US" dirty="0" smtClean="0"/>
+              <a:t> de </a:t>
+            </a:r>
+            <a:r>
+              <a:rPr lang="en-US" dirty="0" err="1" smtClean="0"/>
+              <a:t>informação</a:t>
+            </a:r>
+            <a:r>
+              <a:rPr lang="en-US" dirty="0" smtClean="0"/>
+              <a:t> de </a:t>
+            </a:r>
+            <a:r>
+              <a:rPr lang="en-US" dirty="0" err="1" smtClean="0"/>
+              <a:t>operações</a:t>
+            </a:r>
+            <a:endParaRPr lang="en-US" dirty="0" smtClean="0"/>
+          </a:p>
+        </p:txBody>
+      </p:sp>
+      <p:sp>
+        <p:nvSpPr>
+          <p:cNvPr id="5" name="Title 1"/>
           <p:cNvSpPr>
             <a:spLocks noGrp="1"/>
           </p:cNvSpPr>
@@ -6572,8 +6603,8 @@
         </p:nvSpPr>
         <p:spPr>
           <a:xfrm>
-            <a:off x="1393639" y="0"/>
-            <a:ext cx="9404723" cy="1400530"/>
+            <a:off x="643915" y="0"/>
+            <a:ext cx="9405938" cy="1400175"/>
           </a:xfrm>
         </p:spPr>
         <p:txBody>
@@ -6582,29 +6613,253 @@
           <a:p>
             <a:pPr algn="ctr"/>
             <a:r>
-              <a:rPr lang="en-US" sz="3600" dirty="0" err="1" smtClean="0"/>
-              <a:t>Área</a:t>
-            </a:r>
-            <a:r>
-              <a:rPr lang="en-US" sz="3600" dirty="0" smtClean="0"/>
+              <a:rPr lang="en-US" dirty="0" smtClean="0"/>
+              <a:t>Master data configuration </a:t>
+            </a:r>
+            <a:endParaRPr lang="en-US" dirty="0"/>
+          </a:p>
+        </p:txBody>
+      </p:sp>
+      <p:pic>
+        <p:nvPicPr>
+          <p:cNvPr id="6" name="Picture 5"/>
+          <p:cNvPicPr>
+            <a:picLocks noChangeAspect="1"/>
+          </p:cNvPicPr>
+          <p:nvPr/>
+        </p:nvPicPr>
+        <p:blipFill>
+          <a:blip r:embed="rId2"/>
+          <a:stretch>
+            <a:fillRect/>
+          </a:stretch>
+        </p:blipFill>
+        <p:spPr>
+          <a:xfrm>
+            <a:off x="1781578" y="1116817"/>
+            <a:ext cx="8628845" cy="4124884"/>
+          </a:xfrm>
+          <a:prstGeom prst="rect">
+            <a:avLst/>
+          </a:prstGeom>
+        </p:spPr>
+      </p:pic>
+    </p:spTree>
+    <p:extLst>
+      <p:ext uri="{BB962C8B-B14F-4D97-AF65-F5344CB8AC3E}">
+        <p14:creationId xmlns:p14="http://schemas.microsoft.com/office/powerpoint/2010/main" val="112356431"/>
+      </p:ext>
+    </p:extLst>
+  </p:cSld>
+  <p:clrMapOvr>
+    <a:masterClrMapping/>
+  </p:clrMapOvr>
+  <p:timing>
+    <p:tnLst>
+      <p:par>
+        <p:cTn id="1" dur="indefinite" restart="never" nodeType="tmRoot"/>
+      </p:par>
+    </p:tnLst>
+  </p:timing>
+</p:sld>
+</file>
+
+<file path=ppt/slides/slide13.xml><?xml version="1.0" encoding="utf-8"?>
+<p:sld xmlns:a="http://schemas.openxmlformats.org/drawingml/2006/main" xmlns:r="http://schemas.openxmlformats.org/officeDocument/2006/relationships" xmlns:p="http://schemas.openxmlformats.org/presentationml/2006/main">
+  <p:cSld>
+    <p:spTree>
+      <p:nvGrpSpPr>
+        <p:cNvPr id="1" name=""/>
+        <p:cNvGrpSpPr/>
+        <p:nvPr/>
+      </p:nvGrpSpPr>
+      <p:grpSpPr>
+        <a:xfrm>
+          <a:off x="0" y="0"/>
+          <a:ext cx="0" cy="0"/>
+          <a:chOff x="0" y="0"/>
+          <a:chExt cx="0" cy="0"/>
+        </a:xfrm>
+      </p:grpSpPr>
+      <p:sp>
+        <p:nvSpPr>
+          <p:cNvPr id="3" name="Content Placeholder 2"/>
+          <p:cNvSpPr>
+            <a:spLocks noGrp="1"/>
+          </p:cNvSpPr>
+          <p:nvPr>
+            <p:ph idx="1"/>
+          </p:nvPr>
+        </p:nvSpPr>
+        <p:spPr>
+          <a:xfrm>
+            <a:off x="1868168" y="5624422"/>
+            <a:ext cx="8455664" cy="734096"/>
+          </a:xfrm>
+        </p:spPr>
+        <p:txBody>
+          <a:bodyPr>
+            <a:normAutofit fontScale="92500" lnSpcReduction="20000"/>
+          </a:bodyPr>
+          <a:lstStyle/>
+          <a:p>
+            <a:r>
+              <a:rPr lang="en-US" dirty="0" err="1" smtClean="0"/>
+              <a:t>Configuração</a:t>
+            </a:r>
+            <a:r>
+              <a:rPr lang="en-US" dirty="0" smtClean="0"/>
+              <a:t> e </a:t>
+            </a:r>
+            <a:r>
+              <a:rPr lang="en-US" dirty="0" err="1" smtClean="0"/>
+              <a:t>consulta</a:t>
+            </a:r>
+            <a:r>
+              <a:rPr lang="en-US" dirty="0" smtClean="0"/>
               <a:t> de </a:t>
             </a:r>
             <a:r>
-              <a:rPr lang="en-US" sz="3600" dirty="0" err="1" smtClean="0"/>
-              <a:t>visualização</a:t>
-            </a:r>
-            <a:r>
-              <a:rPr lang="en-US" sz="3600" dirty="0"/>
+              <a:rPr lang="en-US" dirty="0" err="1" smtClean="0"/>
+              <a:t>informação</a:t>
+            </a:r>
+            <a:r>
+              <a:rPr lang="en-US" dirty="0" smtClean="0"/>
+              <a:t> de </a:t>
+            </a:r>
+            <a:r>
+              <a:rPr lang="en-US" dirty="0" err="1" smtClean="0"/>
+              <a:t>produtos</a:t>
+            </a:r>
+            <a:endParaRPr lang="en-US" dirty="0" smtClean="0"/>
+          </a:p>
+          <a:p>
+            <a:r>
+              <a:rPr lang="en-US" dirty="0" smtClean="0"/>
               <a:t> </a:t>
             </a:r>
             <a:r>
-              <a:rPr lang="en-US" sz="3600" dirty="0" smtClean="0"/>
-              <a:t>- Widgets</a:t>
-            </a:r>
-            <a:endParaRPr lang="en-US" sz="3600" dirty="0"/>
-          </a:p>
-        </p:txBody>
-      </p:sp>
+              <a:rPr lang="en-US" dirty="0" err="1" smtClean="0"/>
+              <a:t>Consulta</a:t>
+            </a:r>
+            <a:r>
+              <a:rPr lang="en-US" dirty="0" smtClean="0"/>
+              <a:t> de </a:t>
+            </a:r>
+            <a:r>
+              <a:rPr lang="en-US" dirty="0" err="1" smtClean="0"/>
+              <a:t>plano</a:t>
+            </a:r>
+            <a:r>
+              <a:rPr lang="en-US" dirty="0" smtClean="0"/>
+              <a:t> de </a:t>
+            </a:r>
+            <a:r>
+              <a:rPr lang="en-US" dirty="0" err="1" smtClean="0"/>
+              <a:t>produção</a:t>
+            </a:r>
+            <a:r>
+              <a:rPr lang="en-US" dirty="0" smtClean="0"/>
+              <a:t> de um </a:t>
+            </a:r>
+            <a:r>
+              <a:rPr lang="en-US" dirty="0" err="1" smtClean="0"/>
+              <a:t>produto</a:t>
+            </a:r>
+            <a:endParaRPr lang="en-US" dirty="0" smtClean="0"/>
+          </a:p>
+        </p:txBody>
+      </p:sp>
+      <p:sp>
+        <p:nvSpPr>
+          <p:cNvPr id="5" name="Title 1"/>
+          <p:cNvSpPr>
+            <a:spLocks noGrp="1"/>
+          </p:cNvSpPr>
+          <p:nvPr>
+            <p:ph type="title"/>
+          </p:nvPr>
+        </p:nvSpPr>
+        <p:spPr>
+          <a:xfrm>
+            <a:off x="643915" y="0"/>
+            <a:ext cx="9405938" cy="1400175"/>
+          </a:xfrm>
+        </p:spPr>
+        <p:txBody>
+          <a:bodyPr anchor="ctr"/>
+          <a:lstStyle/>
+          <a:p>
+            <a:pPr algn="ctr"/>
+            <a:r>
+              <a:rPr lang="en-US" dirty="0" smtClean="0"/>
+              <a:t>Master data configuration </a:t>
+            </a:r>
+            <a:endParaRPr lang="en-US" dirty="0"/>
+          </a:p>
+        </p:txBody>
+      </p:sp>
+      <p:pic>
+        <p:nvPicPr>
+          <p:cNvPr id="7" name="Picture 6"/>
+          <p:cNvPicPr>
+            <a:picLocks noChangeAspect="1"/>
+          </p:cNvPicPr>
+          <p:nvPr/>
+        </p:nvPicPr>
+        <p:blipFill>
+          <a:blip r:embed="rId2"/>
+          <a:stretch>
+            <a:fillRect/>
+          </a:stretch>
+        </p:blipFill>
+        <p:spPr>
+          <a:xfrm>
+            <a:off x="1586233" y="1089236"/>
+            <a:ext cx="9019535" cy="4281255"/>
+          </a:xfrm>
+          <a:prstGeom prst="rect">
+            <a:avLst/>
+          </a:prstGeom>
+        </p:spPr>
+      </p:pic>
+    </p:spTree>
+    <p:extLst>
+      <p:ext uri="{BB962C8B-B14F-4D97-AF65-F5344CB8AC3E}">
+        <p14:creationId xmlns:p14="http://schemas.microsoft.com/office/powerpoint/2010/main" val="2942826447"/>
+      </p:ext>
+    </p:extLst>
+  </p:cSld>
+  <p:clrMapOvr>
+    <a:masterClrMapping/>
+  </p:clrMapOvr>
+  <p:timing>
+    <p:tnLst>
+      <p:par>
+        <p:cTn id="1" dur="indefinite" restart="never" nodeType="tmRoot"/>
+      </p:par>
+    </p:tnLst>
+  </p:timing>
+</p:sld>
+</file>
+
+<file path=ppt/slides/slide14.xml><?xml version="1.0" encoding="utf-8"?>
+<p:sld xmlns:a="http://schemas.openxmlformats.org/drawingml/2006/main" xmlns:r="http://schemas.openxmlformats.org/officeDocument/2006/relationships" xmlns:p="http://schemas.openxmlformats.org/presentationml/2006/main">
+  <p:cSld>
+    <p:spTree>
+      <p:nvGrpSpPr>
+        <p:cNvPr id="1" name=""/>
+        <p:cNvGrpSpPr/>
+        <p:nvPr/>
+      </p:nvGrpSpPr>
+      <p:grpSpPr>
+        <a:xfrm>
+          <a:off x="0" y="0"/>
+          <a:ext cx="0" cy="0"/>
+          <a:chOff x="0" y="0"/>
+          <a:chExt cx="0" cy="0"/>
+        </a:xfrm>
+      </p:grpSpPr>
       <p:sp>
         <p:nvSpPr>
           <p:cNvPr id="3" name="Content Placeholder 2"/>
@@ -6617,8 +6872,260 @@
         </p:nvSpPr>
         <p:spPr>
           <a:xfrm>
-            <a:off x="5769735" y="2279561"/>
-            <a:ext cx="5834129" cy="2975020"/>
+            <a:off x="1868168" y="5624422"/>
+            <a:ext cx="8455664" cy="734096"/>
+          </a:xfrm>
+        </p:spPr>
+        <p:txBody>
+          <a:bodyPr>
+            <a:normAutofit fontScale="77500" lnSpcReduction="20000"/>
+          </a:bodyPr>
+          <a:lstStyle/>
+          <a:p>
+            <a:r>
+              <a:rPr lang="en-US" dirty="0" err="1" smtClean="0"/>
+              <a:t>Configuração</a:t>
+            </a:r>
+            <a:r>
+              <a:rPr lang="en-US" dirty="0" smtClean="0"/>
+              <a:t> e </a:t>
+            </a:r>
+            <a:r>
+              <a:rPr lang="en-US" dirty="0" err="1" smtClean="0"/>
+              <a:t>consulta</a:t>
+            </a:r>
+            <a:r>
+              <a:rPr lang="en-US" dirty="0" smtClean="0"/>
+              <a:t> de </a:t>
+            </a:r>
+            <a:r>
+              <a:rPr lang="en-US" dirty="0" err="1" smtClean="0"/>
+              <a:t>informação</a:t>
+            </a:r>
+            <a:r>
+              <a:rPr lang="en-US" dirty="0" smtClean="0"/>
+              <a:t> de </a:t>
+            </a:r>
+            <a:r>
+              <a:rPr lang="en-US" dirty="0" err="1" smtClean="0"/>
+              <a:t>linhas</a:t>
+            </a:r>
+            <a:r>
+              <a:rPr lang="en-US" dirty="0" smtClean="0"/>
+              <a:t> de </a:t>
+            </a:r>
+            <a:r>
+              <a:rPr lang="en-US" dirty="0" err="1" smtClean="0"/>
+              <a:t>produção</a:t>
+            </a:r>
+            <a:endParaRPr lang="en-US" dirty="0" smtClean="0"/>
+          </a:p>
+          <a:p>
+            <a:r>
+              <a:rPr lang="en-US" dirty="0" smtClean="0"/>
+              <a:t> </a:t>
+            </a:r>
+            <a:r>
+              <a:rPr lang="en-US" dirty="0" err="1" smtClean="0"/>
+              <a:t>Consulta</a:t>
+            </a:r>
+            <a:r>
+              <a:rPr lang="en-US" dirty="0" smtClean="0"/>
+              <a:t> de </a:t>
+            </a:r>
+            <a:r>
+              <a:rPr lang="en-US" dirty="0" err="1" smtClean="0"/>
+              <a:t>informação</a:t>
+            </a:r>
+            <a:r>
+              <a:rPr lang="en-US" dirty="0" smtClean="0"/>
+              <a:t> de </a:t>
+            </a:r>
+            <a:r>
+              <a:rPr lang="en-US" dirty="0" err="1" smtClean="0"/>
+              <a:t>máquinas</a:t>
+            </a:r>
+            <a:r>
+              <a:rPr lang="en-US" dirty="0" smtClean="0"/>
+              <a:t> </a:t>
+            </a:r>
+            <a:r>
+              <a:rPr lang="en-US" dirty="0" err="1" smtClean="0"/>
+              <a:t>pertencentes</a:t>
+            </a:r>
+            <a:r>
+              <a:rPr lang="en-US" dirty="0" smtClean="0"/>
+              <a:t> a </a:t>
+            </a:r>
+            <a:r>
+              <a:rPr lang="en-US" dirty="0" err="1" smtClean="0"/>
+              <a:t>uma</a:t>
+            </a:r>
+            <a:r>
+              <a:rPr lang="en-US" dirty="0" smtClean="0"/>
+              <a:t> </a:t>
+            </a:r>
+            <a:r>
+              <a:rPr lang="en-US" dirty="0" err="1" smtClean="0"/>
+              <a:t>linha</a:t>
+            </a:r>
+            <a:r>
+              <a:rPr lang="en-US" dirty="0" smtClean="0"/>
+              <a:t> de </a:t>
+            </a:r>
+            <a:r>
+              <a:rPr lang="en-US" dirty="0" err="1" smtClean="0"/>
+              <a:t>produção</a:t>
+            </a:r>
+            <a:endParaRPr lang="en-US" dirty="0" smtClean="0"/>
+          </a:p>
+        </p:txBody>
+      </p:sp>
+      <p:sp>
+        <p:nvSpPr>
+          <p:cNvPr id="5" name="Title 1"/>
+          <p:cNvSpPr>
+            <a:spLocks noGrp="1"/>
+          </p:cNvSpPr>
+          <p:nvPr>
+            <p:ph type="title"/>
+          </p:nvPr>
+        </p:nvSpPr>
+        <p:spPr>
+          <a:xfrm>
+            <a:off x="643915" y="0"/>
+            <a:ext cx="9405938" cy="1400175"/>
+          </a:xfrm>
+        </p:spPr>
+        <p:txBody>
+          <a:bodyPr anchor="ctr"/>
+          <a:lstStyle/>
+          <a:p>
+            <a:pPr algn="ctr"/>
+            <a:r>
+              <a:rPr lang="en-US" dirty="0" smtClean="0"/>
+              <a:t>Master data configuration </a:t>
+            </a:r>
+            <a:endParaRPr lang="en-US" dirty="0"/>
+          </a:p>
+        </p:txBody>
+      </p:sp>
+      <p:pic>
+        <p:nvPicPr>
+          <p:cNvPr id="6" name="Picture 5"/>
+          <p:cNvPicPr>
+            <a:picLocks noChangeAspect="1"/>
+          </p:cNvPicPr>
+          <p:nvPr/>
+        </p:nvPicPr>
+        <p:blipFill>
+          <a:blip r:embed="rId2"/>
+          <a:stretch>
+            <a:fillRect/>
+          </a:stretch>
+        </p:blipFill>
+        <p:spPr>
+          <a:xfrm>
+            <a:off x="1521834" y="1095054"/>
+            <a:ext cx="9148332" cy="4372315"/>
+          </a:xfrm>
+          <a:prstGeom prst="rect">
+            <a:avLst/>
+          </a:prstGeom>
+        </p:spPr>
+      </p:pic>
+    </p:spTree>
+    <p:extLst>
+      <p:ext uri="{BB962C8B-B14F-4D97-AF65-F5344CB8AC3E}">
+        <p14:creationId xmlns:p14="http://schemas.microsoft.com/office/powerpoint/2010/main" val="3500232859"/>
+      </p:ext>
+    </p:extLst>
+  </p:cSld>
+  <p:clrMapOvr>
+    <a:masterClrMapping/>
+  </p:clrMapOvr>
+  <p:timing>
+    <p:tnLst>
+      <p:par>
+        <p:cTn id="1" dur="indefinite" restart="never" nodeType="tmRoot"/>
+      </p:par>
+    </p:tnLst>
+  </p:timing>
+</p:sld>
+</file>
+
+<file path=ppt/slides/slide15.xml><?xml version="1.0" encoding="utf-8"?>
+<p:sld xmlns:a="http://schemas.openxmlformats.org/drawingml/2006/main" xmlns:r="http://schemas.openxmlformats.org/officeDocument/2006/relationships" xmlns:p="http://schemas.openxmlformats.org/presentationml/2006/main">
+  <p:cSld>
+    <p:spTree>
+      <p:nvGrpSpPr>
+        <p:cNvPr id="1" name=""/>
+        <p:cNvGrpSpPr/>
+        <p:nvPr/>
+      </p:nvGrpSpPr>
+      <p:grpSpPr>
+        <a:xfrm>
+          <a:off x="0" y="0"/>
+          <a:ext cx="0" cy="0"/>
+          <a:chOff x="0" y="0"/>
+          <a:chExt cx="0" cy="0"/>
+        </a:xfrm>
+      </p:grpSpPr>
+      <p:sp>
+        <p:nvSpPr>
+          <p:cNvPr id="2" name="Title 1"/>
+          <p:cNvSpPr>
+            <a:spLocks noGrp="1"/>
+          </p:cNvSpPr>
+          <p:nvPr>
+            <p:ph type="title"/>
+          </p:nvPr>
+        </p:nvSpPr>
+        <p:spPr>
+          <a:xfrm>
+            <a:off x="874220" y="0"/>
+            <a:ext cx="9404723" cy="1400530"/>
+          </a:xfrm>
+        </p:spPr>
+        <p:txBody>
+          <a:bodyPr anchor="ctr"/>
+          <a:lstStyle/>
+          <a:p>
+            <a:pPr algn="ctr"/>
+            <a:r>
+              <a:rPr lang="en-US" dirty="0" err="1"/>
+              <a:t>Á</a:t>
+            </a:r>
+            <a:r>
+              <a:rPr lang="en-US" dirty="0" err="1" smtClean="0"/>
+              <a:t>rea</a:t>
+            </a:r>
+            <a:r>
+              <a:rPr lang="en-US" dirty="0" smtClean="0"/>
+              <a:t> </a:t>
+            </a:r>
+            <a:r>
+              <a:rPr lang="en-US" dirty="0" err="1" smtClean="0"/>
+              <a:t>cliente</a:t>
+            </a:r>
+            <a:endParaRPr lang="en-US" dirty="0"/>
+          </a:p>
+        </p:txBody>
+      </p:sp>
+      <p:sp>
+        <p:nvSpPr>
+          <p:cNvPr id="3" name="Content Placeholder 2"/>
+          <p:cNvSpPr>
+            <a:spLocks noGrp="1"/>
+          </p:cNvSpPr>
+          <p:nvPr>
+            <p:ph idx="1"/>
+          </p:nvPr>
+        </p:nvSpPr>
+        <p:spPr>
+          <a:xfrm>
+            <a:off x="1741868" y="5010846"/>
+            <a:ext cx="8946541" cy="1096849"/>
           </a:xfrm>
         </p:spPr>
         <p:txBody>
@@ -6629,7 +7136,288 @@
           <a:p>
             <a:r>
               <a:rPr lang="en-US" dirty="0" err="1" smtClean="0"/>
-              <a:t>Alteração</a:t>
+              <a:t>Consulta</a:t>
+            </a:r>
+            <a:r>
+              <a:rPr lang="en-US" dirty="0" smtClean="0"/>
+              <a:t> e </a:t>
+            </a:r>
+            <a:r>
+              <a:rPr lang="en-US" dirty="0" err="1" smtClean="0"/>
+              <a:t>edição</a:t>
+            </a:r>
+            <a:r>
+              <a:rPr lang="en-US" dirty="0" smtClean="0"/>
+              <a:t> de dados do </a:t>
+            </a:r>
+            <a:r>
+              <a:rPr lang="en-US" dirty="0" err="1" smtClean="0"/>
+              <a:t>cliente</a:t>
+            </a:r>
+            <a:r>
+              <a:rPr lang="en-US" dirty="0" smtClean="0"/>
+              <a:t> </a:t>
+            </a:r>
+            <a:r>
+              <a:rPr lang="en-US" dirty="0" err="1" smtClean="0"/>
+              <a:t>logado</a:t>
+            </a:r>
+            <a:endParaRPr lang="en-US" dirty="0" smtClean="0"/>
+          </a:p>
+          <a:p>
+            <a:r>
+              <a:rPr lang="en-US" dirty="0" err="1" smtClean="0"/>
+              <a:t>Exercício</a:t>
+            </a:r>
+            <a:r>
+              <a:rPr lang="en-US" dirty="0" smtClean="0"/>
+              <a:t> do </a:t>
+            </a:r>
+            <a:r>
+              <a:rPr lang="en-US" dirty="0" err="1" smtClean="0"/>
+              <a:t>direito</a:t>
+            </a:r>
+            <a:r>
+              <a:rPr lang="en-US" dirty="0" smtClean="0"/>
+              <a:t> </a:t>
+            </a:r>
+            <a:r>
+              <a:rPr lang="en-US" dirty="0" err="1" smtClean="0"/>
+              <a:t>ao</a:t>
+            </a:r>
+            <a:r>
+              <a:rPr lang="en-US" dirty="0" smtClean="0"/>
+              <a:t> </a:t>
+            </a:r>
+            <a:r>
+              <a:rPr lang="en-US" dirty="0" err="1" smtClean="0"/>
+              <a:t>esquecimento</a:t>
+            </a:r>
+            <a:endParaRPr lang="en-US" dirty="0" smtClean="0"/>
+          </a:p>
+        </p:txBody>
+      </p:sp>
+      <p:pic>
+        <p:nvPicPr>
+          <p:cNvPr id="4" name="Picture 3"/>
+          <p:cNvPicPr>
+            <a:picLocks noChangeAspect="1"/>
+          </p:cNvPicPr>
+          <p:nvPr/>
+        </p:nvPicPr>
+        <p:blipFill rotWithShape="1">
+          <a:blip r:embed="rId2"/>
+          <a:srcRect b="13435"/>
+          <a:stretch/>
+        </p:blipFill>
+        <p:spPr>
+          <a:xfrm>
+            <a:off x="1741868" y="1258864"/>
+            <a:ext cx="8708264" cy="3609350"/>
+          </a:xfrm>
+          <a:prstGeom prst="rect">
+            <a:avLst/>
+          </a:prstGeom>
+        </p:spPr>
+      </p:pic>
+    </p:spTree>
+    <p:extLst>
+      <p:ext uri="{BB962C8B-B14F-4D97-AF65-F5344CB8AC3E}">
+        <p14:creationId xmlns:p14="http://schemas.microsoft.com/office/powerpoint/2010/main" val="30193870"/>
+      </p:ext>
+    </p:extLst>
+  </p:cSld>
+  <p:clrMapOvr>
+    <a:masterClrMapping/>
+  </p:clrMapOvr>
+  <p:timing>
+    <p:tnLst>
+      <p:par>
+        <p:cTn id="1" dur="indefinite" restart="never" nodeType="tmRoot"/>
+      </p:par>
+    </p:tnLst>
+  </p:timing>
+</p:sld>
+</file>
+
+<file path=ppt/slides/slide16.xml><?xml version="1.0" encoding="utf-8"?>
+<p:sld xmlns:a="http://schemas.openxmlformats.org/drawingml/2006/main" xmlns:r="http://schemas.openxmlformats.org/officeDocument/2006/relationships" xmlns:p="http://schemas.openxmlformats.org/presentationml/2006/main">
+  <p:cSld>
+    <p:spTree>
+      <p:nvGrpSpPr>
+        <p:cNvPr id="1" name=""/>
+        <p:cNvGrpSpPr/>
+        <p:nvPr/>
+      </p:nvGrpSpPr>
+      <p:grpSpPr>
+        <a:xfrm>
+          <a:off x="0" y="0"/>
+          <a:ext cx="0" cy="0"/>
+          <a:chOff x="0" y="0"/>
+          <a:chExt cx="0" cy="0"/>
+        </a:xfrm>
+      </p:grpSpPr>
+      <p:sp>
+        <p:nvSpPr>
+          <p:cNvPr id="2" name="Title 1"/>
+          <p:cNvSpPr>
+            <a:spLocks noGrp="1"/>
+          </p:cNvSpPr>
+          <p:nvPr>
+            <p:ph type="title"/>
+          </p:nvPr>
+        </p:nvSpPr>
+        <p:spPr>
+          <a:xfrm>
+            <a:off x="874220" y="0"/>
+            <a:ext cx="9404723" cy="1400530"/>
+          </a:xfrm>
+        </p:spPr>
+        <p:txBody>
+          <a:bodyPr anchor="ctr"/>
+          <a:lstStyle/>
+          <a:p>
+            <a:pPr algn="ctr"/>
+            <a:r>
+              <a:rPr lang="en-US" dirty="0" err="1"/>
+              <a:t>Á</a:t>
+            </a:r>
+            <a:r>
+              <a:rPr lang="en-US" dirty="0" err="1" smtClean="0"/>
+              <a:t>rea</a:t>
+            </a:r>
+            <a:r>
+              <a:rPr lang="en-US" dirty="0" smtClean="0"/>
+              <a:t> </a:t>
+            </a:r>
+            <a:r>
+              <a:rPr lang="en-US" dirty="0" err="1" smtClean="0"/>
+              <a:t>clientes</a:t>
+            </a:r>
+            <a:r>
+              <a:rPr lang="en-US" dirty="0" smtClean="0"/>
+              <a:t> (</a:t>
+            </a:r>
+            <a:r>
+              <a:rPr lang="en-US" dirty="0" err="1" smtClean="0"/>
+              <a:t>configurador</a:t>
+            </a:r>
+            <a:r>
+              <a:rPr lang="en-US" dirty="0" smtClean="0"/>
+              <a:t>)</a:t>
+            </a:r>
+            <a:endParaRPr lang="en-US" dirty="0"/>
+          </a:p>
+        </p:txBody>
+      </p:sp>
+      <p:sp>
+        <p:nvSpPr>
+          <p:cNvPr id="3" name="Content Placeholder 2"/>
+          <p:cNvSpPr>
+            <a:spLocks noGrp="1"/>
+          </p:cNvSpPr>
+          <p:nvPr>
+            <p:ph idx="1"/>
+          </p:nvPr>
+        </p:nvSpPr>
+        <p:spPr>
+          <a:xfrm>
+            <a:off x="1741868" y="5010846"/>
+            <a:ext cx="7633951" cy="1096849"/>
+          </a:xfrm>
+        </p:spPr>
+        <p:txBody>
+          <a:bodyPr>
+            <a:normAutofit lnSpcReduction="10000"/>
+          </a:bodyPr>
+          <a:lstStyle/>
+          <a:p>
+            <a:r>
+              <a:rPr lang="en-US" dirty="0" err="1" smtClean="0"/>
+              <a:t>Consulta</a:t>
+            </a:r>
+            <a:r>
+              <a:rPr lang="en-US" dirty="0" smtClean="0"/>
+              <a:t> de dados de </a:t>
+            </a:r>
+            <a:r>
+              <a:rPr lang="en-US" dirty="0" err="1" smtClean="0"/>
+              <a:t>todos</a:t>
+            </a:r>
+            <a:r>
+              <a:rPr lang="en-US" dirty="0" smtClean="0"/>
+              <a:t> </a:t>
+            </a:r>
+            <a:r>
+              <a:rPr lang="en-US" dirty="0" err="1" smtClean="0"/>
+              <a:t>os</a:t>
+            </a:r>
+            <a:r>
+              <a:rPr lang="en-US" dirty="0" smtClean="0"/>
+              <a:t> </a:t>
+            </a:r>
+            <a:r>
+              <a:rPr lang="en-US" dirty="0" err="1" smtClean="0"/>
+              <a:t>clientes</a:t>
+            </a:r>
+            <a:endParaRPr lang="en-US" dirty="0" smtClean="0"/>
+          </a:p>
+          <a:p>
+            <a:r>
+              <a:rPr lang="en-US" dirty="0" smtClean="0"/>
+              <a:t>Mais </a:t>
+            </a:r>
+            <a:r>
+              <a:rPr lang="en-US" dirty="0" err="1" smtClean="0"/>
+              <a:t>permissões</a:t>
+            </a:r>
+            <a:r>
+              <a:rPr lang="en-US" dirty="0" smtClean="0"/>
+              <a:t> </a:t>
+            </a:r>
+            <a:r>
+              <a:rPr lang="en-US" dirty="0" err="1" smtClean="0"/>
+              <a:t>podem</a:t>
+            </a:r>
+            <a:r>
+              <a:rPr lang="en-US" dirty="0" smtClean="0"/>
+              <a:t> </a:t>
+            </a:r>
+            <a:r>
+              <a:rPr lang="en-US" dirty="0" err="1" smtClean="0"/>
+              <a:t>ser</a:t>
+            </a:r>
+            <a:r>
+              <a:rPr lang="en-US" dirty="0" smtClean="0"/>
+              <a:t> </a:t>
+            </a:r>
+            <a:r>
+              <a:rPr lang="en-US" dirty="0" err="1" smtClean="0"/>
+              <a:t>garantidas</a:t>
+            </a:r>
+            <a:r>
+              <a:rPr lang="en-US" dirty="0" smtClean="0"/>
+              <a:t> </a:t>
+            </a:r>
+            <a:r>
+              <a:rPr lang="en-US" dirty="0" err="1" smtClean="0"/>
+              <a:t>ao</a:t>
+            </a:r>
+            <a:r>
+              <a:rPr lang="en-US" dirty="0" smtClean="0"/>
+              <a:t> </a:t>
+            </a:r>
+            <a:r>
+              <a:rPr lang="en-US" dirty="0" err="1" smtClean="0"/>
+              <a:t>configurador</a:t>
+            </a:r>
+            <a:r>
+              <a:rPr lang="en-US" dirty="0" smtClean="0"/>
+              <a:t> </a:t>
+            </a:r>
+            <a:r>
+              <a:rPr lang="en-US" dirty="0" err="1" smtClean="0"/>
+              <a:t>através</a:t>
             </a:r>
             <a:r>
               <a:rPr lang="en-US" dirty="0" smtClean="0"/>
@@ -6637,23 +7425,7 @@
             </a:r>
             <a:r>
               <a:rPr lang="en-US" dirty="0" err="1" smtClean="0"/>
-              <a:t>modelo</a:t>
-            </a:r>
-            <a:r>
-              <a:rPr lang="en-US" dirty="0" smtClean="0"/>
-              <a:t> visual </a:t>
-            </a:r>
-            <a:r>
-              <a:rPr lang="en-US" dirty="0" err="1" smtClean="0"/>
-              <a:t>associado</a:t>
-            </a:r>
-            <a:r>
-              <a:rPr lang="en-US" dirty="0" smtClean="0"/>
-              <a:t> a </a:t>
-            </a:r>
-            <a:r>
-              <a:rPr lang="en-US" dirty="0" err="1" smtClean="0"/>
-              <a:t>tipo</a:t>
+              <a:t>ficheiro</a:t>
             </a:r>
             <a:r>
               <a:rPr lang="en-US" dirty="0" smtClean="0"/>
@@ -6661,14 +7433,127 @@
             </a:r>
             <a:r>
               <a:rPr lang="en-US" dirty="0" err="1" smtClean="0"/>
-              <a:t>máquina</a:t>
+              <a:t>configuração</a:t>
             </a:r>
             <a:endParaRPr lang="en-US" dirty="0" smtClean="0"/>
           </a:p>
-          <a:p>
-            <a:r>
-              <a:rPr lang="en-US" dirty="0" err="1" smtClean="0"/>
-              <a:t>Alteração</a:t>
+        </p:txBody>
+      </p:sp>
+      <p:pic>
+        <p:nvPicPr>
+          <p:cNvPr id="5" name="Picture 4"/>
+          <p:cNvPicPr>
+            <a:picLocks noChangeAspect="1"/>
+          </p:cNvPicPr>
+          <p:nvPr/>
+        </p:nvPicPr>
+        <p:blipFill>
+          <a:blip r:embed="rId2"/>
+          <a:stretch>
+            <a:fillRect/>
+          </a:stretch>
+        </p:blipFill>
+        <p:spPr>
+          <a:xfrm>
+            <a:off x="1228761" y="1400530"/>
+            <a:ext cx="9734479" cy="3471487"/>
+          </a:xfrm>
+          <a:prstGeom prst="rect">
+            <a:avLst/>
+          </a:prstGeom>
+        </p:spPr>
+      </p:pic>
+    </p:spTree>
+    <p:extLst>
+      <p:ext uri="{BB962C8B-B14F-4D97-AF65-F5344CB8AC3E}">
+        <p14:creationId xmlns:p14="http://schemas.microsoft.com/office/powerpoint/2010/main" val="2746321375"/>
+      </p:ext>
+    </p:extLst>
+  </p:cSld>
+  <p:clrMapOvr>
+    <a:masterClrMapping/>
+  </p:clrMapOvr>
+  <p:timing>
+    <p:tnLst>
+      <p:par>
+        <p:cTn id="1" dur="indefinite" restart="never" nodeType="tmRoot"/>
+      </p:par>
+    </p:tnLst>
+  </p:timing>
+</p:sld>
+</file>
+
+<file path=ppt/slides/slide17.xml><?xml version="1.0" encoding="utf-8"?>
+<p:sld xmlns:a="http://schemas.openxmlformats.org/drawingml/2006/main" xmlns:r="http://schemas.openxmlformats.org/officeDocument/2006/relationships" xmlns:p="http://schemas.openxmlformats.org/presentationml/2006/main">
+  <p:cSld>
+    <p:spTree>
+      <p:nvGrpSpPr>
+        <p:cNvPr id="1" name=""/>
+        <p:cNvGrpSpPr/>
+        <p:nvPr/>
+      </p:nvGrpSpPr>
+      <p:grpSpPr>
+        <a:xfrm>
+          <a:off x="0" y="0"/>
+          <a:ext cx="0" cy="0"/>
+          <a:chOff x="0" y="0"/>
+          <a:chExt cx="0" cy="0"/>
+        </a:xfrm>
+      </p:grpSpPr>
+      <p:sp>
+        <p:nvSpPr>
+          <p:cNvPr id="2" name="Title 1"/>
+          <p:cNvSpPr>
+            <a:spLocks noGrp="1"/>
+          </p:cNvSpPr>
+          <p:nvPr>
+            <p:ph type="title"/>
+          </p:nvPr>
+        </p:nvSpPr>
+        <p:spPr>
+          <a:xfrm>
+            <a:off x="874220" y="0"/>
+            <a:ext cx="9404723" cy="1400530"/>
+          </a:xfrm>
+        </p:spPr>
+        <p:txBody>
+          <a:bodyPr anchor="ctr"/>
+          <a:lstStyle/>
+          <a:p>
+            <a:pPr algn="ctr"/>
+            <a:r>
+              <a:rPr lang="en-US" dirty="0" err="1" smtClean="0"/>
+              <a:t>Configuração</a:t>
+            </a:r>
+            <a:endParaRPr lang="en-US" dirty="0"/>
+          </a:p>
+        </p:txBody>
+      </p:sp>
+      <p:sp>
+        <p:nvSpPr>
+          <p:cNvPr id="3" name="Content Placeholder 2"/>
+          <p:cNvSpPr>
+            <a:spLocks noGrp="1"/>
+          </p:cNvSpPr>
+          <p:nvPr>
+            <p:ph idx="1"/>
+          </p:nvPr>
+        </p:nvSpPr>
+        <p:spPr>
+          <a:xfrm>
+            <a:off x="5087154" y="2160384"/>
+            <a:ext cx="6323527" cy="2192676"/>
+          </a:xfrm>
+        </p:spPr>
+        <p:txBody>
+          <a:bodyPr>
+            <a:normAutofit/>
+          </a:bodyPr>
+          <a:lstStyle/>
+          <a:p>
+            <a:r>
+              <a:rPr lang="en-US" dirty="0" err="1" smtClean="0"/>
+              <a:t>Ficheiro</a:t>
             </a:r>
             <a:r>
               <a:rPr lang="en-US" dirty="0" smtClean="0"/>
@@ -6676,7 +7561,18 @@
             </a:r>
             <a:r>
               <a:rPr lang="en-US" dirty="0" err="1" smtClean="0"/>
-              <a:t>posição</a:t>
+              <a:t>configuração</a:t>
+            </a:r>
+            <a:r>
+              <a:rPr lang="en-US" dirty="0" smtClean="0"/>
+              <a:t> </a:t>
+            </a:r>
+            <a:endParaRPr lang="en-US" dirty="0" smtClean="0"/>
+          </a:p>
+          <a:p>
+            <a:r>
+              <a:rPr lang="en-US" dirty="0" err="1" smtClean="0"/>
+              <a:t>Edição</a:t>
             </a:r>
             <a:r>
               <a:rPr lang="en-US" dirty="0" smtClean="0"/>
@@ -6684,7 +7580,15 @@
             </a:r>
             <a:r>
               <a:rPr lang="en-US" dirty="0" err="1" smtClean="0"/>
-              <a:t>maquina</a:t>
+              <a:t>permissões</a:t>
+            </a:r>
+            <a:r>
+              <a:rPr lang="en-US" dirty="0" smtClean="0"/>
+              <a:t> dos </a:t>
+            </a:r>
+            <a:r>
+              <a:rPr lang="en-US" dirty="0" err="1" smtClean="0"/>
+              <a:t>vários</a:t>
             </a:r>
             <a:r>
               <a:rPr lang="en-US" dirty="0" smtClean="0"/>
@@ -6692,94 +7596,22 @@
             </a:r>
             <a:r>
               <a:rPr lang="en-US" dirty="0" err="1" smtClean="0"/>
-              <a:t>dentro</a:t>
-            </a:r>
-            <a:r>
-              <a:rPr lang="en-US" dirty="0" smtClean="0"/>
-              <a:t> de </a:t>
-            </a:r>
-            <a:r>
-              <a:rPr lang="en-US" dirty="0" err="1" smtClean="0"/>
-              <a:t>uma</a:t>
-            </a:r>
-            <a:r>
-              <a:rPr lang="en-US" dirty="0" smtClean="0"/>
-              <a:t> </a:t>
-            </a:r>
-            <a:r>
-              <a:rPr lang="en-US" dirty="0" err="1" smtClean="0"/>
-              <a:t>linha</a:t>
-            </a:r>
-            <a:r>
-              <a:rPr lang="en-US" dirty="0" smtClean="0"/>
-              <a:t> de </a:t>
-            </a:r>
-            <a:r>
-              <a:rPr lang="en-US" dirty="0" err="1" smtClean="0"/>
-              <a:t>produção</a:t>
+              <a:t>papeis</a:t>
+            </a:r>
+            <a:r>
+              <a:rPr lang="en-US" dirty="0" smtClean="0"/>
+              <a:t> e </a:t>
+            </a:r>
+            <a:r>
+              <a:rPr lang="en-US" dirty="0" err="1" smtClean="0"/>
+              <a:t>administradores</a:t>
             </a:r>
             <a:endParaRPr lang="en-US" dirty="0" smtClean="0"/>
           </a:p>
           <a:p>
-            <a:r>
-              <a:rPr lang="en-US" dirty="0" err="1" smtClean="0"/>
-              <a:t>Movimentar</a:t>
-            </a:r>
-            <a:r>
-              <a:rPr lang="en-US" dirty="0" smtClean="0"/>
-              <a:t> </a:t>
-            </a:r>
-            <a:r>
-              <a:rPr lang="en-US" dirty="0" err="1" smtClean="0"/>
-              <a:t>maquina</a:t>
-            </a:r>
-            <a:r>
-              <a:rPr lang="en-US" dirty="0" smtClean="0"/>
-              <a:t> entre </a:t>
-            </a:r>
-            <a:r>
-              <a:rPr lang="en-US" dirty="0" err="1" smtClean="0"/>
-              <a:t>linhas</a:t>
-            </a:r>
-            <a:r>
-              <a:rPr lang="en-US" dirty="0" smtClean="0"/>
-              <a:t> de </a:t>
-            </a:r>
-            <a:r>
-              <a:rPr lang="en-US" dirty="0" err="1" smtClean="0"/>
-              <a:t>produção</a:t>
-            </a:r>
-            <a:endParaRPr lang="en-US" dirty="0" smtClean="0"/>
-          </a:p>
-          <a:p>
-            <a:r>
-              <a:rPr lang="en-US" dirty="0" err="1" smtClean="0"/>
-              <a:t>Iniciar</a:t>
-            </a:r>
-            <a:r>
-              <a:rPr lang="en-US" dirty="0" smtClean="0"/>
-              <a:t> </a:t>
-            </a:r>
-            <a:r>
-              <a:rPr lang="en-US" dirty="0" err="1" smtClean="0"/>
-              <a:t>simulação</a:t>
-            </a:r>
-            <a:r>
-              <a:rPr lang="en-US" dirty="0" smtClean="0"/>
-              <a:t> de </a:t>
-            </a:r>
-            <a:r>
-              <a:rPr lang="en-US" dirty="0" err="1" smtClean="0"/>
-              <a:t>plano</a:t>
-            </a:r>
-            <a:r>
-              <a:rPr lang="en-US" dirty="0" smtClean="0"/>
-              <a:t> de </a:t>
-            </a:r>
-            <a:r>
-              <a:rPr lang="en-US" dirty="0" err="1" smtClean="0"/>
-              <a:t>produção</a:t>
-            </a:r>
+            <a:pPr marL="0" indent="0">
+              <a:buNone/>
+            </a:pPr>
             <a:endParaRPr lang="en-US" dirty="0" smtClean="0"/>
           </a:p>
         </p:txBody>
@@ -6800,8 +7632,38 @@
         </p:blipFill>
         <p:spPr>
           <a:xfrm>
-            <a:off x="814089" y="2279560"/>
-            <a:ext cx="4467815" cy="2517080"/>
+            <a:off x="223344" y="1081825"/>
+            <a:ext cx="4172532" cy="5600531"/>
+          </a:xfrm>
+          <a:prstGeom prst="rect">
+            <a:avLst/>
+          </a:prstGeom>
+        </p:spPr>
+      </p:pic>
+      <p:pic>
+        <p:nvPicPr>
+          <p:cNvPr id="6" name="Picture 5"/>
+          <p:cNvPicPr>
+            <a:picLocks noChangeAspect="1"/>
+          </p:cNvPicPr>
+          <p:nvPr/>
+        </p:nvPicPr>
+        <p:blipFill>
+          <a:blip r:embed="rId3">
+            <a:extLst>
+              <a:ext uri="{28A0092B-C50C-407E-A947-70E740481C1C}">
+                <a14:useLocalDpi xmlns:a14="http://schemas.microsoft.com/office/drawing/2010/main" val="0"/>
+              </a:ext>
+            </a:extLst>
+          </a:blip>
+          <a:stretch>
+            <a:fillRect/>
+          </a:stretch>
+        </p:blipFill>
+        <p:spPr>
+          <a:xfrm>
+            <a:off x="5177332" y="4033290"/>
+            <a:ext cx="3890225" cy="2649066"/>
           </a:xfrm>
           <a:prstGeom prst="rect">
             <a:avLst/>
@@ -6811,7 +7673,393 @@
     </p:spTree>
     <p:extLst>
       <p:ext uri="{BB962C8B-B14F-4D97-AF65-F5344CB8AC3E}">
-        <p14:creationId xmlns:p14="http://schemas.microsoft.com/office/powerpoint/2010/main" val="2339805955"/>
+        <p14:creationId xmlns:p14="http://schemas.microsoft.com/office/powerpoint/2010/main" val="3518902120"/>
+      </p:ext>
+    </p:extLst>
+  </p:cSld>
+  <p:clrMapOvr>
+    <a:masterClrMapping/>
+  </p:clrMapOvr>
+  <p:timing>
+    <p:tnLst>
+      <p:par>
+        <p:cTn id="1" dur="indefinite" restart="never" nodeType="tmRoot"/>
+      </p:par>
+    </p:tnLst>
+  </p:timing>
+</p:sld>
+</file>
+
+<file path=ppt/slides/slide18.xml><?xml version="1.0" encoding="utf-8"?>
+<p:sld xmlns:a="http://schemas.openxmlformats.org/drawingml/2006/main" xmlns:r="http://schemas.openxmlformats.org/officeDocument/2006/relationships" xmlns:p="http://schemas.openxmlformats.org/presentationml/2006/main">
+  <p:cSld>
+    <p:spTree>
+      <p:nvGrpSpPr>
+        <p:cNvPr id="1" name=""/>
+        <p:cNvGrpSpPr/>
+        <p:nvPr/>
+      </p:nvGrpSpPr>
+      <p:grpSpPr>
+        <a:xfrm>
+          <a:off x="0" y="0"/>
+          <a:ext cx="0" cy="0"/>
+          <a:chOff x="0" y="0"/>
+          <a:chExt cx="0" cy="0"/>
+        </a:xfrm>
+      </p:grpSpPr>
+      <p:sp>
+        <p:nvSpPr>
+          <p:cNvPr id="2" name="Title 1"/>
+          <p:cNvSpPr>
+            <a:spLocks noGrp="1"/>
+          </p:cNvSpPr>
+          <p:nvPr>
+            <p:ph type="title"/>
+          </p:nvPr>
+        </p:nvSpPr>
+        <p:spPr>
+          <a:xfrm>
+            <a:off x="874220" y="0"/>
+            <a:ext cx="9404723" cy="1400530"/>
+          </a:xfrm>
+        </p:spPr>
+        <p:txBody>
+          <a:bodyPr anchor="ctr"/>
+          <a:lstStyle/>
+          <a:p>
+            <a:pPr algn="ctr"/>
+            <a:r>
+              <a:rPr lang="en-US" dirty="0" err="1"/>
+              <a:t>Á</a:t>
+            </a:r>
+            <a:r>
+              <a:rPr lang="en-US" dirty="0" err="1" smtClean="0"/>
+              <a:t>rea</a:t>
+            </a:r>
+            <a:r>
+              <a:rPr lang="en-US" dirty="0" smtClean="0"/>
+              <a:t> </a:t>
+            </a:r>
+            <a:r>
+              <a:rPr lang="en-US" dirty="0" err="1" smtClean="0"/>
+              <a:t>encomendas</a:t>
+            </a:r>
+            <a:endParaRPr lang="en-US" dirty="0"/>
+          </a:p>
+        </p:txBody>
+      </p:sp>
+      <p:sp>
+        <p:nvSpPr>
+          <p:cNvPr id="3" name="Content Placeholder 2"/>
+          <p:cNvSpPr>
+            <a:spLocks noGrp="1"/>
+          </p:cNvSpPr>
+          <p:nvPr>
+            <p:ph idx="1"/>
+          </p:nvPr>
+        </p:nvSpPr>
+        <p:spPr>
+          <a:xfrm>
+            <a:off x="1622729" y="5448725"/>
+            <a:ext cx="8946541" cy="1096849"/>
+          </a:xfrm>
+        </p:spPr>
+        <p:txBody>
+          <a:bodyPr>
+            <a:normAutofit lnSpcReduction="10000"/>
+          </a:bodyPr>
+          <a:lstStyle/>
+          <a:p>
+            <a:r>
+              <a:rPr lang="en-US" dirty="0" err="1" smtClean="0"/>
+              <a:t>Criação</a:t>
+            </a:r>
+            <a:r>
+              <a:rPr lang="en-US" dirty="0" smtClean="0"/>
+              <a:t>, </a:t>
+            </a:r>
+            <a:r>
+              <a:rPr lang="en-US" dirty="0" err="1" smtClean="0"/>
+              <a:t>edição</a:t>
+            </a:r>
+            <a:r>
+              <a:rPr lang="en-US" dirty="0" smtClean="0"/>
+              <a:t>, </a:t>
+            </a:r>
+            <a:r>
+              <a:rPr lang="en-US" dirty="0" err="1" smtClean="0"/>
+              <a:t>consulta</a:t>
+            </a:r>
+            <a:r>
+              <a:rPr lang="en-US" dirty="0" smtClean="0"/>
+              <a:t> e </a:t>
+            </a:r>
+            <a:r>
+              <a:rPr lang="en-US" dirty="0" err="1" smtClean="0"/>
+              <a:t>cancelamento</a:t>
+            </a:r>
+            <a:r>
+              <a:rPr lang="en-US" dirty="0" smtClean="0"/>
+              <a:t> de </a:t>
+            </a:r>
+            <a:r>
+              <a:rPr lang="en-US" dirty="0" err="1" smtClean="0"/>
+              <a:t>encomendas</a:t>
+            </a:r>
+            <a:endParaRPr lang="en-US" dirty="0" smtClean="0"/>
+          </a:p>
+          <a:p>
+            <a:r>
+              <a:rPr lang="en-US" dirty="0" err="1" smtClean="0"/>
+              <a:t>Configurador</a:t>
+            </a:r>
+            <a:r>
+              <a:rPr lang="en-US" dirty="0" smtClean="0"/>
+              <a:t> </a:t>
+            </a:r>
+            <a:r>
+              <a:rPr lang="en-US" dirty="0" err="1" smtClean="0"/>
+              <a:t>consulta</a:t>
+            </a:r>
+            <a:r>
+              <a:rPr lang="en-US" dirty="0" smtClean="0"/>
+              <a:t>, </a:t>
+            </a:r>
+            <a:r>
+              <a:rPr lang="en-US" dirty="0" err="1" smtClean="0"/>
+              <a:t>edita</a:t>
+            </a:r>
+            <a:r>
+              <a:rPr lang="en-US" dirty="0" smtClean="0"/>
+              <a:t> e </a:t>
+            </a:r>
+            <a:r>
+              <a:rPr lang="en-US" dirty="0" err="1" smtClean="0"/>
+              <a:t>cancela</a:t>
+            </a:r>
+            <a:r>
+              <a:rPr lang="en-US" dirty="0" smtClean="0"/>
+              <a:t> </a:t>
+            </a:r>
+            <a:r>
+              <a:rPr lang="en-US" dirty="0" err="1" smtClean="0"/>
+              <a:t>encomendas</a:t>
+            </a:r>
+            <a:r>
+              <a:rPr lang="en-US" dirty="0" smtClean="0"/>
+              <a:t> de </a:t>
+            </a:r>
+            <a:r>
+              <a:rPr lang="en-US" dirty="0" err="1" smtClean="0"/>
+              <a:t>qualquer</a:t>
+            </a:r>
+            <a:r>
+              <a:rPr lang="en-US" dirty="0" smtClean="0"/>
+              <a:t> </a:t>
+            </a:r>
+            <a:r>
+              <a:rPr lang="en-US" dirty="0" err="1" smtClean="0"/>
+              <a:t>cliente</a:t>
+            </a:r>
+            <a:endParaRPr lang="en-US" dirty="0"/>
+          </a:p>
+        </p:txBody>
+      </p:sp>
+      <p:pic>
+        <p:nvPicPr>
+          <p:cNvPr id="5" name="Picture 4"/>
+          <p:cNvPicPr>
+            <a:picLocks noChangeAspect="1"/>
+          </p:cNvPicPr>
+          <p:nvPr/>
+        </p:nvPicPr>
+        <p:blipFill>
+          <a:blip r:embed="rId2"/>
+          <a:stretch>
+            <a:fillRect/>
+          </a:stretch>
+        </p:blipFill>
+        <p:spPr>
+          <a:xfrm>
+            <a:off x="1037584" y="1232046"/>
+            <a:ext cx="10116832" cy="3945261"/>
+          </a:xfrm>
+          <a:prstGeom prst="rect">
+            <a:avLst/>
+          </a:prstGeom>
+        </p:spPr>
+      </p:pic>
+    </p:spTree>
+    <p:extLst>
+      <p:ext uri="{BB962C8B-B14F-4D97-AF65-F5344CB8AC3E}">
+        <p14:creationId xmlns:p14="http://schemas.microsoft.com/office/powerpoint/2010/main" val="153547601"/>
+      </p:ext>
+    </p:extLst>
+  </p:cSld>
+  <p:clrMapOvr>
+    <a:masterClrMapping/>
+  </p:clrMapOvr>
+  <p:timing>
+    <p:tnLst>
+      <p:par>
+        <p:cTn id="1" dur="indefinite" restart="never" nodeType="tmRoot"/>
+      </p:par>
+    </p:tnLst>
+  </p:timing>
+</p:sld>
+</file>
+
+<file path=ppt/slides/slide19.xml><?xml version="1.0" encoding="utf-8"?>
+<p:sld xmlns:a="http://schemas.openxmlformats.org/drawingml/2006/main" xmlns:r="http://schemas.openxmlformats.org/officeDocument/2006/relationships" xmlns:p="http://schemas.openxmlformats.org/presentationml/2006/main">
+  <p:cSld>
+    <p:spTree>
+      <p:nvGrpSpPr>
+        <p:cNvPr id="1" name=""/>
+        <p:cNvGrpSpPr/>
+        <p:nvPr/>
+      </p:nvGrpSpPr>
+      <p:grpSpPr>
+        <a:xfrm>
+          <a:off x="0" y="0"/>
+          <a:ext cx="0" cy="0"/>
+          <a:chOff x="0" y="0"/>
+          <a:chExt cx="0" cy="0"/>
+        </a:xfrm>
+      </p:grpSpPr>
+      <p:sp>
+        <p:nvSpPr>
+          <p:cNvPr id="2" name="Title 1"/>
+          <p:cNvSpPr>
+            <a:spLocks noGrp="1"/>
+          </p:cNvSpPr>
+          <p:nvPr>
+            <p:ph type="title"/>
+          </p:nvPr>
+        </p:nvSpPr>
+        <p:spPr>
+          <a:xfrm>
+            <a:off x="1393639" y="0"/>
+            <a:ext cx="9404723" cy="1400530"/>
+          </a:xfrm>
+        </p:spPr>
+        <p:txBody>
+          <a:bodyPr anchor="ctr"/>
+          <a:lstStyle/>
+          <a:p>
+            <a:pPr algn="ctr"/>
+            <a:r>
+              <a:rPr lang="en-US" sz="3600" dirty="0" err="1" smtClean="0"/>
+              <a:t>Área</a:t>
+            </a:r>
+            <a:r>
+              <a:rPr lang="en-US" sz="3600" dirty="0" smtClean="0"/>
+              <a:t> de </a:t>
+            </a:r>
+            <a:r>
+              <a:rPr lang="en-US" sz="3600" dirty="0" err="1" smtClean="0"/>
+              <a:t>planeamento</a:t>
+            </a:r>
+            <a:r>
+              <a:rPr lang="en-US" sz="3600" dirty="0" smtClean="0"/>
+              <a:t> de </a:t>
+            </a:r>
+            <a:r>
+              <a:rPr lang="en-US" sz="3600" dirty="0" err="1" smtClean="0"/>
+              <a:t>produção</a:t>
+            </a:r>
+            <a:endParaRPr lang="en-US" sz="3600" dirty="0"/>
+          </a:p>
+        </p:txBody>
+      </p:sp>
+      <p:sp>
+        <p:nvSpPr>
+          <p:cNvPr id="3" name="Content Placeholder 2"/>
+          <p:cNvSpPr>
+            <a:spLocks noGrp="1"/>
+          </p:cNvSpPr>
+          <p:nvPr>
+            <p:ph idx="1"/>
+          </p:nvPr>
+        </p:nvSpPr>
+        <p:spPr>
+          <a:xfrm>
+            <a:off x="1851821" y="5269385"/>
+            <a:ext cx="8946541" cy="1096849"/>
+          </a:xfrm>
+        </p:spPr>
+        <p:txBody>
+          <a:bodyPr>
+            <a:normAutofit/>
+          </a:bodyPr>
+          <a:lstStyle/>
+          <a:p>
+            <a:r>
+              <a:rPr lang="en-US" dirty="0" smtClean="0"/>
+              <a:t>Production Manager </a:t>
+            </a:r>
+            <a:r>
+              <a:rPr lang="en-US" dirty="0" err="1" smtClean="0"/>
+              <a:t>inicia</a:t>
+            </a:r>
+            <a:r>
+              <a:rPr lang="en-US" dirty="0" smtClean="0"/>
+              <a:t> </a:t>
+            </a:r>
+            <a:r>
+              <a:rPr lang="en-US" dirty="0" err="1" smtClean="0"/>
+              <a:t>planeamento</a:t>
+            </a:r>
+            <a:r>
+              <a:rPr lang="en-US" dirty="0" smtClean="0"/>
+              <a:t> de </a:t>
+            </a:r>
+            <a:r>
+              <a:rPr lang="en-US" dirty="0" err="1" smtClean="0"/>
+              <a:t>produção</a:t>
+            </a:r>
+            <a:r>
+              <a:rPr lang="en-US" dirty="0" smtClean="0"/>
+              <a:t> para um </a:t>
+            </a:r>
+            <a:r>
+              <a:rPr lang="en-US" dirty="0" err="1" smtClean="0"/>
+              <a:t>período</a:t>
+            </a:r>
+            <a:r>
+              <a:rPr lang="en-US" dirty="0" smtClean="0"/>
+              <a:t> de tempo</a:t>
+            </a:r>
+          </a:p>
+        </p:txBody>
+      </p:sp>
+      <p:pic>
+        <p:nvPicPr>
+          <p:cNvPr id="6" name="Picture 5"/>
+          <p:cNvPicPr>
+            <a:picLocks noChangeAspect="1"/>
+          </p:cNvPicPr>
+          <p:nvPr/>
+        </p:nvPicPr>
+        <p:blipFill>
+          <a:blip r:embed="rId2"/>
+          <a:stretch>
+            <a:fillRect/>
+          </a:stretch>
+        </p:blipFill>
+        <p:spPr>
+          <a:xfrm>
+            <a:off x="2053552" y="1275010"/>
+            <a:ext cx="8084897" cy="3816214"/>
+          </a:xfrm>
+          <a:prstGeom prst="rect">
+            <a:avLst/>
+          </a:prstGeom>
+        </p:spPr>
+      </p:pic>
+    </p:spTree>
+    <p:extLst>
+      <p:ext uri="{BB962C8B-B14F-4D97-AF65-F5344CB8AC3E}">
+        <p14:creationId xmlns:p14="http://schemas.microsoft.com/office/powerpoint/2010/main" val="285335538"/>
       </p:ext>
     </p:extLst>
   </p:cSld>
@@ -6855,38 +8103,476 @@
             <p:ph type="title"/>
           </p:nvPr>
         </p:nvSpPr>
-        <p:spPr/>
+        <p:spPr>
+          <a:xfrm>
+            <a:off x="1393639" y="452718"/>
+            <a:ext cx="9404723" cy="1400530"/>
+          </a:xfrm>
+        </p:spPr>
+        <p:txBody>
+          <a:bodyPr anchor="ctr"/>
+          <a:lstStyle/>
+          <a:p>
+            <a:pPr algn="ctr"/>
+            <a:r>
+              <a:rPr lang="en-US" dirty="0" err="1" smtClean="0"/>
+              <a:t>Metodologia</a:t>
+            </a:r>
+            <a:r>
+              <a:rPr lang="en-US" dirty="0" smtClean="0"/>
+              <a:t> de </a:t>
+            </a:r>
+            <a:r>
+              <a:rPr lang="en-US" dirty="0" err="1" smtClean="0"/>
+              <a:t>trabalho</a:t>
+            </a:r>
+            <a:endParaRPr lang="en-US" dirty="0"/>
+          </a:p>
+        </p:txBody>
+      </p:sp>
+      <p:sp>
+        <p:nvSpPr>
+          <p:cNvPr id="3" name="Content Placeholder 2"/>
+          <p:cNvSpPr>
+            <a:spLocks noGrp="1"/>
+          </p:cNvSpPr>
+          <p:nvPr>
+            <p:ph idx="1"/>
+          </p:nvPr>
+        </p:nvSpPr>
+        <p:spPr>
+          <a:xfrm>
+            <a:off x="6069496" y="2052918"/>
+            <a:ext cx="5141843" cy="4195481"/>
+          </a:xfrm>
+        </p:spPr>
         <p:txBody>
           <a:bodyPr/>
           <a:lstStyle/>
           <a:p>
-            <a:endParaRPr lang="en-US"/>
-          </a:p>
-        </p:txBody>
-      </p:sp>
-      <p:sp>
-        <p:nvSpPr>
-          <p:cNvPr id="3" name="Content Placeholder 2"/>
-          <p:cNvSpPr>
-            <a:spLocks noGrp="1"/>
-          </p:cNvSpPr>
-          <p:nvPr>
-            <p:ph idx="1"/>
-          </p:nvPr>
-        </p:nvSpPr>
-        <p:spPr/>
-        <p:txBody>
-          <a:bodyPr/>
-          <a:lstStyle/>
+            <a:r>
+              <a:rPr lang="en-US" dirty="0" err="1" smtClean="0"/>
+              <a:t>Ferramenta</a:t>
+            </a:r>
+            <a:r>
+              <a:rPr lang="en-US" dirty="0" smtClean="0"/>
+              <a:t> </a:t>
+            </a:r>
+            <a:r>
+              <a:rPr lang="en-US" dirty="0" err="1" smtClean="0"/>
+              <a:t>BitBucket</a:t>
+            </a:r>
+            <a:r>
+              <a:rPr lang="en-US" dirty="0" smtClean="0"/>
+              <a:t> para </a:t>
+            </a:r>
+            <a:r>
+              <a:rPr lang="en-US" dirty="0" err="1" smtClean="0"/>
+              <a:t>gestão</a:t>
+            </a:r>
+            <a:r>
+              <a:rPr lang="en-US" dirty="0" smtClean="0"/>
+              <a:t> de issues.</a:t>
+            </a:r>
+          </a:p>
+          <a:p>
+            <a:r>
+              <a:rPr lang="en-US" dirty="0" smtClean="0"/>
+              <a:t>Issues </a:t>
+            </a:r>
+            <a:r>
+              <a:rPr lang="en-US" dirty="0" err="1" smtClean="0"/>
+              <a:t>divididos</a:t>
+            </a:r>
+            <a:r>
+              <a:rPr lang="en-US" dirty="0" smtClean="0"/>
+              <a:t> </a:t>
+            </a:r>
+            <a:r>
+              <a:rPr lang="en-US" dirty="0" err="1" smtClean="0"/>
+              <a:t>uniformemente</a:t>
+            </a:r>
+            <a:r>
+              <a:rPr lang="en-US" dirty="0" smtClean="0"/>
+              <a:t> </a:t>
+            </a:r>
+            <a:r>
+              <a:rPr lang="en-US" dirty="0" err="1" smtClean="0"/>
+              <a:t>pelos</a:t>
+            </a:r>
+            <a:r>
+              <a:rPr lang="en-US" dirty="0" smtClean="0"/>
+              <a:t> </a:t>
+            </a:r>
+            <a:r>
+              <a:rPr lang="en-US" dirty="0" err="1" smtClean="0"/>
+              <a:t>elementos</a:t>
+            </a:r>
+            <a:r>
+              <a:rPr lang="en-US" dirty="0" smtClean="0"/>
+              <a:t> do </a:t>
+            </a:r>
+            <a:r>
+              <a:rPr lang="en-US" dirty="0" err="1" smtClean="0"/>
+              <a:t>grupo</a:t>
+            </a:r>
+            <a:r>
+              <a:rPr lang="en-US" dirty="0" smtClean="0"/>
+              <a:t> no </a:t>
+            </a:r>
+            <a:r>
+              <a:rPr lang="en-US" dirty="0" err="1" smtClean="0"/>
+              <a:t>inicio</a:t>
+            </a:r>
+            <a:r>
+              <a:rPr lang="en-US" dirty="0" smtClean="0"/>
+              <a:t> de </a:t>
+            </a:r>
+            <a:r>
+              <a:rPr lang="en-US" dirty="0" err="1" smtClean="0"/>
+              <a:t>cada</a:t>
+            </a:r>
+            <a:r>
+              <a:rPr lang="en-US" dirty="0" smtClean="0"/>
+              <a:t> sprint.</a:t>
+            </a:r>
+          </a:p>
+          <a:p>
+            <a:r>
+              <a:rPr lang="en-US" dirty="0" err="1" smtClean="0"/>
+              <a:t>Divisão</a:t>
+            </a:r>
+            <a:r>
+              <a:rPr lang="en-US" dirty="0" smtClean="0"/>
+              <a:t> de </a:t>
+            </a:r>
+            <a:r>
+              <a:rPr lang="en-US" dirty="0" err="1" smtClean="0"/>
+              <a:t>responsabilidades</a:t>
+            </a:r>
+            <a:r>
+              <a:rPr lang="en-US" dirty="0" smtClean="0"/>
+              <a:t>.</a:t>
+            </a:r>
+          </a:p>
           <a:p>
             <a:endParaRPr lang="en-US" dirty="0"/>
           </a:p>
         </p:txBody>
       </p:sp>
+      <p:pic>
+        <p:nvPicPr>
+          <p:cNvPr id="4" name="Picture 3"/>
+          <p:cNvPicPr>
+            <a:picLocks noChangeAspect="1"/>
+          </p:cNvPicPr>
+          <p:nvPr/>
+        </p:nvPicPr>
+        <p:blipFill>
+          <a:blip r:embed="rId2"/>
+          <a:stretch>
+            <a:fillRect/>
+          </a:stretch>
+        </p:blipFill>
+        <p:spPr>
+          <a:xfrm>
+            <a:off x="646111" y="1964491"/>
+            <a:ext cx="5232808" cy="4372333"/>
+          </a:xfrm>
+          <a:prstGeom prst="rect">
+            <a:avLst/>
+          </a:prstGeom>
+        </p:spPr>
+      </p:pic>
     </p:spTree>
     <p:extLst>
       <p:ext uri="{BB962C8B-B14F-4D97-AF65-F5344CB8AC3E}">
         <p14:creationId xmlns:p14="http://schemas.microsoft.com/office/powerpoint/2010/main" val="1125453224"/>
+      </p:ext>
+    </p:extLst>
+  </p:cSld>
+  <p:clrMapOvr>
+    <a:masterClrMapping/>
+  </p:clrMapOvr>
+  <p:timing>
+    <p:tnLst>
+      <p:par>
+        <p:cTn id="1" dur="indefinite" restart="never" nodeType="tmRoot"/>
+      </p:par>
+    </p:tnLst>
+  </p:timing>
+</p:sld>
+</file>
+
+<file path=ppt/slides/slide20.xml><?xml version="1.0" encoding="utf-8"?>
+<p:sld xmlns:a="http://schemas.openxmlformats.org/drawingml/2006/main" xmlns:r="http://schemas.openxmlformats.org/officeDocument/2006/relationships" xmlns:p="http://schemas.openxmlformats.org/presentationml/2006/main">
+  <p:cSld>
+    <p:spTree>
+      <p:nvGrpSpPr>
+        <p:cNvPr id="1" name=""/>
+        <p:cNvGrpSpPr/>
+        <p:nvPr/>
+      </p:nvGrpSpPr>
+      <p:grpSpPr>
+        <a:xfrm>
+          <a:off x="0" y="0"/>
+          <a:ext cx="0" cy="0"/>
+          <a:chOff x="0" y="0"/>
+          <a:chExt cx="0" cy="0"/>
+        </a:xfrm>
+      </p:grpSpPr>
+      <p:sp>
+        <p:nvSpPr>
+          <p:cNvPr id="2" name="Title 1"/>
+          <p:cNvSpPr>
+            <a:spLocks noGrp="1"/>
+          </p:cNvSpPr>
+          <p:nvPr>
+            <p:ph type="title"/>
+          </p:nvPr>
+        </p:nvSpPr>
+        <p:spPr>
+          <a:xfrm>
+            <a:off x="1393639" y="0"/>
+            <a:ext cx="9404723" cy="1400530"/>
+          </a:xfrm>
+        </p:spPr>
+        <p:txBody>
+          <a:bodyPr anchor="ctr"/>
+          <a:lstStyle/>
+          <a:p>
+            <a:pPr algn="ctr"/>
+            <a:r>
+              <a:rPr lang="en-US" sz="3600" dirty="0" err="1" smtClean="0"/>
+              <a:t>Área</a:t>
+            </a:r>
+            <a:r>
+              <a:rPr lang="en-US" sz="3600" dirty="0" smtClean="0"/>
+              <a:t> de </a:t>
+            </a:r>
+            <a:r>
+              <a:rPr lang="en-US" sz="3600" dirty="0" err="1" smtClean="0"/>
+              <a:t>visualização</a:t>
+            </a:r>
+            <a:r>
+              <a:rPr lang="en-US" sz="3600" dirty="0"/>
+              <a:t> </a:t>
+            </a:r>
+            <a:r>
+              <a:rPr lang="en-US" sz="3600" dirty="0" smtClean="0"/>
+              <a:t>- Widgets</a:t>
+            </a:r>
+            <a:endParaRPr lang="en-US" sz="3600" dirty="0"/>
+          </a:p>
+        </p:txBody>
+      </p:sp>
+      <p:sp>
+        <p:nvSpPr>
+          <p:cNvPr id="3" name="Content Placeholder 2"/>
+          <p:cNvSpPr>
+            <a:spLocks noGrp="1"/>
+          </p:cNvSpPr>
+          <p:nvPr>
+            <p:ph idx="1"/>
+          </p:nvPr>
+        </p:nvSpPr>
+        <p:spPr>
+          <a:xfrm>
+            <a:off x="5769735" y="2279561"/>
+            <a:ext cx="5834129" cy="2975020"/>
+          </a:xfrm>
+        </p:spPr>
+        <p:txBody>
+          <a:bodyPr>
+            <a:normAutofit/>
+          </a:bodyPr>
+          <a:lstStyle/>
+          <a:p>
+            <a:r>
+              <a:rPr lang="en-US" dirty="0" err="1" smtClean="0"/>
+              <a:t>Alteração</a:t>
+            </a:r>
+            <a:r>
+              <a:rPr lang="en-US" dirty="0" smtClean="0"/>
+              <a:t> de </a:t>
+            </a:r>
+            <a:r>
+              <a:rPr lang="en-US" dirty="0" err="1" smtClean="0"/>
+              <a:t>modelo</a:t>
+            </a:r>
+            <a:r>
+              <a:rPr lang="en-US" dirty="0" smtClean="0"/>
+              <a:t> visual </a:t>
+            </a:r>
+            <a:r>
+              <a:rPr lang="en-US" dirty="0" err="1" smtClean="0"/>
+              <a:t>associado</a:t>
+            </a:r>
+            <a:r>
+              <a:rPr lang="en-US" dirty="0" smtClean="0"/>
+              <a:t> a </a:t>
+            </a:r>
+            <a:r>
+              <a:rPr lang="en-US" dirty="0" err="1" smtClean="0"/>
+              <a:t>tipo</a:t>
+            </a:r>
+            <a:r>
+              <a:rPr lang="en-US" dirty="0" smtClean="0"/>
+              <a:t> de </a:t>
+            </a:r>
+            <a:r>
+              <a:rPr lang="en-US" dirty="0" err="1" smtClean="0"/>
+              <a:t>máquina</a:t>
+            </a:r>
+            <a:endParaRPr lang="en-US" dirty="0" smtClean="0"/>
+          </a:p>
+          <a:p>
+            <a:r>
+              <a:rPr lang="en-US" dirty="0" err="1" smtClean="0"/>
+              <a:t>Alteração</a:t>
+            </a:r>
+            <a:r>
+              <a:rPr lang="en-US" dirty="0" smtClean="0"/>
+              <a:t> de </a:t>
+            </a:r>
+            <a:r>
+              <a:rPr lang="en-US" dirty="0" err="1" smtClean="0"/>
+              <a:t>posição</a:t>
+            </a:r>
+            <a:r>
+              <a:rPr lang="en-US" dirty="0" smtClean="0"/>
+              <a:t> de </a:t>
+            </a:r>
+            <a:r>
+              <a:rPr lang="en-US" dirty="0" err="1" smtClean="0"/>
+              <a:t>maquina</a:t>
+            </a:r>
+            <a:r>
+              <a:rPr lang="en-US" dirty="0" smtClean="0"/>
+              <a:t> </a:t>
+            </a:r>
+            <a:r>
+              <a:rPr lang="en-US" dirty="0" err="1" smtClean="0"/>
+              <a:t>dentro</a:t>
+            </a:r>
+            <a:r>
+              <a:rPr lang="en-US" dirty="0" smtClean="0"/>
+              <a:t> de </a:t>
+            </a:r>
+            <a:r>
+              <a:rPr lang="en-US" dirty="0" err="1" smtClean="0"/>
+              <a:t>uma</a:t>
+            </a:r>
+            <a:r>
+              <a:rPr lang="en-US" dirty="0" smtClean="0"/>
+              <a:t> </a:t>
+            </a:r>
+            <a:r>
+              <a:rPr lang="en-US" dirty="0" err="1" smtClean="0"/>
+              <a:t>linha</a:t>
+            </a:r>
+            <a:r>
+              <a:rPr lang="en-US" dirty="0" smtClean="0"/>
+              <a:t> de </a:t>
+            </a:r>
+            <a:r>
+              <a:rPr lang="en-US" dirty="0" err="1" smtClean="0"/>
+              <a:t>produção</a:t>
+            </a:r>
+            <a:endParaRPr lang="en-US" dirty="0" smtClean="0"/>
+          </a:p>
+          <a:p>
+            <a:r>
+              <a:rPr lang="en-US" dirty="0" err="1" smtClean="0"/>
+              <a:t>Movimentar</a:t>
+            </a:r>
+            <a:r>
+              <a:rPr lang="en-US" dirty="0" smtClean="0"/>
+              <a:t> </a:t>
+            </a:r>
+            <a:r>
+              <a:rPr lang="en-US" dirty="0" err="1" smtClean="0"/>
+              <a:t>maquina</a:t>
+            </a:r>
+            <a:r>
+              <a:rPr lang="en-US" dirty="0" smtClean="0"/>
+              <a:t> entre </a:t>
+            </a:r>
+            <a:r>
+              <a:rPr lang="en-US" dirty="0" err="1" smtClean="0"/>
+              <a:t>linhas</a:t>
+            </a:r>
+            <a:r>
+              <a:rPr lang="en-US" dirty="0" smtClean="0"/>
+              <a:t> de </a:t>
+            </a:r>
+            <a:r>
+              <a:rPr lang="en-US" dirty="0" err="1" smtClean="0"/>
+              <a:t>produção</a:t>
+            </a:r>
+            <a:endParaRPr lang="en-US" dirty="0" smtClean="0"/>
+          </a:p>
+          <a:p>
+            <a:r>
+              <a:rPr lang="en-US" dirty="0" err="1" smtClean="0"/>
+              <a:t>Iniciar</a:t>
+            </a:r>
+            <a:r>
+              <a:rPr lang="en-US" dirty="0" smtClean="0"/>
+              <a:t> </a:t>
+            </a:r>
+            <a:r>
+              <a:rPr lang="en-US" dirty="0" err="1" smtClean="0"/>
+              <a:t>simulação</a:t>
+            </a:r>
+            <a:r>
+              <a:rPr lang="en-US" dirty="0" smtClean="0"/>
+              <a:t> de </a:t>
+            </a:r>
+            <a:r>
+              <a:rPr lang="en-US" dirty="0" err="1" smtClean="0"/>
+              <a:t>plano</a:t>
+            </a:r>
+            <a:r>
+              <a:rPr lang="en-US" dirty="0" smtClean="0"/>
+              <a:t> de </a:t>
+            </a:r>
+            <a:r>
+              <a:rPr lang="en-US" dirty="0" err="1" smtClean="0"/>
+              <a:t>produção</a:t>
+            </a:r>
+            <a:endParaRPr lang="en-US" dirty="0" smtClean="0"/>
+          </a:p>
+        </p:txBody>
+      </p:sp>
+      <p:pic>
+        <p:nvPicPr>
+          <p:cNvPr id="4" name="Picture 3"/>
+          <p:cNvPicPr>
+            <a:picLocks noChangeAspect="1"/>
+          </p:cNvPicPr>
+          <p:nvPr/>
+        </p:nvPicPr>
+        <p:blipFill>
+          <a:blip r:embed="rId2"/>
+          <a:stretch>
+            <a:fillRect/>
+          </a:stretch>
+        </p:blipFill>
+        <p:spPr>
+          <a:xfrm>
+            <a:off x="814089" y="2279560"/>
+            <a:ext cx="4467815" cy="2517080"/>
+          </a:xfrm>
+          <a:prstGeom prst="rect">
+            <a:avLst/>
+          </a:prstGeom>
+        </p:spPr>
+      </p:pic>
+    </p:spTree>
+    <p:extLst>
+      <p:ext uri="{BB962C8B-B14F-4D97-AF65-F5344CB8AC3E}">
+        <p14:creationId xmlns:p14="http://schemas.microsoft.com/office/powerpoint/2010/main" val="2339805955"/>
       </p:ext>
     </p:extLst>
   </p:cSld>
@@ -6922,6 +8608,43 @@
       </p:grpSpPr>
       <p:sp>
         <p:nvSpPr>
+          <p:cNvPr id="2" name="Title 1"/>
+          <p:cNvSpPr>
+            <a:spLocks noGrp="1"/>
+          </p:cNvSpPr>
+          <p:nvPr>
+            <p:ph type="title"/>
+          </p:nvPr>
+        </p:nvSpPr>
+        <p:spPr>
+          <a:xfrm>
+            <a:off x="1287622" y="134666"/>
+            <a:ext cx="9404723" cy="1031525"/>
+          </a:xfrm>
+        </p:spPr>
+        <p:txBody>
+          <a:bodyPr anchor="ctr"/>
+          <a:lstStyle/>
+          <a:p>
+            <a:pPr algn="ctr"/>
+            <a:r>
+              <a:rPr lang="en-US" dirty="0" err="1" smtClean="0"/>
+              <a:t>Metodologia</a:t>
+            </a:r>
+            <a:r>
+              <a:rPr lang="en-US" dirty="0" smtClean="0"/>
+              <a:t> de </a:t>
+            </a:r>
+            <a:r>
+              <a:rPr lang="en-US" dirty="0" err="1" smtClean="0"/>
+              <a:t>trabalho</a:t>
+            </a:r>
+            <a:endParaRPr lang="en-US" dirty="0"/>
+          </a:p>
+        </p:txBody>
+      </p:sp>
+      <p:sp>
+        <p:nvSpPr>
           <p:cNvPr id="3" name="Content Placeholder 2"/>
           <p:cNvSpPr>
             <a:spLocks noGrp="1"/>
@@ -6932,8 +8655,8 @@
         </p:nvSpPr>
         <p:spPr>
           <a:xfrm>
-            <a:off x="1865920" y="5628066"/>
-            <a:ext cx="8457912" cy="798491"/>
+            <a:off x="6069496" y="2052918"/>
+            <a:ext cx="5141843" cy="4195481"/>
           </a:xfrm>
         </p:spPr>
         <p:txBody>
@@ -6942,15 +8665,7 @@
           <a:p>
             <a:r>
               <a:rPr lang="en-US" dirty="0" err="1" smtClean="0"/>
-              <a:t>Configuração</a:t>
-            </a:r>
-            <a:r>
-              <a:rPr lang="en-US" dirty="0" smtClean="0"/>
-              <a:t> e </a:t>
-            </a:r>
-            <a:r>
-              <a:rPr lang="en-US" dirty="0" err="1" smtClean="0"/>
-              <a:t>consulta</a:t>
+              <a:t>Adoção</a:t>
             </a:r>
             <a:r>
               <a:rPr lang="en-US" dirty="0" smtClean="0"/>
@@ -6958,7 +8673,7 @@
             </a:r>
             <a:r>
               <a:rPr lang="en-US" dirty="0" err="1" smtClean="0"/>
-              <a:t>informação</a:t>
+              <a:t>processo</a:t>
             </a:r>
             <a:r>
               <a:rPr lang="en-US" dirty="0" smtClean="0"/>
@@ -6966,59 +8681,137 @@
             </a:r>
             <a:r>
               <a:rPr lang="en-US" dirty="0" err="1" smtClean="0"/>
-              <a:t>máquinas</a:t>
+              <a:t>engenharia</a:t>
+            </a:r>
+            <a:r>
+              <a:rPr lang="en-US" dirty="0" smtClean="0"/>
+              <a:t> de software, </a:t>
+            </a:r>
+            <a:r>
+              <a:rPr lang="en-US" dirty="0" err="1" smtClean="0"/>
+              <a:t>nomeadamente</a:t>
+            </a:r>
+            <a:r>
+              <a:rPr lang="en-US" dirty="0" smtClean="0"/>
+              <a:t> </a:t>
+            </a:r>
+            <a:r>
+              <a:rPr lang="en-US" dirty="0" err="1" smtClean="0"/>
+              <a:t>elaboração</a:t>
+            </a:r>
+            <a:r>
+              <a:rPr lang="en-US" dirty="0" smtClean="0"/>
+              <a:t> de </a:t>
+            </a:r>
+            <a:r>
+              <a:rPr lang="en-US" dirty="0" err="1" smtClean="0"/>
+              <a:t>documentação</a:t>
+            </a:r>
+            <a:r>
+              <a:rPr lang="en-US" dirty="0" smtClean="0"/>
+              <a:t> de </a:t>
+            </a:r>
+            <a:r>
+              <a:rPr lang="en-US" dirty="0" err="1" smtClean="0"/>
+              <a:t>análise</a:t>
+            </a:r>
+            <a:r>
+              <a:rPr lang="en-US" dirty="0" smtClean="0"/>
+              <a:t> e design da </a:t>
+            </a:r>
+            <a:r>
+              <a:rPr lang="en-US" dirty="0" err="1" smtClean="0"/>
+              <a:t>solução</a:t>
+            </a:r>
+            <a:r>
+              <a:rPr lang="en-US" dirty="0" smtClean="0"/>
+              <a:t> para </a:t>
+            </a:r>
+            <a:r>
+              <a:rPr lang="en-US" dirty="0" err="1" smtClean="0"/>
+              <a:t>cada</a:t>
+            </a:r>
+            <a:r>
+              <a:rPr lang="en-US" dirty="0" smtClean="0"/>
+              <a:t> </a:t>
+            </a:r>
+            <a:r>
+              <a:rPr lang="en-US" dirty="0" err="1" smtClean="0"/>
+              <a:t>requisito</a:t>
             </a:r>
             <a:endParaRPr lang="en-US" dirty="0" smtClean="0"/>
           </a:p>
-        </p:txBody>
-      </p:sp>
-      <p:sp>
-        <p:nvSpPr>
-          <p:cNvPr id="5" name="Title 1"/>
-          <p:cNvSpPr>
-            <a:spLocks noGrp="1"/>
-          </p:cNvSpPr>
-          <p:nvPr>
-            <p:ph type="title"/>
-          </p:nvPr>
-        </p:nvSpPr>
-        <p:spPr>
-          <a:xfrm>
-            <a:off x="643915" y="0"/>
-            <a:ext cx="9405938" cy="1400175"/>
-          </a:xfrm>
-        </p:spPr>
-        <p:txBody>
-          <a:bodyPr anchor="ctr"/>
-          <a:lstStyle/>
-          <a:p>
-            <a:pPr algn="ctr"/>
-            <a:r>
-              <a:rPr lang="en-US" dirty="0" smtClean="0"/>
-              <a:t>Master data configuration </a:t>
-            </a:r>
+          <a:p>
+            <a:r>
+              <a:rPr lang="en-US" dirty="0" err="1" smtClean="0"/>
+              <a:t>Adoção</a:t>
+            </a:r>
+            <a:r>
+              <a:rPr lang="en-US" dirty="0" smtClean="0"/>
+              <a:t> da </a:t>
+            </a:r>
+            <a:r>
+              <a:rPr lang="en-US" dirty="0" err="1" smtClean="0"/>
+              <a:t>ferramenta</a:t>
+            </a:r>
+            <a:r>
+              <a:rPr lang="en-US" dirty="0" smtClean="0"/>
+              <a:t> de </a:t>
+            </a:r>
+            <a:r>
+              <a:rPr lang="en-US" dirty="0" err="1" smtClean="0"/>
+              <a:t>controlo</a:t>
+            </a:r>
+            <a:r>
+              <a:rPr lang="en-US" dirty="0" smtClean="0"/>
+              <a:t> de </a:t>
+            </a:r>
+            <a:r>
+              <a:rPr lang="en-US" dirty="0" err="1" smtClean="0"/>
+              <a:t>versões</a:t>
+            </a:r>
+            <a:r>
+              <a:rPr lang="en-US" dirty="0" smtClean="0"/>
+              <a:t> </a:t>
+            </a:r>
+            <a:r>
+              <a:rPr lang="en-US" dirty="0" err="1" smtClean="0"/>
+              <a:t>Git</a:t>
+            </a:r>
+            <a:endParaRPr lang="en-US" dirty="0" smtClean="0"/>
+          </a:p>
+          <a:p>
+            <a:r>
+              <a:rPr lang="en-US" dirty="0">
+                <a:hlinkClick r:id="rId2"/>
+              </a:rPr>
+              <a:t>https://bitbucket.org/1161882/lei19-20_s5_3na_64/issues/84/arqsi_47_0-arquitetura-da-solu-o-api</a:t>
+            </a:r>
+            <a:endParaRPr lang="en-US" dirty="0" smtClean="0"/>
+          </a:p>
+          <a:p>
             <a:endParaRPr lang="en-US" dirty="0"/>
           </a:p>
         </p:txBody>
       </p:sp>
       <p:pic>
         <p:nvPicPr>
-          <p:cNvPr id="7" name="Picture 6"/>
+          <p:cNvPr id="5" name="Picture 4"/>
           <p:cNvPicPr>
             <a:picLocks noChangeAspect="1"/>
           </p:cNvPicPr>
           <p:nvPr/>
         </p:nvPicPr>
         <p:blipFill>
-          <a:blip r:embed="rId2"/>
+          <a:blip r:embed="rId3"/>
           <a:stretch>
             <a:fillRect/>
           </a:stretch>
         </p:blipFill>
         <p:spPr>
           <a:xfrm>
-            <a:off x="1865920" y="1184856"/>
-            <a:ext cx="8460160" cy="4056845"/>
+            <a:off x="288103" y="1364974"/>
+            <a:ext cx="5675376" cy="5129589"/>
           </a:xfrm>
           <a:prstGeom prst="rect">
             <a:avLst/>
@@ -7028,7 +8821,7 @@
     </p:spTree>
     <p:extLst>
       <p:ext uri="{BB962C8B-B14F-4D97-AF65-F5344CB8AC3E}">
-        <p14:creationId xmlns:p14="http://schemas.microsoft.com/office/powerpoint/2010/main" val="2419301133"/>
+        <p14:creationId xmlns:p14="http://schemas.microsoft.com/office/powerpoint/2010/main" val="1015140652"/>
       </p:ext>
     </p:extLst>
   </p:cSld>
@@ -7064,6 +8857,43 @@
       </p:grpSpPr>
       <p:sp>
         <p:nvSpPr>
+          <p:cNvPr id="2" name="Title 1"/>
+          <p:cNvSpPr>
+            <a:spLocks noGrp="1"/>
+          </p:cNvSpPr>
+          <p:nvPr>
+            <p:ph type="title"/>
+          </p:nvPr>
+        </p:nvSpPr>
+        <p:spPr>
+          <a:xfrm>
+            <a:off x="1287622" y="134666"/>
+            <a:ext cx="9404723" cy="1031525"/>
+          </a:xfrm>
+        </p:spPr>
+        <p:txBody>
+          <a:bodyPr anchor="ctr"/>
+          <a:lstStyle/>
+          <a:p>
+            <a:pPr algn="ctr"/>
+            <a:r>
+              <a:rPr lang="en-US" dirty="0" err="1" smtClean="0"/>
+              <a:t>Metodologia</a:t>
+            </a:r>
+            <a:r>
+              <a:rPr lang="en-US" dirty="0" smtClean="0"/>
+              <a:t> de </a:t>
+            </a:r>
+            <a:r>
+              <a:rPr lang="en-US" dirty="0" err="1" smtClean="0"/>
+              <a:t>trabalho</a:t>
+            </a:r>
+            <a:endParaRPr lang="en-US" dirty="0"/>
+          </a:p>
+        </p:txBody>
+      </p:sp>
+      <p:sp>
+        <p:nvSpPr>
           <p:cNvPr id="3" name="Content Placeholder 2"/>
           <p:cNvSpPr>
             <a:spLocks noGrp="1"/>
@@ -7074,8 +8904,8 @@
         </p:nvSpPr>
         <p:spPr>
           <a:xfrm>
-            <a:off x="1868168" y="5241701"/>
-            <a:ext cx="8455664" cy="1316247"/>
+            <a:off x="6069496" y="2052918"/>
+            <a:ext cx="5141843" cy="4195481"/>
           </a:xfrm>
         </p:spPr>
         <p:txBody>
@@ -7083,16 +8913,20 @@
           <a:lstStyle/>
           <a:p>
             <a:r>
-              <a:rPr lang="en-US" dirty="0" err="1" smtClean="0"/>
-              <a:t>Configuração</a:t>
-            </a:r>
-            <a:r>
-              <a:rPr lang="en-US" dirty="0" smtClean="0"/>
-              <a:t> e </a:t>
-            </a:r>
-            <a:r>
-              <a:rPr lang="en-US" dirty="0" err="1" smtClean="0"/>
-              <a:t>consulta</a:t>
+              <a:rPr lang="en-US" dirty="0" smtClean="0"/>
+              <a:t>Issue de </a:t>
+            </a:r>
+            <a:r>
+              <a:rPr lang="en-US" dirty="0" err="1" smtClean="0"/>
+              <a:t>integração</a:t>
+            </a:r>
+            <a:r>
+              <a:rPr lang="en-US" dirty="0" smtClean="0"/>
+              <a:t> entre modulo de </a:t>
+            </a:r>
+            <a:r>
+              <a:rPr lang="en-US" dirty="0" err="1" smtClean="0"/>
+              <a:t>planeamento</a:t>
             </a:r>
             <a:r>
               <a:rPr lang="en-US" dirty="0" smtClean="0"/>
@@ -7100,48 +8934,26 @@
             </a:r>
             <a:r>
               <a:rPr lang="en-US" dirty="0" err="1" smtClean="0"/>
-              <a:t>informação</a:t>
-            </a:r>
-            <a:r>
-              <a:rPr lang="en-US" dirty="0" smtClean="0"/>
-              <a:t> de </a:t>
-            </a:r>
-            <a:r>
-              <a:rPr lang="en-US" dirty="0" err="1" smtClean="0"/>
-              <a:t>tipos</a:t>
-            </a:r>
-            <a:r>
-              <a:rPr lang="en-US" dirty="0" smtClean="0"/>
-              <a:t> de </a:t>
-            </a:r>
-            <a:r>
-              <a:rPr lang="en-US" dirty="0" err="1" smtClean="0"/>
-              <a:t>máquina</a:t>
+              <a:t>produção</a:t>
+            </a:r>
+            <a:r>
+              <a:rPr lang="en-US" dirty="0" smtClean="0"/>
+              <a:t> e modulo de </a:t>
+            </a:r>
+            <a:r>
+              <a:rPr lang="en-US" dirty="0" err="1" smtClean="0"/>
+              <a:t>visualização</a:t>
             </a:r>
             <a:endParaRPr lang="en-US" dirty="0" smtClean="0"/>
           </a:p>
           <a:p>
             <a:r>
-              <a:rPr lang="en-US" dirty="0" err="1" smtClean="0"/>
-              <a:t>Consulta</a:t>
-            </a:r>
-            <a:r>
-              <a:rPr lang="en-US" dirty="0" smtClean="0"/>
-              <a:t> de </a:t>
-            </a:r>
-            <a:r>
-              <a:rPr lang="en-US" dirty="0" err="1" smtClean="0"/>
-              <a:t>máquinas</a:t>
-            </a:r>
-            <a:r>
-              <a:rPr lang="en-US" dirty="0" smtClean="0"/>
-              <a:t> de um </a:t>
-            </a:r>
-            <a:r>
-              <a:rPr lang="en-US" dirty="0" err="1" smtClean="0"/>
-              <a:t>tipo</a:t>
-            </a:r>
-            <a:endParaRPr lang="en-US" dirty="0" smtClean="0"/>
+              <a:rPr lang="en-US" dirty="0">
+                <a:hlinkClick r:id="rId2"/>
+              </a:rPr>
+              <a:t>https://bitbucket.org/1161882/lei19-20_s5_3na_64/issues/138/lapr5-m-dulo-productionplanning-integra-o</a:t>
+            </a:r>
+            <a:endParaRPr lang="en-US" dirty="0"/>
           </a:p>
         </p:txBody>
       </p:sp>
@@ -7154,54 +8966,25 @@
           <p:nvPr/>
         </p:nvPicPr>
         <p:blipFill>
-          <a:blip r:embed="rId2"/>
+          <a:blip r:embed="rId3"/>
           <a:stretch>
             <a:fillRect/>
           </a:stretch>
         </p:blipFill>
         <p:spPr>
           <a:xfrm>
-            <a:off x="1868168" y="1078202"/>
-            <a:ext cx="8455664" cy="4047588"/>
+            <a:off x="104016" y="1711100"/>
+            <a:ext cx="5965480" cy="4879115"/>
           </a:xfrm>
           <a:prstGeom prst="rect">
             <a:avLst/>
           </a:prstGeom>
         </p:spPr>
       </p:pic>
-      <p:sp>
-        <p:nvSpPr>
-          <p:cNvPr id="5" name="Title 1"/>
-          <p:cNvSpPr>
-            <a:spLocks noGrp="1"/>
-          </p:cNvSpPr>
-          <p:nvPr>
-            <p:ph type="title"/>
-          </p:nvPr>
-        </p:nvSpPr>
-        <p:spPr>
-          <a:xfrm>
-            <a:off x="643915" y="0"/>
-            <a:ext cx="9405938" cy="1400175"/>
-          </a:xfrm>
-        </p:spPr>
-        <p:txBody>
-          <a:bodyPr anchor="ctr"/>
-          <a:lstStyle/>
-          <a:p>
-            <a:pPr algn="ctr"/>
-            <a:r>
-              <a:rPr lang="en-US" dirty="0" smtClean="0"/>
-              <a:t>Master data configuration </a:t>
-            </a:r>
-            <a:endParaRPr lang="en-US" dirty="0"/>
-          </a:p>
-        </p:txBody>
-      </p:sp>
     </p:spTree>
     <p:extLst>
       <p:ext uri="{BB962C8B-B14F-4D97-AF65-F5344CB8AC3E}">
-        <p14:creationId xmlns:p14="http://schemas.microsoft.com/office/powerpoint/2010/main" val="1196441716"/>
+        <p14:creationId xmlns:p14="http://schemas.microsoft.com/office/powerpoint/2010/main" val="1287465448"/>
       </p:ext>
     </p:extLst>
   </p:cSld>
@@ -7237,80 +9020,102 @@
       </p:grpSpPr>
       <p:sp>
         <p:nvSpPr>
-          <p:cNvPr id="3" name="Content Placeholder 2"/>
-          <p:cNvSpPr>
-            <a:spLocks noGrp="1"/>
-          </p:cNvSpPr>
-          <p:nvPr>
-            <p:ph idx="1"/>
-          </p:nvPr>
-        </p:nvSpPr>
-        <p:spPr>
-          <a:xfrm>
-            <a:off x="1868168" y="5624422"/>
-            <a:ext cx="8455664" cy="734096"/>
-          </a:xfrm>
-        </p:spPr>
-        <p:txBody>
-          <a:bodyPr/>
-          <a:lstStyle/>
-          <a:p>
-            <a:r>
-              <a:rPr lang="en-US" dirty="0" err="1" smtClean="0"/>
-              <a:t>Configuração</a:t>
-            </a:r>
-            <a:r>
-              <a:rPr lang="en-US" dirty="0" smtClean="0"/>
-              <a:t> e </a:t>
-            </a:r>
-            <a:r>
-              <a:rPr lang="en-US" dirty="0" err="1" smtClean="0"/>
-              <a:t>consulta</a:t>
-            </a:r>
-            <a:r>
-              <a:rPr lang="en-US" dirty="0" smtClean="0"/>
-              <a:t> de </a:t>
-            </a:r>
-            <a:r>
-              <a:rPr lang="en-US" dirty="0" err="1" smtClean="0"/>
-              <a:t>informação</a:t>
-            </a:r>
-            <a:r>
-              <a:rPr lang="en-US" dirty="0" smtClean="0"/>
-              <a:t> de </a:t>
-            </a:r>
-            <a:r>
-              <a:rPr lang="en-US" dirty="0" err="1" smtClean="0"/>
-              <a:t>operações</a:t>
-            </a:r>
-            <a:endParaRPr lang="en-US" dirty="0" smtClean="0"/>
-          </a:p>
-        </p:txBody>
-      </p:sp>
-      <p:sp>
-        <p:nvSpPr>
-          <p:cNvPr id="5" name="Title 1"/>
-          <p:cNvSpPr>
-            <a:spLocks noGrp="1"/>
-          </p:cNvSpPr>
-          <p:nvPr>
-            <p:ph type="title"/>
-          </p:nvPr>
-        </p:nvSpPr>
-        <p:spPr>
-          <a:xfrm>
-            <a:off x="643915" y="0"/>
-            <a:ext cx="9405938" cy="1400175"/>
-          </a:xfrm>
-        </p:spPr>
-        <p:txBody>
-          <a:bodyPr anchor="ctr"/>
-          <a:lstStyle/>
+          <p:cNvPr id="4" name="Title 1"/>
+          <p:cNvSpPr txBox="1">
+            <a:spLocks/>
+          </p:cNvSpPr>
+          <p:nvPr/>
+        </p:nvSpPr>
+        <p:spPr>
+          <a:xfrm>
+            <a:off x="1287622" y="134666"/>
+            <a:ext cx="9404723" cy="1031525"/>
+          </a:xfrm>
+          <a:prstGeom prst="rect">
+            <a:avLst/>
+          </a:prstGeom>
+        </p:spPr>
+        <p:txBody>
+          <a:bodyPr vert="horz" lIns="91440" tIns="45720" rIns="91440" bIns="45720" rtlCol="0" anchor="ctr">
+            <a:noAutofit/>
+          </a:bodyPr>
+          <a:lstStyle>
+            <a:lvl1pPr algn="l" defTabSz="457200" rtl="0" eaLnBrk="1" latinLnBrk="0" hangingPunct="1">
+              <a:spcBef>
+                <a:spcPct val="0"/>
+              </a:spcBef>
+              <a:buNone/>
+              <a:defRPr sz="4200" b="0" i="0" kern="1200">
+                <a:solidFill>
+                  <a:schemeClr val="tx2"/>
+                </a:solidFill>
+                <a:latin typeface="+mj-lt"/>
+                <a:ea typeface="+mj-ea"/>
+                <a:cs typeface="+mj-cs"/>
+              </a:defRPr>
+            </a:lvl1pPr>
+            <a:lvl2pPr eaLnBrk="1" hangingPunct="1">
+              <a:defRPr>
+                <a:solidFill>
+                  <a:schemeClr val="tx2"/>
+                </a:solidFill>
+              </a:defRPr>
+            </a:lvl2pPr>
+            <a:lvl3pPr eaLnBrk="1" hangingPunct="1">
+              <a:defRPr>
+                <a:solidFill>
+                  <a:schemeClr val="tx2"/>
+                </a:solidFill>
+              </a:defRPr>
+            </a:lvl3pPr>
+            <a:lvl4pPr eaLnBrk="1" hangingPunct="1">
+              <a:defRPr>
+                <a:solidFill>
+                  <a:schemeClr val="tx2"/>
+                </a:solidFill>
+              </a:defRPr>
+            </a:lvl4pPr>
+            <a:lvl5pPr eaLnBrk="1" hangingPunct="1">
+              <a:defRPr>
+                <a:solidFill>
+                  <a:schemeClr val="tx2"/>
+                </a:solidFill>
+              </a:defRPr>
+            </a:lvl5pPr>
+            <a:lvl6pPr eaLnBrk="1" hangingPunct="1">
+              <a:defRPr>
+                <a:solidFill>
+                  <a:schemeClr val="tx2"/>
+                </a:solidFill>
+              </a:defRPr>
+            </a:lvl6pPr>
+            <a:lvl7pPr eaLnBrk="1" hangingPunct="1">
+              <a:defRPr>
+                <a:solidFill>
+                  <a:schemeClr val="tx2"/>
+                </a:solidFill>
+              </a:defRPr>
+            </a:lvl7pPr>
+            <a:lvl8pPr eaLnBrk="1" hangingPunct="1">
+              <a:defRPr>
+                <a:solidFill>
+                  <a:schemeClr val="tx2"/>
+                </a:solidFill>
+              </a:defRPr>
+            </a:lvl8pPr>
+            <a:lvl9pPr eaLnBrk="1" hangingPunct="1">
+              <a:defRPr>
+                <a:solidFill>
+                  <a:schemeClr val="tx2"/>
+                </a:solidFill>
+              </a:defRPr>
+            </a:lvl9pPr>
+          </a:lstStyle>
           <a:p>
             <a:pPr algn="ctr"/>
             <a:r>
-              <a:rPr lang="en-US" dirty="0" smtClean="0"/>
-              <a:t>Master data configuration </a:t>
+              <a:rPr lang="en-US" smtClean="0"/>
+              <a:t>Metodologia de trabalho</a:t>
             </a:r>
             <a:endParaRPr lang="en-US" dirty="0"/>
           </a:p>
@@ -7318,7 +9123,7 @@
       </p:sp>
       <p:pic>
         <p:nvPicPr>
-          <p:cNvPr id="6" name="Picture 5"/>
+          <p:cNvPr id="5" name="Picture 4"/>
           <p:cNvPicPr>
             <a:picLocks noChangeAspect="1"/>
           </p:cNvPicPr>
@@ -7332,31 +9137,303 @@
         </p:blipFill>
         <p:spPr>
           <a:xfrm>
-            <a:off x="1781578" y="1116817"/>
-            <a:ext cx="8628845" cy="4124884"/>
+            <a:off x="361551" y="1654667"/>
+            <a:ext cx="6129402" cy="4810796"/>
           </a:xfrm>
           <a:prstGeom prst="rect">
             <a:avLst/>
           </a:prstGeom>
         </p:spPr>
       </p:pic>
+      <p:sp>
+        <p:nvSpPr>
+          <p:cNvPr id="6" name="Content Placeholder 2"/>
+          <p:cNvSpPr txBox="1">
+            <a:spLocks/>
+          </p:cNvSpPr>
+          <p:nvPr/>
+        </p:nvSpPr>
+        <p:spPr>
+          <a:xfrm>
+            <a:off x="6610408" y="2052917"/>
+            <a:ext cx="5141843" cy="4195481"/>
+          </a:xfrm>
+          <a:prstGeom prst="rect">
+            <a:avLst/>
+          </a:prstGeom>
+        </p:spPr>
+        <p:txBody>
+          <a:bodyPr vert="horz" lIns="91440" tIns="45720" rIns="91440" bIns="45720" rtlCol="0">
+            <a:normAutofit/>
+          </a:bodyPr>
+          <a:lstStyle>
+            <a:lvl1pPr marL="342900" indent="-342900" algn="l" defTabSz="457200" rtl="0" eaLnBrk="1" latinLnBrk="0" hangingPunct="1">
+              <a:spcBef>
+                <a:spcPts val="1000"/>
+              </a:spcBef>
+              <a:spcAft>
+                <a:spcPts val="0"/>
+              </a:spcAft>
+              <a:buClr>
+                <a:schemeClr val="bg2">
+                  <a:lumMod val="40000"/>
+                  <a:lumOff val="60000"/>
+                </a:schemeClr>
+              </a:buClr>
+              <a:buSzPct val="80000"/>
+              <a:buFont typeface="Wingdings 3" charset="2"/>
+              <a:buChar char=""/>
+              <a:defRPr sz="2000" b="0" i="0" kern="1200">
+                <a:solidFill>
+                  <a:schemeClr val="tx1"/>
+                </a:solidFill>
+                <a:latin typeface="+mj-lt"/>
+                <a:ea typeface="+mj-ea"/>
+                <a:cs typeface="+mj-cs"/>
+              </a:defRPr>
+            </a:lvl1pPr>
+            <a:lvl2pPr marL="742950" indent="-285750" algn="l" defTabSz="457200" rtl="0" eaLnBrk="1" latinLnBrk="0" hangingPunct="1">
+              <a:spcBef>
+                <a:spcPts val="1000"/>
+              </a:spcBef>
+              <a:spcAft>
+                <a:spcPts val="0"/>
+              </a:spcAft>
+              <a:buClr>
+                <a:schemeClr val="bg2">
+                  <a:lumMod val="40000"/>
+                  <a:lumOff val="60000"/>
+                </a:schemeClr>
+              </a:buClr>
+              <a:buSzPct val="80000"/>
+              <a:buFont typeface="Wingdings 3" charset="2"/>
+              <a:buChar char=""/>
+              <a:defRPr sz="1800" b="0" i="0" kern="1200">
+                <a:solidFill>
+                  <a:schemeClr val="tx1"/>
+                </a:solidFill>
+                <a:latin typeface="+mj-lt"/>
+                <a:ea typeface="+mj-ea"/>
+                <a:cs typeface="+mj-cs"/>
+              </a:defRPr>
+            </a:lvl2pPr>
+            <a:lvl3pPr marL="1143000" indent="-228600" algn="l" defTabSz="457200" rtl="0" eaLnBrk="1" latinLnBrk="0" hangingPunct="1">
+              <a:spcBef>
+                <a:spcPts val="1000"/>
+              </a:spcBef>
+              <a:spcAft>
+                <a:spcPts val="0"/>
+              </a:spcAft>
+              <a:buClr>
+                <a:schemeClr val="bg2">
+                  <a:lumMod val="40000"/>
+                  <a:lumOff val="60000"/>
+                </a:schemeClr>
+              </a:buClr>
+              <a:buSzPct val="80000"/>
+              <a:buFont typeface="Wingdings 3" charset="2"/>
+              <a:buChar char=""/>
+              <a:defRPr sz="1600" b="0" i="0" kern="1200">
+                <a:solidFill>
+                  <a:schemeClr val="tx1"/>
+                </a:solidFill>
+                <a:latin typeface="+mj-lt"/>
+                <a:ea typeface="+mj-ea"/>
+                <a:cs typeface="+mj-cs"/>
+              </a:defRPr>
+            </a:lvl3pPr>
+            <a:lvl4pPr marL="1600200" indent="-228600" algn="l" defTabSz="457200" rtl="0" eaLnBrk="1" latinLnBrk="0" hangingPunct="1">
+              <a:spcBef>
+                <a:spcPts val="1000"/>
+              </a:spcBef>
+              <a:spcAft>
+                <a:spcPts val="0"/>
+              </a:spcAft>
+              <a:buClr>
+                <a:schemeClr val="bg2">
+                  <a:lumMod val="40000"/>
+                  <a:lumOff val="60000"/>
+                </a:schemeClr>
+              </a:buClr>
+              <a:buSzPct val="80000"/>
+              <a:buFont typeface="Wingdings 3" charset="2"/>
+              <a:buChar char=""/>
+              <a:defRPr sz="1400" b="0" i="0" kern="1200">
+                <a:solidFill>
+                  <a:schemeClr val="tx1"/>
+                </a:solidFill>
+                <a:latin typeface="+mj-lt"/>
+                <a:ea typeface="+mj-ea"/>
+                <a:cs typeface="+mj-cs"/>
+              </a:defRPr>
+            </a:lvl4pPr>
+            <a:lvl5pPr marL="2057400" indent="-228600" algn="l" defTabSz="457200" rtl="0" eaLnBrk="1" latinLnBrk="0" hangingPunct="1">
+              <a:spcBef>
+                <a:spcPts val="1000"/>
+              </a:spcBef>
+              <a:spcAft>
+                <a:spcPts val="0"/>
+              </a:spcAft>
+              <a:buClr>
+                <a:schemeClr val="bg2">
+                  <a:lumMod val="40000"/>
+                  <a:lumOff val="60000"/>
+                </a:schemeClr>
+              </a:buClr>
+              <a:buSzPct val="80000"/>
+              <a:buFont typeface="Wingdings 3" charset="2"/>
+              <a:buChar char=""/>
+              <a:defRPr sz="1400" b="0" i="0" kern="1200">
+                <a:solidFill>
+                  <a:schemeClr val="tx1"/>
+                </a:solidFill>
+                <a:latin typeface="+mj-lt"/>
+                <a:ea typeface="+mj-ea"/>
+                <a:cs typeface="+mj-cs"/>
+              </a:defRPr>
+            </a:lvl5pPr>
+            <a:lvl6pPr marL="2506000" indent="-228600" algn="l" defTabSz="457200" rtl="0" eaLnBrk="1" latinLnBrk="0" hangingPunct="1">
+              <a:spcBef>
+                <a:spcPts val="1000"/>
+              </a:spcBef>
+              <a:spcAft>
+                <a:spcPts val="0"/>
+              </a:spcAft>
+              <a:buClr>
+                <a:schemeClr val="bg2">
+                  <a:lumMod val="40000"/>
+                  <a:lumOff val="60000"/>
+                </a:schemeClr>
+              </a:buClr>
+              <a:buSzPct val="80000"/>
+              <a:buFont typeface="Wingdings 3" charset="2"/>
+              <a:buChar char=""/>
+              <a:defRPr sz="1400" b="0" i="0" kern="1200">
+                <a:solidFill>
+                  <a:schemeClr val="tx1"/>
+                </a:solidFill>
+                <a:latin typeface="+mj-lt"/>
+                <a:ea typeface="+mj-ea"/>
+                <a:cs typeface="+mj-cs"/>
+              </a:defRPr>
+            </a:lvl6pPr>
+            <a:lvl7pPr marL="2971800" indent="-228600" algn="l" defTabSz="457200" rtl="0" eaLnBrk="1" latinLnBrk="0" hangingPunct="1">
+              <a:spcBef>
+                <a:spcPts val="1000"/>
+              </a:spcBef>
+              <a:spcAft>
+                <a:spcPts val="0"/>
+              </a:spcAft>
+              <a:buClr>
+                <a:schemeClr val="bg2">
+                  <a:lumMod val="40000"/>
+                  <a:lumOff val="60000"/>
+                </a:schemeClr>
+              </a:buClr>
+              <a:buSzPct val="80000"/>
+              <a:buFont typeface="Wingdings 3" charset="2"/>
+              <a:buChar char=""/>
+              <a:defRPr sz="1400" b="0" i="0" kern="1200">
+                <a:solidFill>
+                  <a:schemeClr val="tx1"/>
+                </a:solidFill>
+                <a:latin typeface="+mj-lt"/>
+                <a:ea typeface="+mj-ea"/>
+                <a:cs typeface="+mj-cs"/>
+              </a:defRPr>
+            </a:lvl7pPr>
+            <a:lvl8pPr marL="3429000" indent="-228600" algn="l" defTabSz="457200" rtl="0" eaLnBrk="1" latinLnBrk="0" hangingPunct="1">
+              <a:spcBef>
+                <a:spcPts val="1000"/>
+              </a:spcBef>
+              <a:spcAft>
+                <a:spcPts val="0"/>
+              </a:spcAft>
+              <a:buClr>
+                <a:schemeClr val="bg2">
+                  <a:lumMod val="40000"/>
+                  <a:lumOff val="60000"/>
+                </a:schemeClr>
+              </a:buClr>
+              <a:buSzPct val="80000"/>
+              <a:buFont typeface="Wingdings 3" charset="2"/>
+              <a:buChar char=""/>
+              <a:defRPr sz="1400" b="0" i="0" kern="1200">
+                <a:solidFill>
+                  <a:schemeClr val="tx1"/>
+                </a:solidFill>
+                <a:latin typeface="+mj-lt"/>
+                <a:ea typeface="+mj-ea"/>
+                <a:cs typeface="+mj-cs"/>
+              </a:defRPr>
+            </a:lvl8pPr>
+            <a:lvl9pPr marL="3886200" indent="-228600" algn="l" defTabSz="457200" rtl="0" eaLnBrk="1" latinLnBrk="0" hangingPunct="1">
+              <a:spcBef>
+                <a:spcPts val="1000"/>
+              </a:spcBef>
+              <a:spcAft>
+                <a:spcPts val="0"/>
+              </a:spcAft>
+              <a:buClr>
+                <a:schemeClr val="bg2">
+                  <a:lumMod val="40000"/>
+                  <a:lumOff val="60000"/>
+                </a:schemeClr>
+              </a:buClr>
+              <a:buSzPct val="80000"/>
+              <a:buFont typeface="Wingdings 3" charset="2"/>
+              <a:buChar char=""/>
+              <a:defRPr sz="1400" b="0" i="0" kern="1200">
+                <a:solidFill>
+                  <a:schemeClr val="tx1"/>
+                </a:solidFill>
+                <a:latin typeface="+mj-lt"/>
+                <a:ea typeface="+mj-ea"/>
+                <a:cs typeface="+mj-cs"/>
+              </a:defRPr>
+            </a:lvl9pPr>
+          </a:lstStyle>
+          <a:p>
+            <a:r>
+              <a:rPr lang="en-US" dirty="0" smtClean="0"/>
+              <a:t>Issue </a:t>
+            </a:r>
+            <a:r>
+              <a:rPr lang="pt-BR" dirty="0" smtClean="0"/>
+              <a:t>representação de </a:t>
+            </a:r>
+            <a:r>
+              <a:rPr lang="pt-BR" dirty="0"/>
+              <a:t>maquinas através de agendas temporais</a:t>
+            </a:r>
+          </a:p>
+          <a:p>
+            <a:r>
+              <a:rPr lang="en-US" dirty="0" smtClean="0">
+                <a:hlinkClick r:id="rId3"/>
+              </a:rPr>
+              <a:t>https</a:t>
+            </a:r>
+            <a:r>
+              <a:rPr lang="en-US" dirty="0">
+                <a:hlinkClick r:id="rId3"/>
+              </a:rPr>
+              <a:t>://bitbucket.org/1161882/lei19-20_s5_3na_64/issues/109/algav_39-representar-maquinas-atrav-s-de</a:t>
+            </a:r>
+            <a:endParaRPr lang="en-US" dirty="0"/>
+          </a:p>
+        </p:txBody>
+      </p:sp>
     </p:spTree>
     <p:extLst>
       <p:ext uri="{BB962C8B-B14F-4D97-AF65-F5344CB8AC3E}">
-        <p14:creationId xmlns:p14="http://schemas.microsoft.com/office/powerpoint/2010/main" val="112356431"/>
+        <p14:creationId xmlns:p14="http://schemas.microsoft.com/office/powerpoint/2010/main" val="1618510012"/>
       </p:ext>
     </p:extLst>
   </p:cSld>
   <p:clrMapOvr>
     <a:masterClrMapping/>
   </p:clrMapOvr>
-  <p:timing>
-    <p:tnLst>
-      <p:par>
-        <p:cTn id="1" dur="indefinite" restart="never" nodeType="tmRoot"/>
-      </p:par>
-    </p:tnLst>
-  </p:timing>
 </p:sld>
 </file>
 
@@ -7379,96 +9456,7 @@
       </p:grpSpPr>
       <p:sp>
         <p:nvSpPr>
-          <p:cNvPr id="3" name="Content Placeholder 2"/>
-          <p:cNvSpPr>
-            <a:spLocks noGrp="1"/>
-          </p:cNvSpPr>
-          <p:nvPr>
-            <p:ph idx="1"/>
-          </p:nvPr>
-        </p:nvSpPr>
-        <p:spPr>
-          <a:xfrm>
-            <a:off x="1868168" y="5624422"/>
-            <a:ext cx="8455664" cy="734096"/>
-          </a:xfrm>
-        </p:spPr>
-        <p:txBody>
-          <a:bodyPr>
-            <a:normAutofit fontScale="92500" lnSpcReduction="20000"/>
-          </a:bodyPr>
-          <a:lstStyle/>
-          <a:p>
-            <a:r>
-              <a:rPr lang="en-US" dirty="0" err="1" smtClean="0"/>
-              <a:t>Configuração</a:t>
-            </a:r>
-            <a:r>
-              <a:rPr lang="en-US" dirty="0" smtClean="0"/>
-              <a:t> e </a:t>
-            </a:r>
-            <a:r>
-              <a:rPr lang="en-US" dirty="0" err="1" smtClean="0"/>
-              <a:t>consulta</a:t>
-            </a:r>
-            <a:r>
-              <a:rPr lang="en-US" dirty="0" smtClean="0"/>
-              <a:t> de </a:t>
-            </a:r>
-            <a:r>
-              <a:rPr lang="en-US" dirty="0" err="1" smtClean="0"/>
-              <a:t>informação</a:t>
-            </a:r>
-            <a:r>
-              <a:rPr lang="en-US" dirty="0" smtClean="0"/>
-              <a:t> de </a:t>
-            </a:r>
-            <a:r>
-              <a:rPr lang="en-US" dirty="0" err="1" smtClean="0"/>
-              <a:t>produtos</a:t>
-            </a:r>
-            <a:endParaRPr lang="en-US" dirty="0" smtClean="0"/>
-          </a:p>
-          <a:p>
-            <a:r>
-              <a:rPr lang="en-US" dirty="0" smtClean="0"/>
-              <a:t> </a:t>
-            </a:r>
-            <a:r>
-              <a:rPr lang="en-US" dirty="0" err="1" smtClean="0"/>
-              <a:t>Consulta</a:t>
-            </a:r>
-            <a:r>
-              <a:rPr lang="en-US" dirty="0" smtClean="0"/>
-              <a:t> de </a:t>
-            </a:r>
-            <a:r>
-              <a:rPr lang="en-US" dirty="0" err="1" smtClean="0"/>
-              <a:t>plano</a:t>
-            </a:r>
-            <a:r>
-              <a:rPr lang="en-US" dirty="0" smtClean="0"/>
-              <a:t> de </a:t>
-            </a:r>
-            <a:r>
-              <a:rPr lang="en-US" dirty="0" err="1" smtClean="0"/>
-              <a:t>produção</a:t>
-            </a:r>
-            <a:r>
-              <a:rPr lang="en-US" dirty="0" smtClean="0"/>
-              <a:t> de um </a:t>
-            </a:r>
-            <a:r>
-              <a:rPr lang="en-US" dirty="0" err="1" smtClean="0"/>
-              <a:t>produto</a:t>
-            </a:r>
-            <a:endParaRPr lang="en-US" dirty="0" smtClean="0"/>
-          </a:p>
-        </p:txBody>
-      </p:sp>
-      <p:sp>
-        <p:nvSpPr>
-          <p:cNvPr id="5" name="Title 1"/>
+          <p:cNvPr id="2" name="Title 1"/>
           <p:cNvSpPr>
             <a:spLocks noGrp="1"/>
           </p:cNvSpPr>
@@ -7478,8 +9466,8 @@
         </p:nvSpPr>
         <p:spPr>
           <a:xfrm>
-            <a:off x="643915" y="0"/>
-            <a:ext cx="9405938" cy="1400175"/>
+            <a:off x="1287622" y="134666"/>
+            <a:ext cx="9404723" cy="1031525"/>
           </a:xfrm>
         </p:spPr>
         <p:txBody>
@@ -7488,41 +9476,1380 @@
           <a:p>
             <a:pPr algn="ctr"/>
             <a:r>
-              <a:rPr lang="en-US" dirty="0" smtClean="0"/>
-              <a:t>Master data configuration </a:t>
+              <a:rPr lang="en-US" sz="3200" dirty="0" err="1" smtClean="0"/>
+              <a:t>Tecnologias</a:t>
+            </a:r>
+            <a:r>
+              <a:rPr lang="en-US" sz="3200" dirty="0" smtClean="0"/>
+              <a:t> e </a:t>
+            </a:r>
+            <a:r>
+              <a:rPr lang="en-US" sz="3200" dirty="0" err="1" smtClean="0"/>
+              <a:t>ferramentas</a:t>
+            </a:r>
+            <a:r>
+              <a:rPr lang="en-US" sz="3200" dirty="0" smtClean="0"/>
+              <a:t> </a:t>
+            </a:r>
+            <a:r>
+              <a:rPr lang="en-US" sz="3200" dirty="0" err="1" smtClean="0"/>
+              <a:t>utilizadas</a:t>
+            </a:r>
+            <a:endParaRPr lang="en-US" sz="3200" dirty="0"/>
+          </a:p>
+        </p:txBody>
+      </p:sp>
+      <p:sp>
+        <p:nvSpPr>
+          <p:cNvPr id="3" name="Content Placeholder 2"/>
+          <p:cNvSpPr>
+            <a:spLocks noGrp="1"/>
+          </p:cNvSpPr>
+          <p:nvPr>
+            <p:ph idx="1"/>
+          </p:nvPr>
+        </p:nvSpPr>
+        <p:spPr>
+          <a:xfrm>
+            <a:off x="251792" y="1431231"/>
+            <a:ext cx="4267199" cy="2663687"/>
+          </a:xfrm>
+        </p:spPr>
+        <p:txBody>
+          <a:bodyPr/>
+          <a:lstStyle/>
+          <a:p>
+            <a:pPr marL="0" indent="0">
+              <a:buNone/>
+            </a:pPr>
+            <a:r>
+              <a:rPr lang="en-US" b="1" dirty="0" err="1" smtClean="0"/>
+              <a:t>Módulos</a:t>
+            </a:r>
+            <a:r>
+              <a:rPr lang="en-US" b="1" dirty="0" smtClean="0"/>
+              <a:t> de </a:t>
+            </a:r>
+            <a:r>
+              <a:rPr lang="en-US" b="1" dirty="0" err="1" smtClean="0"/>
+              <a:t>fabrico</a:t>
+            </a:r>
+            <a:r>
+              <a:rPr lang="en-US" b="1" dirty="0" smtClean="0"/>
+              <a:t> e </a:t>
+            </a:r>
+            <a:r>
+              <a:rPr lang="en-US" b="1" dirty="0" err="1" smtClean="0"/>
+              <a:t>produção</a:t>
+            </a:r>
+            <a:endParaRPr lang="en-US" b="1" dirty="0" smtClean="0"/>
+          </a:p>
+          <a:p>
+            <a:pPr marL="0" indent="0">
+              <a:buNone/>
+            </a:pPr>
+            <a:endParaRPr lang="en-US" dirty="0" smtClean="0"/>
+          </a:p>
+          <a:p>
+            <a:r>
+              <a:rPr lang="en-US" dirty="0"/>
+              <a:t>Framework: </a:t>
+            </a:r>
+            <a:r>
+              <a:rPr lang="en-US" dirty="0" err="1"/>
+              <a:t>Dotnet</a:t>
+            </a:r>
+            <a:r>
+              <a:rPr lang="en-US" dirty="0"/>
+              <a:t> </a:t>
+            </a:r>
+            <a:r>
+              <a:rPr lang="en-US" dirty="0" smtClean="0"/>
+              <a:t>Core 2.2</a:t>
+            </a:r>
+          </a:p>
+          <a:p>
+            <a:r>
+              <a:rPr lang="en-US" dirty="0" err="1" smtClean="0"/>
+              <a:t>Linguagem</a:t>
+            </a:r>
+            <a:r>
+              <a:rPr lang="en-US" dirty="0" smtClean="0"/>
+              <a:t>: C#</a:t>
+            </a:r>
+          </a:p>
+          <a:p>
+            <a:r>
+              <a:rPr lang="pt-PT" dirty="0" smtClean="0"/>
+              <a:t>Base de dados: Microsoft </a:t>
+            </a:r>
+            <a:r>
+              <a:rPr lang="pt-PT" dirty="0"/>
+              <a:t>SQLServer</a:t>
             </a:r>
             <a:endParaRPr lang="en-US" dirty="0"/>
           </a:p>
-        </p:txBody>
-      </p:sp>
-      <p:pic>
-        <p:nvPicPr>
-          <p:cNvPr id="7" name="Picture 6"/>
-          <p:cNvPicPr>
-            <a:picLocks noChangeAspect="1"/>
-          </p:cNvPicPr>
+          <a:p>
+            <a:endParaRPr lang="en-US" dirty="0" smtClean="0"/>
+          </a:p>
+          <a:p>
+            <a:endParaRPr lang="en-US" dirty="0"/>
+          </a:p>
+        </p:txBody>
+      </p:sp>
+      <p:sp>
+        <p:nvSpPr>
+          <p:cNvPr id="6" name="Content Placeholder 2"/>
+          <p:cNvSpPr txBox="1">
+            <a:spLocks/>
+          </p:cNvSpPr>
           <p:nvPr/>
-        </p:nvPicPr>
-        <p:blipFill>
-          <a:blip r:embed="rId2"/>
-          <a:stretch>
-            <a:fillRect/>
-          </a:stretch>
-        </p:blipFill>
-        <p:spPr>
-          <a:xfrm>
-            <a:off x="1586233" y="1089236"/>
-            <a:ext cx="9019535" cy="4281255"/>
+        </p:nvSpPr>
+        <p:spPr>
+          <a:xfrm>
+            <a:off x="5088835" y="1431230"/>
+            <a:ext cx="5632174" cy="2663687"/>
           </a:xfrm>
           <a:prstGeom prst="rect">
             <a:avLst/>
           </a:prstGeom>
         </p:spPr>
-      </p:pic>
+        <p:txBody>
+          <a:bodyPr vert="horz" lIns="91440" tIns="45720" rIns="91440" bIns="45720" rtlCol="0">
+            <a:normAutofit/>
+          </a:bodyPr>
+          <a:lstStyle>
+            <a:lvl1pPr marL="342900" indent="-342900" algn="l" defTabSz="457200" rtl="0" eaLnBrk="1" latinLnBrk="0" hangingPunct="1">
+              <a:spcBef>
+                <a:spcPts val="1000"/>
+              </a:spcBef>
+              <a:spcAft>
+                <a:spcPts val="0"/>
+              </a:spcAft>
+              <a:buClr>
+                <a:schemeClr val="bg2">
+                  <a:lumMod val="40000"/>
+                  <a:lumOff val="60000"/>
+                </a:schemeClr>
+              </a:buClr>
+              <a:buSzPct val="80000"/>
+              <a:buFont typeface="Wingdings 3" charset="2"/>
+              <a:buChar char=""/>
+              <a:defRPr sz="2000" b="0" i="0" kern="1200">
+                <a:solidFill>
+                  <a:schemeClr val="tx1"/>
+                </a:solidFill>
+                <a:latin typeface="+mj-lt"/>
+                <a:ea typeface="+mj-ea"/>
+                <a:cs typeface="+mj-cs"/>
+              </a:defRPr>
+            </a:lvl1pPr>
+            <a:lvl2pPr marL="742950" indent="-285750" algn="l" defTabSz="457200" rtl="0" eaLnBrk="1" latinLnBrk="0" hangingPunct="1">
+              <a:spcBef>
+                <a:spcPts val="1000"/>
+              </a:spcBef>
+              <a:spcAft>
+                <a:spcPts val="0"/>
+              </a:spcAft>
+              <a:buClr>
+                <a:schemeClr val="bg2">
+                  <a:lumMod val="40000"/>
+                  <a:lumOff val="60000"/>
+                </a:schemeClr>
+              </a:buClr>
+              <a:buSzPct val="80000"/>
+              <a:buFont typeface="Wingdings 3" charset="2"/>
+              <a:buChar char=""/>
+              <a:defRPr sz="1800" b="0" i="0" kern="1200">
+                <a:solidFill>
+                  <a:schemeClr val="tx1"/>
+                </a:solidFill>
+                <a:latin typeface="+mj-lt"/>
+                <a:ea typeface="+mj-ea"/>
+                <a:cs typeface="+mj-cs"/>
+              </a:defRPr>
+            </a:lvl2pPr>
+            <a:lvl3pPr marL="1143000" indent="-228600" algn="l" defTabSz="457200" rtl="0" eaLnBrk="1" latinLnBrk="0" hangingPunct="1">
+              <a:spcBef>
+                <a:spcPts val="1000"/>
+              </a:spcBef>
+              <a:spcAft>
+                <a:spcPts val="0"/>
+              </a:spcAft>
+              <a:buClr>
+                <a:schemeClr val="bg2">
+                  <a:lumMod val="40000"/>
+                  <a:lumOff val="60000"/>
+                </a:schemeClr>
+              </a:buClr>
+              <a:buSzPct val="80000"/>
+              <a:buFont typeface="Wingdings 3" charset="2"/>
+              <a:buChar char=""/>
+              <a:defRPr sz="1600" b="0" i="0" kern="1200">
+                <a:solidFill>
+                  <a:schemeClr val="tx1"/>
+                </a:solidFill>
+                <a:latin typeface="+mj-lt"/>
+                <a:ea typeface="+mj-ea"/>
+                <a:cs typeface="+mj-cs"/>
+              </a:defRPr>
+            </a:lvl3pPr>
+            <a:lvl4pPr marL="1600200" indent="-228600" algn="l" defTabSz="457200" rtl="0" eaLnBrk="1" latinLnBrk="0" hangingPunct="1">
+              <a:spcBef>
+                <a:spcPts val="1000"/>
+              </a:spcBef>
+              <a:spcAft>
+                <a:spcPts val="0"/>
+              </a:spcAft>
+              <a:buClr>
+                <a:schemeClr val="bg2">
+                  <a:lumMod val="40000"/>
+                  <a:lumOff val="60000"/>
+                </a:schemeClr>
+              </a:buClr>
+              <a:buSzPct val="80000"/>
+              <a:buFont typeface="Wingdings 3" charset="2"/>
+              <a:buChar char=""/>
+              <a:defRPr sz="1400" b="0" i="0" kern="1200">
+                <a:solidFill>
+                  <a:schemeClr val="tx1"/>
+                </a:solidFill>
+                <a:latin typeface="+mj-lt"/>
+                <a:ea typeface="+mj-ea"/>
+                <a:cs typeface="+mj-cs"/>
+              </a:defRPr>
+            </a:lvl4pPr>
+            <a:lvl5pPr marL="2057400" indent="-228600" algn="l" defTabSz="457200" rtl="0" eaLnBrk="1" latinLnBrk="0" hangingPunct="1">
+              <a:spcBef>
+                <a:spcPts val="1000"/>
+              </a:spcBef>
+              <a:spcAft>
+                <a:spcPts val="0"/>
+              </a:spcAft>
+              <a:buClr>
+                <a:schemeClr val="bg2">
+                  <a:lumMod val="40000"/>
+                  <a:lumOff val="60000"/>
+                </a:schemeClr>
+              </a:buClr>
+              <a:buSzPct val="80000"/>
+              <a:buFont typeface="Wingdings 3" charset="2"/>
+              <a:buChar char=""/>
+              <a:defRPr sz="1400" b="0" i="0" kern="1200">
+                <a:solidFill>
+                  <a:schemeClr val="tx1"/>
+                </a:solidFill>
+                <a:latin typeface="+mj-lt"/>
+                <a:ea typeface="+mj-ea"/>
+                <a:cs typeface="+mj-cs"/>
+              </a:defRPr>
+            </a:lvl5pPr>
+            <a:lvl6pPr marL="2506000" indent="-228600" algn="l" defTabSz="457200" rtl="0" eaLnBrk="1" latinLnBrk="0" hangingPunct="1">
+              <a:spcBef>
+                <a:spcPts val="1000"/>
+              </a:spcBef>
+              <a:spcAft>
+                <a:spcPts val="0"/>
+              </a:spcAft>
+              <a:buClr>
+                <a:schemeClr val="bg2">
+                  <a:lumMod val="40000"/>
+                  <a:lumOff val="60000"/>
+                </a:schemeClr>
+              </a:buClr>
+              <a:buSzPct val="80000"/>
+              <a:buFont typeface="Wingdings 3" charset="2"/>
+              <a:buChar char=""/>
+              <a:defRPr sz="1400" b="0" i="0" kern="1200">
+                <a:solidFill>
+                  <a:schemeClr val="tx1"/>
+                </a:solidFill>
+                <a:latin typeface="+mj-lt"/>
+                <a:ea typeface="+mj-ea"/>
+                <a:cs typeface="+mj-cs"/>
+              </a:defRPr>
+            </a:lvl6pPr>
+            <a:lvl7pPr marL="2971800" indent="-228600" algn="l" defTabSz="457200" rtl="0" eaLnBrk="1" latinLnBrk="0" hangingPunct="1">
+              <a:spcBef>
+                <a:spcPts val="1000"/>
+              </a:spcBef>
+              <a:spcAft>
+                <a:spcPts val="0"/>
+              </a:spcAft>
+              <a:buClr>
+                <a:schemeClr val="bg2">
+                  <a:lumMod val="40000"/>
+                  <a:lumOff val="60000"/>
+                </a:schemeClr>
+              </a:buClr>
+              <a:buSzPct val="80000"/>
+              <a:buFont typeface="Wingdings 3" charset="2"/>
+              <a:buChar char=""/>
+              <a:defRPr sz="1400" b="0" i="0" kern="1200">
+                <a:solidFill>
+                  <a:schemeClr val="tx1"/>
+                </a:solidFill>
+                <a:latin typeface="+mj-lt"/>
+                <a:ea typeface="+mj-ea"/>
+                <a:cs typeface="+mj-cs"/>
+              </a:defRPr>
+            </a:lvl7pPr>
+            <a:lvl8pPr marL="3429000" indent="-228600" algn="l" defTabSz="457200" rtl="0" eaLnBrk="1" latinLnBrk="0" hangingPunct="1">
+              <a:spcBef>
+                <a:spcPts val="1000"/>
+              </a:spcBef>
+              <a:spcAft>
+                <a:spcPts val="0"/>
+              </a:spcAft>
+              <a:buClr>
+                <a:schemeClr val="bg2">
+                  <a:lumMod val="40000"/>
+                  <a:lumOff val="60000"/>
+                </a:schemeClr>
+              </a:buClr>
+              <a:buSzPct val="80000"/>
+              <a:buFont typeface="Wingdings 3" charset="2"/>
+              <a:buChar char=""/>
+              <a:defRPr sz="1400" b="0" i="0" kern="1200">
+                <a:solidFill>
+                  <a:schemeClr val="tx1"/>
+                </a:solidFill>
+                <a:latin typeface="+mj-lt"/>
+                <a:ea typeface="+mj-ea"/>
+                <a:cs typeface="+mj-cs"/>
+              </a:defRPr>
+            </a:lvl8pPr>
+            <a:lvl9pPr marL="3886200" indent="-228600" algn="l" defTabSz="457200" rtl="0" eaLnBrk="1" latinLnBrk="0" hangingPunct="1">
+              <a:spcBef>
+                <a:spcPts val="1000"/>
+              </a:spcBef>
+              <a:spcAft>
+                <a:spcPts val="0"/>
+              </a:spcAft>
+              <a:buClr>
+                <a:schemeClr val="bg2">
+                  <a:lumMod val="40000"/>
+                  <a:lumOff val="60000"/>
+                </a:schemeClr>
+              </a:buClr>
+              <a:buSzPct val="80000"/>
+              <a:buFont typeface="Wingdings 3" charset="2"/>
+              <a:buChar char=""/>
+              <a:defRPr sz="1400" b="0" i="0" kern="1200">
+                <a:solidFill>
+                  <a:schemeClr val="tx1"/>
+                </a:solidFill>
+                <a:latin typeface="+mj-lt"/>
+                <a:ea typeface="+mj-ea"/>
+                <a:cs typeface="+mj-cs"/>
+              </a:defRPr>
+            </a:lvl9pPr>
+          </a:lstStyle>
+          <a:p>
+            <a:pPr marL="0" indent="0">
+              <a:buFont typeface="Wingdings 3" charset="2"/>
+              <a:buNone/>
+            </a:pPr>
+            <a:r>
+              <a:rPr lang="en-US" b="1" dirty="0" err="1" smtClean="0"/>
+              <a:t>Módulo</a:t>
+            </a:r>
+            <a:r>
+              <a:rPr lang="en-US" b="1" dirty="0" smtClean="0"/>
+              <a:t> de </a:t>
+            </a:r>
+            <a:r>
+              <a:rPr lang="en-US" b="1" dirty="0" err="1" smtClean="0"/>
+              <a:t>encomendas</a:t>
+            </a:r>
+            <a:r>
+              <a:rPr lang="en-US" b="1" dirty="0" smtClean="0"/>
+              <a:t> e </a:t>
+            </a:r>
+            <a:r>
+              <a:rPr lang="en-US" b="1" dirty="0" err="1" smtClean="0"/>
+              <a:t>clientes</a:t>
+            </a:r>
+            <a:r>
+              <a:rPr lang="en-US" b="1" dirty="0" smtClean="0"/>
+              <a:t>, e </a:t>
+            </a:r>
+            <a:r>
+              <a:rPr lang="en-US" b="1" dirty="0" err="1" smtClean="0"/>
+              <a:t>autenticação</a:t>
+            </a:r>
+            <a:endParaRPr lang="en-US" b="1" dirty="0" smtClean="0"/>
+          </a:p>
+          <a:p>
+            <a:pPr marL="0" indent="0">
+              <a:buFont typeface="Wingdings 3" charset="2"/>
+              <a:buNone/>
+            </a:pPr>
+            <a:endParaRPr lang="en-US" dirty="0" smtClean="0"/>
+          </a:p>
+          <a:p>
+            <a:r>
+              <a:rPr lang="en-US" dirty="0" smtClean="0"/>
+              <a:t>Framework: Nest.js (Express)</a:t>
+            </a:r>
+          </a:p>
+          <a:p>
+            <a:r>
+              <a:rPr lang="en-US" dirty="0" err="1"/>
+              <a:t>Linguagem</a:t>
+            </a:r>
+            <a:r>
+              <a:rPr lang="en-US" dirty="0"/>
+              <a:t>: </a:t>
+            </a:r>
+            <a:r>
+              <a:rPr lang="en-US" dirty="0" err="1" smtClean="0"/>
+              <a:t>TypeScript</a:t>
+            </a:r>
+            <a:endParaRPr lang="en-US" dirty="0" smtClean="0"/>
+          </a:p>
+          <a:p>
+            <a:r>
+              <a:rPr lang="pt-PT" dirty="0"/>
+              <a:t>Base de dados: </a:t>
+            </a:r>
+            <a:r>
+              <a:rPr lang="pt-PT" dirty="0" smtClean="0"/>
+              <a:t>NOSQL MongoDB</a:t>
+            </a:r>
+            <a:endParaRPr lang="en-US" dirty="0" smtClean="0"/>
+          </a:p>
+          <a:p>
+            <a:endParaRPr lang="en-US" dirty="0" smtClean="0"/>
+          </a:p>
+          <a:p>
+            <a:endParaRPr lang="en-US" dirty="0"/>
+          </a:p>
+        </p:txBody>
+      </p:sp>
+      <p:sp>
+        <p:nvSpPr>
+          <p:cNvPr id="7" name="Content Placeholder 2"/>
+          <p:cNvSpPr txBox="1">
+            <a:spLocks/>
+          </p:cNvSpPr>
+          <p:nvPr/>
+        </p:nvSpPr>
+        <p:spPr>
+          <a:xfrm>
+            <a:off x="251791" y="4128045"/>
+            <a:ext cx="4267199" cy="2663687"/>
+          </a:xfrm>
+          <a:prstGeom prst="rect">
+            <a:avLst/>
+          </a:prstGeom>
+        </p:spPr>
+        <p:txBody>
+          <a:bodyPr vert="horz" lIns="91440" tIns="45720" rIns="91440" bIns="45720" rtlCol="0">
+            <a:normAutofit/>
+          </a:bodyPr>
+          <a:lstStyle>
+            <a:lvl1pPr marL="342900" indent="-342900" algn="l" defTabSz="457200" rtl="0" eaLnBrk="1" latinLnBrk="0" hangingPunct="1">
+              <a:spcBef>
+                <a:spcPts val="1000"/>
+              </a:spcBef>
+              <a:spcAft>
+                <a:spcPts val="0"/>
+              </a:spcAft>
+              <a:buClr>
+                <a:schemeClr val="bg2">
+                  <a:lumMod val="40000"/>
+                  <a:lumOff val="60000"/>
+                </a:schemeClr>
+              </a:buClr>
+              <a:buSzPct val="80000"/>
+              <a:buFont typeface="Wingdings 3" charset="2"/>
+              <a:buChar char=""/>
+              <a:defRPr sz="2000" b="0" i="0" kern="1200">
+                <a:solidFill>
+                  <a:schemeClr val="tx1"/>
+                </a:solidFill>
+                <a:latin typeface="+mj-lt"/>
+                <a:ea typeface="+mj-ea"/>
+                <a:cs typeface="+mj-cs"/>
+              </a:defRPr>
+            </a:lvl1pPr>
+            <a:lvl2pPr marL="742950" indent="-285750" algn="l" defTabSz="457200" rtl="0" eaLnBrk="1" latinLnBrk="0" hangingPunct="1">
+              <a:spcBef>
+                <a:spcPts val="1000"/>
+              </a:spcBef>
+              <a:spcAft>
+                <a:spcPts val="0"/>
+              </a:spcAft>
+              <a:buClr>
+                <a:schemeClr val="bg2">
+                  <a:lumMod val="40000"/>
+                  <a:lumOff val="60000"/>
+                </a:schemeClr>
+              </a:buClr>
+              <a:buSzPct val="80000"/>
+              <a:buFont typeface="Wingdings 3" charset="2"/>
+              <a:buChar char=""/>
+              <a:defRPr sz="1800" b="0" i="0" kern="1200">
+                <a:solidFill>
+                  <a:schemeClr val="tx1"/>
+                </a:solidFill>
+                <a:latin typeface="+mj-lt"/>
+                <a:ea typeface="+mj-ea"/>
+                <a:cs typeface="+mj-cs"/>
+              </a:defRPr>
+            </a:lvl2pPr>
+            <a:lvl3pPr marL="1143000" indent="-228600" algn="l" defTabSz="457200" rtl="0" eaLnBrk="1" latinLnBrk="0" hangingPunct="1">
+              <a:spcBef>
+                <a:spcPts val="1000"/>
+              </a:spcBef>
+              <a:spcAft>
+                <a:spcPts val="0"/>
+              </a:spcAft>
+              <a:buClr>
+                <a:schemeClr val="bg2">
+                  <a:lumMod val="40000"/>
+                  <a:lumOff val="60000"/>
+                </a:schemeClr>
+              </a:buClr>
+              <a:buSzPct val="80000"/>
+              <a:buFont typeface="Wingdings 3" charset="2"/>
+              <a:buChar char=""/>
+              <a:defRPr sz="1600" b="0" i="0" kern="1200">
+                <a:solidFill>
+                  <a:schemeClr val="tx1"/>
+                </a:solidFill>
+                <a:latin typeface="+mj-lt"/>
+                <a:ea typeface="+mj-ea"/>
+                <a:cs typeface="+mj-cs"/>
+              </a:defRPr>
+            </a:lvl3pPr>
+            <a:lvl4pPr marL="1600200" indent="-228600" algn="l" defTabSz="457200" rtl="0" eaLnBrk="1" latinLnBrk="0" hangingPunct="1">
+              <a:spcBef>
+                <a:spcPts val="1000"/>
+              </a:spcBef>
+              <a:spcAft>
+                <a:spcPts val="0"/>
+              </a:spcAft>
+              <a:buClr>
+                <a:schemeClr val="bg2">
+                  <a:lumMod val="40000"/>
+                  <a:lumOff val="60000"/>
+                </a:schemeClr>
+              </a:buClr>
+              <a:buSzPct val="80000"/>
+              <a:buFont typeface="Wingdings 3" charset="2"/>
+              <a:buChar char=""/>
+              <a:defRPr sz="1400" b="0" i="0" kern="1200">
+                <a:solidFill>
+                  <a:schemeClr val="tx1"/>
+                </a:solidFill>
+                <a:latin typeface="+mj-lt"/>
+                <a:ea typeface="+mj-ea"/>
+                <a:cs typeface="+mj-cs"/>
+              </a:defRPr>
+            </a:lvl4pPr>
+            <a:lvl5pPr marL="2057400" indent="-228600" algn="l" defTabSz="457200" rtl="0" eaLnBrk="1" latinLnBrk="0" hangingPunct="1">
+              <a:spcBef>
+                <a:spcPts val="1000"/>
+              </a:spcBef>
+              <a:spcAft>
+                <a:spcPts val="0"/>
+              </a:spcAft>
+              <a:buClr>
+                <a:schemeClr val="bg2">
+                  <a:lumMod val="40000"/>
+                  <a:lumOff val="60000"/>
+                </a:schemeClr>
+              </a:buClr>
+              <a:buSzPct val="80000"/>
+              <a:buFont typeface="Wingdings 3" charset="2"/>
+              <a:buChar char=""/>
+              <a:defRPr sz="1400" b="0" i="0" kern="1200">
+                <a:solidFill>
+                  <a:schemeClr val="tx1"/>
+                </a:solidFill>
+                <a:latin typeface="+mj-lt"/>
+                <a:ea typeface="+mj-ea"/>
+                <a:cs typeface="+mj-cs"/>
+              </a:defRPr>
+            </a:lvl5pPr>
+            <a:lvl6pPr marL="2506000" indent="-228600" algn="l" defTabSz="457200" rtl="0" eaLnBrk="1" latinLnBrk="0" hangingPunct="1">
+              <a:spcBef>
+                <a:spcPts val="1000"/>
+              </a:spcBef>
+              <a:spcAft>
+                <a:spcPts val="0"/>
+              </a:spcAft>
+              <a:buClr>
+                <a:schemeClr val="bg2">
+                  <a:lumMod val="40000"/>
+                  <a:lumOff val="60000"/>
+                </a:schemeClr>
+              </a:buClr>
+              <a:buSzPct val="80000"/>
+              <a:buFont typeface="Wingdings 3" charset="2"/>
+              <a:buChar char=""/>
+              <a:defRPr sz="1400" b="0" i="0" kern="1200">
+                <a:solidFill>
+                  <a:schemeClr val="tx1"/>
+                </a:solidFill>
+                <a:latin typeface="+mj-lt"/>
+                <a:ea typeface="+mj-ea"/>
+                <a:cs typeface="+mj-cs"/>
+              </a:defRPr>
+            </a:lvl6pPr>
+            <a:lvl7pPr marL="2971800" indent="-228600" algn="l" defTabSz="457200" rtl="0" eaLnBrk="1" latinLnBrk="0" hangingPunct="1">
+              <a:spcBef>
+                <a:spcPts val="1000"/>
+              </a:spcBef>
+              <a:spcAft>
+                <a:spcPts val="0"/>
+              </a:spcAft>
+              <a:buClr>
+                <a:schemeClr val="bg2">
+                  <a:lumMod val="40000"/>
+                  <a:lumOff val="60000"/>
+                </a:schemeClr>
+              </a:buClr>
+              <a:buSzPct val="80000"/>
+              <a:buFont typeface="Wingdings 3" charset="2"/>
+              <a:buChar char=""/>
+              <a:defRPr sz="1400" b="0" i="0" kern="1200">
+                <a:solidFill>
+                  <a:schemeClr val="tx1"/>
+                </a:solidFill>
+                <a:latin typeface="+mj-lt"/>
+                <a:ea typeface="+mj-ea"/>
+                <a:cs typeface="+mj-cs"/>
+              </a:defRPr>
+            </a:lvl7pPr>
+            <a:lvl8pPr marL="3429000" indent="-228600" algn="l" defTabSz="457200" rtl="0" eaLnBrk="1" latinLnBrk="0" hangingPunct="1">
+              <a:spcBef>
+                <a:spcPts val="1000"/>
+              </a:spcBef>
+              <a:spcAft>
+                <a:spcPts val="0"/>
+              </a:spcAft>
+              <a:buClr>
+                <a:schemeClr val="bg2">
+                  <a:lumMod val="40000"/>
+                  <a:lumOff val="60000"/>
+                </a:schemeClr>
+              </a:buClr>
+              <a:buSzPct val="80000"/>
+              <a:buFont typeface="Wingdings 3" charset="2"/>
+              <a:buChar char=""/>
+              <a:defRPr sz="1400" b="0" i="0" kern="1200">
+                <a:solidFill>
+                  <a:schemeClr val="tx1"/>
+                </a:solidFill>
+                <a:latin typeface="+mj-lt"/>
+                <a:ea typeface="+mj-ea"/>
+                <a:cs typeface="+mj-cs"/>
+              </a:defRPr>
+            </a:lvl8pPr>
+            <a:lvl9pPr marL="3886200" indent="-228600" algn="l" defTabSz="457200" rtl="0" eaLnBrk="1" latinLnBrk="0" hangingPunct="1">
+              <a:spcBef>
+                <a:spcPts val="1000"/>
+              </a:spcBef>
+              <a:spcAft>
+                <a:spcPts val="0"/>
+              </a:spcAft>
+              <a:buClr>
+                <a:schemeClr val="bg2">
+                  <a:lumMod val="40000"/>
+                  <a:lumOff val="60000"/>
+                </a:schemeClr>
+              </a:buClr>
+              <a:buSzPct val="80000"/>
+              <a:buFont typeface="Wingdings 3" charset="2"/>
+              <a:buChar char=""/>
+              <a:defRPr sz="1400" b="0" i="0" kern="1200">
+                <a:solidFill>
+                  <a:schemeClr val="tx1"/>
+                </a:solidFill>
+                <a:latin typeface="+mj-lt"/>
+                <a:ea typeface="+mj-ea"/>
+                <a:cs typeface="+mj-cs"/>
+              </a:defRPr>
+            </a:lvl9pPr>
+          </a:lstStyle>
+          <a:p>
+            <a:pPr marL="0" indent="0">
+              <a:buFont typeface="Wingdings 3" charset="2"/>
+              <a:buNone/>
+            </a:pPr>
+            <a:r>
+              <a:rPr lang="en-US" b="1" dirty="0" err="1" smtClean="0"/>
+              <a:t>Módulo</a:t>
+            </a:r>
+            <a:r>
+              <a:rPr lang="en-US" b="1" dirty="0" smtClean="0"/>
+              <a:t> de </a:t>
+            </a:r>
+            <a:r>
+              <a:rPr lang="en-US" b="1" dirty="0" err="1" smtClean="0"/>
+              <a:t>Visualização</a:t>
+            </a:r>
+            <a:endParaRPr lang="en-US" b="1" dirty="0" smtClean="0"/>
+          </a:p>
+          <a:p>
+            <a:pPr marL="0" indent="0">
+              <a:buFont typeface="Wingdings 3" charset="2"/>
+              <a:buNone/>
+            </a:pPr>
+            <a:endParaRPr lang="en-US" dirty="0" smtClean="0"/>
+          </a:p>
+          <a:p>
+            <a:r>
+              <a:rPr lang="en-US" dirty="0" err="1" smtClean="0"/>
+              <a:t>Linguagem</a:t>
+            </a:r>
+            <a:r>
+              <a:rPr lang="en-US" dirty="0" smtClean="0"/>
+              <a:t>: </a:t>
+            </a:r>
+            <a:r>
+              <a:rPr lang="en-US" dirty="0" err="1" smtClean="0"/>
+              <a:t>Javascript</a:t>
+            </a:r>
+            <a:endParaRPr lang="en-US" dirty="0" smtClean="0"/>
+          </a:p>
+          <a:p>
+            <a:r>
+              <a:rPr lang="en-US" dirty="0" err="1" smtClean="0"/>
+              <a:t>Biblioteca</a:t>
+            </a:r>
+            <a:r>
+              <a:rPr lang="en-US" dirty="0" smtClean="0"/>
+              <a:t>: Three.js</a:t>
+            </a:r>
+          </a:p>
+          <a:p>
+            <a:endParaRPr lang="en-US" dirty="0" smtClean="0"/>
+          </a:p>
+          <a:p>
+            <a:endParaRPr lang="en-US" dirty="0"/>
+          </a:p>
+        </p:txBody>
+      </p:sp>
+      <p:sp>
+        <p:nvSpPr>
+          <p:cNvPr id="8" name="Content Placeholder 2"/>
+          <p:cNvSpPr txBox="1">
+            <a:spLocks/>
+          </p:cNvSpPr>
+          <p:nvPr/>
+        </p:nvSpPr>
+        <p:spPr>
+          <a:xfrm>
+            <a:off x="3856383" y="4128045"/>
+            <a:ext cx="4267199" cy="2007710"/>
+          </a:xfrm>
+          <a:prstGeom prst="rect">
+            <a:avLst/>
+          </a:prstGeom>
+        </p:spPr>
+        <p:txBody>
+          <a:bodyPr vert="horz" lIns="91440" tIns="45720" rIns="91440" bIns="45720" rtlCol="0">
+            <a:normAutofit/>
+          </a:bodyPr>
+          <a:lstStyle>
+            <a:lvl1pPr marL="342900" indent="-342900" algn="l" defTabSz="457200" rtl="0" eaLnBrk="1" latinLnBrk="0" hangingPunct="1">
+              <a:spcBef>
+                <a:spcPts val="1000"/>
+              </a:spcBef>
+              <a:spcAft>
+                <a:spcPts val="0"/>
+              </a:spcAft>
+              <a:buClr>
+                <a:schemeClr val="bg2">
+                  <a:lumMod val="40000"/>
+                  <a:lumOff val="60000"/>
+                </a:schemeClr>
+              </a:buClr>
+              <a:buSzPct val="80000"/>
+              <a:buFont typeface="Wingdings 3" charset="2"/>
+              <a:buChar char=""/>
+              <a:defRPr sz="2000" b="0" i="0" kern="1200">
+                <a:solidFill>
+                  <a:schemeClr val="tx1"/>
+                </a:solidFill>
+                <a:latin typeface="+mj-lt"/>
+                <a:ea typeface="+mj-ea"/>
+                <a:cs typeface="+mj-cs"/>
+              </a:defRPr>
+            </a:lvl1pPr>
+            <a:lvl2pPr marL="742950" indent="-285750" algn="l" defTabSz="457200" rtl="0" eaLnBrk="1" latinLnBrk="0" hangingPunct="1">
+              <a:spcBef>
+                <a:spcPts val="1000"/>
+              </a:spcBef>
+              <a:spcAft>
+                <a:spcPts val="0"/>
+              </a:spcAft>
+              <a:buClr>
+                <a:schemeClr val="bg2">
+                  <a:lumMod val="40000"/>
+                  <a:lumOff val="60000"/>
+                </a:schemeClr>
+              </a:buClr>
+              <a:buSzPct val="80000"/>
+              <a:buFont typeface="Wingdings 3" charset="2"/>
+              <a:buChar char=""/>
+              <a:defRPr sz="1800" b="0" i="0" kern="1200">
+                <a:solidFill>
+                  <a:schemeClr val="tx1"/>
+                </a:solidFill>
+                <a:latin typeface="+mj-lt"/>
+                <a:ea typeface="+mj-ea"/>
+                <a:cs typeface="+mj-cs"/>
+              </a:defRPr>
+            </a:lvl2pPr>
+            <a:lvl3pPr marL="1143000" indent="-228600" algn="l" defTabSz="457200" rtl="0" eaLnBrk="1" latinLnBrk="0" hangingPunct="1">
+              <a:spcBef>
+                <a:spcPts val="1000"/>
+              </a:spcBef>
+              <a:spcAft>
+                <a:spcPts val="0"/>
+              </a:spcAft>
+              <a:buClr>
+                <a:schemeClr val="bg2">
+                  <a:lumMod val="40000"/>
+                  <a:lumOff val="60000"/>
+                </a:schemeClr>
+              </a:buClr>
+              <a:buSzPct val="80000"/>
+              <a:buFont typeface="Wingdings 3" charset="2"/>
+              <a:buChar char=""/>
+              <a:defRPr sz="1600" b="0" i="0" kern="1200">
+                <a:solidFill>
+                  <a:schemeClr val="tx1"/>
+                </a:solidFill>
+                <a:latin typeface="+mj-lt"/>
+                <a:ea typeface="+mj-ea"/>
+                <a:cs typeface="+mj-cs"/>
+              </a:defRPr>
+            </a:lvl3pPr>
+            <a:lvl4pPr marL="1600200" indent="-228600" algn="l" defTabSz="457200" rtl="0" eaLnBrk="1" latinLnBrk="0" hangingPunct="1">
+              <a:spcBef>
+                <a:spcPts val="1000"/>
+              </a:spcBef>
+              <a:spcAft>
+                <a:spcPts val="0"/>
+              </a:spcAft>
+              <a:buClr>
+                <a:schemeClr val="bg2">
+                  <a:lumMod val="40000"/>
+                  <a:lumOff val="60000"/>
+                </a:schemeClr>
+              </a:buClr>
+              <a:buSzPct val="80000"/>
+              <a:buFont typeface="Wingdings 3" charset="2"/>
+              <a:buChar char=""/>
+              <a:defRPr sz="1400" b="0" i="0" kern="1200">
+                <a:solidFill>
+                  <a:schemeClr val="tx1"/>
+                </a:solidFill>
+                <a:latin typeface="+mj-lt"/>
+                <a:ea typeface="+mj-ea"/>
+                <a:cs typeface="+mj-cs"/>
+              </a:defRPr>
+            </a:lvl4pPr>
+            <a:lvl5pPr marL="2057400" indent="-228600" algn="l" defTabSz="457200" rtl="0" eaLnBrk="1" latinLnBrk="0" hangingPunct="1">
+              <a:spcBef>
+                <a:spcPts val="1000"/>
+              </a:spcBef>
+              <a:spcAft>
+                <a:spcPts val="0"/>
+              </a:spcAft>
+              <a:buClr>
+                <a:schemeClr val="bg2">
+                  <a:lumMod val="40000"/>
+                  <a:lumOff val="60000"/>
+                </a:schemeClr>
+              </a:buClr>
+              <a:buSzPct val="80000"/>
+              <a:buFont typeface="Wingdings 3" charset="2"/>
+              <a:buChar char=""/>
+              <a:defRPr sz="1400" b="0" i="0" kern="1200">
+                <a:solidFill>
+                  <a:schemeClr val="tx1"/>
+                </a:solidFill>
+                <a:latin typeface="+mj-lt"/>
+                <a:ea typeface="+mj-ea"/>
+                <a:cs typeface="+mj-cs"/>
+              </a:defRPr>
+            </a:lvl5pPr>
+            <a:lvl6pPr marL="2506000" indent="-228600" algn="l" defTabSz="457200" rtl="0" eaLnBrk="1" latinLnBrk="0" hangingPunct="1">
+              <a:spcBef>
+                <a:spcPts val="1000"/>
+              </a:spcBef>
+              <a:spcAft>
+                <a:spcPts val="0"/>
+              </a:spcAft>
+              <a:buClr>
+                <a:schemeClr val="bg2">
+                  <a:lumMod val="40000"/>
+                  <a:lumOff val="60000"/>
+                </a:schemeClr>
+              </a:buClr>
+              <a:buSzPct val="80000"/>
+              <a:buFont typeface="Wingdings 3" charset="2"/>
+              <a:buChar char=""/>
+              <a:defRPr sz="1400" b="0" i="0" kern="1200">
+                <a:solidFill>
+                  <a:schemeClr val="tx1"/>
+                </a:solidFill>
+                <a:latin typeface="+mj-lt"/>
+                <a:ea typeface="+mj-ea"/>
+                <a:cs typeface="+mj-cs"/>
+              </a:defRPr>
+            </a:lvl6pPr>
+            <a:lvl7pPr marL="2971800" indent="-228600" algn="l" defTabSz="457200" rtl="0" eaLnBrk="1" latinLnBrk="0" hangingPunct="1">
+              <a:spcBef>
+                <a:spcPts val="1000"/>
+              </a:spcBef>
+              <a:spcAft>
+                <a:spcPts val="0"/>
+              </a:spcAft>
+              <a:buClr>
+                <a:schemeClr val="bg2">
+                  <a:lumMod val="40000"/>
+                  <a:lumOff val="60000"/>
+                </a:schemeClr>
+              </a:buClr>
+              <a:buSzPct val="80000"/>
+              <a:buFont typeface="Wingdings 3" charset="2"/>
+              <a:buChar char=""/>
+              <a:defRPr sz="1400" b="0" i="0" kern="1200">
+                <a:solidFill>
+                  <a:schemeClr val="tx1"/>
+                </a:solidFill>
+                <a:latin typeface="+mj-lt"/>
+                <a:ea typeface="+mj-ea"/>
+                <a:cs typeface="+mj-cs"/>
+              </a:defRPr>
+            </a:lvl7pPr>
+            <a:lvl8pPr marL="3429000" indent="-228600" algn="l" defTabSz="457200" rtl="0" eaLnBrk="1" latinLnBrk="0" hangingPunct="1">
+              <a:spcBef>
+                <a:spcPts val="1000"/>
+              </a:spcBef>
+              <a:spcAft>
+                <a:spcPts val="0"/>
+              </a:spcAft>
+              <a:buClr>
+                <a:schemeClr val="bg2">
+                  <a:lumMod val="40000"/>
+                  <a:lumOff val="60000"/>
+                </a:schemeClr>
+              </a:buClr>
+              <a:buSzPct val="80000"/>
+              <a:buFont typeface="Wingdings 3" charset="2"/>
+              <a:buChar char=""/>
+              <a:defRPr sz="1400" b="0" i="0" kern="1200">
+                <a:solidFill>
+                  <a:schemeClr val="tx1"/>
+                </a:solidFill>
+                <a:latin typeface="+mj-lt"/>
+                <a:ea typeface="+mj-ea"/>
+                <a:cs typeface="+mj-cs"/>
+              </a:defRPr>
+            </a:lvl8pPr>
+            <a:lvl9pPr marL="3886200" indent="-228600" algn="l" defTabSz="457200" rtl="0" eaLnBrk="1" latinLnBrk="0" hangingPunct="1">
+              <a:spcBef>
+                <a:spcPts val="1000"/>
+              </a:spcBef>
+              <a:spcAft>
+                <a:spcPts val="0"/>
+              </a:spcAft>
+              <a:buClr>
+                <a:schemeClr val="bg2">
+                  <a:lumMod val="40000"/>
+                  <a:lumOff val="60000"/>
+                </a:schemeClr>
+              </a:buClr>
+              <a:buSzPct val="80000"/>
+              <a:buFont typeface="Wingdings 3" charset="2"/>
+              <a:buChar char=""/>
+              <a:defRPr sz="1400" b="0" i="0" kern="1200">
+                <a:solidFill>
+                  <a:schemeClr val="tx1"/>
+                </a:solidFill>
+                <a:latin typeface="+mj-lt"/>
+                <a:ea typeface="+mj-ea"/>
+                <a:cs typeface="+mj-cs"/>
+              </a:defRPr>
+            </a:lvl9pPr>
+          </a:lstStyle>
+          <a:p>
+            <a:pPr marL="0" indent="0">
+              <a:buFont typeface="Wingdings 3" charset="2"/>
+              <a:buNone/>
+            </a:pPr>
+            <a:r>
+              <a:rPr lang="en-US" b="1" dirty="0" err="1" smtClean="0"/>
+              <a:t>Módulo</a:t>
+            </a:r>
+            <a:r>
+              <a:rPr lang="en-US" b="1" dirty="0" smtClean="0"/>
+              <a:t> de </a:t>
+            </a:r>
+            <a:r>
+              <a:rPr lang="en-US" b="1" dirty="0" err="1" smtClean="0"/>
+              <a:t>Planeamento</a:t>
+            </a:r>
+            <a:r>
+              <a:rPr lang="en-US" b="1" dirty="0" smtClean="0"/>
+              <a:t> de </a:t>
+            </a:r>
+            <a:r>
+              <a:rPr lang="en-US" b="1" dirty="0" err="1" smtClean="0"/>
+              <a:t>Produção</a:t>
+            </a:r>
+            <a:endParaRPr lang="en-US" b="1" dirty="0" smtClean="0"/>
+          </a:p>
+          <a:p>
+            <a:pPr marL="0" indent="0">
+              <a:buFont typeface="Wingdings 3" charset="2"/>
+              <a:buNone/>
+            </a:pPr>
+            <a:endParaRPr lang="en-US" dirty="0" smtClean="0"/>
+          </a:p>
+          <a:p>
+            <a:r>
+              <a:rPr lang="en-US" dirty="0" err="1" smtClean="0"/>
+              <a:t>Linguagem</a:t>
+            </a:r>
+            <a:r>
+              <a:rPr lang="en-US" dirty="0" smtClean="0"/>
+              <a:t>: Prolog</a:t>
+            </a:r>
+          </a:p>
+          <a:p>
+            <a:endParaRPr lang="en-US" dirty="0" smtClean="0"/>
+          </a:p>
+          <a:p>
+            <a:endParaRPr lang="en-US" dirty="0"/>
+          </a:p>
+        </p:txBody>
+      </p:sp>
+      <p:sp>
+        <p:nvSpPr>
+          <p:cNvPr id="9" name="Content Placeholder 2"/>
+          <p:cNvSpPr txBox="1">
+            <a:spLocks/>
+          </p:cNvSpPr>
+          <p:nvPr/>
+        </p:nvSpPr>
+        <p:spPr>
+          <a:xfrm>
+            <a:off x="8077199" y="4128045"/>
+            <a:ext cx="3611218" cy="2007710"/>
+          </a:xfrm>
+          <a:prstGeom prst="rect">
+            <a:avLst/>
+          </a:prstGeom>
+        </p:spPr>
+        <p:txBody>
+          <a:bodyPr vert="horz" lIns="91440" tIns="45720" rIns="91440" bIns="45720" rtlCol="0">
+            <a:normAutofit/>
+          </a:bodyPr>
+          <a:lstStyle>
+            <a:lvl1pPr marL="342900" indent="-342900" algn="l" defTabSz="457200" rtl="0" eaLnBrk="1" latinLnBrk="0" hangingPunct="1">
+              <a:spcBef>
+                <a:spcPts val="1000"/>
+              </a:spcBef>
+              <a:spcAft>
+                <a:spcPts val="0"/>
+              </a:spcAft>
+              <a:buClr>
+                <a:schemeClr val="bg2">
+                  <a:lumMod val="40000"/>
+                  <a:lumOff val="60000"/>
+                </a:schemeClr>
+              </a:buClr>
+              <a:buSzPct val="80000"/>
+              <a:buFont typeface="Wingdings 3" charset="2"/>
+              <a:buChar char=""/>
+              <a:defRPr sz="2000" b="0" i="0" kern="1200">
+                <a:solidFill>
+                  <a:schemeClr val="tx1"/>
+                </a:solidFill>
+                <a:latin typeface="+mj-lt"/>
+                <a:ea typeface="+mj-ea"/>
+                <a:cs typeface="+mj-cs"/>
+              </a:defRPr>
+            </a:lvl1pPr>
+            <a:lvl2pPr marL="742950" indent="-285750" algn="l" defTabSz="457200" rtl="0" eaLnBrk="1" latinLnBrk="0" hangingPunct="1">
+              <a:spcBef>
+                <a:spcPts val="1000"/>
+              </a:spcBef>
+              <a:spcAft>
+                <a:spcPts val="0"/>
+              </a:spcAft>
+              <a:buClr>
+                <a:schemeClr val="bg2">
+                  <a:lumMod val="40000"/>
+                  <a:lumOff val="60000"/>
+                </a:schemeClr>
+              </a:buClr>
+              <a:buSzPct val="80000"/>
+              <a:buFont typeface="Wingdings 3" charset="2"/>
+              <a:buChar char=""/>
+              <a:defRPr sz="1800" b="0" i="0" kern="1200">
+                <a:solidFill>
+                  <a:schemeClr val="tx1"/>
+                </a:solidFill>
+                <a:latin typeface="+mj-lt"/>
+                <a:ea typeface="+mj-ea"/>
+                <a:cs typeface="+mj-cs"/>
+              </a:defRPr>
+            </a:lvl2pPr>
+            <a:lvl3pPr marL="1143000" indent="-228600" algn="l" defTabSz="457200" rtl="0" eaLnBrk="1" latinLnBrk="0" hangingPunct="1">
+              <a:spcBef>
+                <a:spcPts val="1000"/>
+              </a:spcBef>
+              <a:spcAft>
+                <a:spcPts val="0"/>
+              </a:spcAft>
+              <a:buClr>
+                <a:schemeClr val="bg2">
+                  <a:lumMod val="40000"/>
+                  <a:lumOff val="60000"/>
+                </a:schemeClr>
+              </a:buClr>
+              <a:buSzPct val="80000"/>
+              <a:buFont typeface="Wingdings 3" charset="2"/>
+              <a:buChar char=""/>
+              <a:defRPr sz="1600" b="0" i="0" kern="1200">
+                <a:solidFill>
+                  <a:schemeClr val="tx1"/>
+                </a:solidFill>
+                <a:latin typeface="+mj-lt"/>
+                <a:ea typeface="+mj-ea"/>
+                <a:cs typeface="+mj-cs"/>
+              </a:defRPr>
+            </a:lvl3pPr>
+            <a:lvl4pPr marL="1600200" indent="-228600" algn="l" defTabSz="457200" rtl="0" eaLnBrk="1" latinLnBrk="0" hangingPunct="1">
+              <a:spcBef>
+                <a:spcPts val="1000"/>
+              </a:spcBef>
+              <a:spcAft>
+                <a:spcPts val="0"/>
+              </a:spcAft>
+              <a:buClr>
+                <a:schemeClr val="bg2">
+                  <a:lumMod val="40000"/>
+                  <a:lumOff val="60000"/>
+                </a:schemeClr>
+              </a:buClr>
+              <a:buSzPct val="80000"/>
+              <a:buFont typeface="Wingdings 3" charset="2"/>
+              <a:buChar char=""/>
+              <a:defRPr sz="1400" b="0" i="0" kern="1200">
+                <a:solidFill>
+                  <a:schemeClr val="tx1"/>
+                </a:solidFill>
+                <a:latin typeface="+mj-lt"/>
+                <a:ea typeface="+mj-ea"/>
+                <a:cs typeface="+mj-cs"/>
+              </a:defRPr>
+            </a:lvl4pPr>
+            <a:lvl5pPr marL="2057400" indent="-228600" algn="l" defTabSz="457200" rtl="0" eaLnBrk="1" latinLnBrk="0" hangingPunct="1">
+              <a:spcBef>
+                <a:spcPts val="1000"/>
+              </a:spcBef>
+              <a:spcAft>
+                <a:spcPts val="0"/>
+              </a:spcAft>
+              <a:buClr>
+                <a:schemeClr val="bg2">
+                  <a:lumMod val="40000"/>
+                  <a:lumOff val="60000"/>
+                </a:schemeClr>
+              </a:buClr>
+              <a:buSzPct val="80000"/>
+              <a:buFont typeface="Wingdings 3" charset="2"/>
+              <a:buChar char=""/>
+              <a:defRPr sz="1400" b="0" i="0" kern="1200">
+                <a:solidFill>
+                  <a:schemeClr val="tx1"/>
+                </a:solidFill>
+                <a:latin typeface="+mj-lt"/>
+                <a:ea typeface="+mj-ea"/>
+                <a:cs typeface="+mj-cs"/>
+              </a:defRPr>
+            </a:lvl5pPr>
+            <a:lvl6pPr marL="2506000" indent="-228600" algn="l" defTabSz="457200" rtl="0" eaLnBrk="1" latinLnBrk="0" hangingPunct="1">
+              <a:spcBef>
+                <a:spcPts val="1000"/>
+              </a:spcBef>
+              <a:spcAft>
+                <a:spcPts val="0"/>
+              </a:spcAft>
+              <a:buClr>
+                <a:schemeClr val="bg2">
+                  <a:lumMod val="40000"/>
+                  <a:lumOff val="60000"/>
+                </a:schemeClr>
+              </a:buClr>
+              <a:buSzPct val="80000"/>
+              <a:buFont typeface="Wingdings 3" charset="2"/>
+              <a:buChar char=""/>
+              <a:defRPr sz="1400" b="0" i="0" kern="1200">
+                <a:solidFill>
+                  <a:schemeClr val="tx1"/>
+                </a:solidFill>
+                <a:latin typeface="+mj-lt"/>
+                <a:ea typeface="+mj-ea"/>
+                <a:cs typeface="+mj-cs"/>
+              </a:defRPr>
+            </a:lvl6pPr>
+            <a:lvl7pPr marL="2971800" indent="-228600" algn="l" defTabSz="457200" rtl="0" eaLnBrk="1" latinLnBrk="0" hangingPunct="1">
+              <a:spcBef>
+                <a:spcPts val="1000"/>
+              </a:spcBef>
+              <a:spcAft>
+                <a:spcPts val="0"/>
+              </a:spcAft>
+              <a:buClr>
+                <a:schemeClr val="bg2">
+                  <a:lumMod val="40000"/>
+                  <a:lumOff val="60000"/>
+                </a:schemeClr>
+              </a:buClr>
+              <a:buSzPct val="80000"/>
+              <a:buFont typeface="Wingdings 3" charset="2"/>
+              <a:buChar char=""/>
+              <a:defRPr sz="1400" b="0" i="0" kern="1200">
+                <a:solidFill>
+                  <a:schemeClr val="tx1"/>
+                </a:solidFill>
+                <a:latin typeface="+mj-lt"/>
+                <a:ea typeface="+mj-ea"/>
+                <a:cs typeface="+mj-cs"/>
+              </a:defRPr>
+            </a:lvl7pPr>
+            <a:lvl8pPr marL="3429000" indent="-228600" algn="l" defTabSz="457200" rtl="0" eaLnBrk="1" latinLnBrk="0" hangingPunct="1">
+              <a:spcBef>
+                <a:spcPts val="1000"/>
+              </a:spcBef>
+              <a:spcAft>
+                <a:spcPts val="0"/>
+              </a:spcAft>
+              <a:buClr>
+                <a:schemeClr val="bg2">
+                  <a:lumMod val="40000"/>
+                  <a:lumOff val="60000"/>
+                </a:schemeClr>
+              </a:buClr>
+              <a:buSzPct val="80000"/>
+              <a:buFont typeface="Wingdings 3" charset="2"/>
+              <a:buChar char=""/>
+              <a:defRPr sz="1400" b="0" i="0" kern="1200">
+                <a:solidFill>
+                  <a:schemeClr val="tx1"/>
+                </a:solidFill>
+                <a:latin typeface="+mj-lt"/>
+                <a:ea typeface="+mj-ea"/>
+                <a:cs typeface="+mj-cs"/>
+              </a:defRPr>
+            </a:lvl8pPr>
+            <a:lvl9pPr marL="3886200" indent="-228600" algn="l" defTabSz="457200" rtl="0" eaLnBrk="1" latinLnBrk="0" hangingPunct="1">
+              <a:spcBef>
+                <a:spcPts val="1000"/>
+              </a:spcBef>
+              <a:spcAft>
+                <a:spcPts val="0"/>
+              </a:spcAft>
+              <a:buClr>
+                <a:schemeClr val="bg2">
+                  <a:lumMod val="40000"/>
+                  <a:lumOff val="60000"/>
+                </a:schemeClr>
+              </a:buClr>
+              <a:buSzPct val="80000"/>
+              <a:buFont typeface="Wingdings 3" charset="2"/>
+              <a:buChar char=""/>
+              <a:defRPr sz="1400" b="0" i="0" kern="1200">
+                <a:solidFill>
+                  <a:schemeClr val="tx1"/>
+                </a:solidFill>
+                <a:latin typeface="+mj-lt"/>
+                <a:ea typeface="+mj-ea"/>
+                <a:cs typeface="+mj-cs"/>
+              </a:defRPr>
+            </a:lvl9pPr>
+          </a:lstStyle>
+          <a:p>
+            <a:pPr marL="0" indent="0">
+              <a:buFont typeface="Wingdings 3" charset="2"/>
+              <a:buNone/>
+            </a:pPr>
+            <a:r>
+              <a:rPr lang="en-US" b="1" dirty="0" smtClean="0"/>
+              <a:t>Frontend (SPA)</a:t>
+            </a:r>
+          </a:p>
+          <a:p>
+            <a:pPr marL="0" indent="0">
+              <a:buFont typeface="Wingdings 3" charset="2"/>
+              <a:buNone/>
+            </a:pPr>
+            <a:endParaRPr lang="en-US" dirty="0" smtClean="0"/>
+          </a:p>
+          <a:p>
+            <a:r>
+              <a:rPr lang="en-US" dirty="0"/>
+              <a:t>Framework: </a:t>
+            </a:r>
+            <a:r>
+              <a:rPr lang="en-US" dirty="0" smtClean="0"/>
+              <a:t>Angular 7</a:t>
+            </a:r>
+            <a:endParaRPr lang="en-US" dirty="0"/>
+          </a:p>
+          <a:p>
+            <a:r>
+              <a:rPr lang="en-US" dirty="0" err="1" smtClean="0"/>
+              <a:t>Linguagem</a:t>
+            </a:r>
+            <a:r>
+              <a:rPr lang="en-US" dirty="0" smtClean="0"/>
+              <a:t>: </a:t>
+            </a:r>
+            <a:r>
+              <a:rPr lang="en-US" dirty="0" err="1" smtClean="0"/>
+              <a:t>TypeScript</a:t>
+            </a:r>
+            <a:r>
+              <a:rPr lang="en-US" dirty="0"/>
+              <a:t> </a:t>
+            </a:r>
+            <a:r>
+              <a:rPr lang="en-US" dirty="0" smtClean="0"/>
+              <a:t>e HTML</a:t>
+            </a:r>
+          </a:p>
+          <a:p>
+            <a:pPr marL="0" indent="0">
+              <a:buNone/>
+            </a:pPr>
+            <a:endParaRPr lang="en-US" dirty="0" smtClean="0"/>
+          </a:p>
+          <a:p>
+            <a:endParaRPr lang="en-US" dirty="0" smtClean="0"/>
+          </a:p>
+          <a:p>
+            <a:endParaRPr lang="en-US" dirty="0"/>
+          </a:p>
+        </p:txBody>
+      </p:sp>
     </p:spTree>
     <p:extLst>
       <p:ext uri="{BB962C8B-B14F-4D97-AF65-F5344CB8AC3E}">
-        <p14:creationId xmlns:p14="http://schemas.microsoft.com/office/powerpoint/2010/main" val="2942826447"/>
+        <p14:creationId xmlns:p14="http://schemas.microsoft.com/office/powerpoint/2010/main" val="960181582"/>
       </p:ext>
     </p:extLst>
   </p:cSld>
@@ -7558,128 +10885,7 @@
       </p:grpSpPr>
       <p:sp>
         <p:nvSpPr>
-          <p:cNvPr id="3" name="Content Placeholder 2"/>
-          <p:cNvSpPr>
-            <a:spLocks noGrp="1"/>
-          </p:cNvSpPr>
-          <p:nvPr>
-            <p:ph idx="1"/>
-          </p:nvPr>
-        </p:nvSpPr>
-        <p:spPr>
-          <a:xfrm>
-            <a:off x="1868168" y="5624422"/>
-            <a:ext cx="8455664" cy="734096"/>
-          </a:xfrm>
-        </p:spPr>
-        <p:txBody>
-          <a:bodyPr>
-            <a:normAutofit fontScale="77500" lnSpcReduction="20000"/>
-          </a:bodyPr>
-          <a:lstStyle/>
-          <a:p>
-            <a:r>
-              <a:rPr lang="en-US" dirty="0" err="1" smtClean="0"/>
-              <a:t>Configuração</a:t>
-            </a:r>
-            <a:r>
-              <a:rPr lang="en-US" dirty="0" smtClean="0"/>
-              <a:t> e </a:t>
-            </a:r>
-            <a:r>
-              <a:rPr lang="en-US" dirty="0" err="1" smtClean="0"/>
-              <a:t>consulta</a:t>
-            </a:r>
-            <a:r>
-              <a:rPr lang="en-US" dirty="0" smtClean="0"/>
-              <a:t> de </a:t>
-            </a:r>
-            <a:r>
-              <a:rPr lang="en-US" dirty="0" err="1" smtClean="0"/>
-              <a:t>informação</a:t>
-            </a:r>
-            <a:r>
-              <a:rPr lang="en-US" dirty="0" smtClean="0"/>
-              <a:t> de </a:t>
-            </a:r>
-            <a:r>
-              <a:rPr lang="en-US" dirty="0" err="1" smtClean="0"/>
-              <a:t>linhas</a:t>
-            </a:r>
-            <a:r>
-              <a:rPr lang="en-US" dirty="0" smtClean="0"/>
-              <a:t> de </a:t>
-            </a:r>
-            <a:r>
-              <a:rPr lang="en-US" dirty="0" err="1" smtClean="0"/>
-              <a:t>produção</a:t>
-            </a:r>
-            <a:endParaRPr lang="en-US" dirty="0" smtClean="0"/>
-          </a:p>
-          <a:p>
-            <a:r>
-              <a:rPr lang="en-US" dirty="0" smtClean="0"/>
-              <a:t> </a:t>
-            </a:r>
-            <a:r>
-              <a:rPr lang="en-US" dirty="0" err="1" smtClean="0"/>
-              <a:t>Consulta</a:t>
-            </a:r>
-            <a:r>
-              <a:rPr lang="en-US" dirty="0" smtClean="0"/>
-              <a:t> de </a:t>
-            </a:r>
-            <a:r>
-              <a:rPr lang="en-US" dirty="0" err="1" smtClean="0"/>
-              <a:t>informação</a:t>
-            </a:r>
-            <a:r>
-              <a:rPr lang="en-US" dirty="0" smtClean="0"/>
-              <a:t> de </a:t>
-            </a:r>
-            <a:r>
-              <a:rPr lang="en-US" dirty="0" err="1" smtClean="0"/>
-              <a:t>máquinas</a:t>
-            </a:r>
-            <a:r>
-              <a:rPr lang="en-US" dirty="0" smtClean="0"/>
-              <a:t> </a:t>
-            </a:r>
-            <a:r>
-              <a:rPr lang="en-US" dirty="0" err="1" smtClean="0"/>
-              <a:t>pertencentes</a:t>
-            </a:r>
-            <a:r>
-              <a:rPr lang="en-US" dirty="0" smtClean="0"/>
-              <a:t> a </a:t>
-            </a:r>
-            <a:r>
-              <a:rPr lang="en-US" dirty="0" err="1" smtClean="0"/>
-              <a:t>uma</a:t>
-            </a:r>
-            <a:r>
-              <a:rPr lang="en-US" dirty="0" smtClean="0"/>
-              <a:t> </a:t>
-            </a:r>
-            <a:r>
-              <a:rPr lang="en-US" dirty="0" err="1" smtClean="0"/>
-              <a:t>linha</a:t>
-            </a:r>
-            <a:r>
-              <a:rPr lang="en-US" dirty="0" smtClean="0"/>
-              <a:t> de </a:t>
-            </a:r>
-            <a:r>
-              <a:rPr lang="en-US" dirty="0" err="1" smtClean="0"/>
-              <a:t>produção</a:t>
-            </a:r>
-            <a:endParaRPr lang="en-US" dirty="0" smtClean="0"/>
-          </a:p>
-        </p:txBody>
-      </p:sp>
-      <p:sp>
-        <p:nvSpPr>
-          <p:cNvPr id="5" name="Title 1"/>
+          <p:cNvPr id="2" name="Title 1"/>
           <p:cNvSpPr>
             <a:spLocks noGrp="1"/>
           </p:cNvSpPr>
@@ -7689,8 +10895,8 @@
         </p:nvSpPr>
         <p:spPr>
           <a:xfrm>
-            <a:off x="643915" y="0"/>
-            <a:ext cx="9405938" cy="1400175"/>
+            <a:off x="1287622" y="134666"/>
+            <a:ext cx="9404723" cy="1031525"/>
           </a:xfrm>
         </p:spPr>
         <p:txBody>
@@ -7699,41 +10905,50 @@
           <a:p>
             <a:pPr algn="ctr"/>
             <a:r>
-              <a:rPr lang="en-US" dirty="0" smtClean="0"/>
-              <a:t>Master data configuration </a:t>
-            </a:r>
-            <a:endParaRPr lang="en-US" dirty="0"/>
+              <a:rPr lang="en-US" sz="3200" dirty="0" err="1" smtClean="0"/>
+              <a:t>Cenário</a:t>
+            </a:r>
+            <a:r>
+              <a:rPr lang="en-US" sz="3200" dirty="0" smtClean="0"/>
+              <a:t> de Deployment</a:t>
+            </a:r>
+            <a:endParaRPr lang="en-US" sz="3200" dirty="0"/>
           </a:p>
         </p:txBody>
       </p:sp>
       <p:pic>
         <p:nvPicPr>
-          <p:cNvPr id="6" name="Picture 5"/>
+          <p:cNvPr id="9" name="Content Placeholder 8"/>
           <p:cNvPicPr>
-            <a:picLocks noChangeAspect="1"/>
+            <a:picLocks noGrp="1" noChangeAspect="1"/>
           </p:cNvPicPr>
-          <p:nvPr/>
+          <p:nvPr>
+            <p:ph idx="1"/>
+          </p:nvPr>
         </p:nvPicPr>
         <p:blipFill>
-          <a:blip r:embed="rId2"/>
+          <a:blip r:embed="rId2">
+            <a:extLst>
+              <a:ext uri="{28A0092B-C50C-407E-A947-70E740481C1C}">
+                <a14:useLocalDpi xmlns:a14="http://schemas.microsoft.com/office/drawing/2010/main" val="0"/>
+              </a:ext>
+            </a:extLst>
+          </a:blip>
           <a:stretch>
             <a:fillRect/>
           </a:stretch>
         </p:blipFill>
         <p:spPr>
           <a:xfrm>
-            <a:off x="1521834" y="1095054"/>
-            <a:ext cx="9148332" cy="4372315"/>
-          </a:xfrm>
-          <a:prstGeom prst="rect">
-            <a:avLst/>
-          </a:prstGeom>
+            <a:off x="1435660" y="1571222"/>
+            <a:ext cx="9320680" cy="4881093"/>
+          </a:xfrm>
         </p:spPr>
       </p:pic>
     </p:spTree>
     <p:extLst>
       <p:ext uri="{BB962C8B-B14F-4D97-AF65-F5344CB8AC3E}">
-        <p14:creationId xmlns:p14="http://schemas.microsoft.com/office/powerpoint/2010/main" val="3500232859"/>
+        <p14:creationId xmlns:p14="http://schemas.microsoft.com/office/powerpoint/2010/main" val="1092990074"/>
       </p:ext>
     </p:extLst>
   </p:cSld>
@@ -7779,8 +10994,8 @@
         </p:nvSpPr>
         <p:spPr>
           <a:xfrm>
-            <a:off x="874220" y="0"/>
-            <a:ext cx="9404723" cy="1400530"/>
+            <a:off x="1287622" y="134666"/>
+            <a:ext cx="9404723" cy="1031525"/>
           </a:xfrm>
         </p:spPr>
         <p:txBody>
@@ -7789,137 +11004,62 @@
           <a:p>
             <a:pPr algn="ctr"/>
             <a:r>
-              <a:rPr lang="en-US" dirty="0" err="1"/>
-              <a:t>Á</a:t>
-            </a:r>
-            <a:r>
-              <a:rPr lang="en-US" dirty="0" err="1" smtClean="0"/>
-              <a:t>rea</a:t>
-            </a:r>
-            <a:r>
-              <a:rPr lang="en-US" dirty="0" smtClean="0"/>
-              <a:t> </a:t>
-            </a:r>
-            <a:r>
-              <a:rPr lang="en-US" dirty="0" err="1" smtClean="0"/>
-              <a:t>cliente</a:t>
-            </a:r>
-            <a:endParaRPr lang="en-US" dirty="0"/>
-          </a:p>
-        </p:txBody>
-      </p:sp>
-      <p:sp>
-        <p:nvSpPr>
-          <p:cNvPr id="3" name="Content Placeholder 2"/>
-          <p:cNvSpPr>
-            <a:spLocks noGrp="1"/>
-          </p:cNvSpPr>
-          <p:nvPr>
-            <p:ph idx="1"/>
-          </p:nvPr>
-        </p:nvSpPr>
-        <p:spPr>
-          <a:xfrm>
-            <a:off x="1741868" y="5010846"/>
-            <a:ext cx="8946541" cy="1096849"/>
-          </a:xfrm>
-        </p:spPr>
-        <p:txBody>
-          <a:bodyPr>
-            <a:normAutofit/>
-          </a:bodyPr>
-          <a:lstStyle/>
-          <a:p>
-            <a:r>
-              <a:rPr lang="en-US" dirty="0" err="1" smtClean="0"/>
-              <a:t>Consulta</a:t>
-            </a:r>
-            <a:r>
-              <a:rPr lang="en-US" dirty="0" smtClean="0"/>
-              <a:t> e </a:t>
-            </a:r>
-            <a:r>
-              <a:rPr lang="en-US" dirty="0" err="1" smtClean="0"/>
-              <a:t>edição</a:t>
-            </a:r>
-            <a:r>
-              <a:rPr lang="en-US" dirty="0" smtClean="0"/>
-              <a:t> de dados do </a:t>
-            </a:r>
-            <a:r>
-              <a:rPr lang="en-US" dirty="0" err="1" smtClean="0"/>
-              <a:t>cliente</a:t>
-            </a:r>
-            <a:r>
-              <a:rPr lang="en-US" dirty="0" smtClean="0"/>
-              <a:t> </a:t>
-            </a:r>
-            <a:r>
-              <a:rPr lang="en-US" dirty="0" err="1" smtClean="0"/>
-              <a:t>logado</a:t>
-            </a:r>
-            <a:endParaRPr lang="en-US" dirty="0" smtClean="0"/>
-          </a:p>
-          <a:p>
-            <a:r>
-              <a:rPr lang="en-US" dirty="0" err="1" smtClean="0"/>
-              <a:t>Exercício</a:t>
-            </a:r>
-            <a:r>
-              <a:rPr lang="en-US" dirty="0" smtClean="0"/>
-              <a:t> do </a:t>
-            </a:r>
-            <a:r>
-              <a:rPr lang="en-US" dirty="0" err="1" smtClean="0"/>
-              <a:t>direito</a:t>
-            </a:r>
-            <a:r>
-              <a:rPr lang="en-US" dirty="0" smtClean="0"/>
-              <a:t> </a:t>
-            </a:r>
-            <a:r>
-              <a:rPr lang="en-US" dirty="0" err="1" smtClean="0"/>
-              <a:t>ao</a:t>
-            </a:r>
-            <a:r>
-              <a:rPr lang="en-US" dirty="0" smtClean="0"/>
-              <a:t> </a:t>
-            </a:r>
-            <a:r>
-              <a:rPr lang="en-US" dirty="0" err="1" smtClean="0"/>
-              <a:t>esquecimento</a:t>
-            </a:r>
-            <a:endParaRPr lang="en-US" dirty="0" smtClean="0"/>
+              <a:rPr lang="en-US" sz="3200" dirty="0" err="1" smtClean="0"/>
+              <a:t>Diagrama</a:t>
+            </a:r>
+            <a:r>
+              <a:rPr lang="en-US" sz="3200" dirty="0" smtClean="0"/>
+              <a:t> de </a:t>
+            </a:r>
+            <a:r>
+              <a:rPr lang="en-US" sz="3200" dirty="0" err="1" smtClean="0"/>
+              <a:t>Casos</a:t>
+            </a:r>
+            <a:r>
+              <a:rPr lang="en-US" sz="3200" dirty="0" smtClean="0"/>
+              <a:t> de </a:t>
+            </a:r>
+            <a:r>
+              <a:rPr lang="en-US" sz="3200" dirty="0" err="1" smtClean="0"/>
+              <a:t>Uso</a:t>
+            </a:r>
+            <a:endParaRPr lang="en-US" sz="3200" dirty="0"/>
           </a:p>
         </p:txBody>
       </p:sp>
       <p:pic>
         <p:nvPicPr>
-          <p:cNvPr id="4" name="Picture 3"/>
+          <p:cNvPr id="4" name="Content Placeholder 3"/>
           <p:cNvPicPr>
-            <a:picLocks noChangeAspect="1"/>
+            <a:picLocks noGrp="1" noChangeAspect="1"/>
           </p:cNvPicPr>
-          <p:nvPr/>
+          <p:nvPr>
+            <p:ph idx="1"/>
+          </p:nvPr>
         </p:nvPicPr>
-        <p:blipFill rotWithShape="1">
-          <a:blip r:embed="rId2"/>
-          <a:srcRect b="13435"/>
-          <a:stretch/>
+        <p:blipFill>
+          <a:blip r:embed="rId2">
+            <a:extLst>
+              <a:ext uri="{28A0092B-C50C-407E-A947-70E740481C1C}">
+                <a14:useLocalDpi xmlns:a14="http://schemas.microsoft.com/office/drawing/2010/main" val="0"/>
+              </a:ext>
+            </a:extLst>
+          </a:blip>
+          <a:stretch>
+            <a:fillRect/>
+          </a:stretch>
         </p:blipFill>
         <p:spPr>
           <a:xfrm>
-            <a:off x="1741868" y="1258864"/>
-            <a:ext cx="8708264" cy="3609350"/>
-          </a:xfrm>
-          <a:prstGeom prst="rect">
-            <a:avLst/>
-          </a:prstGeom>
+            <a:off x="1691426" y="1301426"/>
+            <a:ext cx="8809149" cy="5178794"/>
+          </a:xfrm>
         </p:spPr>
       </p:pic>
     </p:spTree>
     <p:extLst>
       <p:ext uri="{BB962C8B-B14F-4D97-AF65-F5344CB8AC3E}">
-        <p14:creationId xmlns:p14="http://schemas.microsoft.com/office/powerpoint/2010/main" val="30193870"/>
+        <p14:creationId xmlns:p14="http://schemas.microsoft.com/office/powerpoint/2010/main" val="993821409"/>
       </p:ext>
     </p:extLst>
   </p:cSld>
@@ -7965,8 +11105,8 @@
         </p:nvSpPr>
         <p:spPr>
           <a:xfrm>
-            <a:off x="874220" y="0"/>
-            <a:ext cx="9404723" cy="1400530"/>
+            <a:off x="1287622" y="134666"/>
+            <a:ext cx="9404723" cy="1031525"/>
           </a:xfrm>
         </p:spPr>
         <p:txBody>
@@ -7975,194 +11115,50 @@
           <a:p>
             <a:pPr algn="ctr"/>
             <a:r>
-              <a:rPr lang="en-US" dirty="0" err="1"/>
-              <a:t>Á</a:t>
-            </a:r>
-            <a:r>
-              <a:rPr lang="en-US" dirty="0" err="1" smtClean="0"/>
-              <a:t>rea</a:t>
-            </a:r>
-            <a:r>
-              <a:rPr lang="en-US" dirty="0" smtClean="0"/>
-              <a:t> </a:t>
-            </a:r>
-            <a:r>
-              <a:rPr lang="en-US" dirty="0" err="1" smtClean="0"/>
-              <a:t>clientes</a:t>
-            </a:r>
-            <a:r>
-              <a:rPr lang="en-US" dirty="0" smtClean="0"/>
-              <a:t> (</a:t>
-            </a:r>
-            <a:r>
-              <a:rPr lang="en-US" dirty="0" err="1" smtClean="0"/>
-              <a:t>configurador</a:t>
-            </a:r>
-            <a:r>
-              <a:rPr lang="en-US" dirty="0" smtClean="0"/>
-              <a:t>)</a:t>
-            </a:r>
-            <a:endParaRPr lang="en-US" dirty="0"/>
-          </a:p>
-        </p:txBody>
-      </p:sp>
-      <p:sp>
-        <p:nvSpPr>
-          <p:cNvPr id="3" name="Content Placeholder 2"/>
-          <p:cNvSpPr>
-            <a:spLocks noGrp="1"/>
-          </p:cNvSpPr>
-          <p:nvPr>
-            <p:ph idx="1"/>
-          </p:nvPr>
-        </p:nvSpPr>
-        <p:spPr>
-          <a:xfrm>
-            <a:off x="1741868" y="5010846"/>
-            <a:ext cx="7633951" cy="1096849"/>
-          </a:xfrm>
-        </p:spPr>
-        <p:txBody>
-          <a:bodyPr>
-            <a:normAutofit lnSpcReduction="10000"/>
-          </a:bodyPr>
-          <a:lstStyle/>
-          <a:p>
-            <a:r>
-              <a:rPr lang="en-US" dirty="0" err="1" smtClean="0"/>
-              <a:t>Consulta</a:t>
-            </a:r>
-            <a:r>
-              <a:rPr lang="en-US" dirty="0" smtClean="0"/>
-              <a:t> de dados de </a:t>
-            </a:r>
-            <a:r>
-              <a:rPr lang="en-US" dirty="0" err="1" smtClean="0"/>
-              <a:t>todos</a:t>
-            </a:r>
-            <a:r>
-              <a:rPr lang="en-US" dirty="0" smtClean="0"/>
-              <a:t> </a:t>
-            </a:r>
-            <a:r>
-              <a:rPr lang="en-US" dirty="0" err="1" smtClean="0"/>
-              <a:t>os</a:t>
-            </a:r>
-            <a:r>
-              <a:rPr lang="en-US" dirty="0" smtClean="0"/>
-              <a:t> </a:t>
-            </a:r>
-            <a:r>
-              <a:rPr lang="en-US" dirty="0" err="1" smtClean="0"/>
-              <a:t>clientes</a:t>
-            </a:r>
-            <a:endParaRPr lang="en-US" dirty="0" smtClean="0"/>
-          </a:p>
-          <a:p>
-            <a:r>
-              <a:rPr lang="en-US" dirty="0" smtClean="0"/>
-              <a:t>Mais </a:t>
-            </a:r>
-            <a:r>
-              <a:rPr lang="en-US" dirty="0" err="1" smtClean="0"/>
-              <a:t>permissões</a:t>
-            </a:r>
-            <a:r>
-              <a:rPr lang="en-US" dirty="0" smtClean="0"/>
-              <a:t> </a:t>
-            </a:r>
-            <a:r>
-              <a:rPr lang="en-US" dirty="0" err="1" smtClean="0"/>
-              <a:t>podem</a:t>
-            </a:r>
-            <a:r>
-              <a:rPr lang="en-US" dirty="0" smtClean="0"/>
-              <a:t> </a:t>
-            </a:r>
-            <a:r>
-              <a:rPr lang="en-US" dirty="0" err="1" smtClean="0"/>
-              <a:t>ser</a:t>
-            </a:r>
-            <a:r>
-              <a:rPr lang="en-US" dirty="0" smtClean="0"/>
-              <a:t> </a:t>
-            </a:r>
-            <a:r>
-              <a:rPr lang="en-US" dirty="0" err="1" smtClean="0"/>
-              <a:t>garantidas</a:t>
-            </a:r>
-            <a:r>
-              <a:rPr lang="en-US" dirty="0" smtClean="0"/>
-              <a:t> </a:t>
-            </a:r>
-            <a:r>
-              <a:rPr lang="en-US" dirty="0" err="1" smtClean="0"/>
-              <a:t>ao</a:t>
-            </a:r>
-            <a:r>
-              <a:rPr lang="en-US" dirty="0" smtClean="0"/>
-              <a:t> </a:t>
-            </a:r>
-            <a:r>
-              <a:rPr lang="en-US" dirty="0" err="1" smtClean="0"/>
-              <a:t>configurador</a:t>
-            </a:r>
-            <a:r>
-              <a:rPr lang="en-US" dirty="0" smtClean="0"/>
-              <a:t> </a:t>
-            </a:r>
-            <a:r>
-              <a:rPr lang="en-US" dirty="0" err="1" smtClean="0"/>
-              <a:t>através</a:t>
-            </a:r>
-            <a:r>
-              <a:rPr lang="en-US" dirty="0" smtClean="0"/>
-              <a:t> de </a:t>
-            </a:r>
-            <a:r>
-              <a:rPr lang="en-US" dirty="0" err="1" smtClean="0"/>
-              <a:t>ficheiro</a:t>
-            </a:r>
-            <a:r>
-              <a:rPr lang="en-US" dirty="0" smtClean="0"/>
-              <a:t> de </a:t>
-            </a:r>
-            <a:r>
-              <a:rPr lang="en-US" dirty="0" err="1" smtClean="0"/>
-              <a:t>configuração</a:t>
-            </a:r>
-            <a:endParaRPr lang="en-US" dirty="0" smtClean="0"/>
+              <a:rPr lang="en-US" sz="3200" dirty="0" smtClean="0"/>
+              <a:t>Vista </a:t>
+            </a:r>
+            <a:r>
+              <a:rPr lang="en-US" sz="3200" dirty="0" err="1" smtClean="0"/>
+              <a:t>lógica</a:t>
+            </a:r>
+            <a:endParaRPr lang="en-US" sz="3200" dirty="0"/>
           </a:p>
         </p:txBody>
       </p:sp>
       <p:pic>
         <p:nvPicPr>
-          <p:cNvPr id="5" name="Picture 4"/>
+          <p:cNvPr id="5" name="Content Placeholder 4"/>
           <p:cNvPicPr>
-            <a:picLocks noChangeAspect="1"/>
+            <a:picLocks noGrp="1" noChangeAspect="1"/>
           </p:cNvPicPr>
-          <p:nvPr/>
+          <p:nvPr>
+            <p:ph idx="1"/>
+          </p:nvPr>
         </p:nvPicPr>
         <p:blipFill>
-          <a:blip r:embed="rId2"/>
+          <a:blip r:embed="rId2">
+            <a:extLst>
+              <a:ext uri="{28A0092B-C50C-407E-A947-70E740481C1C}">
+                <a14:useLocalDpi xmlns:a14="http://schemas.microsoft.com/office/drawing/2010/main" val="0"/>
+              </a:ext>
+            </a:extLst>
+          </a:blip>
           <a:stretch>
             <a:fillRect/>
           </a:stretch>
         </p:blipFill>
         <p:spPr>
           <a:xfrm>
-            <a:off x="1228761" y="1400530"/>
-            <a:ext cx="9734479" cy="3471487"/>
-          </a:xfrm>
-          <a:prstGeom prst="rect">
-            <a:avLst/>
-          </a:prstGeom>
+            <a:off x="2103941" y="1166191"/>
+            <a:ext cx="7984118" cy="5556581"/>
+          </a:xfrm>
         </p:spPr>
       </p:pic>
     </p:spTree>
     <p:extLst>
       <p:ext uri="{BB962C8B-B14F-4D97-AF65-F5344CB8AC3E}">
-        <p14:creationId xmlns:p14="http://schemas.microsoft.com/office/powerpoint/2010/main" val="2746321375"/>
+        <p14:creationId xmlns:p14="http://schemas.microsoft.com/office/powerpoint/2010/main" val="2577282291"/>
       </p:ext>
     </p:extLst>
   </p:cSld>

--- a/Apresentacao_3NA1.pptx
+++ b/Apresentacao_3NA1.pptx
@@ -19,12 +19,13 @@
     <p:sldId id="271" r:id="rId13"/>
     <p:sldId id="272" r:id="rId14"/>
     <p:sldId id="273" r:id="rId15"/>
-    <p:sldId id="259" r:id="rId16"/>
-    <p:sldId id="275" r:id="rId17"/>
-    <p:sldId id="285" r:id="rId18"/>
-    <p:sldId id="274" r:id="rId19"/>
-    <p:sldId id="276" r:id="rId20"/>
-    <p:sldId id="277" r:id="rId21"/>
+    <p:sldId id="286" r:id="rId16"/>
+    <p:sldId id="259" r:id="rId17"/>
+    <p:sldId id="275" r:id="rId18"/>
+    <p:sldId id="285" r:id="rId19"/>
+    <p:sldId id="274" r:id="rId20"/>
+    <p:sldId id="276" r:id="rId21"/>
+    <p:sldId id="277" r:id="rId22"/>
   </p:sldIdLst>
   <p:sldSz cx="12192000" cy="6858000"/>
   <p:notesSz cx="6858000" cy="9144000"/>
@@ -317,7 +318,7 @@
           <a:p>
             <a:fld id="{93C1D2B3-B8E5-4A56-B537-93DD19940350}" type="datetimeFigureOut">
               <a:rPr lang="en-US" smtClean="0"/>
-              <a:t>1/6/2020</a:t>
+              <a:t>1/7/2020</a:t>
             </a:fld>
             <a:endParaRPr lang="en-US"/>
           </a:p>
@@ -592,7 +593,7 @@
           <a:p>
             <a:fld id="{93C1D2B3-B8E5-4A56-B537-93DD19940350}" type="datetimeFigureOut">
               <a:rPr lang="en-US" smtClean="0"/>
-              <a:t>1/6/2020</a:t>
+              <a:t>1/7/2020</a:t>
             </a:fld>
             <a:endParaRPr lang="en-US"/>
           </a:p>
@@ -786,7 +787,7 @@
           <a:p>
             <a:fld id="{93C1D2B3-B8E5-4A56-B537-93DD19940350}" type="datetimeFigureOut">
               <a:rPr lang="en-US" smtClean="0"/>
-              <a:t>1/6/2020</a:t>
+              <a:t>1/7/2020</a:t>
             </a:fld>
             <a:endParaRPr lang="en-US"/>
           </a:p>
@@ -1059,7 +1060,7 @@
           <a:p>
             <a:fld id="{93C1D2B3-B8E5-4A56-B537-93DD19940350}" type="datetimeFigureOut">
               <a:rPr lang="en-US" smtClean="0"/>
-              <a:t>1/6/2020</a:t>
+              <a:t>1/7/2020</a:t>
             </a:fld>
             <a:endParaRPr lang="en-US"/>
           </a:p>
@@ -1400,7 +1401,7 @@
           <a:p>
             <a:fld id="{93C1D2B3-B8E5-4A56-B537-93DD19940350}" type="datetimeFigureOut">
               <a:rPr lang="en-US" smtClean="0"/>
-              <a:t>1/6/2020</a:t>
+              <a:t>1/7/2020</a:t>
             </a:fld>
             <a:endParaRPr lang="en-US"/>
           </a:p>
@@ -2023,7 +2024,7 @@
           <a:p>
             <a:fld id="{93C1D2B3-B8E5-4A56-B537-93DD19940350}" type="datetimeFigureOut">
               <a:rPr lang="en-US" smtClean="0"/>
-              <a:t>1/6/2020</a:t>
+              <a:t>1/7/2020</a:t>
             </a:fld>
             <a:endParaRPr lang="en-US"/>
           </a:p>
@@ -2883,7 +2884,7 @@
           <a:p>
             <a:fld id="{93C1D2B3-B8E5-4A56-B537-93DD19940350}" type="datetimeFigureOut">
               <a:rPr lang="en-US" smtClean="0"/>
-              <a:t>1/6/2020</a:t>
+              <a:t>1/7/2020</a:t>
             </a:fld>
             <a:endParaRPr lang="en-US"/>
           </a:p>
@@ -3053,7 +3054,7 @@
           <a:p>
             <a:fld id="{93C1D2B3-B8E5-4A56-B537-93DD19940350}" type="datetimeFigureOut">
               <a:rPr lang="en-US" smtClean="0"/>
-              <a:t>1/6/2020</a:t>
+              <a:t>1/7/2020</a:t>
             </a:fld>
             <a:endParaRPr lang="en-US"/>
           </a:p>
@@ -3233,7 +3234,7 @@
           <a:p>
             <a:fld id="{93C1D2B3-B8E5-4A56-B537-93DD19940350}" type="datetimeFigureOut">
               <a:rPr lang="en-US" smtClean="0"/>
-              <a:t>1/6/2020</a:t>
+              <a:t>1/7/2020</a:t>
             </a:fld>
             <a:endParaRPr lang="en-US"/>
           </a:p>
@@ -3403,7 +3404,7 @@
           <a:p>
             <a:fld id="{93C1D2B3-B8E5-4A56-B537-93DD19940350}" type="datetimeFigureOut">
               <a:rPr lang="en-US" smtClean="0"/>
-              <a:t>1/6/2020</a:t>
+              <a:t>1/7/2020</a:t>
             </a:fld>
             <a:endParaRPr lang="en-US"/>
           </a:p>
@@ -3650,7 +3651,7 @@
           <a:p>
             <a:fld id="{93C1D2B3-B8E5-4A56-B537-93DD19940350}" type="datetimeFigureOut">
               <a:rPr lang="en-US" smtClean="0"/>
-              <a:t>1/6/2020</a:t>
+              <a:t>1/7/2020</a:t>
             </a:fld>
             <a:endParaRPr lang="en-US"/>
           </a:p>
@@ -3942,7 +3943,7 @@
           <a:p>
             <a:fld id="{93C1D2B3-B8E5-4A56-B537-93DD19940350}" type="datetimeFigureOut">
               <a:rPr lang="en-US" smtClean="0"/>
-              <a:t>1/6/2020</a:t>
+              <a:t>1/7/2020</a:t>
             </a:fld>
             <a:endParaRPr lang="en-US"/>
           </a:p>
@@ -4386,7 +4387,7 @@
           <a:p>
             <a:fld id="{93C1D2B3-B8E5-4A56-B537-93DD19940350}" type="datetimeFigureOut">
               <a:rPr lang="en-US" smtClean="0"/>
-              <a:t>1/6/2020</a:t>
+              <a:t>1/7/2020</a:t>
             </a:fld>
             <a:endParaRPr lang="en-US"/>
           </a:p>
@@ -4504,7 +4505,7 @@
           <a:p>
             <a:fld id="{93C1D2B3-B8E5-4A56-B537-93DD19940350}" type="datetimeFigureOut">
               <a:rPr lang="en-US" smtClean="0"/>
-              <a:t>1/6/2020</a:t>
+              <a:t>1/7/2020</a:t>
             </a:fld>
             <a:endParaRPr lang="en-US"/>
           </a:p>
@@ -4599,7 +4600,7 @@
           <a:p>
             <a:fld id="{93C1D2B3-B8E5-4A56-B537-93DD19940350}" type="datetimeFigureOut">
               <a:rPr lang="en-US" smtClean="0"/>
-              <a:t>1/6/2020</a:t>
+              <a:t>1/7/2020</a:t>
             </a:fld>
             <a:endParaRPr lang="en-US"/>
           </a:p>
@@ -4878,7 +4879,7 @@
           <a:p>
             <a:fld id="{93C1D2B3-B8E5-4A56-B537-93DD19940350}" type="datetimeFigureOut">
               <a:rPr lang="en-US" smtClean="0"/>
-              <a:t>1/6/2020</a:t>
+              <a:t>1/7/2020</a:t>
             </a:fld>
             <a:endParaRPr lang="en-US"/>
           </a:p>
@@ -5153,7 +5154,7 @@
           <a:p>
             <a:fld id="{93C1D2B3-B8E5-4A56-B537-93DD19940350}" type="datetimeFigureOut">
               <a:rPr lang="en-US" smtClean="0"/>
-              <a:t>1/6/2020</a:t>
+              <a:t>1/7/2020</a:t>
             </a:fld>
             <a:endParaRPr lang="en-US"/>
           </a:p>
@@ -5582,7 +5583,7 @@
           <a:p>
             <a:fld id="{93C1D2B3-B8E5-4A56-B537-93DD19940350}" type="datetimeFigureOut">
               <a:rPr lang="en-US" smtClean="0"/>
-              <a:t>1/6/2020</a:t>
+              <a:t>1/7/2020</a:t>
             </a:fld>
             <a:endParaRPr lang="en-US"/>
           </a:p>
@@ -6922,16 +6923,16 @@
           </a:p>
           <a:p>
             <a:r>
+              <a:rPr lang="en-US" dirty="0" err="1" smtClean="0"/>
+              <a:t>Consulta</a:t>
+            </a:r>
+            <a:r>
               <a:rPr lang="en-US" dirty="0" smtClean="0"/>
               <a:t> </a:t>
             </a:r>
             <a:r>
-              <a:rPr lang="en-US" dirty="0" err="1" smtClean="0"/>
-              <a:t>Consulta</a:t>
-            </a:r>
-            <a:r>
-              <a:rPr lang="en-US" dirty="0" smtClean="0"/>
-              <a:t> de </a:t>
+              <a:rPr lang="en-US" dirty="0" smtClean="0"/>
+              <a:t>de </a:t>
             </a:r>
             <a:r>
               <a:rPr lang="en-US" dirty="0" err="1" smtClean="0"/>
@@ -7073,47 +7074,6 @@
       </p:grpSpPr>
       <p:sp>
         <p:nvSpPr>
-          <p:cNvPr id="2" name="Title 1"/>
-          <p:cNvSpPr>
-            <a:spLocks noGrp="1"/>
-          </p:cNvSpPr>
-          <p:nvPr>
-            <p:ph type="title"/>
-          </p:nvPr>
-        </p:nvSpPr>
-        <p:spPr>
-          <a:xfrm>
-            <a:off x="874220" y="0"/>
-            <a:ext cx="9404723" cy="1400530"/>
-          </a:xfrm>
-        </p:spPr>
-        <p:txBody>
-          <a:bodyPr anchor="ctr"/>
-          <a:lstStyle/>
-          <a:p>
-            <a:pPr algn="ctr"/>
-            <a:r>
-              <a:rPr lang="en-US" dirty="0" err="1"/>
-              <a:t>Á</a:t>
-            </a:r>
-            <a:r>
-              <a:rPr lang="en-US" dirty="0" err="1" smtClean="0"/>
-              <a:t>rea</a:t>
-            </a:r>
-            <a:r>
-              <a:rPr lang="en-US" dirty="0" smtClean="0"/>
-              <a:t> </a:t>
-            </a:r>
-            <a:r>
-              <a:rPr lang="en-US" dirty="0" err="1" smtClean="0"/>
-              <a:t>cliente</a:t>
-            </a:r>
-            <a:endParaRPr lang="en-US" dirty="0"/>
-          </a:p>
-        </p:txBody>
-      </p:sp>
-      <p:sp>
-        <p:nvSpPr>
           <p:cNvPr id="3" name="Content Placeholder 2"/>
           <p:cNvSpPr>
             <a:spLocks noGrp="1"/>
@@ -7124,8 +7084,8 @@
         </p:nvSpPr>
         <p:spPr>
           <a:xfrm>
-            <a:off x="1741868" y="5010846"/>
-            <a:ext cx="8946541" cy="1096849"/>
+            <a:off x="4711229" y="1226699"/>
+            <a:ext cx="4007768" cy="833922"/>
           </a:xfrm>
         </p:spPr>
         <p:txBody>
@@ -7136,520 +7096,75 @@
           <a:p>
             <a:r>
               <a:rPr lang="en-US" dirty="0" err="1" smtClean="0"/>
-              <a:t>Consulta</a:t>
-            </a:r>
-            <a:r>
-              <a:rPr lang="en-US" dirty="0" smtClean="0"/>
-              <a:t> e </a:t>
-            </a:r>
-            <a:r>
-              <a:rPr lang="en-US" dirty="0" err="1" smtClean="0"/>
-              <a:t>edição</a:t>
-            </a:r>
-            <a:r>
-              <a:rPr lang="en-US" dirty="0" smtClean="0"/>
-              <a:t> de dados do </a:t>
-            </a:r>
-            <a:r>
-              <a:rPr lang="en-US" dirty="0" err="1" smtClean="0"/>
-              <a:t>cliente</a:t>
+              <a:t>Recolha</a:t>
+            </a:r>
+            <a:r>
+              <a:rPr lang="en-US" dirty="0" smtClean="0"/>
+              <a:t> de </a:t>
+            </a:r>
+            <a:r>
+              <a:rPr lang="en-US" dirty="0" err="1" smtClean="0"/>
+              <a:t>c</a:t>
+            </a:r>
+            <a:r>
+              <a:rPr lang="en-US" dirty="0" err="1" smtClean="0"/>
+              <a:t>onsentimento</a:t>
             </a:r>
             <a:r>
               <a:rPr lang="en-US" dirty="0" smtClean="0"/>
               <a:t> </a:t>
             </a:r>
             <a:r>
-              <a:rPr lang="en-US" dirty="0" err="1" smtClean="0"/>
-              <a:t>logado</a:t>
+              <a:rPr lang="en-US" dirty="0"/>
+              <a:t>do </a:t>
+            </a:r>
+            <a:r>
+              <a:rPr lang="en-US" dirty="0" err="1"/>
+              <a:t>utilizador</a:t>
             </a:r>
             <a:endParaRPr lang="en-US" dirty="0" smtClean="0"/>
           </a:p>
-          <a:p>
-            <a:r>
-              <a:rPr lang="en-US" dirty="0" err="1" smtClean="0"/>
-              <a:t>Exercício</a:t>
-            </a:r>
-            <a:r>
-              <a:rPr lang="en-US" dirty="0" smtClean="0"/>
-              <a:t> do </a:t>
-            </a:r>
-            <a:r>
-              <a:rPr lang="en-US" dirty="0" err="1" smtClean="0"/>
-              <a:t>direito</a:t>
-            </a:r>
-            <a:r>
-              <a:rPr lang="en-US" dirty="0" smtClean="0"/>
-              <a:t> </a:t>
-            </a:r>
-            <a:r>
-              <a:rPr lang="en-US" dirty="0" err="1" smtClean="0"/>
-              <a:t>ao</a:t>
-            </a:r>
-            <a:r>
-              <a:rPr lang="en-US" dirty="0" smtClean="0"/>
-              <a:t> </a:t>
-            </a:r>
-            <a:r>
-              <a:rPr lang="en-US" dirty="0" err="1" smtClean="0"/>
-              <a:t>esquecimento</a:t>
-            </a:r>
-            <a:endParaRPr lang="en-US" dirty="0" smtClean="0"/>
+        </p:txBody>
+      </p:sp>
+      <p:sp>
+        <p:nvSpPr>
+          <p:cNvPr id="5" name="Title 1"/>
+          <p:cNvSpPr>
+            <a:spLocks noGrp="1"/>
+          </p:cNvSpPr>
+          <p:nvPr>
+            <p:ph type="title"/>
+          </p:nvPr>
+        </p:nvSpPr>
+        <p:spPr>
+          <a:xfrm>
+            <a:off x="643915" y="0"/>
+            <a:ext cx="9405938" cy="1400175"/>
+          </a:xfrm>
+        </p:spPr>
+        <p:txBody>
+          <a:bodyPr anchor="ctr"/>
+          <a:lstStyle/>
+          <a:p>
+            <a:pPr algn="ctr"/>
+            <a:r>
+              <a:rPr lang="en-US" dirty="0" smtClean="0"/>
+              <a:t>RGPD</a:t>
+            </a:r>
+            <a:endParaRPr lang="en-US" dirty="0"/>
           </a:p>
         </p:txBody>
       </p:sp>
       <p:pic>
         <p:nvPicPr>
-          <p:cNvPr id="4" name="Picture 3"/>
-          <p:cNvPicPr>
-            <a:picLocks noChangeAspect="1"/>
-          </p:cNvPicPr>
-          <p:nvPr/>
-        </p:nvPicPr>
-        <p:blipFill rotWithShape="1">
-          <a:blip r:embed="rId2"/>
-          <a:srcRect b="13435"/>
-          <a:stretch/>
-        </p:blipFill>
-        <p:spPr>
-          <a:xfrm>
-            <a:off x="1741868" y="1258864"/>
-            <a:ext cx="8708264" cy="3609350"/>
-          </a:xfrm>
-          <a:prstGeom prst="rect">
-            <a:avLst/>
-          </a:prstGeom>
-        </p:spPr>
-      </p:pic>
-    </p:spTree>
-    <p:extLst>
-      <p:ext uri="{BB962C8B-B14F-4D97-AF65-F5344CB8AC3E}">
-        <p14:creationId xmlns:p14="http://schemas.microsoft.com/office/powerpoint/2010/main" val="30193870"/>
-      </p:ext>
-    </p:extLst>
-  </p:cSld>
-  <p:clrMapOvr>
-    <a:masterClrMapping/>
-  </p:clrMapOvr>
-  <p:timing>
-    <p:tnLst>
-      <p:par>
-        <p:cTn id="1" dur="indefinite" restart="never" nodeType="tmRoot"/>
-      </p:par>
-    </p:tnLst>
-  </p:timing>
-</p:sld>
-</file>
-
-<file path=ppt/slides/slide16.xml><?xml version="1.0" encoding="utf-8"?>
-<p:sld xmlns:a="http://schemas.openxmlformats.org/drawingml/2006/main" xmlns:r="http://schemas.openxmlformats.org/officeDocument/2006/relationships" xmlns:p="http://schemas.openxmlformats.org/presentationml/2006/main">
-  <p:cSld>
-    <p:spTree>
-      <p:nvGrpSpPr>
-        <p:cNvPr id="1" name=""/>
-        <p:cNvGrpSpPr/>
-        <p:nvPr/>
-      </p:nvGrpSpPr>
-      <p:grpSpPr>
-        <a:xfrm>
-          <a:off x="0" y="0"/>
-          <a:ext cx="0" cy="0"/>
-          <a:chOff x="0" y="0"/>
-          <a:chExt cx="0" cy="0"/>
-        </a:xfrm>
-      </p:grpSpPr>
-      <p:sp>
-        <p:nvSpPr>
-          <p:cNvPr id="2" name="Title 1"/>
-          <p:cNvSpPr>
-            <a:spLocks noGrp="1"/>
-          </p:cNvSpPr>
-          <p:nvPr>
-            <p:ph type="title"/>
-          </p:nvPr>
-        </p:nvSpPr>
-        <p:spPr>
-          <a:xfrm>
-            <a:off x="874220" y="0"/>
-            <a:ext cx="9404723" cy="1400530"/>
-          </a:xfrm>
-        </p:spPr>
-        <p:txBody>
-          <a:bodyPr anchor="ctr"/>
-          <a:lstStyle/>
-          <a:p>
-            <a:pPr algn="ctr"/>
-            <a:r>
-              <a:rPr lang="en-US" dirty="0" err="1"/>
-              <a:t>Á</a:t>
-            </a:r>
-            <a:r>
-              <a:rPr lang="en-US" dirty="0" err="1" smtClean="0"/>
-              <a:t>rea</a:t>
-            </a:r>
-            <a:r>
-              <a:rPr lang="en-US" dirty="0" smtClean="0"/>
-              <a:t> </a:t>
-            </a:r>
-            <a:r>
-              <a:rPr lang="en-US" dirty="0" err="1" smtClean="0"/>
-              <a:t>clientes</a:t>
-            </a:r>
-            <a:r>
-              <a:rPr lang="en-US" dirty="0" smtClean="0"/>
-              <a:t> (</a:t>
-            </a:r>
-            <a:r>
-              <a:rPr lang="en-US" dirty="0" err="1" smtClean="0"/>
-              <a:t>configurador</a:t>
-            </a:r>
-            <a:r>
-              <a:rPr lang="en-US" dirty="0" smtClean="0"/>
-              <a:t>)</a:t>
-            </a:r>
-            <a:endParaRPr lang="en-US" dirty="0"/>
-          </a:p>
-        </p:txBody>
-      </p:sp>
-      <p:sp>
-        <p:nvSpPr>
-          <p:cNvPr id="3" name="Content Placeholder 2"/>
-          <p:cNvSpPr>
-            <a:spLocks noGrp="1"/>
-          </p:cNvSpPr>
-          <p:nvPr>
-            <p:ph idx="1"/>
-          </p:nvPr>
-        </p:nvSpPr>
-        <p:spPr>
-          <a:xfrm>
-            <a:off x="1741868" y="5010846"/>
-            <a:ext cx="7633951" cy="1096849"/>
-          </a:xfrm>
-        </p:spPr>
-        <p:txBody>
-          <a:bodyPr>
-            <a:normAutofit lnSpcReduction="10000"/>
-          </a:bodyPr>
-          <a:lstStyle/>
-          <a:p>
-            <a:r>
-              <a:rPr lang="en-US" dirty="0" err="1" smtClean="0"/>
-              <a:t>Consulta</a:t>
-            </a:r>
-            <a:r>
-              <a:rPr lang="en-US" dirty="0" smtClean="0"/>
-              <a:t> de dados de </a:t>
-            </a:r>
-            <a:r>
-              <a:rPr lang="en-US" dirty="0" err="1" smtClean="0"/>
-              <a:t>todos</a:t>
-            </a:r>
-            <a:r>
-              <a:rPr lang="en-US" dirty="0" smtClean="0"/>
-              <a:t> </a:t>
-            </a:r>
-            <a:r>
-              <a:rPr lang="en-US" dirty="0" err="1" smtClean="0"/>
-              <a:t>os</a:t>
-            </a:r>
-            <a:r>
-              <a:rPr lang="en-US" dirty="0" smtClean="0"/>
-              <a:t> </a:t>
-            </a:r>
-            <a:r>
-              <a:rPr lang="en-US" dirty="0" err="1" smtClean="0"/>
-              <a:t>clientes</a:t>
-            </a:r>
-            <a:endParaRPr lang="en-US" dirty="0" smtClean="0"/>
-          </a:p>
-          <a:p>
-            <a:r>
-              <a:rPr lang="en-US" dirty="0" smtClean="0"/>
-              <a:t>Mais </a:t>
-            </a:r>
-            <a:r>
-              <a:rPr lang="en-US" dirty="0" err="1" smtClean="0"/>
-              <a:t>permissões</a:t>
-            </a:r>
-            <a:r>
-              <a:rPr lang="en-US" dirty="0" smtClean="0"/>
-              <a:t> </a:t>
-            </a:r>
-            <a:r>
-              <a:rPr lang="en-US" dirty="0" err="1" smtClean="0"/>
-              <a:t>podem</a:t>
-            </a:r>
-            <a:r>
-              <a:rPr lang="en-US" dirty="0" smtClean="0"/>
-              <a:t> </a:t>
-            </a:r>
-            <a:r>
-              <a:rPr lang="en-US" dirty="0" err="1" smtClean="0"/>
-              <a:t>ser</a:t>
-            </a:r>
-            <a:r>
-              <a:rPr lang="en-US" dirty="0" smtClean="0"/>
-              <a:t> </a:t>
-            </a:r>
-            <a:r>
-              <a:rPr lang="en-US" dirty="0" err="1" smtClean="0"/>
-              <a:t>garantidas</a:t>
-            </a:r>
-            <a:r>
-              <a:rPr lang="en-US" dirty="0" smtClean="0"/>
-              <a:t> </a:t>
-            </a:r>
-            <a:r>
-              <a:rPr lang="en-US" dirty="0" err="1" smtClean="0"/>
-              <a:t>ao</a:t>
-            </a:r>
-            <a:r>
-              <a:rPr lang="en-US" dirty="0" smtClean="0"/>
-              <a:t> </a:t>
-            </a:r>
-            <a:r>
-              <a:rPr lang="en-US" dirty="0" err="1" smtClean="0"/>
-              <a:t>configurador</a:t>
-            </a:r>
-            <a:r>
-              <a:rPr lang="en-US" dirty="0" smtClean="0"/>
-              <a:t> </a:t>
-            </a:r>
-            <a:r>
-              <a:rPr lang="en-US" dirty="0" err="1" smtClean="0"/>
-              <a:t>através</a:t>
-            </a:r>
-            <a:r>
-              <a:rPr lang="en-US" dirty="0" smtClean="0"/>
-              <a:t> de </a:t>
-            </a:r>
-            <a:r>
-              <a:rPr lang="en-US" dirty="0" err="1" smtClean="0"/>
-              <a:t>ficheiro</a:t>
-            </a:r>
-            <a:r>
-              <a:rPr lang="en-US" dirty="0" smtClean="0"/>
-              <a:t> de </a:t>
-            </a:r>
-            <a:r>
-              <a:rPr lang="en-US" dirty="0" err="1" smtClean="0"/>
-              <a:t>configuração</a:t>
-            </a:r>
-            <a:endParaRPr lang="en-US" dirty="0" smtClean="0"/>
-          </a:p>
-        </p:txBody>
-      </p:sp>
-      <p:pic>
-        <p:nvPicPr>
-          <p:cNvPr id="5" name="Picture 4"/>
+          <p:cNvPr id="2" name="Picture 1"/>
           <p:cNvPicPr>
             <a:picLocks noChangeAspect="1"/>
           </p:cNvPicPr>
           <p:nvPr/>
         </p:nvPicPr>
         <p:blipFill>
-          <a:blip r:embed="rId2"/>
-          <a:stretch>
-            <a:fillRect/>
-          </a:stretch>
-        </p:blipFill>
-        <p:spPr>
-          <a:xfrm>
-            <a:off x="1228761" y="1400530"/>
-            <a:ext cx="9734479" cy="3471487"/>
-          </a:xfrm>
-          <a:prstGeom prst="rect">
-            <a:avLst/>
-          </a:prstGeom>
-        </p:spPr>
-      </p:pic>
-    </p:spTree>
-    <p:extLst>
-      <p:ext uri="{BB962C8B-B14F-4D97-AF65-F5344CB8AC3E}">
-        <p14:creationId xmlns:p14="http://schemas.microsoft.com/office/powerpoint/2010/main" val="2746321375"/>
-      </p:ext>
-    </p:extLst>
-  </p:cSld>
-  <p:clrMapOvr>
-    <a:masterClrMapping/>
-  </p:clrMapOvr>
-  <p:timing>
-    <p:tnLst>
-      <p:par>
-        <p:cTn id="1" dur="indefinite" restart="never" nodeType="tmRoot"/>
-      </p:par>
-    </p:tnLst>
-  </p:timing>
-</p:sld>
-</file>
-
-<file path=ppt/slides/slide17.xml><?xml version="1.0" encoding="utf-8"?>
-<p:sld xmlns:a="http://schemas.openxmlformats.org/drawingml/2006/main" xmlns:r="http://schemas.openxmlformats.org/officeDocument/2006/relationships" xmlns:p="http://schemas.openxmlformats.org/presentationml/2006/main">
-  <p:cSld>
-    <p:spTree>
-      <p:nvGrpSpPr>
-        <p:cNvPr id="1" name=""/>
-        <p:cNvGrpSpPr/>
-        <p:nvPr/>
-      </p:nvGrpSpPr>
-      <p:grpSpPr>
-        <a:xfrm>
-          <a:off x="0" y="0"/>
-          <a:ext cx="0" cy="0"/>
-          <a:chOff x="0" y="0"/>
-          <a:chExt cx="0" cy="0"/>
-        </a:xfrm>
-      </p:grpSpPr>
-      <p:sp>
-        <p:nvSpPr>
-          <p:cNvPr id="2" name="Title 1"/>
-          <p:cNvSpPr>
-            <a:spLocks noGrp="1"/>
-          </p:cNvSpPr>
-          <p:nvPr>
-            <p:ph type="title"/>
-          </p:nvPr>
-        </p:nvSpPr>
-        <p:spPr>
-          <a:xfrm>
-            <a:off x="874220" y="0"/>
-            <a:ext cx="9404723" cy="1400530"/>
-          </a:xfrm>
-        </p:spPr>
-        <p:txBody>
-          <a:bodyPr anchor="ctr"/>
-          <a:lstStyle/>
-          <a:p>
-            <a:pPr algn="ctr"/>
-            <a:r>
-              <a:rPr lang="en-US" dirty="0" err="1" smtClean="0"/>
-              <a:t>Configuração</a:t>
-            </a:r>
-            <a:endParaRPr lang="en-US" dirty="0"/>
-          </a:p>
-        </p:txBody>
-      </p:sp>
-      <p:sp>
-        <p:nvSpPr>
-          <p:cNvPr id="3" name="Content Placeholder 2"/>
-          <p:cNvSpPr>
-            <a:spLocks noGrp="1"/>
-          </p:cNvSpPr>
-          <p:nvPr>
-            <p:ph idx="1"/>
-          </p:nvPr>
-        </p:nvSpPr>
-        <p:spPr>
-          <a:xfrm>
-            <a:off x="5087154" y="2160384"/>
-            <a:ext cx="6323527" cy="2192676"/>
-          </a:xfrm>
-        </p:spPr>
-        <p:txBody>
-          <a:bodyPr>
-            <a:normAutofit/>
-          </a:bodyPr>
-          <a:lstStyle/>
-          <a:p>
-            <a:r>
-              <a:rPr lang="en-US" dirty="0" err="1" smtClean="0"/>
-              <a:t>Ficheiro</a:t>
-            </a:r>
-            <a:r>
-              <a:rPr lang="en-US" dirty="0" smtClean="0"/>
-              <a:t> de </a:t>
-            </a:r>
-            <a:r>
-              <a:rPr lang="en-US" dirty="0" err="1" smtClean="0"/>
-              <a:t>configuração</a:t>
-            </a:r>
-            <a:r>
-              <a:rPr lang="en-US" dirty="0" smtClean="0"/>
-              <a:t> </a:t>
-            </a:r>
-            <a:endParaRPr lang="en-US" dirty="0" smtClean="0"/>
-          </a:p>
-          <a:p>
-            <a:r>
-              <a:rPr lang="en-US" dirty="0" err="1" smtClean="0"/>
-              <a:t>Edição</a:t>
-            </a:r>
-            <a:r>
-              <a:rPr lang="en-US" dirty="0" smtClean="0"/>
-              <a:t> de </a:t>
-            </a:r>
-            <a:r>
-              <a:rPr lang="en-US" dirty="0" err="1" smtClean="0"/>
-              <a:t>permissões</a:t>
-            </a:r>
-            <a:r>
-              <a:rPr lang="en-US" dirty="0" smtClean="0"/>
-              <a:t> dos </a:t>
-            </a:r>
-            <a:r>
-              <a:rPr lang="en-US" dirty="0" err="1" smtClean="0"/>
-              <a:t>vários</a:t>
-            </a:r>
-            <a:r>
-              <a:rPr lang="en-US" dirty="0" smtClean="0"/>
-              <a:t> </a:t>
-            </a:r>
-            <a:r>
-              <a:rPr lang="en-US" dirty="0" err="1" smtClean="0"/>
-              <a:t>papeis</a:t>
-            </a:r>
-            <a:r>
-              <a:rPr lang="en-US" dirty="0" smtClean="0"/>
-              <a:t> e </a:t>
-            </a:r>
-            <a:r>
-              <a:rPr lang="en-US" dirty="0" err="1" smtClean="0"/>
-              <a:t>administradores</a:t>
-            </a:r>
-            <a:endParaRPr lang="en-US" dirty="0" smtClean="0"/>
-          </a:p>
-          <a:p>
-            <a:pPr marL="0" indent="0">
-              <a:buNone/>
-            </a:pPr>
-            <a:endParaRPr lang="en-US" dirty="0" smtClean="0"/>
-          </a:p>
-        </p:txBody>
-      </p:sp>
-      <p:pic>
-        <p:nvPicPr>
-          <p:cNvPr id="4" name="Picture 3"/>
-          <p:cNvPicPr>
-            <a:picLocks noChangeAspect="1"/>
-          </p:cNvPicPr>
-          <p:nvPr/>
-        </p:nvPicPr>
-        <p:blipFill>
-          <a:blip r:embed="rId2"/>
-          <a:stretch>
-            <a:fillRect/>
-          </a:stretch>
-        </p:blipFill>
-        <p:spPr>
-          <a:xfrm>
-            <a:off x="223344" y="1081825"/>
-            <a:ext cx="4172532" cy="5600531"/>
-          </a:xfrm>
-          <a:prstGeom prst="rect">
-            <a:avLst/>
-          </a:prstGeom>
-        </p:spPr>
-      </p:pic>
-      <p:pic>
-        <p:nvPicPr>
-          <p:cNvPr id="6" name="Picture 5"/>
-          <p:cNvPicPr>
-            <a:picLocks noChangeAspect="1"/>
-          </p:cNvPicPr>
-          <p:nvPr/>
-        </p:nvPicPr>
-        <p:blipFill>
-          <a:blip r:embed="rId3">
+          <a:blip r:embed="rId2" cstate="print">
             <a:extLst>
               <a:ext uri="{28A0092B-C50C-407E-A947-70E740481C1C}">
                 <a14:useLocalDpi xmlns:a14="http://schemas.microsoft.com/office/drawing/2010/main" val="0"/>
@@ -7662,604 +7177,14 @@
         </p:blipFill>
         <p:spPr>
           <a:xfrm>
-            <a:off x="5177332" y="4033290"/>
-            <a:ext cx="3890225" cy="2649066"/>
+            <a:off x="5010998" y="3401238"/>
+            <a:ext cx="6857793" cy="3275243"/>
           </a:xfrm>
           <a:prstGeom prst="rect">
             <a:avLst/>
           </a:prstGeom>
         </p:spPr>
       </p:pic>
-    </p:spTree>
-    <p:extLst>
-      <p:ext uri="{BB962C8B-B14F-4D97-AF65-F5344CB8AC3E}">
-        <p14:creationId xmlns:p14="http://schemas.microsoft.com/office/powerpoint/2010/main" val="3518902120"/>
-      </p:ext>
-    </p:extLst>
-  </p:cSld>
-  <p:clrMapOvr>
-    <a:masterClrMapping/>
-  </p:clrMapOvr>
-  <p:timing>
-    <p:tnLst>
-      <p:par>
-        <p:cTn id="1" dur="indefinite" restart="never" nodeType="tmRoot"/>
-      </p:par>
-    </p:tnLst>
-  </p:timing>
-</p:sld>
-</file>
-
-<file path=ppt/slides/slide18.xml><?xml version="1.0" encoding="utf-8"?>
-<p:sld xmlns:a="http://schemas.openxmlformats.org/drawingml/2006/main" xmlns:r="http://schemas.openxmlformats.org/officeDocument/2006/relationships" xmlns:p="http://schemas.openxmlformats.org/presentationml/2006/main">
-  <p:cSld>
-    <p:spTree>
-      <p:nvGrpSpPr>
-        <p:cNvPr id="1" name=""/>
-        <p:cNvGrpSpPr/>
-        <p:nvPr/>
-      </p:nvGrpSpPr>
-      <p:grpSpPr>
-        <a:xfrm>
-          <a:off x="0" y="0"/>
-          <a:ext cx="0" cy="0"/>
-          <a:chOff x="0" y="0"/>
-          <a:chExt cx="0" cy="0"/>
-        </a:xfrm>
-      </p:grpSpPr>
-      <p:sp>
-        <p:nvSpPr>
-          <p:cNvPr id="2" name="Title 1"/>
-          <p:cNvSpPr>
-            <a:spLocks noGrp="1"/>
-          </p:cNvSpPr>
-          <p:nvPr>
-            <p:ph type="title"/>
-          </p:nvPr>
-        </p:nvSpPr>
-        <p:spPr>
-          <a:xfrm>
-            <a:off x="874220" y="0"/>
-            <a:ext cx="9404723" cy="1400530"/>
-          </a:xfrm>
-        </p:spPr>
-        <p:txBody>
-          <a:bodyPr anchor="ctr"/>
-          <a:lstStyle/>
-          <a:p>
-            <a:pPr algn="ctr"/>
-            <a:r>
-              <a:rPr lang="en-US" dirty="0" err="1"/>
-              <a:t>Á</a:t>
-            </a:r>
-            <a:r>
-              <a:rPr lang="en-US" dirty="0" err="1" smtClean="0"/>
-              <a:t>rea</a:t>
-            </a:r>
-            <a:r>
-              <a:rPr lang="en-US" dirty="0" smtClean="0"/>
-              <a:t> </a:t>
-            </a:r>
-            <a:r>
-              <a:rPr lang="en-US" dirty="0" err="1" smtClean="0"/>
-              <a:t>encomendas</a:t>
-            </a:r>
-            <a:endParaRPr lang="en-US" dirty="0"/>
-          </a:p>
-        </p:txBody>
-      </p:sp>
-      <p:sp>
-        <p:nvSpPr>
-          <p:cNvPr id="3" name="Content Placeholder 2"/>
-          <p:cNvSpPr>
-            <a:spLocks noGrp="1"/>
-          </p:cNvSpPr>
-          <p:nvPr>
-            <p:ph idx="1"/>
-          </p:nvPr>
-        </p:nvSpPr>
-        <p:spPr>
-          <a:xfrm>
-            <a:off x="1622729" y="5448725"/>
-            <a:ext cx="8946541" cy="1096849"/>
-          </a:xfrm>
-        </p:spPr>
-        <p:txBody>
-          <a:bodyPr>
-            <a:normAutofit lnSpcReduction="10000"/>
-          </a:bodyPr>
-          <a:lstStyle/>
-          <a:p>
-            <a:r>
-              <a:rPr lang="en-US" dirty="0" err="1" smtClean="0"/>
-              <a:t>Criação</a:t>
-            </a:r>
-            <a:r>
-              <a:rPr lang="en-US" dirty="0" smtClean="0"/>
-              <a:t>, </a:t>
-            </a:r>
-            <a:r>
-              <a:rPr lang="en-US" dirty="0" err="1" smtClean="0"/>
-              <a:t>edição</a:t>
-            </a:r>
-            <a:r>
-              <a:rPr lang="en-US" dirty="0" smtClean="0"/>
-              <a:t>, </a:t>
-            </a:r>
-            <a:r>
-              <a:rPr lang="en-US" dirty="0" err="1" smtClean="0"/>
-              <a:t>consulta</a:t>
-            </a:r>
-            <a:r>
-              <a:rPr lang="en-US" dirty="0" smtClean="0"/>
-              <a:t> e </a:t>
-            </a:r>
-            <a:r>
-              <a:rPr lang="en-US" dirty="0" err="1" smtClean="0"/>
-              <a:t>cancelamento</a:t>
-            </a:r>
-            <a:r>
-              <a:rPr lang="en-US" dirty="0" smtClean="0"/>
-              <a:t> de </a:t>
-            </a:r>
-            <a:r>
-              <a:rPr lang="en-US" dirty="0" err="1" smtClean="0"/>
-              <a:t>encomendas</a:t>
-            </a:r>
-            <a:endParaRPr lang="en-US" dirty="0" smtClean="0"/>
-          </a:p>
-          <a:p>
-            <a:r>
-              <a:rPr lang="en-US" dirty="0" err="1" smtClean="0"/>
-              <a:t>Configurador</a:t>
-            </a:r>
-            <a:r>
-              <a:rPr lang="en-US" dirty="0" smtClean="0"/>
-              <a:t> </a:t>
-            </a:r>
-            <a:r>
-              <a:rPr lang="en-US" dirty="0" err="1" smtClean="0"/>
-              <a:t>consulta</a:t>
-            </a:r>
-            <a:r>
-              <a:rPr lang="en-US" dirty="0" smtClean="0"/>
-              <a:t>, </a:t>
-            </a:r>
-            <a:r>
-              <a:rPr lang="en-US" dirty="0" err="1" smtClean="0"/>
-              <a:t>edita</a:t>
-            </a:r>
-            <a:r>
-              <a:rPr lang="en-US" dirty="0" smtClean="0"/>
-              <a:t> e </a:t>
-            </a:r>
-            <a:r>
-              <a:rPr lang="en-US" dirty="0" err="1" smtClean="0"/>
-              <a:t>cancela</a:t>
-            </a:r>
-            <a:r>
-              <a:rPr lang="en-US" dirty="0" smtClean="0"/>
-              <a:t> </a:t>
-            </a:r>
-            <a:r>
-              <a:rPr lang="en-US" dirty="0" err="1" smtClean="0"/>
-              <a:t>encomendas</a:t>
-            </a:r>
-            <a:r>
-              <a:rPr lang="en-US" dirty="0" smtClean="0"/>
-              <a:t> de </a:t>
-            </a:r>
-            <a:r>
-              <a:rPr lang="en-US" dirty="0" err="1" smtClean="0"/>
-              <a:t>qualquer</a:t>
-            </a:r>
-            <a:r>
-              <a:rPr lang="en-US" dirty="0" smtClean="0"/>
-              <a:t> </a:t>
-            </a:r>
-            <a:r>
-              <a:rPr lang="en-US" dirty="0" err="1" smtClean="0"/>
-              <a:t>cliente</a:t>
-            </a:r>
-            <a:endParaRPr lang="en-US" dirty="0"/>
-          </a:p>
-        </p:txBody>
-      </p:sp>
-      <p:pic>
-        <p:nvPicPr>
-          <p:cNvPr id="5" name="Picture 4"/>
-          <p:cNvPicPr>
-            <a:picLocks noChangeAspect="1"/>
-          </p:cNvPicPr>
-          <p:nvPr/>
-        </p:nvPicPr>
-        <p:blipFill>
-          <a:blip r:embed="rId2"/>
-          <a:stretch>
-            <a:fillRect/>
-          </a:stretch>
-        </p:blipFill>
-        <p:spPr>
-          <a:xfrm>
-            <a:off x="1037584" y="1232046"/>
-            <a:ext cx="10116832" cy="3945261"/>
-          </a:xfrm>
-          <a:prstGeom prst="rect">
-            <a:avLst/>
-          </a:prstGeom>
-        </p:spPr>
-      </p:pic>
-    </p:spTree>
-    <p:extLst>
-      <p:ext uri="{BB962C8B-B14F-4D97-AF65-F5344CB8AC3E}">
-        <p14:creationId xmlns:p14="http://schemas.microsoft.com/office/powerpoint/2010/main" val="153547601"/>
-      </p:ext>
-    </p:extLst>
-  </p:cSld>
-  <p:clrMapOvr>
-    <a:masterClrMapping/>
-  </p:clrMapOvr>
-  <p:timing>
-    <p:tnLst>
-      <p:par>
-        <p:cTn id="1" dur="indefinite" restart="never" nodeType="tmRoot"/>
-      </p:par>
-    </p:tnLst>
-  </p:timing>
-</p:sld>
-</file>
-
-<file path=ppt/slides/slide19.xml><?xml version="1.0" encoding="utf-8"?>
-<p:sld xmlns:a="http://schemas.openxmlformats.org/drawingml/2006/main" xmlns:r="http://schemas.openxmlformats.org/officeDocument/2006/relationships" xmlns:p="http://schemas.openxmlformats.org/presentationml/2006/main">
-  <p:cSld>
-    <p:spTree>
-      <p:nvGrpSpPr>
-        <p:cNvPr id="1" name=""/>
-        <p:cNvGrpSpPr/>
-        <p:nvPr/>
-      </p:nvGrpSpPr>
-      <p:grpSpPr>
-        <a:xfrm>
-          <a:off x="0" y="0"/>
-          <a:ext cx="0" cy="0"/>
-          <a:chOff x="0" y="0"/>
-          <a:chExt cx="0" cy="0"/>
-        </a:xfrm>
-      </p:grpSpPr>
-      <p:sp>
-        <p:nvSpPr>
-          <p:cNvPr id="2" name="Title 1"/>
-          <p:cNvSpPr>
-            <a:spLocks noGrp="1"/>
-          </p:cNvSpPr>
-          <p:nvPr>
-            <p:ph type="title"/>
-          </p:nvPr>
-        </p:nvSpPr>
-        <p:spPr>
-          <a:xfrm>
-            <a:off x="1393639" y="0"/>
-            <a:ext cx="9404723" cy="1400530"/>
-          </a:xfrm>
-        </p:spPr>
-        <p:txBody>
-          <a:bodyPr anchor="ctr"/>
-          <a:lstStyle/>
-          <a:p>
-            <a:pPr algn="ctr"/>
-            <a:r>
-              <a:rPr lang="en-US" sz="3600" dirty="0" err="1" smtClean="0"/>
-              <a:t>Área</a:t>
-            </a:r>
-            <a:r>
-              <a:rPr lang="en-US" sz="3600" dirty="0" smtClean="0"/>
-              <a:t> de </a:t>
-            </a:r>
-            <a:r>
-              <a:rPr lang="en-US" sz="3600" dirty="0" err="1" smtClean="0"/>
-              <a:t>planeamento</a:t>
-            </a:r>
-            <a:r>
-              <a:rPr lang="en-US" sz="3600" dirty="0" smtClean="0"/>
-              <a:t> de </a:t>
-            </a:r>
-            <a:r>
-              <a:rPr lang="en-US" sz="3600" dirty="0" err="1" smtClean="0"/>
-              <a:t>produção</a:t>
-            </a:r>
-            <a:endParaRPr lang="en-US" sz="3600" dirty="0"/>
-          </a:p>
-        </p:txBody>
-      </p:sp>
-      <p:sp>
-        <p:nvSpPr>
-          <p:cNvPr id="3" name="Content Placeholder 2"/>
-          <p:cNvSpPr>
-            <a:spLocks noGrp="1"/>
-          </p:cNvSpPr>
-          <p:nvPr>
-            <p:ph idx="1"/>
-          </p:nvPr>
-        </p:nvSpPr>
-        <p:spPr>
-          <a:xfrm>
-            <a:off x="1851821" y="5269385"/>
-            <a:ext cx="8946541" cy="1096849"/>
-          </a:xfrm>
-        </p:spPr>
-        <p:txBody>
-          <a:bodyPr>
-            <a:normAutofit/>
-          </a:bodyPr>
-          <a:lstStyle/>
-          <a:p>
-            <a:r>
-              <a:rPr lang="en-US" dirty="0" smtClean="0"/>
-              <a:t>Production Manager </a:t>
-            </a:r>
-            <a:r>
-              <a:rPr lang="en-US" dirty="0" err="1" smtClean="0"/>
-              <a:t>inicia</a:t>
-            </a:r>
-            <a:r>
-              <a:rPr lang="en-US" dirty="0" smtClean="0"/>
-              <a:t> </a:t>
-            </a:r>
-            <a:r>
-              <a:rPr lang="en-US" dirty="0" err="1" smtClean="0"/>
-              <a:t>planeamento</a:t>
-            </a:r>
-            <a:r>
-              <a:rPr lang="en-US" dirty="0" smtClean="0"/>
-              <a:t> de </a:t>
-            </a:r>
-            <a:r>
-              <a:rPr lang="en-US" dirty="0" err="1" smtClean="0"/>
-              <a:t>produção</a:t>
-            </a:r>
-            <a:r>
-              <a:rPr lang="en-US" dirty="0" smtClean="0"/>
-              <a:t> para um </a:t>
-            </a:r>
-            <a:r>
-              <a:rPr lang="en-US" dirty="0" err="1" smtClean="0"/>
-              <a:t>período</a:t>
-            </a:r>
-            <a:r>
-              <a:rPr lang="en-US" dirty="0" smtClean="0"/>
-              <a:t> de tempo</a:t>
-            </a:r>
-          </a:p>
-        </p:txBody>
-      </p:sp>
-      <p:pic>
-        <p:nvPicPr>
-          <p:cNvPr id="6" name="Picture 5"/>
-          <p:cNvPicPr>
-            <a:picLocks noChangeAspect="1"/>
-          </p:cNvPicPr>
-          <p:nvPr/>
-        </p:nvPicPr>
-        <p:blipFill>
-          <a:blip r:embed="rId2"/>
-          <a:stretch>
-            <a:fillRect/>
-          </a:stretch>
-        </p:blipFill>
-        <p:spPr>
-          <a:xfrm>
-            <a:off x="2053552" y="1275010"/>
-            <a:ext cx="8084897" cy="3816214"/>
-          </a:xfrm>
-          <a:prstGeom prst="rect">
-            <a:avLst/>
-          </a:prstGeom>
-        </p:spPr>
-      </p:pic>
-    </p:spTree>
-    <p:extLst>
-      <p:ext uri="{BB962C8B-B14F-4D97-AF65-F5344CB8AC3E}">
-        <p14:creationId xmlns:p14="http://schemas.microsoft.com/office/powerpoint/2010/main" val="285335538"/>
-      </p:ext>
-    </p:extLst>
-  </p:cSld>
-  <p:clrMapOvr>
-    <a:masterClrMapping/>
-  </p:clrMapOvr>
-  <p:timing>
-    <p:tnLst>
-      <p:par>
-        <p:cTn id="1" dur="indefinite" restart="never" nodeType="tmRoot"/>
-      </p:par>
-    </p:tnLst>
-  </p:timing>
-</p:sld>
-</file>
-
-<file path=ppt/slides/slide2.xml><?xml version="1.0" encoding="utf-8"?>
-<p:sld xmlns:a="http://schemas.openxmlformats.org/drawingml/2006/main" xmlns:r="http://schemas.openxmlformats.org/officeDocument/2006/relationships" xmlns:p="http://schemas.openxmlformats.org/presentationml/2006/main">
-  <p:cSld>
-    <p:spTree>
-      <p:nvGrpSpPr>
-        <p:cNvPr id="1" name=""/>
-        <p:cNvGrpSpPr/>
-        <p:nvPr/>
-      </p:nvGrpSpPr>
-      <p:grpSpPr>
-        <a:xfrm>
-          <a:off x="0" y="0"/>
-          <a:ext cx="0" cy="0"/>
-          <a:chOff x="0" y="0"/>
-          <a:chExt cx="0" cy="0"/>
-        </a:xfrm>
-      </p:grpSpPr>
-      <p:sp>
-        <p:nvSpPr>
-          <p:cNvPr id="2" name="Title 1"/>
-          <p:cNvSpPr>
-            <a:spLocks noGrp="1"/>
-          </p:cNvSpPr>
-          <p:nvPr>
-            <p:ph type="title"/>
-          </p:nvPr>
-        </p:nvSpPr>
-        <p:spPr>
-          <a:xfrm>
-            <a:off x="1393639" y="452718"/>
-            <a:ext cx="9404723" cy="1400530"/>
-          </a:xfrm>
-        </p:spPr>
-        <p:txBody>
-          <a:bodyPr anchor="ctr"/>
-          <a:lstStyle/>
-          <a:p>
-            <a:pPr algn="ctr"/>
-            <a:r>
-              <a:rPr lang="en-US" dirty="0" err="1" smtClean="0"/>
-              <a:t>Metodologia</a:t>
-            </a:r>
-            <a:r>
-              <a:rPr lang="en-US" dirty="0" smtClean="0"/>
-              <a:t> de </a:t>
-            </a:r>
-            <a:r>
-              <a:rPr lang="en-US" dirty="0" err="1" smtClean="0"/>
-              <a:t>trabalho</a:t>
-            </a:r>
-            <a:endParaRPr lang="en-US" dirty="0"/>
-          </a:p>
-        </p:txBody>
-      </p:sp>
-      <p:sp>
-        <p:nvSpPr>
-          <p:cNvPr id="3" name="Content Placeholder 2"/>
-          <p:cNvSpPr>
-            <a:spLocks noGrp="1"/>
-          </p:cNvSpPr>
-          <p:nvPr>
-            <p:ph idx="1"/>
-          </p:nvPr>
-        </p:nvSpPr>
-        <p:spPr>
-          <a:xfrm>
-            <a:off x="6069496" y="2052918"/>
-            <a:ext cx="5141843" cy="4195481"/>
-          </a:xfrm>
-        </p:spPr>
-        <p:txBody>
-          <a:bodyPr/>
-          <a:lstStyle/>
-          <a:p>
-            <a:r>
-              <a:rPr lang="en-US" dirty="0" err="1" smtClean="0"/>
-              <a:t>Ferramenta</a:t>
-            </a:r>
-            <a:r>
-              <a:rPr lang="en-US" dirty="0" smtClean="0"/>
-              <a:t> </a:t>
-            </a:r>
-            <a:r>
-              <a:rPr lang="en-US" dirty="0" err="1" smtClean="0"/>
-              <a:t>BitBucket</a:t>
-            </a:r>
-            <a:r>
-              <a:rPr lang="en-US" dirty="0" smtClean="0"/>
-              <a:t> para </a:t>
-            </a:r>
-            <a:r>
-              <a:rPr lang="en-US" dirty="0" err="1" smtClean="0"/>
-              <a:t>gestão</a:t>
-            </a:r>
-            <a:r>
-              <a:rPr lang="en-US" dirty="0" smtClean="0"/>
-              <a:t> de issues.</a:t>
-            </a:r>
-          </a:p>
-          <a:p>
-            <a:r>
-              <a:rPr lang="en-US" dirty="0" smtClean="0"/>
-              <a:t>Issues </a:t>
-            </a:r>
-            <a:r>
-              <a:rPr lang="en-US" dirty="0" err="1" smtClean="0"/>
-              <a:t>divididos</a:t>
-            </a:r>
-            <a:r>
-              <a:rPr lang="en-US" dirty="0" smtClean="0"/>
-              <a:t> </a:t>
-            </a:r>
-            <a:r>
-              <a:rPr lang="en-US" dirty="0" err="1" smtClean="0"/>
-              <a:t>uniformemente</a:t>
-            </a:r>
-            <a:r>
-              <a:rPr lang="en-US" dirty="0" smtClean="0"/>
-              <a:t> </a:t>
-            </a:r>
-            <a:r>
-              <a:rPr lang="en-US" dirty="0" err="1" smtClean="0"/>
-              <a:t>pelos</a:t>
-            </a:r>
-            <a:r>
-              <a:rPr lang="en-US" dirty="0" smtClean="0"/>
-              <a:t> </a:t>
-            </a:r>
-            <a:r>
-              <a:rPr lang="en-US" dirty="0" err="1" smtClean="0"/>
-              <a:t>elementos</a:t>
-            </a:r>
-            <a:r>
-              <a:rPr lang="en-US" dirty="0" smtClean="0"/>
-              <a:t> do </a:t>
-            </a:r>
-            <a:r>
-              <a:rPr lang="en-US" dirty="0" err="1" smtClean="0"/>
-              <a:t>grupo</a:t>
-            </a:r>
-            <a:r>
-              <a:rPr lang="en-US" dirty="0" smtClean="0"/>
-              <a:t> no </a:t>
-            </a:r>
-            <a:r>
-              <a:rPr lang="en-US" dirty="0" err="1" smtClean="0"/>
-              <a:t>inicio</a:t>
-            </a:r>
-            <a:r>
-              <a:rPr lang="en-US" dirty="0" smtClean="0"/>
-              <a:t> de </a:t>
-            </a:r>
-            <a:r>
-              <a:rPr lang="en-US" dirty="0" err="1" smtClean="0"/>
-              <a:t>cada</a:t>
-            </a:r>
-            <a:r>
-              <a:rPr lang="en-US" dirty="0" smtClean="0"/>
-              <a:t> sprint.</a:t>
-            </a:r>
-          </a:p>
-          <a:p>
-            <a:r>
-              <a:rPr lang="en-US" dirty="0" err="1" smtClean="0"/>
-              <a:t>Divisão</a:t>
-            </a:r>
-            <a:r>
-              <a:rPr lang="en-US" dirty="0" smtClean="0"/>
-              <a:t> de </a:t>
-            </a:r>
-            <a:r>
-              <a:rPr lang="en-US" dirty="0" err="1" smtClean="0"/>
-              <a:t>responsabilidades</a:t>
-            </a:r>
-            <a:r>
-              <a:rPr lang="en-US" dirty="0" smtClean="0"/>
-              <a:t>.</a:t>
-            </a:r>
-          </a:p>
-          <a:p>
-            <a:endParaRPr lang="en-US" dirty="0"/>
-          </a:p>
-        </p:txBody>
-      </p:sp>
       <p:pic>
         <p:nvPicPr>
           <p:cNvPr id="4" name="Picture 3"/>
@@ -8269,758 +7194,30 @@
           <p:nvPr/>
         </p:nvPicPr>
         <p:blipFill>
-          <a:blip r:embed="rId2"/>
+          <a:blip r:embed="rId3" cstate="print">
+            <a:extLst>
+              <a:ext uri="{28A0092B-C50C-407E-A947-70E740481C1C}">
+                <a14:useLocalDpi xmlns:a14="http://schemas.microsoft.com/office/drawing/2010/main" val="0"/>
+              </a:ext>
+            </a:extLst>
+          </a:blip>
           <a:stretch>
             <a:fillRect/>
           </a:stretch>
         </p:blipFill>
         <p:spPr>
           <a:xfrm>
-            <a:off x="646111" y="1964491"/>
-            <a:ext cx="5232808" cy="4372333"/>
+            <a:off x="206062" y="1204562"/>
+            <a:ext cx="4363527" cy="3380704"/>
           </a:xfrm>
           <a:prstGeom prst="rect">
             <a:avLst/>
           </a:prstGeom>
         </p:spPr>
       </p:pic>
-    </p:spTree>
-    <p:extLst>
-      <p:ext uri="{BB962C8B-B14F-4D97-AF65-F5344CB8AC3E}">
-        <p14:creationId xmlns:p14="http://schemas.microsoft.com/office/powerpoint/2010/main" val="1125453224"/>
-      </p:ext>
-    </p:extLst>
-  </p:cSld>
-  <p:clrMapOvr>
-    <a:masterClrMapping/>
-  </p:clrMapOvr>
-  <p:timing>
-    <p:tnLst>
-      <p:par>
-        <p:cTn id="1" dur="indefinite" restart="never" nodeType="tmRoot"/>
-      </p:par>
-    </p:tnLst>
-  </p:timing>
-</p:sld>
-</file>
-
-<file path=ppt/slides/slide20.xml><?xml version="1.0" encoding="utf-8"?>
-<p:sld xmlns:a="http://schemas.openxmlformats.org/drawingml/2006/main" xmlns:r="http://schemas.openxmlformats.org/officeDocument/2006/relationships" xmlns:p="http://schemas.openxmlformats.org/presentationml/2006/main">
-  <p:cSld>
-    <p:spTree>
-      <p:nvGrpSpPr>
-        <p:cNvPr id="1" name=""/>
-        <p:cNvGrpSpPr/>
-        <p:nvPr/>
-      </p:nvGrpSpPr>
-      <p:grpSpPr>
-        <a:xfrm>
-          <a:off x="0" y="0"/>
-          <a:ext cx="0" cy="0"/>
-          <a:chOff x="0" y="0"/>
-          <a:chExt cx="0" cy="0"/>
-        </a:xfrm>
-      </p:grpSpPr>
-      <p:sp>
-        <p:nvSpPr>
-          <p:cNvPr id="2" name="Title 1"/>
-          <p:cNvSpPr>
-            <a:spLocks noGrp="1"/>
-          </p:cNvSpPr>
-          <p:nvPr>
-            <p:ph type="title"/>
-          </p:nvPr>
-        </p:nvSpPr>
-        <p:spPr>
-          <a:xfrm>
-            <a:off x="1393639" y="0"/>
-            <a:ext cx="9404723" cy="1400530"/>
-          </a:xfrm>
-        </p:spPr>
-        <p:txBody>
-          <a:bodyPr anchor="ctr"/>
-          <a:lstStyle/>
-          <a:p>
-            <a:pPr algn="ctr"/>
-            <a:r>
-              <a:rPr lang="en-US" sz="3600" dirty="0" err="1" smtClean="0"/>
-              <a:t>Área</a:t>
-            </a:r>
-            <a:r>
-              <a:rPr lang="en-US" sz="3600" dirty="0" smtClean="0"/>
-              <a:t> de </a:t>
-            </a:r>
-            <a:r>
-              <a:rPr lang="en-US" sz="3600" dirty="0" err="1" smtClean="0"/>
-              <a:t>visualização</a:t>
-            </a:r>
-            <a:r>
-              <a:rPr lang="en-US" sz="3600" dirty="0"/>
-              <a:t> </a:t>
-            </a:r>
-            <a:r>
-              <a:rPr lang="en-US" sz="3600" dirty="0" smtClean="0"/>
-              <a:t>- Widgets</a:t>
-            </a:r>
-            <a:endParaRPr lang="en-US" sz="3600" dirty="0"/>
-          </a:p>
-        </p:txBody>
-      </p:sp>
-      <p:sp>
-        <p:nvSpPr>
-          <p:cNvPr id="3" name="Content Placeholder 2"/>
-          <p:cNvSpPr>
-            <a:spLocks noGrp="1"/>
-          </p:cNvSpPr>
-          <p:nvPr>
-            <p:ph idx="1"/>
-          </p:nvPr>
-        </p:nvSpPr>
-        <p:spPr>
-          <a:xfrm>
-            <a:off x="5769735" y="2279561"/>
-            <a:ext cx="5834129" cy="2975020"/>
-          </a:xfrm>
-        </p:spPr>
-        <p:txBody>
-          <a:bodyPr>
-            <a:normAutofit/>
-          </a:bodyPr>
-          <a:lstStyle/>
-          <a:p>
-            <a:r>
-              <a:rPr lang="en-US" dirty="0" err="1" smtClean="0"/>
-              <a:t>Alteração</a:t>
-            </a:r>
-            <a:r>
-              <a:rPr lang="en-US" dirty="0" smtClean="0"/>
-              <a:t> de </a:t>
-            </a:r>
-            <a:r>
-              <a:rPr lang="en-US" dirty="0" err="1" smtClean="0"/>
-              <a:t>modelo</a:t>
-            </a:r>
-            <a:r>
-              <a:rPr lang="en-US" dirty="0" smtClean="0"/>
-              <a:t> visual </a:t>
-            </a:r>
-            <a:r>
-              <a:rPr lang="en-US" dirty="0" err="1" smtClean="0"/>
-              <a:t>associado</a:t>
-            </a:r>
-            <a:r>
-              <a:rPr lang="en-US" dirty="0" smtClean="0"/>
-              <a:t> a </a:t>
-            </a:r>
-            <a:r>
-              <a:rPr lang="en-US" dirty="0" err="1" smtClean="0"/>
-              <a:t>tipo</a:t>
-            </a:r>
-            <a:r>
-              <a:rPr lang="en-US" dirty="0" smtClean="0"/>
-              <a:t> de </a:t>
-            </a:r>
-            <a:r>
-              <a:rPr lang="en-US" dirty="0" err="1" smtClean="0"/>
-              <a:t>máquina</a:t>
-            </a:r>
-            <a:endParaRPr lang="en-US" dirty="0" smtClean="0"/>
-          </a:p>
-          <a:p>
-            <a:r>
-              <a:rPr lang="en-US" dirty="0" err="1" smtClean="0"/>
-              <a:t>Alteração</a:t>
-            </a:r>
-            <a:r>
-              <a:rPr lang="en-US" dirty="0" smtClean="0"/>
-              <a:t> de </a:t>
-            </a:r>
-            <a:r>
-              <a:rPr lang="en-US" dirty="0" err="1" smtClean="0"/>
-              <a:t>posição</a:t>
-            </a:r>
-            <a:r>
-              <a:rPr lang="en-US" dirty="0" smtClean="0"/>
-              <a:t> de </a:t>
-            </a:r>
-            <a:r>
-              <a:rPr lang="en-US" dirty="0" err="1" smtClean="0"/>
-              <a:t>maquina</a:t>
-            </a:r>
-            <a:r>
-              <a:rPr lang="en-US" dirty="0" smtClean="0"/>
-              <a:t> </a:t>
-            </a:r>
-            <a:r>
-              <a:rPr lang="en-US" dirty="0" err="1" smtClean="0"/>
-              <a:t>dentro</a:t>
-            </a:r>
-            <a:r>
-              <a:rPr lang="en-US" dirty="0" smtClean="0"/>
-              <a:t> de </a:t>
-            </a:r>
-            <a:r>
-              <a:rPr lang="en-US" dirty="0" err="1" smtClean="0"/>
-              <a:t>uma</a:t>
-            </a:r>
-            <a:r>
-              <a:rPr lang="en-US" dirty="0" smtClean="0"/>
-              <a:t> </a:t>
-            </a:r>
-            <a:r>
-              <a:rPr lang="en-US" dirty="0" err="1" smtClean="0"/>
-              <a:t>linha</a:t>
-            </a:r>
-            <a:r>
-              <a:rPr lang="en-US" dirty="0" smtClean="0"/>
-              <a:t> de </a:t>
-            </a:r>
-            <a:r>
-              <a:rPr lang="en-US" dirty="0" err="1" smtClean="0"/>
-              <a:t>produção</a:t>
-            </a:r>
-            <a:endParaRPr lang="en-US" dirty="0" smtClean="0"/>
-          </a:p>
-          <a:p>
-            <a:r>
-              <a:rPr lang="en-US" dirty="0" err="1" smtClean="0"/>
-              <a:t>Movimentar</a:t>
-            </a:r>
-            <a:r>
-              <a:rPr lang="en-US" dirty="0" smtClean="0"/>
-              <a:t> </a:t>
-            </a:r>
-            <a:r>
-              <a:rPr lang="en-US" dirty="0" err="1" smtClean="0"/>
-              <a:t>maquina</a:t>
-            </a:r>
-            <a:r>
-              <a:rPr lang="en-US" dirty="0" smtClean="0"/>
-              <a:t> entre </a:t>
-            </a:r>
-            <a:r>
-              <a:rPr lang="en-US" dirty="0" err="1" smtClean="0"/>
-              <a:t>linhas</a:t>
-            </a:r>
-            <a:r>
-              <a:rPr lang="en-US" dirty="0" smtClean="0"/>
-              <a:t> de </a:t>
-            </a:r>
-            <a:r>
-              <a:rPr lang="en-US" dirty="0" err="1" smtClean="0"/>
-              <a:t>produção</a:t>
-            </a:r>
-            <a:endParaRPr lang="en-US" dirty="0" smtClean="0"/>
-          </a:p>
-          <a:p>
-            <a:r>
-              <a:rPr lang="en-US" dirty="0" err="1" smtClean="0"/>
-              <a:t>Iniciar</a:t>
-            </a:r>
-            <a:r>
-              <a:rPr lang="en-US" dirty="0" smtClean="0"/>
-              <a:t> </a:t>
-            </a:r>
-            <a:r>
-              <a:rPr lang="en-US" dirty="0" err="1" smtClean="0"/>
-              <a:t>simulação</a:t>
-            </a:r>
-            <a:r>
-              <a:rPr lang="en-US" dirty="0" smtClean="0"/>
-              <a:t> de </a:t>
-            </a:r>
-            <a:r>
-              <a:rPr lang="en-US" dirty="0" err="1" smtClean="0"/>
-              <a:t>plano</a:t>
-            </a:r>
-            <a:r>
-              <a:rPr lang="en-US" dirty="0" smtClean="0"/>
-              <a:t> de </a:t>
-            </a:r>
-            <a:r>
-              <a:rPr lang="en-US" dirty="0" err="1" smtClean="0"/>
-              <a:t>produção</a:t>
-            </a:r>
-            <a:endParaRPr lang="en-US" dirty="0" smtClean="0"/>
-          </a:p>
-        </p:txBody>
-      </p:sp>
-      <p:pic>
-        <p:nvPicPr>
-          <p:cNvPr id="4" name="Picture 3"/>
-          <p:cNvPicPr>
-            <a:picLocks noChangeAspect="1"/>
-          </p:cNvPicPr>
-          <p:nvPr/>
-        </p:nvPicPr>
-        <p:blipFill>
-          <a:blip r:embed="rId2"/>
-          <a:stretch>
-            <a:fillRect/>
-          </a:stretch>
-        </p:blipFill>
-        <p:spPr>
-          <a:xfrm>
-            <a:off x="814089" y="2279560"/>
-            <a:ext cx="4467815" cy="2517080"/>
-          </a:xfrm>
-          <a:prstGeom prst="rect">
-            <a:avLst/>
-          </a:prstGeom>
-        </p:spPr>
-      </p:pic>
-    </p:spTree>
-    <p:extLst>
-      <p:ext uri="{BB962C8B-B14F-4D97-AF65-F5344CB8AC3E}">
-        <p14:creationId xmlns:p14="http://schemas.microsoft.com/office/powerpoint/2010/main" val="2339805955"/>
-      </p:ext>
-    </p:extLst>
-  </p:cSld>
-  <p:clrMapOvr>
-    <a:masterClrMapping/>
-  </p:clrMapOvr>
-  <p:timing>
-    <p:tnLst>
-      <p:par>
-        <p:cTn id="1" dur="indefinite" restart="never" nodeType="tmRoot"/>
-      </p:par>
-    </p:tnLst>
-  </p:timing>
-</p:sld>
-</file>
-
-<file path=ppt/slides/slide3.xml><?xml version="1.0" encoding="utf-8"?>
-<p:sld xmlns:a="http://schemas.openxmlformats.org/drawingml/2006/main" xmlns:r="http://schemas.openxmlformats.org/officeDocument/2006/relationships" xmlns:p="http://schemas.openxmlformats.org/presentationml/2006/main">
-  <p:cSld>
-    <p:spTree>
-      <p:nvGrpSpPr>
-        <p:cNvPr id="1" name=""/>
-        <p:cNvGrpSpPr/>
-        <p:nvPr/>
-      </p:nvGrpSpPr>
-      <p:grpSpPr>
-        <a:xfrm>
-          <a:off x="0" y="0"/>
-          <a:ext cx="0" cy="0"/>
-          <a:chOff x="0" y="0"/>
-          <a:chExt cx="0" cy="0"/>
-        </a:xfrm>
-      </p:grpSpPr>
-      <p:sp>
-        <p:nvSpPr>
-          <p:cNvPr id="2" name="Title 1"/>
-          <p:cNvSpPr>
-            <a:spLocks noGrp="1"/>
-          </p:cNvSpPr>
-          <p:nvPr>
-            <p:ph type="title"/>
-          </p:nvPr>
-        </p:nvSpPr>
-        <p:spPr>
-          <a:xfrm>
-            <a:off x="1287622" y="134666"/>
-            <a:ext cx="9404723" cy="1031525"/>
-          </a:xfrm>
-        </p:spPr>
-        <p:txBody>
-          <a:bodyPr anchor="ctr"/>
-          <a:lstStyle/>
-          <a:p>
-            <a:pPr algn="ctr"/>
-            <a:r>
-              <a:rPr lang="en-US" dirty="0" err="1" smtClean="0"/>
-              <a:t>Metodologia</a:t>
-            </a:r>
-            <a:r>
-              <a:rPr lang="en-US" dirty="0" smtClean="0"/>
-              <a:t> de </a:t>
-            </a:r>
-            <a:r>
-              <a:rPr lang="en-US" dirty="0" err="1" smtClean="0"/>
-              <a:t>trabalho</a:t>
-            </a:r>
-            <a:endParaRPr lang="en-US" dirty="0"/>
-          </a:p>
-        </p:txBody>
-      </p:sp>
-      <p:sp>
-        <p:nvSpPr>
-          <p:cNvPr id="3" name="Content Placeholder 2"/>
-          <p:cNvSpPr>
-            <a:spLocks noGrp="1"/>
-          </p:cNvSpPr>
-          <p:nvPr>
-            <p:ph idx="1"/>
-          </p:nvPr>
-        </p:nvSpPr>
-        <p:spPr>
-          <a:xfrm>
-            <a:off x="6069496" y="2052918"/>
-            <a:ext cx="5141843" cy="4195481"/>
-          </a:xfrm>
-        </p:spPr>
-        <p:txBody>
-          <a:bodyPr/>
-          <a:lstStyle/>
-          <a:p>
-            <a:r>
-              <a:rPr lang="en-US" dirty="0" err="1" smtClean="0"/>
-              <a:t>Adoção</a:t>
-            </a:r>
-            <a:r>
-              <a:rPr lang="en-US" dirty="0" smtClean="0"/>
-              <a:t> de </a:t>
-            </a:r>
-            <a:r>
-              <a:rPr lang="en-US" dirty="0" err="1" smtClean="0"/>
-              <a:t>processo</a:t>
-            </a:r>
-            <a:r>
-              <a:rPr lang="en-US" dirty="0" smtClean="0"/>
-              <a:t> de </a:t>
-            </a:r>
-            <a:r>
-              <a:rPr lang="en-US" dirty="0" err="1" smtClean="0"/>
-              <a:t>engenharia</a:t>
-            </a:r>
-            <a:r>
-              <a:rPr lang="en-US" dirty="0" smtClean="0"/>
-              <a:t> de software, </a:t>
-            </a:r>
-            <a:r>
-              <a:rPr lang="en-US" dirty="0" err="1" smtClean="0"/>
-              <a:t>nomeadamente</a:t>
-            </a:r>
-            <a:r>
-              <a:rPr lang="en-US" dirty="0" smtClean="0"/>
-              <a:t> </a:t>
-            </a:r>
-            <a:r>
-              <a:rPr lang="en-US" dirty="0" err="1" smtClean="0"/>
-              <a:t>elaboração</a:t>
-            </a:r>
-            <a:r>
-              <a:rPr lang="en-US" dirty="0" smtClean="0"/>
-              <a:t> de </a:t>
-            </a:r>
-            <a:r>
-              <a:rPr lang="en-US" dirty="0" err="1" smtClean="0"/>
-              <a:t>documentação</a:t>
-            </a:r>
-            <a:r>
-              <a:rPr lang="en-US" dirty="0" smtClean="0"/>
-              <a:t> de </a:t>
-            </a:r>
-            <a:r>
-              <a:rPr lang="en-US" dirty="0" err="1" smtClean="0"/>
-              <a:t>análise</a:t>
-            </a:r>
-            <a:r>
-              <a:rPr lang="en-US" dirty="0" smtClean="0"/>
-              <a:t> e design da </a:t>
-            </a:r>
-            <a:r>
-              <a:rPr lang="en-US" dirty="0" err="1" smtClean="0"/>
-              <a:t>solução</a:t>
-            </a:r>
-            <a:r>
-              <a:rPr lang="en-US" dirty="0" smtClean="0"/>
-              <a:t> para </a:t>
-            </a:r>
-            <a:r>
-              <a:rPr lang="en-US" dirty="0" err="1" smtClean="0"/>
-              <a:t>cada</a:t>
-            </a:r>
-            <a:r>
-              <a:rPr lang="en-US" dirty="0" smtClean="0"/>
-              <a:t> </a:t>
-            </a:r>
-            <a:r>
-              <a:rPr lang="en-US" dirty="0" err="1" smtClean="0"/>
-              <a:t>requisito</a:t>
-            </a:r>
-            <a:endParaRPr lang="en-US" dirty="0" smtClean="0"/>
-          </a:p>
-          <a:p>
-            <a:r>
-              <a:rPr lang="en-US" dirty="0" err="1" smtClean="0"/>
-              <a:t>Adoção</a:t>
-            </a:r>
-            <a:r>
-              <a:rPr lang="en-US" dirty="0" smtClean="0"/>
-              <a:t> da </a:t>
-            </a:r>
-            <a:r>
-              <a:rPr lang="en-US" dirty="0" err="1" smtClean="0"/>
-              <a:t>ferramenta</a:t>
-            </a:r>
-            <a:r>
-              <a:rPr lang="en-US" dirty="0" smtClean="0"/>
-              <a:t> de </a:t>
-            </a:r>
-            <a:r>
-              <a:rPr lang="en-US" dirty="0" err="1" smtClean="0"/>
-              <a:t>controlo</a:t>
-            </a:r>
-            <a:r>
-              <a:rPr lang="en-US" dirty="0" smtClean="0"/>
-              <a:t> de </a:t>
-            </a:r>
-            <a:r>
-              <a:rPr lang="en-US" dirty="0" err="1" smtClean="0"/>
-              <a:t>versões</a:t>
-            </a:r>
-            <a:r>
-              <a:rPr lang="en-US" dirty="0" smtClean="0"/>
-              <a:t> </a:t>
-            </a:r>
-            <a:r>
-              <a:rPr lang="en-US" dirty="0" err="1" smtClean="0"/>
-              <a:t>Git</a:t>
-            </a:r>
-            <a:endParaRPr lang="en-US" dirty="0" smtClean="0"/>
-          </a:p>
-          <a:p>
-            <a:r>
-              <a:rPr lang="en-US" dirty="0">
-                <a:hlinkClick r:id="rId2"/>
-              </a:rPr>
-              <a:t>https://bitbucket.org/1161882/lei19-20_s5_3na_64/issues/84/arqsi_47_0-arquitetura-da-solu-o-api</a:t>
-            </a:r>
-            <a:endParaRPr lang="en-US" dirty="0" smtClean="0"/>
-          </a:p>
-          <a:p>
-            <a:endParaRPr lang="en-US" dirty="0"/>
-          </a:p>
-        </p:txBody>
-      </p:sp>
-      <p:pic>
-        <p:nvPicPr>
-          <p:cNvPr id="5" name="Picture 4"/>
-          <p:cNvPicPr>
-            <a:picLocks noChangeAspect="1"/>
-          </p:cNvPicPr>
-          <p:nvPr/>
-        </p:nvPicPr>
-        <p:blipFill>
-          <a:blip r:embed="rId3"/>
-          <a:stretch>
-            <a:fillRect/>
-          </a:stretch>
-        </p:blipFill>
-        <p:spPr>
-          <a:xfrm>
-            <a:off x="288103" y="1364974"/>
-            <a:ext cx="5675376" cy="5129589"/>
-          </a:xfrm>
-          <a:prstGeom prst="rect">
-            <a:avLst/>
-          </a:prstGeom>
-        </p:spPr>
-      </p:pic>
-    </p:spTree>
-    <p:extLst>
-      <p:ext uri="{BB962C8B-B14F-4D97-AF65-F5344CB8AC3E}">
-        <p14:creationId xmlns:p14="http://schemas.microsoft.com/office/powerpoint/2010/main" val="1015140652"/>
-      </p:ext>
-    </p:extLst>
-  </p:cSld>
-  <p:clrMapOvr>
-    <a:masterClrMapping/>
-  </p:clrMapOvr>
-  <p:timing>
-    <p:tnLst>
-      <p:par>
-        <p:cTn id="1" dur="indefinite" restart="never" nodeType="tmRoot"/>
-      </p:par>
-    </p:tnLst>
-  </p:timing>
-</p:sld>
-</file>
-
-<file path=ppt/slides/slide4.xml><?xml version="1.0" encoding="utf-8"?>
-<p:sld xmlns:a="http://schemas.openxmlformats.org/drawingml/2006/main" xmlns:r="http://schemas.openxmlformats.org/officeDocument/2006/relationships" xmlns:p="http://schemas.openxmlformats.org/presentationml/2006/main">
-  <p:cSld>
-    <p:spTree>
-      <p:nvGrpSpPr>
-        <p:cNvPr id="1" name=""/>
-        <p:cNvGrpSpPr/>
-        <p:nvPr/>
-      </p:nvGrpSpPr>
-      <p:grpSpPr>
-        <a:xfrm>
-          <a:off x="0" y="0"/>
-          <a:ext cx="0" cy="0"/>
-          <a:chOff x="0" y="0"/>
-          <a:chExt cx="0" cy="0"/>
-        </a:xfrm>
-      </p:grpSpPr>
-      <p:sp>
-        <p:nvSpPr>
-          <p:cNvPr id="2" name="Title 1"/>
-          <p:cNvSpPr>
-            <a:spLocks noGrp="1"/>
-          </p:cNvSpPr>
-          <p:nvPr>
-            <p:ph type="title"/>
-          </p:nvPr>
-        </p:nvSpPr>
-        <p:spPr>
-          <a:xfrm>
-            <a:off x="1287622" y="134666"/>
-            <a:ext cx="9404723" cy="1031525"/>
-          </a:xfrm>
-        </p:spPr>
-        <p:txBody>
-          <a:bodyPr anchor="ctr"/>
-          <a:lstStyle/>
-          <a:p>
-            <a:pPr algn="ctr"/>
-            <a:r>
-              <a:rPr lang="en-US" dirty="0" err="1" smtClean="0"/>
-              <a:t>Metodologia</a:t>
-            </a:r>
-            <a:r>
-              <a:rPr lang="en-US" dirty="0" smtClean="0"/>
-              <a:t> de </a:t>
-            </a:r>
-            <a:r>
-              <a:rPr lang="en-US" dirty="0" err="1" smtClean="0"/>
-              <a:t>trabalho</a:t>
-            </a:r>
-            <a:endParaRPr lang="en-US" dirty="0"/>
-          </a:p>
-        </p:txBody>
-      </p:sp>
-      <p:sp>
-        <p:nvSpPr>
-          <p:cNvPr id="3" name="Content Placeholder 2"/>
-          <p:cNvSpPr>
-            <a:spLocks noGrp="1"/>
-          </p:cNvSpPr>
-          <p:nvPr>
-            <p:ph idx="1"/>
-          </p:nvPr>
-        </p:nvSpPr>
-        <p:spPr>
-          <a:xfrm>
-            <a:off x="6069496" y="2052918"/>
-            <a:ext cx="5141843" cy="4195481"/>
-          </a:xfrm>
-        </p:spPr>
-        <p:txBody>
-          <a:bodyPr/>
-          <a:lstStyle/>
-          <a:p>
-            <a:r>
-              <a:rPr lang="en-US" dirty="0" smtClean="0"/>
-              <a:t>Issue de </a:t>
-            </a:r>
-            <a:r>
-              <a:rPr lang="en-US" dirty="0" err="1" smtClean="0"/>
-              <a:t>integração</a:t>
-            </a:r>
-            <a:r>
-              <a:rPr lang="en-US" dirty="0" smtClean="0"/>
-              <a:t> entre modulo de </a:t>
-            </a:r>
-            <a:r>
-              <a:rPr lang="en-US" dirty="0" err="1" smtClean="0"/>
-              <a:t>planeamento</a:t>
-            </a:r>
-            <a:r>
-              <a:rPr lang="en-US" dirty="0" smtClean="0"/>
-              <a:t> de </a:t>
-            </a:r>
-            <a:r>
-              <a:rPr lang="en-US" dirty="0" err="1" smtClean="0"/>
-              <a:t>produção</a:t>
-            </a:r>
-            <a:r>
-              <a:rPr lang="en-US" dirty="0" smtClean="0"/>
-              <a:t> e modulo de </a:t>
-            </a:r>
-            <a:r>
-              <a:rPr lang="en-US" dirty="0" err="1" smtClean="0"/>
-              <a:t>visualização</a:t>
-            </a:r>
-            <a:endParaRPr lang="en-US" dirty="0" smtClean="0"/>
-          </a:p>
-          <a:p>
-            <a:r>
-              <a:rPr lang="en-US" dirty="0">
-                <a:hlinkClick r:id="rId2"/>
-              </a:rPr>
-              <a:t>https://bitbucket.org/1161882/lei19-20_s5_3na_64/issues/138/lapr5-m-dulo-productionplanning-integra-o</a:t>
-            </a:r>
-            <a:endParaRPr lang="en-US" dirty="0"/>
-          </a:p>
-        </p:txBody>
-      </p:sp>
-      <p:pic>
-        <p:nvPicPr>
-          <p:cNvPr id="4" name="Picture 3"/>
-          <p:cNvPicPr>
-            <a:picLocks noChangeAspect="1"/>
-          </p:cNvPicPr>
-          <p:nvPr/>
-        </p:nvPicPr>
-        <p:blipFill>
-          <a:blip r:embed="rId3"/>
-          <a:stretch>
-            <a:fillRect/>
-          </a:stretch>
-        </p:blipFill>
-        <p:spPr>
-          <a:xfrm>
-            <a:off x="104016" y="1711100"/>
-            <a:ext cx="5965480" cy="4879115"/>
-          </a:xfrm>
-          <a:prstGeom prst="rect">
-            <a:avLst/>
-          </a:prstGeom>
-        </p:spPr>
-      </p:pic>
-    </p:spTree>
-    <p:extLst>
-      <p:ext uri="{BB962C8B-B14F-4D97-AF65-F5344CB8AC3E}">
-        <p14:creationId xmlns:p14="http://schemas.microsoft.com/office/powerpoint/2010/main" val="1287465448"/>
-      </p:ext>
-    </p:extLst>
-  </p:cSld>
-  <p:clrMapOvr>
-    <a:masterClrMapping/>
-  </p:clrMapOvr>
-  <p:timing>
-    <p:tnLst>
-      <p:par>
-        <p:cTn id="1" dur="indefinite" restart="never" nodeType="tmRoot"/>
-      </p:par>
-    </p:tnLst>
-  </p:timing>
-</p:sld>
-</file>
-
-<file path=ppt/slides/slide5.xml><?xml version="1.0" encoding="utf-8"?>
-<p:sld xmlns:a="http://schemas.openxmlformats.org/drawingml/2006/main" xmlns:r="http://schemas.openxmlformats.org/officeDocument/2006/relationships" xmlns:p="http://schemas.openxmlformats.org/presentationml/2006/main">
-  <p:cSld>
-    <p:spTree>
-      <p:nvGrpSpPr>
-        <p:cNvPr id="1" name=""/>
-        <p:cNvGrpSpPr/>
-        <p:nvPr/>
-      </p:nvGrpSpPr>
-      <p:grpSpPr>
-        <a:xfrm>
-          <a:off x="0" y="0"/>
-          <a:ext cx="0" cy="0"/>
-          <a:chOff x="0" y="0"/>
-          <a:chExt cx="0" cy="0"/>
-        </a:xfrm>
-      </p:grpSpPr>
-      <p:sp>
-        <p:nvSpPr>
-          <p:cNvPr id="4" name="Title 1"/>
+      <p:sp>
+        <p:nvSpPr>
+          <p:cNvPr id="9" name="Content Placeholder 2"/>
           <p:cNvSpPr txBox="1">
             <a:spLocks/>
           </p:cNvSpPr>
@@ -9028,135 +7225,8 @@
         </p:nvSpPr>
         <p:spPr>
           <a:xfrm>
-            <a:off x="1287622" y="134666"/>
-            <a:ext cx="9404723" cy="1031525"/>
-          </a:xfrm>
-          <a:prstGeom prst="rect">
-            <a:avLst/>
-          </a:prstGeom>
-        </p:spPr>
-        <p:txBody>
-          <a:bodyPr vert="horz" lIns="91440" tIns="45720" rIns="91440" bIns="45720" rtlCol="0" anchor="ctr">
-            <a:noAutofit/>
-          </a:bodyPr>
-          <a:lstStyle>
-            <a:lvl1pPr algn="l" defTabSz="457200" rtl="0" eaLnBrk="1" latinLnBrk="0" hangingPunct="1">
-              <a:spcBef>
-                <a:spcPct val="0"/>
-              </a:spcBef>
-              <a:buNone/>
-              <a:defRPr sz="4200" b="0" i="0" kern="1200">
-                <a:solidFill>
-                  <a:schemeClr val="tx2"/>
-                </a:solidFill>
-                <a:latin typeface="+mj-lt"/>
-                <a:ea typeface="+mj-ea"/>
-                <a:cs typeface="+mj-cs"/>
-              </a:defRPr>
-            </a:lvl1pPr>
-            <a:lvl2pPr eaLnBrk="1" hangingPunct="1">
-              <a:defRPr>
-                <a:solidFill>
-                  <a:schemeClr val="tx2"/>
-                </a:solidFill>
-              </a:defRPr>
-            </a:lvl2pPr>
-            <a:lvl3pPr eaLnBrk="1" hangingPunct="1">
-              <a:defRPr>
-                <a:solidFill>
-                  <a:schemeClr val="tx2"/>
-                </a:solidFill>
-              </a:defRPr>
-            </a:lvl3pPr>
-            <a:lvl4pPr eaLnBrk="1" hangingPunct="1">
-              <a:defRPr>
-                <a:solidFill>
-                  <a:schemeClr val="tx2"/>
-                </a:solidFill>
-              </a:defRPr>
-            </a:lvl4pPr>
-            <a:lvl5pPr eaLnBrk="1" hangingPunct="1">
-              <a:defRPr>
-                <a:solidFill>
-                  <a:schemeClr val="tx2"/>
-                </a:solidFill>
-              </a:defRPr>
-            </a:lvl5pPr>
-            <a:lvl6pPr eaLnBrk="1" hangingPunct="1">
-              <a:defRPr>
-                <a:solidFill>
-                  <a:schemeClr val="tx2"/>
-                </a:solidFill>
-              </a:defRPr>
-            </a:lvl6pPr>
-            <a:lvl7pPr eaLnBrk="1" hangingPunct="1">
-              <a:defRPr>
-                <a:solidFill>
-                  <a:schemeClr val="tx2"/>
-                </a:solidFill>
-              </a:defRPr>
-            </a:lvl7pPr>
-            <a:lvl8pPr eaLnBrk="1" hangingPunct="1">
-              <a:defRPr>
-                <a:solidFill>
-                  <a:schemeClr val="tx2"/>
-                </a:solidFill>
-              </a:defRPr>
-            </a:lvl8pPr>
-            <a:lvl9pPr eaLnBrk="1" hangingPunct="1">
-              <a:defRPr>
-                <a:solidFill>
-                  <a:schemeClr val="tx2"/>
-                </a:solidFill>
-              </a:defRPr>
-            </a:lvl9pPr>
-          </a:lstStyle>
-          <a:p>
-            <a:pPr algn="ctr"/>
-            <a:r>
-              <a:rPr lang="en-US" smtClean="0"/>
-              <a:t>Metodologia de trabalho</a:t>
-            </a:r>
-            <a:endParaRPr lang="en-US" dirty="0"/>
-          </a:p>
-        </p:txBody>
-      </p:sp>
-      <p:pic>
-        <p:nvPicPr>
-          <p:cNvPr id="5" name="Picture 4"/>
-          <p:cNvPicPr>
-            <a:picLocks noChangeAspect="1"/>
-          </p:cNvPicPr>
-          <p:nvPr/>
-        </p:nvPicPr>
-        <p:blipFill>
-          <a:blip r:embed="rId2"/>
-          <a:stretch>
-            <a:fillRect/>
-          </a:stretch>
-        </p:blipFill>
-        <p:spPr>
-          <a:xfrm>
-            <a:off x="361551" y="1654667"/>
-            <a:ext cx="6129402" cy="4810796"/>
-          </a:xfrm>
-          <a:prstGeom prst="rect">
-            <a:avLst/>
-          </a:prstGeom>
-        </p:spPr>
-      </p:pic>
-      <p:sp>
-        <p:nvSpPr>
-          <p:cNvPr id="6" name="Content Placeholder 2"/>
-          <p:cNvSpPr txBox="1">
-            <a:spLocks/>
-          </p:cNvSpPr>
-          <p:nvPr/>
-        </p:nvSpPr>
-        <p:spPr>
-          <a:xfrm>
-            <a:off x="6610408" y="2052917"/>
-            <a:ext cx="5141843" cy="4195481"/>
+            <a:off x="1378039" y="5767290"/>
+            <a:ext cx="4262907" cy="1387698"/>
           </a:xfrm>
           <a:prstGeom prst="rect">
             <a:avLst/>
@@ -9395,6 +7465,2370 @@
           </a:lstStyle>
           <a:p>
             <a:r>
+              <a:rPr lang="en-US" dirty="0" err="1" smtClean="0"/>
+              <a:t>Exercício</a:t>
+            </a:r>
+            <a:r>
+              <a:rPr lang="en-US" dirty="0" smtClean="0"/>
+              <a:t> do </a:t>
+            </a:r>
+            <a:r>
+              <a:rPr lang="en-US" dirty="0" err="1" smtClean="0"/>
+              <a:t>direito</a:t>
+            </a:r>
+            <a:r>
+              <a:rPr lang="en-US" dirty="0" smtClean="0"/>
+              <a:t> </a:t>
+            </a:r>
+            <a:r>
+              <a:rPr lang="en-US" dirty="0" err="1" smtClean="0"/>
+              <a:t>ao</a:t>
+            </a:r>
+            <a:r>
+              <a:rPr lang="en-US" dirty="0" smtClean="0"/>
+              <a:t> </a:t>
+            </a:r>
+            <a:r>
+              <a:rPr lang="en-US" dirty="0" err="1" smtClean="0"/>
+              <a:t>esquecimento</a:t>
+            </a:r>
+            <a:endParaRPr lang="en-US" dirty="0" smtClean="0"/>
+          </a:p>
+        </p:txBody>
+      </p:sp>
+    </p:spTree>
+    <p:extLst>
+      <p:ext uri="{BB962C8B-B14F-4D97-AF65-F5344CB8AC3E}">
+        <p14:creationId xmlns:p14="http://schemas.microsoft.com/office/powerpoint/2010/main" val="317241584"/>
+      </p:ext>
+    </p:extLst>
+  </p:cSld>
+  <p:clrMapOvr>
+    <a:masterClrMapping/>
+  </p:clrMapOvr>
+  <p:timing>
+    <p:tnLst>
+      <p:par>
+        <p:cTn id="1" dur="indefinite" restart="never" nodeType="tmRoot"/>
+      </p:par>
+    </p:tnLst>
+  </p:timing>
+</p:sld>
+</file>
+
+<file path=ppt/slides/slide16.xml><?xml version="1.0" encoding="utf-8"?>
+<p:sld xmlns:a="http://schemas.openxmlformats.org/drawingml/2006/main" xmlns:r="http://schemas.openxmlformats.org/officeDocument/2006/relationships" xmlns:p="http://schemas.openxmlformats.org/presentationml/2006/main">
+  <p:cSld>
+    <p:spTree>
+      <p:nvGrpSpPr>
+        <p:cNvPr id="1" name=""/>
+        <p:cNvGrpSpPr/>
+        <p:nvPr/>
+      </p:nvGrpSpPr>
+      <p:grpSpPr>
+        <a:xfrm>
+          <a:off x="0" y="0"/>
+          <a:ext cx="0" cy="0"/>
+          <a:chOff x="0" y="0"/>
+          <a:chExt cx="0" cy="0"/>
+        </a:xfrm>
+      </p:grpSpPr>
+      <p:sp>
+        <p:nvSpPr>
+          <p:cNvPr id="2" name="Title 1"/>
+          <p:cNvSpPr>
+            <a:spLocks noGrp="1"/>
+          </p:cNvSpPr>
+          <p:nvPr>
+            <p:ph type="title"/>
+          </p:nvPr>
+        </p:nvSpPr>
+        <p:spPr>
+          <a:xfrm>
+            <a:off x="874220" y="0"/>
+            <a:ext cx="9404723" cy="1400530"/>
+          </a:xfrm>
+        </p:spPr>
+        <p:txBody>
+          <a:bodyPr anchor="ctr"/>
+          <a:lstStyle/>
+          <a:p>
+            <a:pPr algn="ctr"/>
+            <a:r>
+              <a:rPr lang="en-US" dirty="0" err="1"/>
+              <a:t>Á</a:t>
+            </a:r>
+            <a:r>
+              <a:rPr lang="en-US" dirty="0" err="1" smtClean="0"/>
+              <a:t>rea</a:t>
+            </a:r>
+            <a:r>
+              <a:rPr lang="en-US" dirty="0" smtClean="0"/>
+              <a:t> </a:t>
+            </a:r>
+            <a:r>
+              <a:rPr lang="en-US" dirty="0" err="1" smtClean="0"/>
+              <a:t>cliente</a:t>
+            </a:r>
+            <a:endParaRPr lang="en-US" dirty="0"/>
+          </a:p>
+        </p:txBody>
+      </p:sp>
+      <p:sp>
+        <p:nvSpPr>
+          <p:cNvPr id="3" name="Content Placeholder 2"/>
+          <p:cNvSpPr>
+            <a:spLocks noGrp="1"/>
+          </p:cNvSpPr>
+          <p:nvPr>
+            <p:ph idx="1"/>
+          </p:nvPr>
+        </p:nvSpPr>
+        <p:spPr>
+          <a:xfrm>
+            <a:off x="1741868" y="5010846"/>
+            <a:ext cx="8946541" cy="1096849"/>
+          </a:xfrm>
+        </p:spPr>
+        <p:txBody>
+          <a:bodyPr>
+            <a:normAutofit/>
+          </a:bodyPr>
+          <a:lstStyle/>
+          <a:p>
+            <a:r>
+              <a:rPr lang="en-US" dirty="0" err="1" smtClean="0"/>
+              <a:t>Consulta</a:t>
+            </a:r>
+            <a:r>
+              <a:rPr lang="en-US" dirty="0" smtClean="0"/>
+              <a:t> </a:t>
+            </a:r>
+            <a:r>
+              <a:rPr lang="en-US" dirty="0" smtClean="0"/>
+              <a:t>e </a:t>
+            </a:r>
+            <a:r>
+              <a:rPr lang="en-US" dirty="0" err="1" smtClean="0"/>
+              <a:t>edição</a:t>
+            </a:r>
+            <a:r>
+              <a:rPr lang="en-US" dirty="0" smtClean="0"/>
+              <a:t> de dados do </a:t>
+            </a:r>
+            <a:r>
+              <a:rPr lang="en-US" dirty="0" err="1" smtClean="0"/>
+              <a:t>cliente</a:t>
+            </a:r>
+            <a:r>
+              <a:rPr lang="en-US" dirty="0" smtClean="0"/>
+              <a:t> </a:t>
+            </a:r>
+            <a:r>
+              <a:rPr lang="en-US" dirty="0" err="1" smtClean="0"/>
+              <a:t>logado</a:t>
+            </a:r>
+            <a:endParaRPr lang="en-US" dirty="0" smtClean="0"/>
+          </a:p>
+        </p:txBody>
+      </p:sp>
+      <p:pic>
+        <p:nvPicPr>
+          <p:cNvPr id="4" name="Picture 3"/>
+          <p:cNvPicPr>
+            <a:picLocks noChangeAspect="1"/>
+          </p:cNvPicPr>
+          <p:nvPr/>
+        </p:nvPicPr>
+        <p:blipFill rotWithShape="1">
+          <a:blip r:embed="rId2"/>
+          <a:srcRect b="13435"/>
+          <a:stretch/>
+        </p:blipFill>
+        <p:spPr>
+          <a:xfrm>
+            <a:off x="1741868" y="1258864"/>
+            <a:ext cx="8708264" cy="3609350"/>
+          </a:xfrm>
+          <a:prstGeom prst="rect">
+            <a:avLst/>
+          </a:prstGeom>
+        </p:spPr>
+      </p:pic>
+    </p:spTree>
+    <p:extLst>
+      <p:ext uri="{BB962C8B-B14F-4D97-AF65-F5344CB8AC3E}">
+        <p14:creationId xmlns:p14="http://schemas.microsoft.com/office/powerpoint/2010/main" val="30193870"/>
+      </p:ext>
+    </p:extLst>
+  </p:cSld>
+  <p:clrMapOvr>
+    <a:masterClrMapping/>
+  </p:clrMapOvr>
+  <p:timing>
+    <p:tnLst>
+      <p:par>
+        <p:cTn id="1" dur="indefinite" restart="never" nodeType="tmRoot"/>
+      </p:par>
+    </p:tnLst>
+  </p:timing>
+</p:sld>
+</file>
+
+<file path=ppt/slides/slide17.xml><?xml version="1.0" encoding="utf-8"?>
+<p:sld xmlns:a="http://schemas.openxmlformats.org/drawingml/2006/main" xmlns:r="http://schemas.openxmlformats.org/officeDocument/2006/relationships" xmlns:p="http://schemas.openxmlformats.org/presentationml/2006/main">
+  <p:cSld>
+    <p:spTree>
+      <p:nvGrpSpPr>
+        <p:cNvPr id="1" name=""/>
+        <p:cNvGrpSpPr/>
+        <p:nvPr/>
+      </p:nvGrpSpPr>
+      <p:grpSpPr>
+        <a:xfrm>
+          <a:off x="0" y="0"/>
+          <a:ext cx="0" cy="0"/>
+          <a:chOff x="0" y="0"/>
+          <a:chExt cx="0" cy="0"/>
+        </a:xfrm>
+      </p:grpSpPr>
+      <p:sp>
+        <p:nvSpPr>
+          <p:cNvPr id="2" name="Title 1"/>
+          <p:cNvSpPr>
+            <a:spLocks noGrp="1"/>
+          </p:cNvSpPr>
+          <p:nvPr>
+            <p:ph type="title"/>
+          </p:nvPr>
+        </p:nvSpPr>
+        <p:spPr>
+          <a:xfrm>
+            <a:off x="874220" y="0"/>
+            <a:ext cx="9404723" cy="1400530"/>
+          </a:xfrm>
+        </p:spPr>
+        <p:txBody>
+          <a:bodyPr anchor="ctr"/>
+          <a:lstStyle/>
+          <a:p>
+            <a:pPr algn="ctr"/>
+            <a:r>
+              <a:rPr lang="en-US" dirty="0" err="1"/>
+              <a:t>Á</a:t>
+            </a:r>
+            <a:r>
+              <a:rPr lang="en-US" dirty="0" err="1" smtClean="0"/>
+              <a:t>rea</a:t>
+            </a:r>
+            <a:r>
+              <a:rPr lang="en-US" dirty="0" smtClean="0"/>
+              <a:t> </a:t>
+            </a:r>
+            <a:r>
+              <a:rPr lang="en-US" dirty="0" err="1" smtClean="0"/>
+              <a:t>clientes</a:t>
+            </a:r>
+            <a:r>
+              <a:rPr lang="en-US" dirty="0" smtClean="0"/>
+              <a:t> (</a:t>
+            </a:r>
+            <a:r>
+              <a:rPr lang="en-US" dirty="0" err="1" smtClean="0"/>
+              <a:t>configurador</a:t>
+            </a:r>
+            <a:r>
+              <a:rPr lang="en-US" dirty="0" smtClean="0"/>
+              <a:t>)</a:t>
+            </a:r>
+            <a:endParaRPr lang="en-US" dirty="0"/>
+          </a:p>
+        </p:txBody>
+      </p:sp>
+      <p:sp>
+        <p:nvSpPr>
+          <p:cNvPr id="3" name="Content Placeholder 2"/>
+          <p:cNvSpPr>
+            <a:spLocks noGrp="1"/>
+          </p:cNvSpPr>
+          <p:nvPr>
+            <p:ph idx="1"/>
+          </p:nvPr>
+        </p:nvSpPr>
+        <p:spPr>
+          <a:xfrm>
+            <a:off x="1741868" y="5010846"/>
+            <a:ext cx="7633951" cy="1096849"/>
+          </a:xfrm>
+        </p:spPr>
+        <p:txBody>
+          <a:bodyPr>
+            <a:normAutofit lnSpcReduction="10000"/>
+          </a:bodyPr>
+          <a:lstStyle/>
+          <a:p>
+            <a:r>
+              <a:rPr lang="en-US" dirty="0" err="1" smtClean="0"/>
+              <a:t>Consulta</a:t>
+            </a:r>
+            <a:r>
+              <a:rPr lang="en-US" dirty="0" smtClean="0"/>
+              <a:t> de dados de </a:t>
+            </a:r>
+            <a:r>
+              <a:rPr lang="en-US" dirty="0" err="1" smtClean="0"/>
+              <a:t>todos</a:t>
+            </a:r>
+            <a:r>
+              <a:rPr lang="en-US" dirty="0" smtClean="0"/>
+              <a:t> </a:t>
+            </a:r>
+            <a:r>
+              <a:rPr lang="en-US" dirty="0" err="1" smtClean="0"/>
+              <a:t>os</a:t>
+            </a:r>
+            <a:r>
+              <a:rPr lang="en-US" dirty="0" smtClean="0"/>
+              <a:t> </a:t>
+            </a:r>
+            <a:r>
+              <a:rPr lang="en-US" dirty="0" err="1" smtClean="0"/>
+              <a:t>clientes</a:t>
+            </a:r>
+            <a:endParaRPr lang="en-US" dirty="0" smtClean="0"/>
+          </a:p>
+          <a:p>
+            <a:r>
+              <a:rPr lang="en-US" dirty="0" smtClean="0"/>
+              <a:t>Mais </a:t>
+            </a:r>
+            <a:r>
+              <a:rPr lang="en-US" dirty="0" err="1" smtClean="0"/>
+              <a:t>permissões</a:t>
+            </a:r>
+            <a:r>
+              <a:rPr lang="en-US" dirty="0" smtClean="0"/>
+              <a:t> </a:t>
+            </a:r>
+            <a:r>
+              <a:rPr lang="en-US" dirty="0" err="1" smtClean="0"/>
+              <a:t>podem</a:t>
+            </a:r>
+            <a:r>
+              <a:rPr lang="en-US" dirty="0" smtClean="0"/>
+              <a:t> </a:t>
+            </a:r>
+            <a:r>
+              <a:rPr lang="en-US" dirty="0" err="1" smtClean="0"/>
+              <a:t>ser</a:t>
+            </a:r>
+            <a:r>
+              <a:rPr lang="en-US" dirty="0" smtClean="0"/>
+              <a:t> </a:t>
+            </a:r>
+            <a:r>
+              <a:rPr lang="en-US" dirty="0" err="1" smtClean="0"/>
+              <a:t>garantidas</a:t>
+            </a:r>
+            <a:r>
+              <a:rPr lang="en-US" dirty="0" smtClean="0"/>
+              <a:t> </a:t>
+            </a:r>
+            <a:r>
+              <a:rPr lang="en-US" dirty="0" err="1" smtClean="0"/>
+              <a:t>ao</a:t>
+            </a:r>
+            <a:r>
+              <a:rPr lang="en-US" dirty="0" smtClean="0"/>
+              <a:t> </a:t>
+            </a:r>
+            <a:r>
+              <a:rPr lang="en-US" dirty="0" err="1" smtClean="0"/>
+              <a:t>configurador</a:t>
+            </a:r>
+            <a:r>
+              <a:rPr lang="en-US" dirty="0" smtClean="0"/>
+              <a:t> </a:t>
+            </a:r>
+            <a:r>
+              <a:rPr lang="en-US" dirty="0" err="1" smtClean="0"/>
+              <a:t>através</a:t>
+            </a:r>
+            <a:r>
+              <a:rPr lang="en-US" dirty="0" smtClean="0"/>
+              <a:t> de </a:t>
+            </a:r>
+            <a:r>
+              <a:rPr lang="en-US" dirty="0" err="1" smtClean="0"/>
+              <a:t>ficheiro</a:t>
+            </a:r>
+            <a:r>
+              <a:rPr lang="en-US" dirty="0" smtClean="0"/>
+              <a:t> de </a:t>
+            </a:r>
+            <a:r>
+              <a:rPr lang="en-US" dirty="0" err="1" smtClean="0"/>
+              <a:t>configuração</a:t>
+            </a:r>
+            <a:endParaRPr lang="en-US" dirty="0" smtClean="0"/>
+          </a:p>
+        </p:txBody>
+      </p:sp>
+      <p:pic>
+        <p:nvPicPr>
+          <p:cNvPr id="5" name="Picture 4"/>
+          <p:cNvPicPr>
+            <a:picLocks noChangeAspect="1"/>
+          </p:cNvPicPr>
+          <p:nvPr/>
+        </p:nvPicPr>
+        <p:blipFill>
+          <a:blip r:embed="rId2"/>
+          <a:stretch>
+            <a:fillRect/>
+          </a:stretch>
+        </p:blipFill>
+        <p:spPr>
+          <a:xfrm>
+            <a:off x="1228761" y="1400530"/>
+            <a:ext cx="9734479" cy="3471487"/>
+          </a:xfrm>
+          <a:prstGeom prst="rect">
+            <a:avLst/>
+          </a:prstGeom>
+        </p:spPr>
+      </p:pic>
+    </p:spTree>
+    <p:extLst>
+      <p:ext uri="{BB962C8B-B14F-4D97-AF65-F5344CB8AC3E}">
+        <p14:creationId xmlns:p14="http://schemas.microsoft.com/office/powerpoint/2010/main" val="2746321375"/>
+      </p:ext>
+    </p:extLst>
+  </p:cSld>
+  <p:clrMapOvr>
+    <a:masterClrMapping/>
+  </p:clrMapOvr>
+  <p:timing>
+    <p:tnLst>
+      <p:par>
+        <p:cTn id="1" dur="indefinite" restart="never" nodeType="tmRoot"/>
+      </p:par>
+    </p:tnLst>
+  </p:timing>
+</p:sld>
+</file>
+
+<file path=ppt/slides/slide18.xml><?xml version="1.0" encoding="utf-8"?>
+<p:sld xmlns:a="http://schemas.openxmlformats.org/drawingml/2006/main" xmlns:r="http://schemas.openxmlformats.org/officeDocument/2006/relationships" xmlns:p="http://schemas.openxmlformats.org/presentationml/2006/main">
+  <p:cSld>
+    <p:spTree>
+      <p:nvGrpSpPr>
+        <p:cNvPr id="1" name=""/>
+        <p:cNvGrpSpPr/>
+        <p:nvPr/>
+      </p:nvGrpSpPr>
+      <p:grpSpPr>
+        <a:xfrm>
+          <a:off x="0" y="0"/>
+          <a:ext cx="0" cy="0"/>
+          <a:chOff x="0" y="0"/>
+          <a:chExt cx="0" cy="0"/>
+        </a:xfrm>
+      </p:grpSpPr>
+      <p:sp>
+        <p:nvSpPr>
+          <p:cNvPr id="2" name="Title 1"/>
+          <p:cNvSpPr>
+            <a:spLocks noGrp="1"/>
+          </p:cNvSpPr>
+          <p:nvPr>
+            <p:ph type="title"/>
+          </p:nvPr>
+        </p:nvSpPr>
+        <p:spPr>
+          <a:xfrm>
+            <a:off x="874220" y="0"/>
+            <a:ext cx="9404723" cy="1400530"/>
+          </a:xfrm>
+        </p:spPr>
+        <p:txBody>
+          <a:bodyPr anchor="ctr"/>
+          <a:lstStyle/>
+          <a:p>
+            <a:pPr algn="ctr"/>
+            <a:r>
+              <a:rPr lang="en-US" dirty="0" err="1" smtClean="0"/>
+              <a:t>Configuração</a:t>
+            </a:r>
+            <a:endParaRPr lang="en-US" dirty="0"/>
+          </a:p>
+        </p:txBody>
+      </p:sp>
+      <p:sp>
+        <p:nvSpPr>
+          <p:cNvPr id="3" name="Content Placeholder 2"/>
+          <p:cNvSpPr>
+            <a:spLocks noGrp="1"/>
+          </p:cNvSpPr>
+          <p:nvPr>
+            <p:ph idx="1"/>
+          </p:nvPr>
+        </p:nvSpPr>
+        <p:spPr>
+          <a:xfrm>
+            <a:off x="5087154" y="2160384"/>
+            <a:ext cx="6323527" cy="2192676"/>
+          </a:xfrm>
+        </p:spPr>
+        <p:txBody>
+          <a:bodyPr>
+            <a:normAutofit/>
+          </a:bodyPr>
+          <a:lstStyle/>
+          <a:p>
+            <a:r>
+              <a:rPr lang="en-US" dirty="0" err="1" smtClean="0"/>
+              <a:t>Ficheiro</a:t>
+            </a:r>
+            <a:r>
+              <a:rPr lang="en-US" dirty="0" smtClean="0"/>
+              <a:t> de </a:t>
+            </a:r>
+            <a:r>
+              <a:rPr lang="en-US" dirty="0" err="1" smtClean="0"/>
+              <a:t>configuração</a:t>
+            </a:r>
+            <a:r>
+              <a:rPr lang="en-US" dirty="0" smtClean="0"/>
+              <a:t> </a:t>
+            </a:r>
+          </a:p>
+          <a:p>
+            <a:r>
+              <a:rPr lang="en-US" dirty="0" err="1" smtClean="0"/>
+              <a:t>Edição</a:t>
+            </a:r>
+            <a:r>
+              <a:rPr lang="en-US" dirty="0" smtClean="0"/>
+              <a:t> de </a:t>
+            </a:r>
+            <a:r>
+              <a:rPr lang="en-US" dirty="0" err="1" smtClean="0"/>
+              <a:t>permissões</a:t>
+            </a:r>
+            <a:r>
+              <a:rPr lang="en-US" dirty="0" smtClean="0"/>
+              <a:t> dos </a:t>
+            </a:r>
+            <a:r>
+              <a:rPr lang="en-US" dirty="0" err="1" smtClean="0"/>
+              <a:t>vários</a:t>
+            </a:r>
+            <a:r>
+              <a:rPr lang="en-US" dirty="0" smtClean="0"/>
+              <a:t> </a:t>
+            </a:r>
+            <a:r>
+              <a:rPr lang="en-US" dirty="0" err="1" smtClean="0"/>
+              <a:t>papeis</a:t>
+            </a:r>
+            <a:r>
+              <a:rPr lang="en-US" dirty="0" smtClean="0"/>
+              <a:t> e </a:t>
+            </a:r>
+            <a:r>
+              <a:rPr lang="en-US" dirty="0" err="1" smtClean="0"/>
+              <a:t>administradores</a:t>
+            </a:r>
+            <a:endParaRPr lang="en-US" dirty="0" smtClean="0"/>
+          </a:p>
+          <a:p>
+            <a:pPr marL="0" indent="0">
+              <a:buNone/>
+            </a:pPr>
+            <a:endParaRPr lang="en-US" dirty="0" smtClean="0"/>
+          </a:p>
+        </p:txBody>
+      </p:sp>
+      <p:pic>
+        <p:nvPicPr>
+          <p:cNvPr id="4" name="Picture 3"/>
+          <p:cNvPicPr>
+            <a:picLocks noChangeAspect="1"/>
+          </p:cNvPicPr>
+          <p:nvPr/>
+        </p:nvPicPr>
+        <p:blipFill>
+          <a:blip r:embed="rId2"/>
+          <a:stretch>
+            <a:fillRect/>
+          </a:stretch>
+        </p:blipFill>
+        <p:spPr>
+          <a:xfrm>
+            <a:off x="223344" y="1081825"/>
+            <a:ext cx="4172532" cy="5600531"/>
+          </a:xfrm>
+          <a:prstGeom prst="rect">
+            <a:avLst/>
+          </a:prstGeom>
+        </p:spPr>
+      </p:pic>
+      <p:pic>
+        <p:nvPicPr>
+          <p:cNvPr id="6" name="Picture 5"/>
+          <p:cNvPicPr>
+            <a:picLocks noChangeAspect="1"/>
+          </p:cNvPicPr>
+          <p:nvPr/>
+        </p:nvPicPr>
+        <p:blipFill>
+          <a:blip r:embed="rId3">
+            <a:extLst>
+              <a:ext uri="{28A0092B-C50C-407E-A947-70E740481C1C}">
+                <a14:useLocalDpi xmlns:a14="http://schemas.microsoft.com/office/drawing/2010/main" val="0"/>
+              </a:ext>
+            </a:extLst>
+          </a:blip>
+          <a:stretch>
+            <a:fillRect/>
+          </a:stretch>
+        </p:blipFill>
+        <p:spPr>
+          <a:xfrm>
+            <a:off x="5177332" y="4033290"/>
+            <a:ext cx="3890225" cy="2649066"/>
+          </a:xfrm>
+          <a:prstGeom prst="rect">
+            <a:avLst/>
+          </a:prstGeom>
+        </p:spPr>
+      </p:pic>
+    </p:spTree>
+    <p:extLst>
+      <p:ext uri="{BB962C8B-B14F-4D97-AF65-F5344CB8AC3E}">
+        <p14:creationId xmlns:p14="http://schemas.microsoft.com/office/powerpoint/2010/main" val="3518902120"/>
+      </p:ext>
+    </p:extLst>
+  </p:cSld>
+  <p:clrMapOvr>
+    <a:masterClrMapping/>
+  </p:clrMapOvr>
+  <p:timing>
+    <p:tnLst>
+      <p:par>
+        <p:cTn id="1" dur="indefinite" restart="never" nodeType="tmRoot"/>
+      </p:par>
+    </p:tnLst>
+  </p:timing>
+</p:sld>
+</file>
+
+<file path=ppt/slides/slide19.xml><?xml version="1.0" encoding="utf-8"?>
+<p:sld xmlns:a="http://schemas.openxmlformats.org/drawingml/2006/main" xmlns:r="http://schemas.openxmlformats.org/officeDocument/2006/relationships" xmlns:p="http://schemas.openxmlformats.org/presentationml/2006/main">
+  <p:cSld>
+    <p:spTree>
+      <p:nvGrpSpPr>
+        <p:cNvPr id="1" name=""/>
+        <p:cNvGrpSpPr/>
+        <p:nvPr/>
+      </p:nvGrpSpPr>
+      <p:grpSpPr>
+        <a:xfrm>
+          <a:off x="0" y="0"/>
+          <a:ext cx="0" cy="0"/>
+          <a:chOff x="0" y="0"/>
+          <a:chExt cx="0" cy="0"/>
+        </a:xfrm>
+      </p:grpSpPr>
+      <p:sp>
+        <p:nvSpPr>
+          <p:cNvPr id="2" name="Title 1"/>
+          <p:cNvSpPr>
+            <a:spLocks noGrp="1"/>
+          </p:cNvSpPr>
+          <p:nvPr>
+            <p:ph type="title"/>
+          </p:nvPr>
+        </p:nvSpPr>
+        <p:spPr>
+          <a:xfrm>
+            <a:off x="874220" y="0"/>
+            <a:ext cx="9404723" cy="1400530"/>
+          </a:xfrm>
+        </p:spPr>
+        <p:txBody>
+          <a:bodyPr anchor="ctr"/>
+          <a:lstStyle/>
+          <a:p>
+            <a:pPr algn="ctr"/>
+            <a:r>
+              <a:rPr lang="en-US" dirty="0" err="1"/>
+              <a:t>Á</a:t>
+            </a:r>
+            <a:r>
+              <a:rPr lang="en-US" dirty="0" err="1" smtClean="0"/>
+              <a:t>rea</a:t>
+            </a:r>
+            <a:r>
+              <a:rPr lang="en-US" dirty="0" smtClean="0"/>
+              <a:t> </a:t>
+            </a:r>
+            <a:r>
+              <a:rPr lang="en-US" dirty="0" err="1" smtClean="0"/>
+              <a:t>encomendas</a:t>
+            </a:r>
+            <a:endParaRPr lang="en-US" dirty="0"/>
+          </a:p>
+        </p:txBody>
+      </p:sp>
+      <p:sp>
+        <p:nvSpPr>
+          <p:cNvPr id="3" name="Content Placeholder 2"/>
+          <p:cNvSpPr>
+            <a:spLocks noGrp="1"/>
+          </p:cNvSpPr>
+          <p:nvPr>
+            <p:ph idx="1"/>
+          </p:nvPr>
+        </p:nvSpPr>
+        <p:spPr>
+          <a:xfrm>
+            <a:off x="1622729" y="5448725"/>
+            <a:ext cx="8946541" cy="1096849"/>
+          </a:xfrm>
+        </p:spPr>
+        <p:txBody>
+          <a:bodyPr>
+            <a:normAutofit lnSpcReduction="10000"/>
+          </a:bodyPr>
+          <a:lstStyle/>
+          <a:p>
+            <a:r>
+              <a:rPr lang="en-US" dirty="0" err="1" smtClean="0"/>
+              <a:t>Criação</a:t>
+            </a:r>
+            <a:r>
+              <a:rPr lang="en-US" dirty="0" smtClean="0"/>
+              <a:t>, </a:t>
+            </a:r>
+            <a:r>
+              <a:rPr lang="en-US" dirty="0" err="1" smtClean="0"/>
+              <a:t>edição</a:t>
+            </a:r>
+            <a:r>
+              <a:rPr lang="en-US" dirty="0" smtClean="0"/>
+              <a:t>, </a:t>
+            </a:r>
+            <a:r>
+              <a:rPr lang="en-US" dirty="0" err="1" smtClean="0"/>
+              <a:t>consulta</a:t>
+            </a:r>
+            <a:r>
+              <a:rPr lang="en-US" dirty="0" smtClean="0"/>
+              <a:t> e </a:t>
+            </a:r>
+            <a:r>
+              <a:rPr lang="en-US" dirty="0" err="1" smtClean="0"/>
+              <a:t>cancelamento</a:t>
+            </a:r>
+            <a:r>
+              <a:rPr lang="en-US" dirty="0" smtClean="0"/>
+              <a:t> de </a:t>
+            </a:r>
+            <a:r>
+              <a:rPr lang="en-US" dirty="0" err="1" smtClean="0"/>
+              <a:t>encomendas</a:t>
+            </a:r>
+            <a:endParaRPr lang="en-US" dirty="0" smtClean="0"/>
+          </a:p>
+          <a:p>
+            <a:r>
+              <a:rPr lang="en-US" dirty="0" err="1" smtClean="0"/>
+              <a:t>Configurador</a:t>
+            </a:r>
+            <a:r>
+              <a:rPr lang="en-US" dirty="0" smtClean="0"/>
+              <a:t> </a:t>
+            </a:r>
+            <a:r>
+              <a:rPr lang="en-US" dirty="0" err="1" smtClean="0"/>
+              <a:t>consulta</a:t>
+            </a:r>
+            <a:r>
+              <a:rPr lang="en-US" dirty="0" smtClean="0"/>
+              <a:t>, </a:t>
+            </a:r>
+            <a:r>
+              <a:rPr lang="en-US" dirty="0" err="1" smtClean="0"/>
+              <a:t>edita</a:t>
+            </a:r>
+            <a:r>
+              <a:rPr lang="en-US" dirty="0" smtClean="0"/>
+              <a:t> e </a:t>
+            </a:r>
+            <a:r>
+              <a:rPr lang="en-US" dirty="0" err="1" smtClean="0"/>
+              <a:t>cancela</a:t>
+            </a:r>
+            <a:r>
+              <a:rPr lang="en-US" dirty="0" smtClean="0"/>
+              <a:t> </a:t>
+            </a:r>
+            <a:r>
+              <a:rPr lang="en-US" dirty="0" err="1" smtClean="0"/>
+              <a:t>encomendas</a:t>
+            </a:r>
+            <a:r>
+              <a:rPr lang="en-US" dirty="0" smtClean="0"/>
+              <a:t> de </a:t>
+            </a:r>
+            <a:r>
+              <a:rPr lang="en-US" dirty="0" err="1" smtClean="0"/>
+              <a:t>qualquer</a:t>
+            </a:r>
+            <a:r>
+              <a:rPr lang="en-US" dirty="0" smtClean="0"/>
+              <a:t> </a:t>
+            </a:r>
+            <a:r>
+              <a:rPr lang="en-US" dirty="0" err="1" smtClean="0"/>
+              <a:t>cliente</a:t>
+            </a:r>
+            <a:endParaRPr lang="en-US" dirty="0"/>
+          </a:p>
+        </p:txBody>
+      </p:sp>
+      <p:pic>
+        <p:nvPicPr>
+          <p:cNvPr id="5" name="Picture 4"/>
+          <p:cNvPicPr>
+            <a:picLocks noChangeAspect="1"/>
+          </p:cNvPicPr>
+          <p:nvPr/>
+        </p:nvPicPr>
+        <p:blipFill>
+          <a:blip r:embed="rId2"/>
+          <a:stretch>
+            <a:fillRect/>
+          </a:stretch>
+        </p:blipFill>
+        <p:spPr>
+          <a:xfrm>
+            <a:off x="1037584" y="1232046"/>
+            <a:ext cx="10116832" cy="3945261"/>
+          </a:xfrm>
+          <a:prstGeom prst="rect">
+            <a:avLst/>
+          </a:prstGeom>
+        </p:spPr>
+      </p:pic>
+    </p:spTree>
+    <p:extLst>
+      <p:ext uri="{BB962C8B-B14F-4D97-AF65-F5344CB8AC3E}">
+        <p14:creationId xmlns:p14="http://schemas.microsoft.com/office/powerpoint/2010/main" val="153547601"/>
+      </p:ext>
+    </p:extLst>
+  </p:cSld>
+  <p:clrMapOvr>
+    <a:masterClrMapping/>
+  </p:clrMapOvr>
+  <p:timing>
+    <p:tnLst>
+      <p:par>
+        <p:cTn id="1" dur="indefinite" restart="never" nodeType="tmRoot"/>
+      </p:par>
+    </p:tnLst>
+  </p:timing>
+</p:sld>
+</file>
+
+<file path=ppt/slides/slide2.xml><?xml version="1.0" encoding="utf-8"?>
+<p:sld xmlns:a="http://schemas.openxmlformats.org/drawingml/2006/main" xmlns:r="http://schemas.openxmlformats.org/officeDocument/2006/relationships" xmlns:p="http://schemas.openxmlformats.org/presentationml/2006/main">
+  <p:cSld>
+    <p:spTree>
+      <p:nvGrpSpPr>
+        <p:cNvPr id="1" name=""/>
+        <p:cNvGrpSpPr/>
+        <p:nvPr/>
+      </p:nvGrpSpPr>
+      <p:grpSpPr>
+        <a:xfrm>
+          <a:off x="0" y="0"/>
+          <a:ext cx="0" cy="0"/>
+          <a:chOff x="0" y="0"/>
+          <a:chExt cx="0" cy="0"/>
+        </a:xfrm>
+      </p:grpSpPr>
+      <p:sp>
+        <p:nvSpPr>
+          <p:cNvPr id="2" name="Title 1"/>
+          <p:cNvSpPr>
+            <a:spLocks noGrp="1"/>
+          </p:cNvSpPr>
+          <p:nvPr>
+            <p:ph type="title"/>
+          </p:nvPr>
+        </p:nvSpPr>
+        <p:spPr>
+          <a:xfrm>
+            <a:off x="1393639" y="452718"/>
+            <a:ext cx="9404723" cy="1400530"/>
+          </a:xfrm>
+        </p:spPr>
+        <p:txBody>
+          <a:bodyPr anchor="ctr"/>
+          <a:lstStyle/>
+          <a:p>
+            <a:pPr algn="ctr"/>
+            <a:r>
+              <a:rPr lang="en-US" dirty="0" err="1" smtClean="0"/>
+              <a:t>Metodologia</a:t>
+            </a:r>
+            <a:r>
+              <a:rPr lang="en-US" dirty="0" smtClean="0"/>
+              <a:t> de </a:t>
+            </a:r>
+            <a:r>
+              <a:rPr lang="en-US" dirty="0" err="1" smtClean="0"/>
+              <a:t>trabalho</a:t>
+            </a:r>
+            <a:endParaRPr lang="en-US" dirty="0"/>
+          </a:p>
+        </p:txBody>
+      </p:sp>
+      <p:sp>
+        <p:nvSpPr>
+          <p:cNvPr id="3" name="Content Placeholder 2"/>
+          <p:cNvSpPr>
+            <a:spLocks noGrp="1"/>
+          </p:cNvSpPr>
+          <p:nvPr>
+            <p:ph idx="1"/>
+          </p:nvPr>
+        </p:nvSpPr>
+        <p:spPr>
+          <a:xfrm>
+            <a:off x="6069496" y="2052918"/>
+            <a:ext cx="5141843" cy="4195481"/>
+          </a:xfrm>
+        </p:spPr>
+        <p:txBody>
+          <a:bodyPr/>
+          <a:lstStyle/>
+          <a:p>
+            <a:r>
+              <a:rPr lang="en-US" dirty="0" err="1" smtClean="0"/>
+              <a:t>Ferramenta</a:t>
+            </a:r>
+            <a:r>
+              <a:rPr lang="en-US" dirty="0" smtClean="0"/>
+              <a:t> </a:t>
+            </a:r>
+            <a:r>
+              <a:rPr lang="en-US" dirty="0" err="1" smtClean="0"/>
+              <a:t>BitBucket</a:t>
+            </a:r>
+            <a:r>
+              <a:rPr lang="en-US" dirty="0" smtClean="0"/>
+              <a:t> para </a:t>
+            </a:r>
+            <a:r>
+              <a:rPr lang="en-US" dirty="0" err="1" smtClean="0"/>
+              <a:t>gestão</a:t>
+            </a:r>
+            <a:r>
+              <a:rPr lang="en-US" dirty="0" smtClean="0"/>
+              <a:t> de issues.</a:t>
+            </a:r>
+          </a:p>
+          <a:p>
+            <a:r>
+              <a:rPr lang="en-US" dirty="0" smtClean="0"/>
+              <a:t>Issues </a:t>
+            </a:r>
+            <a:r>
+              <a:rPr lang="en-US" dirty="0" err="1" smtClean="0"/>
+              <a:t>divididos</a:t>
+            </a:r>
+            <a:r>
+              <a:rPr lang="en-US" dirty="0" smtClean="0"/>
+              <a:t> </a:t>
+            </a:r>
+            <a:r>
+              <a:rPr lang="en-US" dirty="0" err="1" smtClean="0"/>
+              <a:t>uniformemente</a:t>
+            </a:r>
+            <a:r>
+              <a:rPr lang="en-US" dirty="0" smtClean="0"/>
+              <a:t> </a:t>
+            </a:r>
+            <a:r>
+              <a:rPr lang="en-US" dirty="0" err="1" smtClean="0"/>
+              <a:t>pelos</a:t>
+            </a:r>
+            <a:r>
+              <a:rPr lang="en-US" dirty="0" smtClean="0"/>
+              <a:t> </a:t>
+            </a:r>
+            <a:r>
+              <a:rPr lang="en-US" dirty="0" err="1" smtClean="0"/>
+              <a:t>elementos</a:t>
+            </a:r>
+            <a:r>
+              <a:rPr lang="en-US" dirty="0" smtClean="0"/>
+              <a:t> do </a:t>
+            </a:r>
+            <a:r>
+              <a:rPr lang="en-US" dirty="0" err="1" smtClean="0"/>
+              <a:t>grupo</a:t>
+            </a:r>
+            <a:r>
+              <a:rPr lang="en-US" dirty="0" smtClean="0"/>
+              <a:t> no </a:t>
+            </a:r>
+            <a:r>
+              <a:rPr lang="en-US" dirty="0" err="1" smtClean="0"/>
+              <a:t>inicio</a:t>
+            </a:r>
+            <a:r>
+              <a:rPr lang="en-US" dirty="0" smtClean="0"/>
+              <a:t> de </a:t>
+            </a:r>
+            <a:r>
+              <a:rPr lang="en-US" dirty="0" err="1" smtClean="0"/>
+              <a:t>cada</a:t>
+            </a:r>
+            <a:r>
+              <a:rPr lang="en-US" dirty="0" smtClean="0"/>
+              <a:t> sprint.</a:t>
+            </a:r>
+          </a:p>
+          <a:p>
+            <a:r>
+              <a:rPr lang="en-US" dirty="0" err="1" smtClean="0"/>
+              <a:t>Divisão</a:t>
+            </a:r>
+            <a:r>
+              <a:rPr lang="en-US" dirty="0" smtClean="0"/>
+              <a:t> de </a:t>
+            </a:r>
+            <a:r>
+              <a:rPr lang="en-US" dirty="0" err="1" smtClean="0"/>
+              <a:t>responsabilidades</a:t>
+            </a:r>
+            <a:r>
+              <a:rPr lang="en-US" dirty="0" smtClean="0"/>
+              <a:t>.</a:t>
+            </a:r>
+          </a:p>
+          <a:p>
+            <a:endParaRPr lang="en-US" dirty="0"/>
+          </a:p>
+        </p:txBody>
+      </p:sp>
+      <p:pic>
+        <p:nvPicPr>
+          <p:cNvPr id="4" name="Picture 3"/>
+          <p:cNvPicPr>
+            <a:picLocks noChangeAspect="1"/>
+          </p:cNvPicPr>
+          <p:nvPr/>
+        </p:nvPicPr>
+        <p:blipFill>
+          <a:blip r:embed="rId2"/>
+          <a:stretch>
+            <a:fillRect/>
+          </a:stretch>
+        </p:blipFill>
+        <p:spPr>
+          <a:xfrm>
+            <a:off x="646111" y="1964491"/>
+            <a:ext cx="5232808" cy="4372333"/>
+          </a:xfrm>
+          <a:prstGeom prst="rect">
+            <a:avLst/>
+          </a:prstGeom>
+        </p:spPr>
+      </p:pic>
+    </p:spTree>
+    <p:extLst>
+      <p:ext uri="{BB962C8B-B14F-4D97-AF65-F5344CB8AC3E}">
+        <p14:creationId xmlns:p14="http://schemas.microsoft.com/office/powerpoint/2010/main" val="1125453224"/>
+      </p:ext>
+    </p:extLst>
+  </p:cSld>
+  <p:clrMapOvr>
+    <a:masterClrMapping/>
+  </p:clrMapOvr>
+  <p:timing>
+    <p:tnLst>
+      <p:par>
+        <p:cTn id="1" dur="indefinite" restart="never" nodeType="tmRoot"/>
+      </p:par>
+    </p:tnLst>
+  </p:timing>
+</p:sld>
+</file>
+
+<file path=ppt/slides/slide20.xml><?xml version="1.0" encoding="utf-8"?>
+<p:sld xmlns:a="http://schemas.openxmlformats.org/drawingml/2006/main" xmlns:r="http://schemas.openxmlformats.org/officeDocument/2006/relationships" xmlns:p="http://schemas.openxmlformats.org/presentationml/2006/main">
+  <p:cSld>
+    <p:spTree>
+      <p:nvGrpSpPr>
+        <p:cNvPr id="1" name=""/>
+        <p:cNvGrpSpPr/>
+        <p:nvPr/>
+      </p:nvGrpSpPr>
+      <p:grpSpPr>
+        <a:xfrm>
+          <a:off x="0" y="0"/>
+          <a:ext cx="0" cy="0"/>
+          <a:chOff x="0" y="0"/>
+          <a:chExt cx="0" cy="0"/>
+        </a:xfrm>
+      </p:grpSpPr>
+      <p:sp>
+        <p:nvSpPr>
+          <p:cNvPr id="2" name="Title 1"/>
+          <p:cNvSpPr>
+            <a:spLocks noGrp="1"/>
+          </p:cNvSpPr>
+          <p:nvPr>
+            <p:ph type="title"/>
+          </p:nvPr>
+        </p:nvSpPr>
+        <p:spPr>
+          <a:xfrm>
+            <a:off x="1393639" y="0"/>
+            <a:ext cx="9404723" cy="1400530"/>
+          </a:xfrm>
+        </p:spPr>
+        <p:txBody>
+          <a:bodyPr anchor="ctr"/>
+          <a:lstStyle/>
+          <a:p>
+            <a:pPr algn="ctr"/>
+            <a:r>
+              <a:rPr lang="en-US" sz="3600" dirty="0" err="1" smtClean="0"/>
+              <a:t>Área</a:t>
+            </a:r>
+            <a:r>
+              <a:rPr lang="en-US" sz="3600" dirty="0" smtClean="0"/>
+              <a:t> de </a:t>
+            </a:r>
+            <a:r>
+              <a:rPr lang="en-US" sz="3600" dirty="0" err="1" smtClean="0"/>
+              <a:t>planeamento</a:t>
+            </a:r>
+            <a:r>
+              <a:rPr lang="en-US" sz="3600" dirty="0" smtClean="0"/>
+              <a:t> de </a:t>
+            </a:r>
+            <a:r>
+              <a:rPr lang="en-US" sz="3600" dirty="0" err="1" smtClean="0"/>
+              <a:t>produção</a:t>
+            </a:r>
+            <a:endParaRPr lang="en-US" sz="3600" dirty="0"/>
+          </a:p>
+        </p:txBody>
+      </p:sp>
+      <p:sp>
+        <p:nvSpPr>
+          <p:cNvPr id="3" name="Content Placeholder 2"/>
+          <p:cNvSpPr>
+            <a:spLocks noGrp="1"/>
+          </p:cNvSpPr>
+          <p:nvPr>
+            <p:ph idx="1"/>
+          </p:nvPr>
+        </p:nvSpPr>
+        <p:spPr>
+          <a:xfrm>
+            <a:off x="1851821" y="5269385"/>
+            <a:ext cx="8946541" cy="1096849"/>
+          </a:xfrm>
+        </p:spPr>
+        <p:txBody>
+          <a:bodyPr>
+            <a:normAutofit/>
+          </a:bodyPr>
+          <a:lstStyle/>
+          <a:p>
+            <a:r>
+              <a:rPr lang="en-US" dirty="0" smtClean="0"/>
+              <a:t>Production Manager </a:t>
+            </a:r>
+            <a:r>
+              <a:rPr lang="en-US" dirty="0" err="1" smtClean="0"/>
+              <a:t>inicia</a:t>
+            </a:r>
+            <a:r>
+              <a:rPr lang="en-US" dirty="0" smtClean="0"/>
+              <a:t> </a:t>
+            </a:r>
+            <a:r>
+              <a:rPr lang="en-US" dirty="0" err="1" smtClean="0"/>
+              <a:t>planeamento</a:t>
+            </a:r>
+            <a:r>
+              <a:rPr lang="en-US" dirty="0" smtClean="0"/>
+              <a:t> de </a:t>
+            </a:r>
+            <a:r>
+              <a:rPr lang="en-US" dirty="0" err="1" smtClean="0"/>
+              <a:t>produção</a:t>
+            </a:r>
+            <a:r>
+              <a:rPr lang="en-US" dirty="0" smtClean="0"/>
+              <a:t> para um </a:t>
+            </a:r>
+            <a:r>
+              <a:rPr lang="en-US" dirty="0" err="1" smtClean="0"/>
+              <a:t>período</a:t>
+            </a:r>
+            <a:r>
+              <a:rPr lang="en-US" dirty="0" smtClean="0"/>
+              <a:t> de tempo</a:t>
+            </a:r>
+          </a:p>
+        </p:txBody>
+      </p:sp>
+      <p:pic>
+        <p:nvPicPr>
+          <p:cNvPr id="6" name="Picture 5"/>
+          <p:cNvPicPr>
+            <a:picLocks noChangeAspect="1"/>
+          </p:cNvPicPr>
+          <p:nvPr/>
+        </p:nvPicPr>
+        <p:blipFill>
+          <a:blip r:embed="rId2"/>
+          <a:stretch>
+            <a:fillRect/>
+          </a:stretch>
+        </p:blipFill>
+        <p:spPr>
+          <a:xfrm>
+            <a:off x="2053552" y="1275010"/>
+            <a:ext cx="8084897" cy="3816214"/>
+          </a:xfrm>
+          <a:prstGeom prst="rect">
+            <a:avLst/>
+          </a:prstGeom>
+        </p:spPr>
+      </p:pic>
+    </p:spTree>
+    <p:extLst>
+      <p:ext uri="{BB962C8B-B14F-4D97-AF65-F5344CB8AC3E}">
+        <p14:creationId xmlns:p14="http://schemas.microsoft.com/office/powerpoint/2010/main" val="285335538"/>
+      </p:ext>
+    </p:extLst>
+  </p:cSld>
+  <p:clrMapOvr>
+    <a:masterClrMapping/>
+  </p:clrMapOvr>
+  <p:timing>
+    <p:tnLst>
+      <p:par>
+        <p:cTn id="1" dur="indefinite" restart="never" nodeType="tmRoot"/>
+      </p:par>
+    </p:tnLst>
+  </p:timing>
+</p:sld>
+</file>
+
+<file path=ppt/slides/slide21.xml><?xml version="1.0" encoding="utf-8"?>
+<p:sld xmlns:a="http://schemas.openxmlformats.org/drawingml/2006/main" xmlns:r="http://schemas.openxmlformats.org/officeDocument/2006/relationships" xmlns:p="http://schemas.openxmlformats.org/presentationml/2006/main">
+  <p:cSld>
+    <p:spTree>
+      <p:nvGrpSpPr>
+        <p:cNvPr id="1" name=""/>
+        <p:cNvGrpSpPr/>
+        <p:nvPr/>
+      </p:nvGrpSpPr>
+      <p:grpSpPr>
+        <a:xfrm>
+          <a:off x="0" y="0"/>
+          <a:ext cx="0" cy="0"/>
+          <a:chOff x="0" y="0"/>
+          <a:chExt cx="0" cy="0"/>
+        </a:xfrm>
+      </p:grpSpPr>
+      <p:sp>
+        <p:nvSpPr>
+          <p:cNvPr id="2" name="Title 1"/>
+          <p:cNvSpPr>
+            <a:spLocks noGrp="1"/>
+          </p:cNvSpPr>
+          <p:nvPr>
+            <p:ph type="title"/>
+          </p:nvPr>
+        </p:nvSpPr>
+        <p:spPr>
+          <a:xfrm>
+            <a:off x="1393639" y="0"/>
+            <a:ext cx="9404723" cy="1400530"/>
+          </a:xfrm>
+        </p:spPr>
+        <p:txBody>
+          <a:bodyPr anchor="ctr"/>
+          <a:lstStyle/>
+          <a:p>
+            <a:pPr algn="ctr"/>
+            <a:r>
+              <a:rPr lang="en-US" sz="3600" dirty="0" err="1" smtClean="0"/>
+              <a:t>Área</a:t>
+            </a:r>
+            <a:r>
+              <a:rPr lang="en-US" sz="3600" dirty="0" smtClean="0"/>
+              <a:t> de </a:t>
+            </a:r>
+            <a:r>
+              <a:rPr lang="en-US" sz="3600" dirty="0" err="1" smtClean="0"/>
+              <a:t>visualização</a:t>
+            </a:r>
+            <a:r>
+              <a:rPr lang="en-US" sz="3600" dirty="0"/>
+              <a:t> </a:t>
+            </a:r>
+            <a:r>
+              <a:rPr lang="en-US" sz="3600" dirty="0" smtClean="0"/>
+              <a:t>- Widgets</a:t>
+            </a:r>
+            <a:endParaRPr lang="en-US" sz="3600" dirty="0"/>
+          </a:p>
+        </p:txBody>
+      </p:sp>
+      <p:sp>
+        <p:nvSpPr>
+          <p:cNvPr id="3" name="Content Placeholder 2"/>
+          <p:cNvSpPr>
+            <a:spLocks noGrp="1"/>
+          </p:cNvSpPr>
+          <p:nvPr>
+            <p:ph idx="1"/>
+          </p:nvPr>
+        </p:nvSpPr>
+        <p:spPr>
+          <a:xfrm>
+            <a:off x="5769735" y="2279561"/>
+            <a:ext cx="5834129" cy="2975020"/>
+          </a:xfrm>
+        </p:spPr>
+        <p:txBody>
+          <a:bodyPr>
+            <a:normAutofit/>
+          </a:bodyPr>
+          <a:lstStyle/>
+          <a:p>
+            <a:r>
+              <a:rPr lang="en-US" dirty="0" err="1" smtClean="0"/>
+              <a:t>Alteração</a:t>
+            </a:r>
+            <a:r>
+              <a:rPr lang="en-US" dirty="0" smtClean="0"/>
+              <a:t> de </a:t>
+            </a:r>
+            <a:r>
+              <a:rPr lang="en-US" dirty="0" err="1" smtClean="0"/>
+              <a:t>modelo</a:t>
+            </a:r>
+            <a:r>
+              <a:rPr lang="en-US" dirty="0" smtClean="0"/>
+              <a:t> visual </a:t>
+            </a:r>
+            <a:r>
+              <a:rPr lang="en-US" dirty="0" err="1" smtClean="0"/>
+              <a:t>associado</a:t>
+            </a:r>
+            <a:r>
+              <a:rPr lang="en-US" dirty="0" smtClean="0"/>
+              <a:t> a </a:t>
+            </a:r>
+            <a:r>
+              <a:rPr lang="en-US" dirty="0" err="1" smtClean="0"/>
+              <a:t>tipo</a:t>
+            </a:r>
+            <a:r>
+              <a:rPr lang="en-US" dirty="0" smtClean="0"/>
+              <a:t> de </a:t>
+            </a:r>
+            <a:r>
+              <a:rPr lang="en-US" dirty="0" err="1" smtClean="0"/>
+              <a:t>máquina</a:t>
+            </a:r>
+            <a:endParaRPr lang="en-US" dirty="0" smtClean="0"/>
+          </a:p>
+          <a:p>
+            <a:r>
+              <a:rPr lang="en-US" dirty="0" err="1" smtClean="0"/>
+              <a:t>Alteração</a:t>
+            </a:r>
+            <a:r>
+              <a:rPr lang="en-US" dirty="0" smtClean="0"/>
+              <a:t> de </a:t>
+            </a:r>
+            <a:r>
+              <a:rPr lang="en-US" dirty="0" err="1" smtClean="0"/>
+              <a:t>posição</a:t>
+            </a:r>
+            <a:r>
+              <a:rPr lang="en-US" dirty="0" smtClean="0"/>
+              <a:t> de </a:t>
+            </a:r>
+            <a:r>
+              <a:rPr lang="en-US" dirty="0" err="1" smtClean="0"/>
+              <a:t>maquina</a:t>
+            </a:r>
+            <a:r>
+              <a:rPr lang="en-US" dirty="0" smtClean="0"/>
+              <a:t> </a:t>
+            </a:r>
+            <a:r>
+              <a:rPr lang="en-US" dirty="0" err="1" smtClean="0"/>
+              <a:t>dentro</a:t>
+            </a:r>
+            <a:r>
+              <a:rPr lang="en-US" dirty="0" smtClean="0"/>
+              <a:t> de </a:t>
+            </a:r>
+            <a:r>
+              <a:rPr lang="en-US" dirty="0" err="1" smtClean="0"/>
+              <a:t>uma</a:t>
+            </a:r>
+            <a:r>
+              <a:rPr lang="en-US" dirty="0" smtClean="0"/>
+              <a:t> </a:t>
+            </a:r>
+            <a:r>
+              <a:rPr lang="en-US" dirty="0" err="1" smtClean="0"/>
+              <a:t>linha</a:t>
+            </a:r>
+            <a:r>
+              <a:rPr lang="en-US" dirty="0" smtClean="0"/>
+              <a:t> de </a:t>
+            </a:r>
+            <a:r>
+              <a:rPr lang="en-US" dirty="0" err="1" smtClean="0"/>
+              <a:t>produção</a:t>
+            </a:r>
+            <a:endParaRPr lang="en-US" dirty="0" smtClean="0"/>
+          </a:p>
+          <a:p>
+            <a:r>
+              <a:rPr lang="en-US" dirty="0" err="1" smtClean="0"/>
+              <a:t>Movimentar</a:t>
+            </a:r>
+            <a:r>
+              <a:rPr lang="en-US" dirty="0" smtClean="0"/>
+              <a:t> </a:t>
+            </a:r>
+            <a:r>
+              <a:rPr lang="en-US" dirty="0" err="1" smtClean="0"/>
+              <a:t>maquina</a:t>
+            </a:r>
+            <a:r>
+              <a:rPr lang="en-US" dirty="0" smtClean="0"/>
+              <a:t> entre </a:t>
+            </a:r>
+            <a:r>
+              <a:rPr lang="en-US" dirty="0" err="1" smtClean="0"/>
+              <a:t>linhas</a:t>
+            </a:r>
+            <a:r>
+              <a:rPr lang="en-US" dirty="0" smtClean="0"/>
+              <a:t> de </a:t>
+            </a:r>
+            <a:r>
+              <a:rPr lang="en-US" dirty="0" err="1" smtClean="0"/>
+              <a:t>produção</a:t>
+            </a:r>
+            <a:endParaRPr lang="en-US" dirty="0" smtClean="0"/>
+          </a:p>
+          <a:p>
+            <a:r>
+              <a:rPr lang="en-US" dirty="0" err="1" smtClean="0"/>
+              <a:t>Iniciar</a:t>
+            </a:r>
+            <a:r>
+              <a:rPr lang="en-US" dirty="0" smtClean="0"/>
+              <a:t> </a:t>
+            </a:r>
+            <a:r>
+              <a:rPr lang="en-US" dirty="0" err="1" smtClean="0"/>
+              <a:t>simulação</a:t>
+            </a:r>
+            <a:r>
+              <a:rPr lang="en-US" dirty="0" smtClean="0"/>
+              <a:t> de </a:t>
+            </a:r>
+            <a:r>
+              <a:rPr lang="en-US" dirty="0" err="1" smtClean="0"/>
+              <a:t>plano</a:t>
+            </a:r>
+            <a:r>
+              <a:rPr lang="en-US" dirty="0" smtClean="0"/>
+              <a:t> de </a:t>
+            </a:r>
+            <a:r>
+              <a:rPr lang="en-US" dirty="0" err="1" smtClean="0"/>
+              <a:t>produção</a:t>
+            </a:r>
+            <a:endParaRPr lang="en-US" dirty="0" smtClean="0"/>
+          </a:p>
+        </p:txBody>
+      </p:sp>
+      <p:pic>
+        <p:nvPicPr>
+          <p:cNvPr id="4" name="Picture 3"/>
+          <p:cNvPicPr>
+            <a:picLocks noChangeAspect="1"/>
+          </p:cNvPicPr>
+          <p:nvPr/>
+        </p:nvPicPr>
+        <p:blipFill>
+          <a:blip r:embed="rId2"/>
+          <a:stretch>
+            <a:fillRect/>
+          </a:stretch>
+        </p:blipFill>
+        <p:spPr>
+          <a:xfrm>
+            <a:off x="814089" y="2279560"/>
+            <a:ext cx="4467815" cy="2517080"/>
+          </a:xfrm>
+          <a:prstGeom prst="rect">
+            <a:avLst/>
+          </a:prstGeom>
+        </p:spPr>
+      </p:pic>
+    </p:spTree>
+    <p:extLst>
+      <p:ext uri="{BB962C8B-B14F-4D97-AF65-F5344CB8AC3E}">
+        <p14:creationId xmlns:p14="http://schemas.microsoft.com/office/powerpoint/2010/main" val="2339805955"/>
+      </p:ext>
+    </p:extLst>
+  </p:cSld>
+  <p:clrMapOvr>
+    <a:masterClrMapping/>
+  </p:clrMapOvr>
+  <p:timing>
+    <p:tnLst>
+      <p:par>
+        <p:cTn id="1" dur="indefinite" restart="never" nodeType="tmRoot"/>
+      </p:par>
+    </p:tnLst>
+  </p:timing>
+</p:sld>
+</file>
+
+<file path=ppt/slides/slide3.xml><?xml version="1.0" encoding="utf-8"?>
+<p:sld xmlns:a="http://schemas.openxmlformats.org/drawingml/2006/main" xmlns:r="http://schemas.openxmlformats.org/officeDocument/2006/relationships" xmlns:p="http://schemas.openxmlformats.org/presentationml/2006/main">
+  <p:cSld>
+    <p:spTree>
+      <p:nvGrpSpPr>
+        <p:cNvPr id="1" name=""/>
+        <p:cNvGrpSpPr/>
+        <p:nvPr/>
+      </p:nvGrpSpPr>
+      <p:grpSpPr>
+        <a:xfrm>
+          <a:off x="0" y="0"/>
+          <a:ext cx="0" cy="0"/>
+          <a:chOff x="0" y="0"/>
+          <a:chExt cx="0" cy="0"/>
+        </a:xfrm>
+      </p:grpSpPr>
+      <p:sp>
+        <p:nvSpPr>
+          <p:cNvPr id="2" name="Title 1"/>
+          <p:cNvSpPr>
+            <a:spLocks noGrp="1"/>
+          </p:cNvSpPr>
+          <p:nvPr>
+            <p:ph type="title"/>
+          </p:nvPr>
+        </p:nvSpPr>
+        <p:spPr>
+          <a:xfrm>
+            <a:off x="1287622" y="134666"/>
+            <a:ext cx="9404723" cy="1031525"/>
+          </a:xfrm>
+        </p:spPr>
+        <p:txBody>
+          <a:bodyPr anchor="ctr"/>
+          <a:lstStyle/>
+          <a:p>
+            <a:pPr algn="ctr"/>
+            <a:r>
+              <a:rPr lang="en-US" dirty="0" err="1" smtClean="0"/>
+              <a:t>Metodologia</a:t>
+            </a:r>
+            <a:r>
+              <a:rPr lang="en-US" dirty="0" smtClean="0"/>
+              <a:t> de </a:t>
+            </a:r>
+            <a:r>
+              <a:rPr lang="en-US" dirty="0" err="1" smtClean="0"/>
+              <a:t>trabalho</a:t>
+            </a:r>
+            <a:endParaRPr lang="en-US" dirty="0"/>
+          </a:p>
+        </p:txBody>
+      </p:sp>
+      <p:sp>
+        <p:nvSpPr>
+          <p:cNvPr id="3" name="Content Placeholder 2"/>
+          <p:cNvSpPr>
+            <a:spLocks noGrp="1"/>
+          </p:cNvSpPr>
+          <p:nvPr>
+            <p:ph idx="1"/>
+          </p:nvPr>
+        </p:nvSpPr>
+        <p:spPr>
+          <a:xfrm>
+            <a:off x="6069496" y="2052918"/>
+            <a:ext cx="5141843" cy="4195481"/>
+          </a:xfrm>
+        </p:spPr>
+        <p:txBody>
+          <a:bodyPr/>
+          <a:lstStyle/>
+          <a:p>
+            <a:r>
+              <a:rPr lang="en-US" dirty="0" err="1" smtClean="0"/>
+              <a:t>Adoção</a:t>
+            </a:r>
+            <a:r>
+              <a:rPr lang="en-US" dirty="0" smtClean="0"/>
+              <a:t> de </a:t>
+            </a:r>
+            <a:r>
+              <a:rPr lang="en-US" dirty="0" err="1" smtClean="0"/>
+              <a:t>processo</a:t>
+            </a:r>
+            <a:r>
+              <a:rPr lang="en-US" dirty="0" smtClean="0"/>
+              <a:t> de </a:t>
+            </a:r>
+            <a:r>
+              <a:rPr lang="en-US" dirty="0" err="1" smtClean="0"/>
+              <a:t>engenharia</a:t>
+            </a:r>
+            <a:r>
+              <a:rPr lang="en-US" dirty="0" smtClean="0"/>
+              <a:t> de software, </a:t>
+            </a:r>
+            <a:r>
+              <a:rPr lang="en-US" dirty="0" err="1" smtClean="0"/>
+              <a:t>nomeadamente</a:t>
+            </a:r>
+            <a:r>
+              <a:rPr lang="en-US" dirty="0" smtClean="0"/>
+              <a:t> </a:t>
+            </a:r>
+            <a:r>
+              <a:rPr lang="en-US" dirty="0" err="1" smtClean="0"/>
+              <a:t>elaboração</a:t>
+            </a:r>
+            <a:r>
+              <a:rPr lang="en-US" dirty="0" smtClean="0"/>
+              <a:t> de </a:t>
+            </a:r>
+            <a:r>
+              <a:rPr lang="en-US" dirty="0" err="1" smtClean="0"/>
+              <a:t>documentação</a:t>
+            </a:r>
+            <a:r>
+              <a:rPr lang="en-US" dirty="0" smtClean="0"/>
+              <a:t> de </a:t>
+            </a:r>
+            <a:r>
+              <a:rPr lang="en-US" dirty="0" err="1" smtClean="0"/>
+              <a:t>análise</a:t>
+            </a:r>
+            <a:r>
+              <a:rPr lang="en-US" dirty="0" smtClean="0"/>
+              <a:t> e design da </a:t>
+            </a:r>
+            <a:r>
+              <a:rPr lang="en-US" dirty="0" err="1" smtClean="0"/>
+              <a:t>solução</a:t>
+            </a:r>
+            <a:r>
+              <a:rPr lang="en-US" dirty="0" smtClean="0"/>
+              <a:t> para </a:t>
+            </a:r>
+            <a:r>
+              <a:rPr lang="en-US" dirty="0" err="1" smtClean="0"/>
+              <a:t>cada</a:t>
+            </a:r>
+            <a:r>
+              <a:rPr lang="en-US" dirty="0" smtClean="0"/>
+              <a:t> </a:t>
+            </a:r>
+            <a:r>
+              <a:rPr lang="en-US" dirty="0" err="1" smtClean="0"/>
+              <a:t>requisito</a:t>
+            </a:r>
+            <a:endParaRPr lang="en-US" dirty="0" smtClean="0"/>
+          </a:p>
+          <a:p>
+            <a:r>
+              <a:rPr lang="en-US" dirty="0" err="1" smtClean="0"/>
+              <a:t>Adoção</a:t>
+            </a:r>
+            <a:r>
+              <a:rPr lang="en-US" dirty="0" smtClean="0"/>
+              <a:t> da </a:t>
+            </a:r>
+            <a:r>
+              <a:rPr lang="en-US" dirty="0" err="1" smtClean="0"/>
+              <a:t>ferramenta</a:t>
+            </a:r>
+            <a:r>
+              <a:rPr lang="en-US" dirty="0" smtClean="0"/>
+              <a:t> de </a:t>
+            </a:r>
+            <a:r>
+              <a:rPr lang="en-US" dirty="0" err="1" smtClean="0"/>
+              <a:t>controlo</a:t>
+            </a:r>
+            <a:r>
+              <a:rPr lang="en-US" dirty="0" smtClean="0"/>
+              <a:t> de </a:t>
+            </a:r>
+            <a:r>
+              <a:rPr lang="en-US" dirty="0" err="1" smtClean="0"/>
+              <a:t>versões</a:t>
+            </a:r>
+            <a:r>
+              <a:rPr lang="en-US" dirty="0" smtClean="0"/>
+              <a:t> </a:t>
+            </a:r>
+            <a:r>
+              <a:rPr lang="en-US" dirty="0" err="1" smtClean="0"/>
+              <a:t>Git</a:t>
+            </a:r>
+            <a:endParaRPr lang="en-US" dirty="0" smtClean="0"/>
+          </a:p>
+          <a:p>
+            <a:r>
+              <a:rPr lang="en-US" dirty="0">
+                <a:hlinkClick r:id="rId2"/>
+              </a:rPr>
+              <a:t>https://bitbucket.org/1161882/lei19-20_s5_3na_64/issues/84/arqsi_47_0-arquitetura-da-solu-o-api</a:t>
+            </a:r>
+            <a:endParaRPr lang="en-US" dirty="0" smtClean="0"/>
+          </a:p>
+          <a:p>
+            <a:endParaRPr lang="en-US" dirty="0"/>
+          </a:p>
+        </p:txBody>
+      </p:sp>
+      <p:pic>
+        <p:nvPicPr>
+          <p:cNvPr id="5" name="Picture 4"/>
+          <p:cNvPicPr>
+            <a:picLocks noChangeAspect="1"/>
+          </p:cNvPicPr>
+          <p:nvPr/>
+        </p:nvPicPr>
+        <p:blipFill>
+          <a:blip r:embed="rId3"/>
+          <a:stretch>
+            <a:fillRect/>
+          </a:stretch>
+        </p:blipFill>
+        <p:spPr>
+          <a:xfrm>
+            <a:off x="288103" y="1364974"/>
+            <a:ext cx="5675376" cy="5129589"/>
+          </a:xfrm>
+          <a:prstGeom prst="rect">
+            <a:avLst/>
+          </a:prstGeom>
+        </p:spPr>
+      </p:pic>
+    </p:spTree>
+    <p:extLst>
+      <p:ext uri="{BB962C8B-B14F-4D97-AF65-F5344CB8AC3E}">
+        <p14:creationId xmlns:p14="http://schemas.microsoft.com/office/powerpoint/2010/main" val="1015140652"/>
+      </p:ext>
+    </p:extLst>
+  </p:cSld>
+  <p:clrMapOvr>
+    <a:masterClrMapping/>
+  </p:clrMapOvr>
+  <p:timing>
+    <p:tnLst>
+      <p:par>
+        <p:cTn id="1" dur="indefinite" restart="never" nodeType="tmRoot"/>
+      </p:par>
+    </p:tnLst>
+  </p:timing>
+</p:sld>
+</file>
+
+<file path=ppt/slides/slide4.xml><?xml version="1.0" encoding="utf-8"?>
+<p:sld xmlns:a="http://schemas.openxmlformats.org/drawingml/2006/main" xmlns:r="http://schemas.openxmlformats.org/officeDocument/2006/relationships" xmlns:p="http://schemas.openxmlformats.org/presentationml/2006/main">
+  <p:cSld>
+    <p:spTree>
+      <p:nvGrpSpPr>
+        <p:cNvPr id="1" name=""/>
+        <p:cNvGrpSpPr/>
+        <p:nvPr/>
+      </p:nvGrpSpPr>
+      <p:grpSpPr>
+        <a:xfrm>
+          <a:off x="0" y="0"/>
+          <a:ext cx="0" cy="0"/>
+          <a:chOff x="0" y="0"/>
+          <a:chExt cx="0" cy="0"/>
+        </a:xfrm>
+      </p:grpSpPr>
+      <p:sp>
+        <p:nvSpPr>
+          <p:cNvPr id="2" name="Title 1"/>
+          <p:cNvSpPr>
+            <a:spLocks noGrp="1"/>
+          </p:cNvSpPr>
+          <p:nvPr>
+            <p:ph type="title"/>
+          </p:nvPr>
+        </p:nvSpPr>
+        <p:spPr>
+          <a:xfrm>
+            <a:off x="1287622" y="134666"/>
+            <a:ext cx="9404723" cy="1031525"/>
+          </a:xfrm>
+        </p:spPr>
+        <p:txBody>
+          <a:bodyPr anchor="ctr"/>
+          <a:lstStyle/>
+          <a:p>
+            <a:pPr algn="ctr"/>
+            <a:r>
+              <a:rPr lang="en-US" dirty="0" err="1" smtClean="0"/>
+              <a:t>Metodologia</a:t>
+            </a:r>
+            <a:r>
+              <a:rPr lang="en-US" dirty="0" smtClean="0"/>
+              <a:t> de </a:t>
+            </a:r>
+            <a:r>
+              <a:rPr lang="en-US" dirty="0" err="1" smtClean="0"/>
+              <a:t>trabalho</a:t>
+            </a:r>
+            <a:endParaRPr lang="en-US" dirty="0"/>
+          </a:p>
+        </p:txBody>
+      </p:sp>
+      <p:sp>
+        <p:nvSpPr>
+          <p:cNvPr id="3" name="Content Placeholder 2"/>
+          <p:cNvSpPr>
+            <a:spLocks noGrp="1"/>
+          </p:cNvSpPr>
+          <p:nvPr>
+            <p:ph idx="1"/>
+          </p:nvPr>
+        </p:nvSpPr>
+        <p:spPr>
+          <a:xfrm>
+            <a:off x="6069496" y="2052918"/>
+            <a:ext cx="5141843" cy="4195481"/>
+          </a:xfrm>
+        </p:spPr>
+        <p:txBody>
+          <a:bodyPr/>
+          <a:lstStyle/>
+          <a:p>
+            <a:r>
+              <a:rPr lang="en-US" dirty="0" smtClean="0"/>
+              <a:t>Issue de </a:t>
+            </a:r>
+            <a:r>
+              <a:rPr lang="en-US" dirty="0" err="1" smtClean="0"/>
+              <a:t>integração</a:t>
+            </a:r>
+            <a:r>
+              <a:rPr lang="en-US" dirty="0" smtClean="0"/>
+              <a:t> entre modulo de </a:t>
+            </a:r>
+            <a:r>
+              <a:rPr lang="en-US" dirty="0" err="1" smtClean="0"/>
+              <a:t>planeamento</a:t>
+            </a:r>
+            <a:r>
+              <a:rPr lang="en-US" dirty="0" smtClean="0"/>
+              <a:t> de </a:t>
+            </a:r>
+            <a:r>
+              <a:rPr lang="en-US" dirty="0" err="1" smtClean="0"/>
+              <a:t>produção</a:t>
+            </a:r>
+            <a:r>
+              <a:rPr lang="en-US" dirty="0" smtClean="0"/>
+              <a:t> e modulo de </a:t>
+            </a:r>
+            <a:r>
+              <a:rPr lang="en-US" dirty="0" err="1" smtClean="0"/>
+              <a:t>visualização</a:t>
+            </a:r>
+            <a:endParaRPr lang="en-US" dirty="0" smtClean="0"/>
+          </a:p>
+          <a:p>
+            <a:r>
+              <a:rPr lang="en-US" dirty="0">
+                <a:hlinkClick r:id="rId2"/>
+              </a:rPr>
+              <a:t>https://bitbucket.org/1161882/lei19-20_s5_3na_64/issues/138/lapr5-m-dulo-productionplanning-integra-o</a:t>
+            </a:r>
+            <a:endParaRPr lang="en-US" dirty="0"/>
+          </a:p>
+        </p:txBody>
+      </p:sp>
+      <p:pic>
+        <p:nvPicPr>
+          <p:cNvPr id="4" name="Picture 3"/>
+          <p:cNvPicPr>
+            <a:picLocks noChangeAspect="1"/>
+          </p:cNvPicPr>
+          <p:nvPr/>
+        </p:nvPicPr>
+        <p:blipFill>
+          <a:blip r:embed="rId3"/>
+          <a:stretch>
+            <a:fillRect/>
+          </a:stretch>
+        </p:blipFill>
+        <p:spPr>
+          <a:xfrm>
+            <a:off x="104016" y="1711100"/>
+            <a:ext cx="5965480" cy="4879115"/>
+          </a:xfrm>
+          <a:prstGeom prst="rect">
+            <a:avLst/>
+          </a:prstGeom>
+        </p:spPr>
+      </p:pic>
+    </p:spTree>
+    <p:extLst>
+      <p:ext uri="{BB962C8B-B14F-4D97-AF65-F5344CB8AC3E}">
+        <p14:creationId xmlns:p14="http://schemas.microsoft.com/office/powerpoint/2010/main" val="1287465448"/>
+      </p:ext>
+    </p:extLst>
+  </p:cSld>
+  <p:clrMapOvr>
+    <a:masterClrMapping/>
+  </p:clrMapOvr>
+  <p:timing>
+    <p:tnLst>
+      <p:par>
+        <p:cTn id="1" dur="indefinite" restart="never" nodeType="tmRoot"/>
+      </p:par>
+    </p:tnLst>
+  </p:timing>
+</p:sld>
+</file>
+
+<file path=ppt/slides/slide5.xml><?xml version="1.0" encoding="utf-8"?>
+<p:sld xmlns:a="http://schemas.openxmlformats.org/drawingml/2006/main" xmlns:r="http://schemas.openxmlformats.org/officeDocument/2006/relationships" xmlns:p="http://schemas.openxmlformats.org/presentationml/2006/main">
+  <p:cSld>
+    <p:spTree>
+      <p:nvGrpSpPr>
+        <p:cNvPr id="1" name=""/>
+        <p:cNvGrpSpPr/>
+        <p:nvPr/>
+      </p:nvGrpSpPr>
+      <p:grpSpPr>
+        <a:xfrm>
+          <a:off x="0" y="0"/>
+          <a:ext cx="0" cy="0"/>
+          <a:chOff x="0" y="0"/>
+          <a:chExt cx="0" cy="0"/>
+        </a:xfrm>
+      </p:grpSpPr>
+      <p:sp>
+        <p:nvSpPr>
+          <p:cNvPr id="4" name="Title 1"/>
+          <p:cNvSpPr txBox="1">
+            <a:spLocks/>
+          </p:cNvSpPr>
+          <p:nvPr/>
+        </p:nvSpPr>
+        <p:spPr>
+          <a:xfrm>
+            <a:off x="1287622" y="134666"/>
+            <a:ext cx="9404723" cy="1031525"/>
+          </a:xfrm>
+          <a:prstGeom prst="rect">
+            <a:avLst/>
+          </a:prstGeom>
+        </p:spPr>
+        <p:txBody>
+          <a:bodyPr vert="horz" lIns="91440" tIns="45720" rIns="91440" bIns="45720" rtlCol="0" anchor="ctr">
+            <a:noAutofit/>
+          </a:bodyPr>
+          <a:lstStyle>
+            <a:lvl1pPr algn="l" defTabSz="457200" rtl="0" eaLnBrk="1" latinLnBrk="0" hangingPunct="1">
+              <a:spcBef>
+                <a:spcPct val="0"/>
+              </a:spcBef>
+              <a:buNone/>
+              <a:defRPr sz="4200" b="0" i="0" kern="1200">
+                <a:solidFill>
+                  <a:schemeClr val="tx2"/>
+                </a:solidFill>
+                <a:latin typeface="+mj-lt"/>
+                <a:ea typeface="+mj-ea"/>
+                <a:cs typeface="+mj-cs"/>
+              </a:defRPr>
+            </a:lvl1pPr>
+            <a:lvl2pPr eaLnBrk="1" hangingPunct="1">
+              <a:defRPr>
+                <a:solidFill>
+                  <a:schemeClr val="tx2"/>
+                </a:solidFill>
+              </a:defRPr>
+            </a:lvl2pPr>
+            <a:lvl3pPr eaLnBrk="1" hangingPunct="1">
+              <a:defRPr>
+                <a:solidFill>
+                  <a:schemeClr val="tx2"/>
+                </a:solidFill>
+              </a:defRPr>
+            </a:lvl3pPr>
+            <a:lvl4pPr eaLnBrk="1" hangingPunct="1">
+              <a:defRPr>
+                <a:solidFill>
+                  <a:schemeClr val="tx2"/>
+                </a:solidFill>
+              </a:defRPr>
+            </a:lvl4pPr>
+            <a:lvl5pPr eaLnBrk="1" hangingPunct="1">
+              <a:defRPr>
+                <a:solidFill>
+                  <a:schemeClr val="tx2"/>
+                </a:solidFill>
+              </a:defRPr>
+            </a:lvl5pPr>
+            <a:lvl6pPr eaLnBrk="1" hangingPunct="1">
+              <a:defRPr>
+                <a:solidFill>
+                  <a:schemeClr val="tx2"/>
+                </a:solidFill>
+              </a:defRPr>
+            </a:lvl6pPr>
+            <a:lvl7pPr eaLnBrk="1" hangingPunct="1">
+              <a:defRPr>
+                <a:solidFill>
+                  <a:schemeClr val="tx2"/>
+                </a:solidFill>
+              </a:defRPr>
+            </a:lvl7pPr>
+            <a:lvl8pPr eaLnBrk="1" hangingPunct="1">
+              <a:defRPr>
+                <a:solidFill>
+                  <a:schemeClr val="tx2"/>
+                </a:solidFill>
+              </a:defRPr>
+            </a:lvl8pPr>
+            <a:lvl9pPr eaLnBrk="1" hangingPunct="1">
+              <a:defRPr>
+                <a:solidFill>
+                  <a:schemeClr val="tx2"/>
+                </a:solidFill>
+              </a:defRPr>
+            </a:lvl9pPr>
+          </a:lstStyle>
+          <a:p>
+            <a:pPr algn="ctr"/>
+            <a:r>
+              <a:rPr lang="en-US" smtClean="0"/>
+              <a:t>Metodologia de trabalho</a:t>
+            </a:r>
+            <a:endParaRPr lang="en-US" dirty="0"/>
+          </a:p>
+        </p:txBody>
+      </p:sp>
+      <p:pic>
+        <p:nvPicPr>
+          <p:cNvPr id="5" name="Picture 4"/>
+          <p:cNvPicPr>
+            <a:picLocks noChangeAspect="1"/>
+          </p:cNvPicPr>
+          <p:nvPr/>
+        </p:nvPicPr>
+        <p:blipFill>
+          <a:blip r:embed="rId2"/>
+          <a:stretch>
+            <a:fillRect/>
+          </a:stretch>
+        </p:blipFill>
+        <p:spPr>
+          <a:xfrm>
+            <a:off x="361551" y="1654667"/>
+            <a:ext cx="6129402" cy="4810796"/>
+          </a:xfrm>
+          <a:prstGeom prst="rect">
+            <a:avLst/>
+          </a:prstGeom>
+        </p:spPr>
+      </p:pic>
+      <p:sp>
+        <p:nvSpPr>
+          <p:cNvPr id="6" name="Content Placeholder 2"/>
+          <p:cNvSpPr txBox="1">
+            <a:spLocks/>
+          </p:cNvSpPr>
+          <p:nvPr/>
+        </p:nvSpPr>
+        <p:spPr>
+          <a:xfrm>
+            <a:off x="6610408" y="2052917"/>
+            <a:ext cx="5141843" cy="4195481"/>
+          </a:xfrm>
+          <a:prstGeom prst="rect">
+            <a:avLst/>
+          </a:prstGeom>
+        </p:spPr>
+        <p:txBody>
+          <a:bodyPr vert="horz" lIns="91440" tIns="45720" rIns="91440" bIns="45720" rtlCol="0">
+            <a:normAutofit/>
+          </a:bodyPr>
+          <a:lstStyle>
+            <a:lvl1pPr marL="342900" indent="-342900" algn="l" defTabSz="457200" rtl="0" eaLnBrk="1" latinLnBrk="0" hangingPunct="1">
+              <a:spcBef>
+                <a:spcPts val="1000"/>
+              </a:spcBef>
+              <a:spcAft>
+                <a:spcPts val="0"/>
+              </a:spcAft>
+              <a:buClr>
+                <a:schemeClr val="bg2">
+                  <a:lumMod val="40000"/>
+                  <a:lumOff val="60000"/>
+                </a:schemeClr>
+              </a:buClr>
+              <a:buSzPct val="80000"/>
+              <a:buFont typeface="Wingdings 3" charset="2"/>
+              <a:buChar char=""/>
+              <a:defRPr sz="2000" b="0" i="0" kern="1200">
+                <a:solidFill>
+                  <a:schemeClr val="tx1"/>
+                </a:solidFill>
+                <a:latin typeface="+mj-lt"/>
+                <a:ea typeface="+mj-ea"/>
+                <a:cs typeface="+mj-cs"/>
+              </a:defRPr>
+            </a:lvl1pPr>
+            <a:lvl2pPr marL="742950" indent="-285750" algn="l" defTabSz="457200" rtl="0" eaLnBrk="1" latinLnBrk="0" hangingPunct="1">
+              <a:spcBef>
+                <a:spcPts val="1000"/>
+              </a:spcBef>
+              <a:spcAft>
+                <a:spcPts val="0"/>
+              </a:spcAft>
+              <a:buClr>
+                <a:schemeClr val="bg2">
+                  <a:lumMod val="40000"/>
+                  <a:lumOff val="60000"/>
+                </a:schemeClr>
+              </a:buClr>
+              <a:buSzPct val="80000"/>
+              <a:buFont typeface="Wingdings 3" charset="2"/>
+              <a:buChar char=""/>
+              <a:defRPr sz="1800" b="0" i="0" kern="1200">
+                <a:solidFill>
+                  <a:schemeClr val="tx1"/>
+                </a:solidFill>
+                <a:latin typeface="+mj-lt"/>
+                <a:ea typeface="+mj-ea"/>
+                <a:cs typeface="+mj-cs"/>
+              </a:defRPr>
+            </a:lvl2pPr>
+            <a:lvl3pPr marL="1143000" indent="-228600" algn="l" defTabSz="457200" rtl="0" eaLnBrk="1" latinLnBrk="0" hangingPunct="1">
+              <a:spcBef>
+                <a:spcPts val="1000"/>
+              </a:spcBef>
+              <a:spcAft>
+                <a:spcPts val="0"/>
+              </a:spcAft>
+              <a:buClr>
+                <a:schemeClr val="bg2">
+                  <a:lumMod val="40000"/>
+                  <a:lumOff val="60000"/>
+                </a:schemeClr>
+              </a:buClr>
+              <a:buSzPct val="80000"/>
+              <a:buFont typeface="Wingdings 3" charset="2"/>
+              <a:buChar char=""/>
+              <a:defRPr sz="1600" b="0" i="0" kern="1200">
+                <a:solidFill>
+                  <a:schemeClr val="tx1"/>
+                </a:solidFill>
+                <a:latin typeface="+mj-lt"/>
+                <a:ea typeface="+mj-ea"/>
+                <a:cs typeface="+mj-cs"/>
+              </a:defRPr>
+            </a:lvl3pPr>
+            <a:lvl4pPr marL="1600200" indent="-228600" algn="l" defTabSz="457200" rtl="0" eaLnBrk="1" latinLnBrk="0" hangingPunct="1">
+              <a:spcBef>
+                <a:spcPts val="1000"/>
+              </a:spcBef>
+              <a:spcAft>
+                <a:spcPts val="0"/>
+              </a:spcAft>
+              <a:buClr>
+                <a:schemeClr val="bg2">
+                  <a:lumMod val="40000"/>
+                  <a:lumOff val="60000"/>
+                </a:schemeClr>
+              </a:buClr>
+              <a:buSzPct val="80000"/>
+              <a:buFont typeface="Wingdings 3" charset="2"/>
+              <a:buChar char=""/>
+              <a:defRPr sz="1400" b="0" i="0" kern="1200">
+                <a:solidFill>
+                  <a:schemeClr val="tx1"/>
+                </a:solidFill>
+                <a:latin typeface="+mj-lt"/>
+                <a:ea typeface="+mj-ea"/>
+                <a:cs typeface="+mj-cs"/>
+              </a:defRPr>
+            </a:lvl4pPr>
+            <a:lvl5pPr marL="2057400" indent="-228600" algn="l" defTabSz="457200" rtl="0" eaLnBrk="1" latinLnBrk="0" hangingPunct="1">
+              <a:spcBef>
+                <a:spcPts val="1000"/>
+              </a:spcBef>
+              <a:spcAft>
+                <a:spcPts val="0"/>
+              </a:spcAft>
+              <a:buClr>
+                <a:schemeClr val="bg2">
+                  <a:lumMod val="40000"/>
+                  <a:lumOff val="60000"/>
+                </a:schemeClr>
+              </a:buClr>
+              <a:buSzPct val="80000"/>
+              <a:buFont typeface="Wingdings 3" charset="2"/>
+              <a:buChar char=""/>
+              <a:defRPr sz="1400" b="0" i="0" kern="1200">
+                <a:solidFill>
+                  <a:schemeClr val="tx1"/>
+                </a:solidFill>
+                <a:latin typeface="+mj-lt"/>
+                <a:ea typeface="+mj-ea"/>
+                <a:cs typeface="+mj-cs"/>
+              </a:defRPr>
+            </a:lvl5pPr>
+            <a:lvl6pPr marL="2506000" indent="-228600" algn="l" defTabSz="457200" rtl="0" eaLnBrk="1" latinLnBrk="0" hangingPunct="1">
+              <a:spcBef>
+                <a:spcPts val="1000"/>
+              </a:spcBef>
+              <a:spcAft>
+                <a:spcPts val="0"/>
+              </a:spcAft>
+              <a:buClr>
+                <a:schemeClr val="bg2">
+                  <a:lumMod val="40000"/>
+                  <a:lumOff val="60000"/>
+                </a:schemeClr>
+              </a:buClr>
+              <a:buSzPct val="80000"/>
+              <a:buFont typeface="Wingdings 3" charset="2"/>
+              <a:buChar char=""/>
+              <a:defRPr sz="1400" b="0" i="0" kern="1200">
+                <a:solidFill>
+                  <a:schemeClr val="tx1"/>
+                </a:solidFill>
+                <a:latin typeface="+mj-lt"/>
+                <a:ea typeface="+mj-ea"/>
+                <a:cs typeface="+mj-cs"/>
+              </a:defRPr>
+            </a:lvl6pPr>
+            <a:lvl7pPr marL="2971800" indent="-228600" algn="l" defTabSz="457200" rtl="0" eaLnBrk="1" latinLnBrk="0" hangingPunct="1">
+              <a:spcBef>
+                <a:spcPts val="1000"/>
+              </a:spcBef>
+              <a:spcAft>
+                <a:spcPts val="0"/>
+              </a:spcAft>
+              <a:buClr>
+                <a:schemeClr val="bg2">
+                  <a:lumMod val="40000"/>
+                  <a:lumOff val="60000"/>
+                </a:schemeClr>
+              </a:buClr>
+              <a:buSzPct val="80000"/>
+              <a:buFont typeface="Wingdings 3" charset="2"/>
+              <a:buChar char=""/>
+              <a:defRPr sz="1400" b="0" i="0" kern="1200">
+                <a:solidFill>
+                  <a:schemeClr val="tx1"/>
+                </a:solidFill>
+                <a:latin typeface="+mj-lt"/>
+                <a:ea typeface="+mj-ea"/>
+                <a:cs typeface="+mj-cs"/>
+              </a:defRPr>
+            </a:lvl7pPr>
+            <a:lvl8pPr marL="3429000" indent="-228600" algn="l" defTabSz="457200" rtl="0" eaLnBrk="1" latinLnBrk="0" hangingPunct="1">
+              <a:spcBef>
+                <a:spcPts val="1000"/>
+              </a:spcBef>
+              <a:spcAft>
+                <a:spcPts val="0"/>
+              </a:spcAft>
+              <a:buClr>
+                <a:schemeClr val="bg2">
+                  <a:lumMod val="40000"/>
+                  <a:lumOff val="60000"/>
+                </a:schemeClr>
+              </a:buClr>
+              <a:buSzPct val="80000"/>
+              <a:buFont typeface="Wingdings 3" charset="2"/>
+              <a:buChar char=""/>
+              <a:defRPr sz="1400" b="0" i="0" kern="1200">
+                <a:solidFill>
+                  <a:schemeClr val="tx1"/>
+                </a:solidFill>
+                <a:latin typeface="+mj-lt"/>
+                <a:ea typeface="+mj-ea"/>
+                <a:cs typeface="+mj-cs"/>
+              </a:defRPr>
+            </a:lvl8pPr>
+            <a:lvl9pPr marL="3886200" indent="-228600" algn="l" defTabSz="457200" rtl="0" eaLnBrk="1" latinLnBrk="0" hangingPunct="1">
+              <a:spcBef>
+                <a:spcPts val="1000"/>
+              </a:spcBef>
+              <a:spcAft>
+                <a:spcPts val="0"/>
+              </a:spcAft>
+              <a:buClr>
+                <a:schemeClr val="bg2">
+                  <a:lumMod val="40000"/>
+                  <a:lumOff val="60000"/>
+                </a:schemeClr>
+              </a:buClr>
+              <a:buSzPct val="80000"/>
+              <a:buFont typeface="Wingdings 3" charset="2"/>
+              <a:buChar char=""/>
+              <a:defRPr sz="1400" b="0" i="0" kern="1200">
+                <a:solidFill>
+                  <a:schemeClr val="tx1"/>
+                </a:solidFill>
+                <a:latin typeface="+mj-lt"/>
+                <a:ea typeface="+mj-ea"/>
+                <a:cs typeface="+mj-cs"/>
+              </a:defRPr>
+            </a:lvl9pPr>
+          </a:lstStyle>
+          <a:p>
+            <a:r>
               <a:rPr lang="en-US" dirty="0" smtClean="0"/>
               <a:t>Issue </a:t>
             </a:r>
@@ -9434,6 +9868,13 @@
   <p:clrMapOvr>
     <a:masterClrMapping/>
   </p:clrMapOvr>
+  <p:timing>
+    <p:tnLst>
+      <p:par>
+        <p:cTn id="1" dur="indefinite" restart="never" nodeType="tmRoot"/>
+      </p:par>
+    </p:tnLst>
+  </p:timing>
 </p:sld>
 </file>
 
